--- a/slides/seminar_20170111.pptx
+++ b/slides/seminar_20170111.pptx
@@ -5371,11 +5371,7 @@
           <a:p>
             <a:r>
               <a:rPr lang="en-US" altLang="ja-JP" dirty="0"/>
-              <a:t>Encoding for human motions by sticky-</a:t>
-            </a:r>
-            <a:r>
-              <a:rPr lang="en-US" altLang="ja-JP" dirty="0"/>
-              <a:t>Hierarchical </a:t>
+              <a:t>Encoding for human motions by sticky-Hierarchical </a:t>
             </a:r>
             <a:r>
               <a:rPr lang="en-US" altLang="ja-JP" dirty="0" err="1"/>
@@ -7055,7 +7051,6 @@
               <a:rPr lang="en-US" altLang="ja-JP" dirty="0"/>
               <a:t>-HMM</a:t>
             </a:r>
-            <a:endParaRPr lang="en-US" altLang="ja-JP" dirty="0"/>
           </a:p>
           <a:p>
             <a:pPr lvl="1"/>
@@ -9307,8 +9302,8 @@
           <a:chExt cx="0" cy="0"/>
         </a:xfrm>
       </p:grpSpPr>
-      <mc:AlternateContent xmlns:mc="http://schemas.openxmlformats.org/markup-compatibility/2006" xmlns:a14="http://schemas.microsoft.com/office/drawing/2010/main">
-        <mc:Choice Requires="a14">
+      <mc:AlternateContent xmlns:mc="http://schemas.openxmlformats.org/markup-compatibility/2006">
+        <mc:Choice xmlns:a14="http://schemas.microsoft.com/office/drawing/2010/main" Requires="a14">
           <p:sp>
             <p:nvSpPr>
               <p:cNvPr id="2" name="コンテンツ プレースホルダー 1"/>
@@ -9321,22 +9316,35 @@
             </p:nvSpPr>
             <p:spPr/>
             <p:txBody>
-              <a:bodyPr/>
+              <a:bodyPr>
+                <a:normAutofit/>
+              </a:bodyPr>
               <a:lstStyle/>
               <a:p>
                 <a:r>
-                  <a:rPr kumimoji="1" lang="ja-JP" altLang="en-US" dirty="0"/>
-                  <a:t>ディリクレ過程</a:t>
+                  <a:rPr kumimoji="1" lang="en-US" altLang="ja-JP" dirty="0" smtClean="0"/>
+                  <a:t>Dirichlet Process (DP)</a:t>
                 </a:r>
-                <a:endParaRPr kumimoji="1" lang="en-US" altLang="ja-JP" dirty="0"/>
               </a:p>
               <a:p>
                 <a:pPr lvl="1"/>
                 <a:r>
-                  <a:rPr lang="ja-JP" altLang="en-US" dirty="0"/>
-                  <a:t>基底分布に従うディリクレ分布を生成する確率過程</a:t>
+                  <a:rPr lang="en-US" altLang="ja-JP" dirty="0"/>
+                  <a:t>P</a:t>
                 </a:r>
-                <a:endParaRPr lang="en-US" altLang="ja-JP" dirty="0"/>
+                <a:r>
+                  <a:rPr lang="en-US" altLang="ja-JP" dirty="0" smtClean="0"/>
+                  <a:t>robability process to generate </a:t>
+                </a:r>
+                <a:r>
+                  <a:rPr lang="en-US" altLang="ja-JP" dirty="0" err="1" smtClean="0"/>
+                  <a:t>dirichlet</a:t>
+                </a:r>
+                <a:r>
+                  <a:rPr lang="en-US" altLang="ja-JP" dirty="0" smtClean="0"/>
+                  <a:t> distributions based on        "base measure". </a:t>
+                </a:r>
+                <a:endParaRPr kumimoji="1" lang="en-US" altLang="ja-JP" dirty="0"/>
               </a:p>
               <a:p>
                 <a:pPr marL="393192" lvl="1" indent="0">
@@ -9465,28 +9473,79 @@
               <a:p>
                 <a:pPr lvl="1"/>
                 <a:r>
-                  <a:rPr lang="ja-JP" altLang="en-US" dirty="0"/>
-                  <a:t>ディリクレ過程によって生成される分布は離散分布になる</a:t>
+                  <a:rPr lang="en-US" altLang="ja-JP" dirty="0" smtClean="0"/>
+                  <a:t>Distributions </a:t>
+                </a:r>
+                <a:r>
+                  <a:rPr lang="en-US" altLang="ja-JP" dirty="0"/>
+                  <a:t>generated by DP are discrete</a:t>
+                </a:r>
+                <a:r>
+                  <a:rPr lang="en-US" altLang="ja-JP" dirty="0" smtClean="0"/>
+                  <a:t>.</a:t>
+                </a:r>
+              </a:p>
+              <a:p>
+                <a:pPr lvl="1"/>
+                <a:endParaRPr lang="en-US" altLang="ja-JP" dirty="0"/>
+              </a:p>
+              <a:p>
+                <a:r>
+                  <a:rPr lang="en-US" altLang="ja-JP" dirty="0" err="1" smtClean="0"/>
+                  <a:t>Dirichlet</a:t>
+                </a:r>
+                <a:r>
+                  <a:rPr lang="en-US" altLang="ja-JP" dirty="0" smtClean="0"/>
+                  <a:t> Process Mixture model (DPM)</a:t>
                 </a:r>
                 <a:endParaRPr lang="en-US" altLang="ja-JP" dirty="0"/>
               </a:p>
               <a:p>
-                <a:endParaRPr lang="en-US" altLang="ja-JP" dirty="0"/>
-              </a:p>
-              <a:p>
+                <a:pPr lvl="2"/>
+                <a:r>
+                  <a:rPr lang="en-US" altLang="ja-JP" dirty="0"/>
+                  <a:t>Generation</a:t>
+                </a:r>
                 <a:r>
                   <a:rPr lang="ja-JP" altLang="en-US" dirty="0"/>
-                  <a:t>ディリクレ過程混合モデル</a:t>
+                  <a:t> </a:t>
                 </a:r>
-                <a:endParaRPr lang="en-US" altLang="ja-JP" dirty="0"/>
-              </a:p>
-              <a:p>
-                <a:pPr lvl="1"/>
                 <a:r>
-                  <a:rPr kumimoji="1" lang="ja-JP" altLang="en-US" dirty="0"/>
-                  <a:t>ディリクレ過程を用いた生成モデル</a:t>
+                  <a:rPr lang="en-US" altLang="ja-JP" dirty="0"/>
+                  <a:t>model</a:t>
                 </a:r>
-                <a:endParaRPr kumimoji="1" lang="en-US" altLang="ja-JP" dirty="0"/>
+                <a:r>
+                  <a:rPr lang="ja-JP" altLang="en-US" dirty="0"/>
+                  <a:t> </a:t>
+                </a:r>
+                <a:r>
+                  <a:rPr lang="en-US" altLang="ja-JP" dirty="0"/>
+                  <a:t>based</a:t>
+                </a:r>
+                <a:r>
+                  <a:rPr lang="ja-JP" altLang="en-US" dirty="0"/>
+                  <a:t> </a:t>
+                </a:r>
+                <a:r>
+                  <a:rPr lang="en-US" altLang="ja-JP" dirty="0"/>
+                  <a:t>on</a:t>
+                </a:r>
+                <a:r>
+                  <a:rPr lang="ja-JP" altLang="en-US" dirty="0"/>
+                  <a:t> </a:t>
+                </a:r>
+                <a:r>
+                  <a:rPr lang="en-US" altLang="ja-JP" dirty="0" err="1"/>
+                  <a:t>Dirichlet</a:t>
+                </a:r>
+                <a:r>
+                  <a:rPr lang="ja-JP" altLang="en-US" dirty="0"/>
+                  <a:t> </a:t>
+                </a:r>
+                <a:r>
+                  <a:rPr lang="en-US" altLang="ja-JP" dirty="0"/>
+                  <a:t>Process</a:t>
+                </a:r>
               </a:p>
               <a:p>
                 <a:pPr marL="393192" lvl="1" indent="0">
@@ -9795,22 +9854,20 @@
                 <a14:m>
                   <m:oMath xmlns:m="http://schemas.openxmlformats.org/officeDocument/2006/math">
                     <m:r>
-                      <a:rPr lang="en-US" altLang="ja-JP" b="0" i="1" smtClean="0">
+                      <a:rPr lang="en-US" altLang="ja-JP" i="1">
                         <a:latin typeface="Cambria Math" panose="02040503050406030204" pitchFamily="18" charset="0"/>
                       </a:rPr>
                       <m:t>𝐺</m:t>
                     </m:r>
-                    <m:r>
-                      <a:rPr lang="en-US" altLang="ja-JP" b="0" i="1" smtClean="0">
-                        <a:latin typeface="Cambria Math" panose="02040503050406030204" pitchFamily="18" charset="0"/>
-                      </a:rPr>
-                      <m:t> </m:t>
-                    </m:r>
                   </m:oMath>
                 </a14:m>
                 <a:r>
-                  <a:rPr kumimoji="1" lang="ja-JP" altLang="en-US" dirty="0"/>
-                  <a:t>は既存の </a:t>
+                  <a:rPr lang="en-US" altLang="ja-JP" dirty="0" smtClean="0"/>
+                  <a:t> </a:t>
+                </a:r>
+                <a:r>
+                  <a:rPr lang="en-US" altLang="ja-JP" dirty="0"/>
+                  <a:t>outputs already existing </a:t>
                 </a:r>
                 <a14:m>
                   <m:oMath xmlns:m="http://schemas.openxmlformats.org/officeDocument/2006/math">
@@ -9818,7 +9875,7 @@
                       <m:rPr>
                         <m:sty m:val="p"/>
                       </m:rPr>
-                      <a:rPr lang="en-US" altLang="ja-JP" i="1">
+                      <a:rPr lang="en-US" altLang="ja-JP" i="1" smtClean="0">
                         <a:latin typeface="Cambria Math" panose="02040503050406030204" pitchFamily="18" charset="0"/>
                       </a:rPr>
                       <m:t>θ</m:t>
@@ -9826,16 +9883,12 @@
                   </m:oMath>
                 </a14:m>
                 <a:r>
-                  <a:rPr kumimoji="1" lang="en-US" altLang="ja-JP" dirty="0"/>
+                  <a:rPr lang="en-US" altLang="ja-JP" dirty="0" smtClean="0"/>
                   <a:t> </a:t>
                 </a:r>
                 <a:r>
-                  <a:rPr kumimoji="1" lang="ja-JP" altLang="en-US" dirty="0"/>
-                  <a:t>を返すか，</a:t>
-                </a:r>
-                <a:r>
-                  <a:rPr lang="ja-JP" altLang="en-US" dirty="0"/>
-                  <a:t>新しい </a:t>
+                  <a:rPr lang="en-US" altLang="ja-JP" dirty="0"/>
+                  <a:t>or pick a new </a:t>
                 </a:r>
                 <a14:m>
                   <m:oMath xmlns:m="http://schemas.openxmlformats.org/officeDocument/2006/math">
@@ -9843,7 +9896,7 @@
                       <m:rPr>
                         <m:sty m:val="p"/>
                       </m:rPr>
-                      <a:rPr lang="en-US" altLang="ja-JP" i="1">
+                      <a:rPr lang="en-US" altLang="ja-JP" i="1" smtClean="0">
                         <a:latin typeface="Cambria Math" panose="02040503050406030204" pitchFamily="18" charset="0"/>
                       </a:rPr>
                       <m:t>θ</m:t>
@@ -9851,12 +9904,12 @@
                   </m:oMath>
                 </a14:m>
                 <a:r>
-                  <a:rPr kumimoji="1" lang="en-US" altLang="ja-JP" dirty="0"/>
+                  <a:rPr lang="en-US" altLang="ja-JP" dirty="0" smtClean="0"/>
                   <a:t> </a:t>
                 </a:r>
                 <a:r>
-                  <a:rPr kumimoji="1" lang="ja-JP" altLang="en-US" dirty="0"/>
-                  <a:t>を </a:t>
+                  <a:rPr lang="en-US" altLang="ja-JP" dirty="0"/>
+                  <a:t>from </a:t>
                 </a:r>
                 <a14:m>
                   <m:oMath xmlns:m="http://schemas.openxmlformats.org/officeDocument/2006/math">
@@ -9870,7 +9923,7 @@
                       </m:sSubPr>
                       <m:e>
                         <m:r>
-                          <a:rPr lang="en-US" altLang="ja-JP" b="0" i="1" smtClean="0">
+                          <a:rPr lang="en-US" altLang="ja-JP" i="1">
                             <a:latin typeface="Cambria Math" panose="02040503050406030204" pitchFamily="18" charset="0"/>
                           </a:rPr>
                           <m:t>𝐺</m:t>
@@ -9888,30 +9941,15 @@
                   </m:oMath>
                 </a14:m>
                 <a:r>
-                  <a:rPr kumimoji="1" lang="en-US" altLang="ja-JP" dirty="0"/>
-                  <a:t> </a:t>
+                  <a:rPr lang="en-US" altLang="ja-JP" dirty="0" smtClean="0"/>
+                  <a:t>.</a:t>
                 </a:r>
-                <a:r>
-                  <a:rPr kumimoji="1" lang="ja-JP" altLang="en-US" dirty="0"/>
-                  <a:t>から取得する</a:t>
-                </a:r>
-                <a:endParaRPr kumimoji="1" lang="en-US" altLang="ja-JP" dirty="0"/>
-              </a:p>
-              <a:p>
-                <a:pPr lvl="1"/>
-                <a:r>
-                  <a:rPr kumimoji="1" lang="ja-JP" altLang="en-US" dirty="0"/>
-                  <a:t>同じパラメータから生成されたパターンでクラスタリングが可能</a:t>
-                </a:r>
-                <a:endParaRPr kumimoji="1" lang="en-US" altLang="ja-JP" dirty="0"/>
-              </a:p>
-              <a:p>
-                <a:endParaRPr kumimoji="1" lang="ja-JP" altLang="en-US" dirty="0"/>
+                <a:endParaRPr kumimoji="1" lang="en-US" altLang="ja-JP" dirty="0" smtClean="0"/>
               </a:p>
             </p:txBody>
           </p:sp>
         </mc:Choice>
-        <mc:Fallback xmlns="">
+        <mc:Fallback>
           <p:sp>
             <p:nvSpPr>
               <p:cNvPr id="2" name="コンテンツ プレースホルダー 1"/>
@@ -9926,7 +9964,7 @@
               <a:blipFill>
                 <a:blip r:embed="rId2"/>
                 <a:stretch>
-                  <a:fillRect t="-936"/>
+                  <a:fillRect t="-936" r="-4474"/>
                 </a:stretch>
               </a:blipFill>
             </p:spPr>
@@ -9961,12 +9999,8 @@
           <a:lstStyle/>
           <a:p>
             <a:r>
-              <a:rPr kumimoji="1" lang="en-US" altLang="ja-JP" dirty="0" err="1"/>
-              <a:t>sHDP</a:t>
-            </a:r>
-            <a:r>
-              <a:rPr kumimoji="1" lang="en-US" altLang="ja-JP" dirty="0"/>
-              <a:t>-HMM</a:t>
+              <a:rPr lang="en-US" altLang="ja-JP" dirty="0" smtClean="0"/>
+              <a:t>DPM</a:t>
             </a:r>
             <a:endParaRPr kumimoji="1" lang="ja-JP" altLang="en-US" dirty="0"/>
           </a:p>
@@ -9986,7 +10020,7 @@
 </file>
 
 <file path=ppt/slides/slide17.xml><?xml version="1.0" encoding="utf-8"?>
-<p:sld xmlns:a="http://schemas.openxmlformats.org/drawingml/2006/main" xmlns:r="http://schemas.openxmlformats.org/officeDocument/2006/relationships" xmlns:p="http://schemas.openxmlformats.org/presentationml/2006/main">
+<p:sld xmlns:a="http://schemas.openxmlformats.org/drawingml/2006/main" xmlns:r="http://schemas.openxmlformats.org/officeDocument/2006/relationships" xmlns:p="http://schemas.openxmlformats.org/presentationml/2006/main" showMasterSp="0">
   <p:cSld>
     <p:spTree>
       <p:nvGrpSpPr>
@@ -10018,44 +10052,51 @@
           <a:lstStyle/>
           <a:p>
             <a:r>
+              <a:rPr lang="en-US" altLang="ja-JP" dirty="0" smtClean="0"/>
+              <a:t>Example of DPM</a:t>
+            </a:r>
+            <a:endParaRPr lang="en-US" altLang="ja-JP" dirty="0"/>
+          </a:p>
+          <a:p>
+            <a:pPr lvl="1"/>
+            <a:r>
+              <a:rPr lang="en-US" altLang="ja-JP" dirty="0" smtClean="0"/>
+              <a:t>Clustering </a:t>
+            </a:r>
+            <a:r>
               <a:rPr lang="en-US" altLang="ja-JP" dirty="0"/>
-              <a:t>DPM </a:t>
-            </a:r>
-            <a:r>
-              <a:rPr lang="ja-JP" altLang="en-US" dirty="0"/>
-              <a:t>の実験</a:t>
+              <a:t>of sample data generated by </a:t>
+            </a:r>
+            <a:r>
+              <a:rPr lang="en-US" altLang="ja-JP" dirty="0" smtClean="0"/>
+              <a:t>GMM.</a:t>
+            </a:r>
+          </a:p>
+          <a:p>
+            <a:pPr lvl="1"/>
+            <a:r>
+              <a:rPr lang="en-US" altLang="ja-JP" dirty="0" smtClean="0"/>
+              <a:t>Base measure is "Normal </a:t>
+            </a:r>
+            <a:r>
+              <a:rPr lang="en-US" altLang="ja-JP" dirty="0" err="1" smtClean="0"/>
+              <a:t>Wishart</a:t>
+            </a:r>
+            <a:r>
+              <a:rPr lang="en-US" altLang="ja-JP" dirty="0" smtClean="0"/>
+              <a:t> distribution".</a:t>
             </a:r>
             <a:endParaRPr lang="en-US" altLang="ja-JP" dirty="0"/>
           </a:p>
           <a:p>
-            <a:pPr lvl="1"/>
-            <a:r>
-              <a:rPr lang="ja-JP" altLang="en-US" dirty="0"/>
-              <a:t>混合ガウス分布から生成した乱数のクラスタリング</a:t>
-            </a:r>
-            <a:endParaRPr lang="en-US" altLang="ja-JP" dirty="0"/>
-          </a:p>
-          <a:p>
-            <a:pPr lvl="1"/>
-            <a:r>
-              <a:rPr lang="ja-JP" altLang="en-US" dirty="0"/>
-              <a:t>基底測度には 正規ウィシャート分布を使用</a:t>
-            </a:r>
-            <a:endParaRPr lang="en-US" altLang="ja-JP" dirty="0"/>
-          </a:p>
-          <a:p>
-            <a:pPr lvl="1"/>
-            <a:r>
-              <a:rPr lang="ja-JP" altLang="en-US" dirty="0"/>
-              <a:t>パラメータは以下の通り</a:t>
-            </a:r>
-            <a:endParaRPr lang="en-US" altLang="ja-JP" dirty="0"/>
-          </a:p>
-          <a:p>
             <a:pPr lvl="2"/>
             <a:r>
+              <a:rPr lang="en-US" altLang="ja-JP" dirty="0" smtClean="0"/>
+              <a:t>α </a:t>
+            </a:r>
+            <a:r>
               <a:rPr lang="en-US" altLang="ja-JP" dirty="0"/>
-              <a:t>α = 0.5 , β = 0.33</a:t>
+              <a:t>= 0.5 , β = 0.33</a:t>
             </a:r>
           </a:p>
           <a:p>
@@ -10093,12 +10134,8 @@
           <a:lstStyle/>
           <a:p>
             <a:r>
-              <a:rPr kumimoji="1" lang="en-US" altLang="ja-JP" dirty="0" err="1"/>
-              <a:t>sHDP</a:t>
-            </a:r>
-            <a:r>
-              <a:rPr kumimoji="1" lang="en-US" altLang="ja-JP" dirty="0"/>
-              <a:t>-HMM</a:t>
+              <a:rPr kumimoji="1" lang="en-US" altLang="ja-JP" dirty="0" smtClean="0"/>
+              <a:t>DPM</a:t>
             </a:r>
             <a:endParaRPr kumimoji="1" lang="ja-JP" altLang="en-US" dirty="0"/>
           </a:p>
@@ -10126,7 +10163,7 @@
         </p:blipFill>
         <p:spPr>
           <a:xfrm>
-            <a:off x="-756592" y="4005064"/>
+            <a:off x="-756592" y="3501008"/>
             <a:ext cx="10657184" cy="2664296"/>
           </a:xfrm>
           <a:prstGeom prst="rect">
@@ -10164,8 +10201,8 @@
           <a:chExt cx="0" cy="0"/>
         </a:xfrm>
       </p:grpSpPr>
-      <mc:AlternateContent xmlns:mc="http://schemas.openxmlformats.org/markup-compatibility/2006" xmlns:a14="http://schemas.microsoft.com/office/drawing/2010/main">
-        <mc:Choice Requires="a14">
+      <mc:AlternateContent xmlns:mc="http://schemas.openxmlformats.org/markup-compatibility/2006">
+        <mc:Choice xmlns:a14="http://schemas.microsoft.com/office/drawing/2010/main" Requires="a14">
           <p:sp>
             <p:nvSpPr>
               <p:cNvPr id="2" name="コンテンツ プレースホルダー 1"/>
@@ -10178,54 +10215,69 @@
             </p:nvSpPr>
             <p:spPr/>
             <p:txBody>
-              <a:bodyPr/>
+              <a:bodyPr>
+                <a:normAutofit fontScale="92500" lnSpcReduction="10000"/>
+              </a:bodyPr>
               <a:lstStyle/>
               <a:p>
                 <a:r>
                   <a:rPr lang="en-US" altLang="ja-JP" dirty="0"/>
-                  <a:t>DPM</a:t>
-                </a:r>
-                <a:r>
-                  <a:rPr lang="ja-JP" altLang="en-US" dirty="0"/>
-                  <a:t> を </a:t>
-                </a:r>
-                <a:r>
-                  <a:rPr lang="en-US" altLang="ja-JP" dirty="0"/>
-                  <a:t>HMM </a:t>
-                </a:r>
-                <a:r>
-                  <a:rPr lang="ja-JP" altLang="en-US" dirty="0"/>
-                  <a:t>に適用するには状態遷移の定義が必要</a:t>
+                  <a:t>To apply DPM to HMM, representation of transition function is needed.</a:t>
                 </a:r>
                 <a:endParaRPr lang="en-US" altLang="ja-JP" dirty="0"/>
               </a:p>
               <a:p>
                 <a:pPr lvl="1"/>
                 <a:r>
-                  <a:rPr kumimoji="1" lang="ja-JP" altLang="en-US" dirty="0"/>
-                  <a:t>遷移ごとにディリクレ分布をディリクレ過程</a:t>
+                  <a:rPr lang="en-US" altLang="ja-JP" dirty="0" err="1"/>
+                  <a:t>Dirichlet</a:t>
                 </a:r>
                 <a:r>
-                  <a:rPr lang="ja-JP" altLang="en-US" dirty="0"/>
-                  <a:t>から生成</a:t>
+                  <a:rPr lang="en-US" altLang="ja-JP" dirty="0"/>
+                  <a:t> distribution is generated from the </a:t>
                 </a:r>
-                <a:endParaRPr lang="en-US" altLang="ja-JP" dirty="0"/>
+                <a:r>
+                  <a:rPr lang="en-US" altLang="ja-JP" dirty="0" err="1"/>
+                  <a:t>Dirichlet</a:t>
+                </a:r>
+                <a:r>
+                  <a:rPr lang="en-US" altLang="ja-JP" dirty="0"/>
+                  <a:t> process for each </a:t>
+                </a:r>
+                <a:r>
+                  <a:rPr lang="en-US" altLang="ja-JP" dirty="0" smtClean="0"/>
+                  <a:t>transition</a:t>
+                </a:r>
               </a:p>
               <a:p>
                 <a:pPr lvl="1"/>
                 <a:r>
-                  <a:rPr kumimoji="1" lang="ja-JP" altLang="en-US" dirty="0"/>
-                  <a:t>生成した分布間でパラメータ（状態）を共有する必要がある</a:t>
+                  <a:rPr lang="en-US" altLang="ja-JP" dirty="0"/>
+                  <a:t>It is necessary to share parameters (output distribution for each state) among the generated </a:t>
                 </a:r>
-                <a:endParaRPr kumimoji="1" lang="en-US" altLang="ja-JP" dirty="0"/>
+                <a:r>
+                  <a:rPr lang="en-US" altLang="ja-JP" dirty="0" smtClean="0"/>
+                  <a:t>distributions</a:t>
+                </a:r>
               </a:p>
               <a:p>
                 <a:pPr lvl="1"/>
                 <a:r>
-                  <a:rPr lang="ja-JP" altLang="en-US" dirty="0"/>
-                  <a:t>基底測度がディリクレ過程によって生成される離散分布なら解決</a:t>
+                  <a:rPr lang="en-US" altLang="ja-JP" dirty="0"/>
+                  <a:t>Thus, The base measure needs to be a discrete distribution generated by the </a:t>
                 </a:r>
-                <a:endParaRPr lang="en-US" altLang="ja-JP" dirty="0"/>
+                <a:r>
+                  <a:rPr lang="en-US" altLang="ja-JP" dirty="0" err="1"/>
+                  <a:t>Dirichlet</a:t>
+                </a:r>
+                <a:r>
+                  <a:rPr lang="en-US" altLang="ja-JP" dirty="0"/>
+                  <a:t> process</a:t>
+                </a:r>
+                <a:r>
+                  <a:rPr lang="en-US" altLang="ja-JP" dirty="0" smtClean="0"/>
+                  <a:t>.</a:t>
+                </a:r>
               </a:p>
               <a:p>
                 <a:pPr lvl="1"/>
@@ -10233,18 +10285,44 @@
               </a:p>
               <a:p>
                 <a:r>
-                  <a:rPr lang="ja-JP" altLang="en-US" dirty="0"/>
-                  <a:t>階層ディリクレ過程</a:t>
+                  <a:rPr lang="en-US" altLang="ja-JP" dirty="0" smtClean="0"/>
+                  <a:t>Hierarchical </a:t>
+                </a:r>
+                <a:r>
+                  <a:rPr lang="en-US" altLang="ja-JP" dirty="0" err="1" smtClean="0"/>
+                  <a:t>Dirichlet</a:t>
+                </a:r>
+                <a:r>
+                  <a:rPr lang="en-US" altLang="ja-JP" dirty="0" smtClean="0"/>
+                  <a:t> Process (HDP)</a:t>
                 </a:r>
                 <a:endParaRPr lang="en-US" altLang="ja-JP" dirty="0"/>
               </a:p>
               <a:p>
                 <a:pPr lvl="1"/>
                 <a:r>
-                  <a:rPr kumimoji="1" lang="ja-JP" altLang="en-US" dirty="0"/>
-                  <a:t>基底測度自体をディリクレ過程によって生成する</a:t>
+                  <a:rPr lang="en-US" altLang="ja-JP" dirty="0" err="1"/>
+                  <a:t>Dirichlet</a:t>
                 </a:r>
-                <a:endParaRPr kumimoji="1" lang="en-US" altLang="ja-JP" dirty="0"/>
+                <a:r>
+                  <a:rPr lang="en-US" altLang="ja-JP" dirty="0"/>
+                  <a:t> process which have base measure generated by </a:t>
+                </a:r>
+                <a:r>
+                  <a:rPr lang="en-US" altLang="ja-JP" dirty="0" err="1"/>
+                  <a:t>dirichlet</a:t>
+                </a:r>
+                <a:r>
+                  <a:rPr lang="en-US" altLang="ja-JP" dirty="0"/>
+                  <a:t> process</a:t>
+                </a:r>
+                <a:r>
+                  <a:rPr lang="en-US" altLang="ja-JP" dirty="0" smtClean="0"/>
+                  <a:t>.</a:t>
+                </a:r>
+                <a:endParaRPr lang="en-US" altLang="ja-JP" b="0" i="1" dirty="0" smtClean="0">
+                  <a:latin typeface="Cambria Math" panose="02040503050406030204" pitchFamily="18" charset="0"/>
+                </a:endParaRPr>
               </a:p>
               <a:p>
                 <a:pPr marL="393192" lvl="1" indent="0">
@@ -10622,7 +10700,7 @@
             </p:txBody>
           </p:sp>
         </mc:Choice>
-        <mc:Fallback xmlns="">
+        <mc:Fallback>
           <p:sp>
             <p:nvSpPr>
               <p:cNvPr id="2" name="コンテンツ プレースホルダー 1"/>
@@ -10637,7 +10715,7 @@
               <a:blipFill>
                 <a:blip r:embed="rId2"/>
                 <a:stretch>
-                  <a:fillRect t="-936"/>
+                  <a:fillRect t="-1754" r="-1721"/>
                 </a:stretch>
               </a:blipFill>
             </p:spPr>
@@ -10672,12 +10750,8 @@
           <a:lstStyle/>
           <a:p>
             <a:r>
-              <a:rPr kumimoji="1" lang="en-US" altLang="ja-JP" dirty="0" err="1"/>
-              <a:t>sHDP</a:t>
-            </a:r>
-            <a:r>
-              <a:rPr kumimoji="1" lang="en-US" altLang="ja-JP" dirty="0"/>
-              <a:t>-HMM</a:t>
+              <a:rPr kumimoji="1" lang="en-US" altLang="ja-JP" dirty="0" smtClean="0"/>
+              <a:t>DPM for HMM</a:t>
             </a:r>
             <a:endParaRPr kumimoji="1" lang="ja-JP" altLang="en-US" dirty="0"/>
           </a:p>
@@ -10697,7 +10771,7 @@
 </file>
 
 <file path=ppt/slides/slide19.xml><?xml version="1.0" encoding="utf-8"?>
-<p:sld xmlns:a="http://schemas.openxmlformats.org/drawingml/2006/main" xmlns:r="http://schemas.openxmlformats.org/officeDocument/2006/relationships" xmlns:p="http://schemas.openxmlformats.org/presentationml/2006/main">
+<p:sld xmlns:a="http://schemas.openxmlformats.org/drawingml/2006/main" xmlns:r="http://schemas.openxmlformats.org/officeDocument/2006/relationships" xmlns:p="http://schemas.openxmlformats.org/presentationml/2006/main" showMasterSp="0">
   <p:cSld>
     <p:spTree>
       <p:nvGrpSpPr>
@@ -10723,35 +10797,39 @@
             <p:ph idx="1"/>
           </p:nvPr>
         </p:nvSpPr>
-        <p:spPr/>
+        <p:spPr>
+          <a:xfrm>
+            <a:off x="158824" y="980728"/>
+            <a:ext cx="8854208" cy="5426583"/>
+          </a:xfrm>
+        </p:spPr>
         <p:txBody>
           <a:bodyPr/>
           <a:lstStyle/>
           <a:p>
             <a:r>
-              <a:rPr kumimoji="1" lang="en-US" altLang="ja-JP" dirty="0"/>
-              <a:t>HDP(CRF) </a:t>
-            </a:r>
-            <a:r>
-              <a:rPr kumimoji="1" lang="ja-JP" altLang="en-US" dirty="0"/>
-              <a:t>の実験</a:t>
+              <a:rPr kumimoji="1" lang="en-US" altLang="ja-JP" dirty="0" smtClean="0"/>
+              <a:t>Example of HDP(CRF)</a:t>
+            </a:r>
+          </a:p>
+          <a:p>
+            <a:pPr lvl="1"/>
+            <a:r>
+              <a:rPr lang="en-US" altLang="ja-JP" dirty="0"/>
+              <a:t>B</a:t>
+            </a:r>
+            <a:r>
+              <a:rPr lang="en-US" altLang="ja-JP" dirty="0" smtClean="0"/>
+              <a:t>ase measure is Gaussian distribution.</a:t>
+            </a:r>
+          </a:p>
+          <a:p>
+            <a:pPr lvl="2"/>
+            <a:r>
+              <a:rPr kumimoji="1" lang="en-US" altLang="ja-JP" dirty="0" smtClean="0"/>
+              <a:t>α=5, γ=1</a:t>
             </a:r>
             <a:endParaRPr kumimoji="1" lang="en-US" altLang="ja-JP" dirty="0"/>
-          </a:p>
-          <a:p>
-            <a:r>
-              <a:rPr lang="en-US" altLang="ja-JP" dirty="0"/>
-              <a:t>(</a:t>
-            </a:r>
-            <a:r>
-              <a:rPr lang="ja-JP" altLang="en-US" dirty="0"/>
-              <a:t>キャプチャのせる</a:t>
-            </a:r>
-            <a:r>
-              <a:rPr lang="en-US" altLang="ja-JP" dirty="0"/>
-              <a:t>)</a:t>
-            </a:r>
-            <a:endParaRPr kumimoji="1" lang="ja-JP" altLang="en-US" dirty="0"/>
           </a:p>
         </p:txBody>
       </p:sp>
@@ -10782,6 +10860,388 @@
           </a:p>
         </p:txBody>
       </p:sp>
+      <p:pic>
+        <p:nvPicPr>
+          <p:cNvPr id="4" name="図 3"/>
+          <p:cNvPicPr>
+            <a:picLocks noChangeAspect="1"/>
+          </p:cNvPicPr>
+          <p:nvPr/>
+        </p:nvPicPr>
+        <p:blipFill>
+          <a:blip r:embed="rId2">
+            <a:extLst>
+              <a:ext uri="{28A0092B-C50C-407E-A947-70E740481C1C}">
+                <a14:useLocalDpi xmlns:a14="http://schemas.microsoft.com/office/drawing/2010/main" val="0"/>
+              </a:ext>
+            </a:extLst>
+          </a:blip>
+          <a:stretch>
+            <a:fillRect/>
+          </a:stretch>
+        </p:blipFill>
+        <p:spPr>
+          <a:xfrm>
+            <a:off x="428407" y="2564904"/>
+            <a:ext cx="2686542" cy="1872208"/>
+          </a:xfrm>
+          <a:prstGeom prst="rect">
+            <a:avLst/>
+          </a:prstGeom>
+        </p:spPr>
+      </p:pic>
+      <p:pic>
+        <p:nvPicPr>
+          <p:cNvPr id="5" name="図 4"/>
+          <p:cNvPicPr>
+            <a:picLocks noChangeAspect="1"/>
+          </p:cNvPicPr>
+          <p:nvPr/>
+        </p:nvPicPr>
+        <p:blipFill>
+          <a:blip r:embed="rId3">
+            <a:extLst>
+              <a:ext uri="{28A0092B-C50C-407E-A947-70E740481C1C}">
+                <a14:useLocalDpi xmlns:a14="http://schemas.microsoft.com/office/drawing/2010/main" val="0"/>
+              </a:ext>
+            </a:extLst>
+          </a:blip>
+          <a:stretch>
+            <a:fillRect/>
+          </a:stretch>
+        </p:blipFill>
+        <p:spPr>
+          <a:xfrm>
+            <a:off x="3907037" y="2564904"/>
+            <a:ext cx="2681187" cy="1872208"/>
+          </a:xfrm>
+          <a:prstGeom prst="rect">
+            <a:avLst/>
+          </a:prstGeom>
+        </p:spPr>
+      </p:pic>
+      <p:pic>
+        <p:nvPicPr>
+          <p:cNvPr id="7" name="図 6"/>
+          <p:cNvPicPr>
+            <a:picLocks noChangeAspect="1"/>
+          </p:cNvPicPr>
+          <p:nvPr/>
+        </p:nvPicPr>
+        <p:blipFill>
+          <a:blip r:embed="rId4">
+            <a:extLst>
+              <a:ext uri="{28A0092B-C50C-407E-A947-70E740481C1C}">
+                <a14:useLocalDpi xmlns:a14="http://schemas.microsoft.com/office/drawing/2010/main" val="0"/>
+              </a:ext>
+            </a:extLst>
+          </a:blip>
+          <a:stretch>
+            <a:fillRect/>
+          </a:stretch>
+        </p:blipFill>
+        <p:spPr>
+          <a:xfrm>
+            <a:off x="341635" y="4774596"/>
+            <a:ext cx="2790205" cy="1929228"/>
+          </a:xfrm>
+          <a:prstGeom prst="rect">
+            <a:avLst/>
+          </a:prstGeom>
+        </p:spPr>
+      </p:pic>
+      <p:pic>
+        <p:nvPicPr>
+          <p:cNvPr id="8" name="図 7"/>
+          <p:cNvPicPr>
+            <a:picLocks noChangeAspect="1"/>
+          </p:cNvPicPr>
+          <p:nvPr/>
+        </p:nvPicPr>
+        <p:blipFill>
+          <a:blip r:embed="rId5">
+            <a:extLst>
+              <a:ext uri="{28A0092B-C50C-407E-A947-70E740481C1C}">
+                <a14:useLocalDpi xmlns:a14="http://schemas.microsoft.com/office/drawing/2010/main" val="0"/>
+              </a:ext>
+            </a:extLst>
+          </a:blip>
+          <a:stretch>
+            <a:fillRect/>
+          </a:stretch>
+        </p:blipFill>
+        <p:spPr>
+          <a:xfrm>
+            <a:off x="3203848" y="4756337"/>
+            <a:ext cx="2782232" cy="1985031"/>
+          </a:xfrm>
+          <a:prstGeom prst="rect">
+            <a:avLst/>
+          </a:prstGeom>
+        </p:spPr>
+      </p:pic>
+      <p:pic>
+        <p:nvPicPr>
+          <p:cNvPr id="9" name="図 8"/>
+          <p:cNvPicPr>
+            <a:picLocks noChangeAspect="1"/>
+          </p:cNvPicPr>
+          <p:nvPr/>
+        </p:nvPicPr>
+        <p:blipFill>
+          <a:blip r:embed="rId6">
+            <a:extLst>
+              <a:ext uri="{28A0092B-C50C-407E-A947-70E740481C1C}">
+                <a14:useLocalDpi xmlns:a14="http://schemas.microsoft.com/office/drawing/2010/main" val="0"/>
+              </a:ext>
+            </a:extLst>
+          </a:blip>
+          <a:stretch>
+            <a:fillRect/>
+          </a:stretch>
+        </p:blipFill>
+        <p:spPr>
+          <a:xfrm>
+            <a:off x="6148468" y="4756337"/>
+            <a:ext cx="2758317" cy="1945171"/>
+          </a:xfrm>
+          <a:prstGeom prst="rect">
+            <a:avLst/>
+          </a:prstGeom>
+        </p:spPr>
+      </p:pic>
+      <p:sp>
+        <p:nvSpPr>
+          <p:cNvPr id="10" name="テキスト ボックス 9"/>
+          <p:cNvSpPr txBox="1"/>
+          <p:nvPr/>
+        </p:nvSpPr>
+        <p:spPr>
+          <a:xfrm>
+            <a:off x="477808" y="2268391"/>
+            <a:ext cx="2304256" cy="369332"/>
+          </a:xfrm>
+          <a:prstGeom prst="rect">
+            <a:avLst/>
+          </a:prstGeom>
+          <a:noFill/>
+        </p:spPr>
+        <p:txBody>
+          <a:bodyPr wrap="square" rtlCol="0">
+            <a:spAutoFit/>
+          </a:bodyPr>
+          <a:lstStyle/>
+          <a:p>
+            <a:r>
+              <a:rPr kumimoji="1" lang="en-US" altLang="ja-JP" dirty="0" smtClean="0"/>
+              <a:t>Base measure H</a:t>
+            </a:r>
+            <a:endParaRPr kumimoji="1" lang="ja-JP" altLang="en-US" dirty="0"/>
+          </a:p>
+        </p:txBody>
+      </p:sp>
+      <mc:AlternateContent xmlns:mc="http://schemas.openxmlformats.org/markup-compatibility/2006">
+        <mc:Choice xmlns:a14="http://schemas.microsoft.com/office/drawing/2010/main" Requires="a14">
+          <p:sp>
+            <p:nvSpPr>
+              <p:cNvPr id="13" name="テキスト ボックス 12"/>
+              <p:cNvSpPr txBox="1"/>
+              <p:nvPr/>
+            </p:nvSpPr>
+            <p:spPr>
+              <a:xfrm>
+                <a:off x="3967764" y="2268391"/>
+                <a:ext cx="2315480" cy="369332"/>
+              </a:xfrm>
+              <a:prstGeom prst="rect">
+                <a:avLst/>
+              </a:prstGeom>
+              <a:noFill/>
+            </p:spPr>
+            <p:txBody>
+              <a:bodyPr wrap="square" rtlCol="0">
+                <a:spAutoFit/>
+              </a:bodyPr>
+              <a:lstStyle/>
+              <a:p>
+                <a:r>
+                  <a:rPr kumimoji="1" lang="en-US" altLang="ja-JP" dirty="0" smtClean="0"/>
+                  <a:t>Global distribution </a:t>
+                </a:r>
+                <a14:m>
+                  <m:oMath xmlns:m="http://schemas.openxmlformats.org/officeDocument/2006/math">
+                    <m:sSub>
+                      <m:sSubPr>
+                        <m:ctrlPr>
+                          <a:rPr kumimoji="1" lang="en-US" altLang="ja-JP" b="0" i="1" smtClean="0">
+                            <a:latin typeface="Cambria Math" panose="02040503050406030204" pitchFamily="18" charset="0"/>
+                          </a:rPr>
+                        </m:ctrlPr>
+                      </m:sSubPr>
+                      <m:e>
+                        <m:r>
+                          <a:rPr kumimoji="1" lang="en-US" altLang="ja-JP" b="0" i="1" smtClean="0">
+                            <a:latin typeface="Cambria Math" panose="02040503050406030204" pitchFamily="18" charset="0"/>
+                          </a:rPr>
+                          <m:t>𝐺</m:t>
+                        </m:r>
+                      </m:e>
+                      <m:sub>
+                        <m:r>
+                          <a:rPr kumimoji="1" lang="en-US" altLang="ja-JP" b="0" i="1" smtClean="0">
+                            <a:latin typeface="Cambria Math" panose="02040503050406030204" pitchFamily="18" charset="0"/>
+                          </a:rPr>
+                          <m:t>0</m:t>
+                        </m:r>
+                      </m:sub>
+                    </m:sSub>
+                  </m:oMath>
+                </a14:m>
+                <a:endParaRPr kumimoji="1" lang="ja-JP" altLang="en-US" dirty="0"/>
+              </a:p>
+            </p:txBody>
+          </p:sp>
+        </mc:Choice>
+        <mc:Fallback>
+          <p:sp>
+            <p:nvSpPr>
+              <p:cNvPr id="13" name="テキスト ボックス 12"/>
+              <p:cNvSpPr txBox="1">
+                <a:spLocks noRot="1" noChangeAspect="1" noMove="1" noResize="1" noEditPoints="1" noAdjustHandles="1" noChangeArrowheads="1" noChangeShapeType="1" noTextEdit="1"/>
+              </p:cNvSpPr>
+              <p:nvPr/>
+            </p:nvSpPr>
+            <p:spPr>
+              <a:xfrm>
+                <a:off x="3967764" y="2268391"/>
+                <a:ext cx="2315480" cy="369332"/>
+              </a:xfrm>
+              <a:prstGeom prst="rect">
+                <a:avLst/>
+              </a:prstGeom>
+              <a:blipFill>
+                <a:blip r:embed="rId7"/>
+                <a:stretch>
+                  <a:fillRect l="-2368" t="-11475" b="-21311"/>
+                </a:stretch>
+              </a:blipFill>
+            </p:spPr>
+            <p:txBody>
+              <a:bodyPr/>
+              <a:lstStyle/>
+              <a:p>
+                <a:r>
+                  <a:rPr lang="ja-JP" altLang="en-US">
+                    <a:noFill/>
+                  </a:rPr>
+                  <a:t> </a:t>
+                </a:r>
+              </a:p>
+            </p:txBody>
+          </p:sp>
+        </mc:Fallback>
+      </mc:AlternateContent>
+      <mc:AlternateContent xmlns:mc="http://schemas.openxmlformats.org/markup-compatibility/2006">
+        <mc:Choice xmlns:a14="http://schemas.microsoft.com/office/drawing/2010/main" Requires="a14">
+          <p:sp>
+            <p:nvSpPr>
+              <p:cNvPr id="14" name="テキスト ボックス 13"/>
+              <p:cNvSpPr txBox="1"/>
+              <p:nvPr/>
+            </p:nvSpPr>
+            <p:spPr>
+              <a:xfrm>
+                <a:off x="312304" y="4437112"/>
+                <a:ext cx="2315480" cy="369332"/>
+              </a:xfrm>
+              <a:prstGeom prst="rect">
+                <a:avLst/>
+              </a:prstGeom>
+              <a:noFill/>
+            </p:spPr>
+            <p:txBody>
+              <a:bodyPr wrap="square" rtlCol="0">
+                <a:spAutoFit/>
+              </a:bodyPr>
+              <a:lstStyle/>
+              <a:p>
+                <a:r>
+                  <a:rPr kumimoji="1" lang="en-US" altLang="ja-JP" dirty="0" smtClean="0"/>
+                  <a:t>Local distribution </a:t>
+                </a:r>
+                <a14:m>
+                  <m:oMath xmlns:m="http://schemas.openxmlformats.org/officeDocument/2006/math">
+                    <m:sSub>
+                      <m:sSubPr>
+                        <m:ctrlPr>
+                          <a:rPr kumimoji="1" lang="en-US" altLang="ja-JP" b="0" i="1" smtClean="0">
+                            <a:latin typeface="Cambria Math" panose="02040503050406030204" pitchFamily="18" charset="0"/>
+                          </a:rPr>
+                        </m:ctrlPr>
+                      </m:sSubPr>
+                      <m:e>
+                        <m:r>
+                          <a:rPr kumimoji="1" lang="en-US" altLang="ja-JP" b="0" i="1" smtClean="0">
+                            <a:latin typeface="Cambria Math" panose="02040503050406030204" pitchFamily="18" charset="0"/>
+                          </a:rPr>
+                          <m:t>𝐺</m:t>
+                        </m:r>
+                      </m:e>
+                      <m:sub>
+                        <m:r>
+                          <a:rPr kumimoji="1" lang="en-US" altLang="ja-JP" b="0" i="1" smtClean="0">
+                            <a:latin typeface="Cambria Math" panose="02040503050406030204" pitchFamily="18" charset="0"/>
+                          </a:rPr>
+                          <m:t>𝑟</m:t>
+                        </m:r>
+                      </m:sub>
+                    </m:sSub>
+                  </m:oMath>
+                </a14:m>
+                <a:endParaRPr kumimoji="1" lang="ja-JP" altLang="en-US" dirty="0"/>
+              </a:p>
+            </p:txBody>
+          </p:sp>
+        </mc:Choice>
+        <mc:Fallback>
+          <p:sp>
+            <p:nvSpPr>
+              <p:cNvPr id="14" name="テキスト ボックス 13"/>
+              <p:cNvSpPr txBox="1">
+                <a:spLocks noRot="1" noChangeAspect="1" noMove="1" noResize="1" noEditPoints="1" noAdjustHandles="1" noChangeArrowheads="1" noChangeShapeType="1" noTextEdit="1"/>
+              </p:cNvSpPr>
+              <p:nvPr/>
+            </p:nvSpPr>
+            <p:spPr>
+              <a:xfrm>
+                <a:off x="312304" y="4437112"/>
+                <a:ext cx="2315480" cy="369332"/>
+              </a:xfrm>
+              <a:prstGeom prst="rect">
+                <a:avLst/>
+              </a:prstGeom>
+              <a:blipFill>
+                <a:blip r:embed="rId8"/>
+                <a:stretch>
+                  <a:fillRect l="-2105" t="-13333" b="-23333"/>
+                </a:stretch>
+              </a:blipFill>
+            </p:spPr>
+            <p:txBody>
+              <a:bodyPr/>
+              <a:lstStyle/>
+              <a:p>
+                <a:r>
+                  <a:rPr lang="ja-JP" altLang="en-US">
+                    <a:noFill/>
+                  </a:rPr>
+                  <a:t> </a:t>
+                </a:r>
+              </a:p>
+            </p:txBody>
+          </p:sp>
+        </mc:Fallback>
+      </mc:AlternateContent>
     </p:spTree>
     <p:extLst>
       <p:ext uri="{BB962C8B-B14F-4D97-AF65-F5344CB8AC3E}">
@@ -10964,7 +11424,7 @@
 </file>
 
 <file path=ppt/slides/slide20.xml><?xml version="1.0" encoding="utf-8"?>
-<p:sld xmlns:a="http://schemas.openxmlformats.org/drawingml/2006/main" xmlns:r="http://schemas.openxmlformats.org/officeDocument/2006/relationships" xmlns:p="http://schemas.openxmlformats.org/presentationml/2006/main">
+<p:sld xmlns:a="http://schemas.openxmlformats.org/drawingml/2006/main" xmlns:r="http://schemas.openxmlformats.org/officeDocument/2006/relationships" xmlns:p="http://schemas.openxmlformats.org/presentationml/2006/main" showMasterSp="0">
   <p:cSld>
     <p:spTree>
       <p:nvGrpSpPr>
@@ -10993,7 +11453,7 @@
         <p:spPr/>
         <p:txBody>
           <a:bodyPr>
-            <a:normAutofit lnSpcReduction="10000"/>
+            <a:normAutofit/>
           </a:bodyPr>
           <a:lstStyle/>
           <a:p>
@@ -11009,28 +11469,42 @@
           <a:p>
             <a:pPr lvl="1"/>
             <a:r>
-              <a:rPr lang="ja-JP" altLang="en-US" dirty="0"/>
-              <a:t>連続動作の分節化によって重要な途中状態を取得したい</a:t>
-            </a:r>
-            <a:endParaRPr lang="en-US" altLang="ja-JP" dirty="0"/>
+              <a:rPr lang="en-US" altLang="ja-JP" dirty="0"/>
+              <a:t>Segmentation of continuous motion is helpful to find important intermediate states</a:t>
+            </a:r>
+            <a:r>
+              <a:rPr lang="en-US" altLang="ja-JP" dirty="0" smtClean="0"/>
+              <a:t>.</a:t>
+            </a:r>
           </a:p>
           <a:p>
             <a:pPr lvl="1"/>
             <a:r>
-              <a:rPr lang="ja-JP" altLang="en-US" dirty="0"/>
-              <a:t>データの取得と平滑化を行った</a:t>
-            </a:r>
-            <a:endParaRPr lang="en-US" altLang="ja-JP" dirty="0"/>
+              <a:rPr lang="en-US" altLang="ja-JP" dirty="0" smtClean="0"/>
+              <a:t>Motion </a:t>
+            </a:r>
+            <a:r>
+              <a:rPr lang="en-US" altLang="ja-JP" dirty="0"/>
+              <a:t>data acquired from Kinect can be smoothed by MA</a:t>
+            </a:r>
+            <a:r>
+              <a:rPr lang="en-US" altLang="ja-JP" dirty="0" smtClean="0"/>
+              <a:t>.</a:t>
+            </a:r>
           </a:p>
           <a:p>
             <a:pPr lvl="1"/>
             <a:r>
-              <a:rPr lang="ja-JP" altLang="en-US" dirty="0"/>
-              <a:t>階層ディリクレ過程のサンプルコードを作成し，動作を確認した</a:t>
-            </a:r>
-            <a:endParaRPr lang="en-US" altLang="ja-JP" dirty="0"/>
-          </a:p>
-          <a:p>
+              <a:rPr lang="en-US" altLang="ja-JP" dirty="0"/>
+              <a:t>the examples show how DPM and HDP work</a:t>
+            </a:r>
+            <a:r>
+              <a:rPr lang="en-US" altLang="ja-JP" dirty="0" smtClean="0"/>
+              <a:t>.</a:t>
+            </a:r>
+          </a:p>
+          <a:p>
+            <a:pPr lvl="1"/>
             <a:endParaRPr lang="en-US" altLang="ja-JP" dirty="0"/>
           </a:p>
           <a:p>
@@ -11053,40 +11527,42 @@
           <a:p>
             <a:pPr lvl="2"/>
             <a:r>
-              <a:rPr kumimoji="1" lang="en-US" altLang="ja-JP" dirty="0"/>
-              <a:t>HDP </a:t>
-            </a:r>
-            <a:r>
-              <a:rPr lang="ja-JP" altLang="en-US" dirty="0"/>
-              <a:t>の学習を試す</a:t>
-            </a:r>
-            <a:endParaRPr lang="en-US" altLang="ja-JP" dirty="0"/>
+              <a:rPr lang="en-US" altLang="ja-JP" dirty="0" smtClean="0"/>
+              <a:t>Test </a:t>
+            </a:r>
+            <a:r>
+              <a:rPr lang="en-US" altLang="ja-JP" dirty="0"/>
+              <a:t>of learning HDP</a:t>
+            </a:r>
+            <a:r>
+              <a:rPr lang="en-US" altLang="ja-JP" dirty="0" smtClean="0"/>
+              <a:t>.</a:t>
+            </a:r>
           </a:p>
           <a:p>
             <a:pPr lvl="2"/>
             <a:r>
-              <a:rPr kumimoji="1" lang="en-US" altLang="ja-JP" dirty="0"/>
-              <a:t>HDP </a:t>
-            </a:r>
-            <a:r>
-              <a:rPr kumimoji="1" lang="ja-JP" altLang="en-US" dirty="0"/>
-              <a:t>を </a:t>
-            </a:r>
-            <a:r>
-              <a:rPr kumimoji="1" lang="en-US" altLang="ja-JP" dirty="0"/>
-              <a:t>HMM </a:t>
-            </a:r>
-            <a:r>
-              <a:rPr kumimoji="1" lang="ja-JP" altLang="en-US" dirty="0"/>
-              <a:t>に適用する</a:t>
-            </a:r>
-            <a:endParaRPr kumimoji="1" lang="en-US" altLang="ja-JP" dirty="0"/>
+              <a:rPr lang="en-US" altLang="ja-JP" dirty="0"/>
+              <a:t>Apply HDP to </a:t>
+            </a:r>
+            <a:r>
+              <a:rPr lang="en-US" altLang="ja-JP" dirty="0" smtClean="0"/>
+              <a:t>HMM</a:t>
+            </a:r>
           </a:p>
           <a:p>
             <a:pPr lvl="2"/>
             <a:r>
-              <a:rPr kumimoji="1" lang="ja-JP" altLang="en-US" dirty="0"/>
-              <a:t>動作情報を記号列化する</a:t>
+              <a:rPr kumimoji="1" lang="en-US" altLang="ja-JP" dirty="0" smtClean="0"/>
+              <a:t>Apply </a:t>
+            </a:r>
+            <a:r>
+              <a:rPr kumimoji="1" lang="en-US" altLang="ja-JP" dirty="0" err="1" smtClean="0"/>
+              <a:t>sHDP</a:t>
+            </a:r>
+            <a:r>
+              <a:rPr kumimoji="1" lang="en-US" altLang="ja-JP" dirty="0" smtClean="0"/>
+              <a:t>-HMM to encoding motion.</a:t>
             </a:r>
             <a:endParaRPr kumimoji="1" lang="en-US" altLang="ja-JP" dirty="0"/>
           </a:p>
@@ -11102,11 +11578,10 @@
             </a:r>
           </a:p>
           <a:p>
-            <a:pPr lvl="1"/>
-            <a:r>
-              <a:rPr kumimoji="1" lang="ja-JP" altLang="en-US" dirty="0"/>
-              <a:t>途中状態のマッチング</a:t>
-            </a:r>
+            <a:pPr marL="393192" lvl="1" indent="0">
+              <a:buNone/>
+            </a:pPr>
+            <a:endParaRPr kumimoji="1" lang="ja-JP" altLang="en-US" dirty="0"/>
           </a:p>
         </p:txBody>
       </p:sp>
@@ -11178,7 +11653,115 @@
           <a:bodyPr/>
           <a:lstStyle/>
           <a:p>
-            <a:endParaRPr kumimoji="1" lang="ja-JP" altLang="en-US"/>
+            <a:r>
+              <a:rPr kumimoji="1" lang="en-US" altLang="ja-JP" dirty="0" smtClean="0"/>
+              <a:t>[1] </a:t>
+            </a:r>
+            <a:r>
+              <a:rPr kumimoji="1" lang="ja-JP" altLang="en-US" dirty="0" err="1" smtClean="0"/>
+              <a:t>たにちゅ</a:t>
+            </a:r>
+            <a:r>
+              <a:rPr kumimoji="1" lang="ja-JP" altLang="en-US" dirty="0" smtClean="0"/>
+              <a:t>ーの</a:t>
+            </a:r>
+            <a:r>
+              <a:rPr kumimoji="1" lang="en-US" altLang="ja-JP" dirty="0" smtClean="0"/>
+              <a:t>2</a:t>
+            </a:r>
+            <a:r>
+              <a:rPr kumimoji="1" lang="ja-JP" altLang="en-US" dirty="0" smtClean="0"/>
+              <a:t>重構文解析</a:t>
+            </a:r>
+            <a:endParaRPr kumimoji="1" lang="en-US" altLang="ja-JP" dirty="0" smtClean="0"/>
+          </a:p>
+          <a:p>
+            <a:r>
+              <a:rPr lang="en-US" altLang="ja-JP" dirty="0" smtClean="0"/>
+              <a:t>[2]</a:t>
+            </a:r>
+            <a:r>
+              <a:rPr kumimoji="1" lang="en-US" altLang="ja-JP" dirty="0" smtClean="0"/>
+              <a:t> </a:t>
+            </a:r>
+            <a:r>
+              <a:rPr kumimoji="1" lang="en-US" altLang="ja-JP" dirty="0" err="1" smtClean="0"/>
+              <a:t>Teh</a:t>
+            </a:r>
+            <a:r>
+              <a:rPr kumimoji="1" lang="en-US" altLang="ja-JP" dirty="0" smtClean="0"/>
+              <a:t> </a:t>
+            </a:r>
+            <a:r>
+              <a:rPr kumimoji="1" lang="ja-JP" altLang="en-US" dirty="0" smtClean="0"/>
+              <a:t>の </a:t>
+            </a:r>
+            <a:r>
+              <a:rPr kumimoji="1" lang="en-US" altLang="ja-JP" dirty="0" err="1" smtClean="0"/>
+              <a:t>sHDP</a:t>
+            </a:r>
+            <a:r>
+              <a:rPr kumimoji="1" lang="en-US" altLang="ja-JP" dirty="0" smtClean="0"/>
+              <a:t>-HMM</a:t>
+            </a:r>
+          </a:p>
+          <a:p>
+            <a:r>
+              <a:rPr lang="en-US" altLang="ja-JP" dirty="0" smtClean="0"/>
+              <a:t>[3] </a:t>
+            </a:r>
+            <a:r>
+              <a:rPr lang="ja-JP" altLang="en-US" dirty="0" smtClean="0"/>
+              <a:t>持橋の </a:t>
+            </a:r>
+            <a:r>
+              <a:rPr lang="en-US" altLang="ja-JP" dirty="0" smtClean="0"/>
+              <a:t>NPYLM</a:t>
+            </a:r>
+          </a:p>
+          <a:p>
+            <a:r>
+              <a:rPr kumimoji="1" lang="en-US" altLang="ja-JP" dirty="0" smtClean="0"/>
+              <a:t>[4] </a:t>
+            </a:r>
+            <a:r>
+              <a:rPr kumimoji="1" lang="ja-JP" altLang="en-US" dirty="0" smtClean="0"/>
+              <a:t>続パタ</a:t>
+            </a:r>
+            <a:endParaRPr kumimoji="1" lang="en-US" altLang="ja-JP" dirty="0" smtClean="0"/>
+          </a:p>
+          <a:p>
+            <a:r>
+              <a:rPr lang="en-US" altLang="ja-JP" dirty="0" smtClean="0"/>
+              <a:t>[5] </a:t>
+            </a:r>
+            <a:r>
+              <a:rPr lang="ja-JP" altLang="en-US" dirty="0" smtClean="0"/>
+              <a:t>なんか </a:t>
+            </a:r>
+            <a:r>
+              <a:rPr lang="en-US" altLang="ja-JP" dirty="0" smtClean="0"/>
+              <a:t>CRF </a:t>
+            </a:r>
+            <a:r>
+              <a:rPr lang="ja-JP" altLang="en-US" dirty="0" smtClean="0"/>
+              <a:t>の文献</a:t>
+            </a:r>
+            <a:endParaRPr lang="en-US" altLang="ja-JP" dirty="0" smtClean="0"/>
+          </a:p>
+          <a:p>
+            <a:r>
+              <a:rPr kumimoji="1" lang="en-US" altLang="ja-JP" dirty="0" smtClean="0"/>
+              <a:t>[6] </a:t>
+            </a:r>
+            <a:r>
+              <a:rPr kumimoji="1" lang="ja-JP" altLang="en-US" dirty="0" smtClean="0"/>
+              <a:t>キネクトのリファレンス</a:t>
+            </a:r>
+            <a:endParaRPr kumimoji="1" lang="en-US" altLang="ja-JP" dirty="0" smtClean="0"/>
+          </a:p>
+          <a:p>
+            <a:endParaRPr kumimoji="1" lang="ja-JP" altLang="en-US" dirty="0"/>
           </a:p>
         </p:txBody>
       </p:sp>
@@ -14371,8 +14954,12 @@
               <a:t> </a:t>
             </a:r>
             <a:r>
+              <a:rPr lang="en-US" altLang="ja-JP" dirty="0" smtClean="0"/>
+              <a:t>intermediate </a:t>
+            </a:r>
+            <a:r>
               <a:rPr lang="en-US" altLang="ja-JP" dirty="0"/>
-              <a:t>interval states.</a:t>
+              <a:t>states.</a:t>
             </a:r>
           </a:p>
           <a:p>
@@ -15102,11 +15689,7 @@
           <a:p>
             <a:r>
               <a:rPr lang="en-US" altLang="ja-JP" dirty="0"/>
-              <a:t>If the sequences of states can be used for learning, the method can learn this task as the sequence of relationship.</a:t>
-            </a:r>
-            <a:r>
-              <a:rPr lang="en-US" altLang="ja-JP" dirty="0"/>
-              <a:t> </a:t>
+              <a:t>If the sequences of states can be used for learning, the method can learn this task as the sequence of relationship. </a:t>
             </a:r>
           </a:p>
           <a:p>
@@ -15122,7 +15705,6 @@
               <a:rPr lang="en-US" altLang="ja-JP" dirty="0"/>
               <a:t> when) states are need for learn.</a:t>
             </a:r>
-            <a:endParaRPr lang="en-US" altLang="ja-JP" dirty="0"/>
           </a:p>
         </p:txBody>
       </p:sp>
@@ -15917,7 +16499,19 @@
           <a:p>
             <a:r>
               <a:rPr lang="en-US" altLang="ja-JP" dirty="0"/>
-              <a:t>The important states means the interval of motion primitives, and to find them, the motion has to be encoded to the sequence of motion primitives.</a:t>
+              <a:t>The important states means the </a:t>
+            </a:r>
+            <a:r>
+              <a:rPr lang="en-US" altLang="ja-JP" dirty="0" smtClean="0"/>
+              <a:t>boundary</a:t>
+            </a:r>
+            <a:r>
+              <a:rPr lang="en-US" altLang="ja-JP" dirty="0" smtClean="0"/>
+              <a:t> </a:t>
+            </a:r>
+            <a:r>
+              <a:rPr lang="en-US" altLang="ja-JP" dirty="0"/>
+              <a:t>of motion primitives, and to find them, the motion has to be encoded to the sequence of motion primitives.</a:t>
             </a:r>
           </a:p>
           <a:p>
@@ -15942,7 +16536,6 @@
               <a:rPr lang="en-US" altLang="ja-JP" dirty="0"/>
               <a:t>the number of hidden states(i.e. kind of motion primitives) is not known in advance.</a:t>
             </a:r>
-            <a:endParaRPr lang="en-US" altLang="ja-JP" dirty="0"/>
           </a:p>
           <a:p>
             <a:pPr lvl="2"/>
@@ -15959,7 +16552,6 @@
               <a:rPr lang="en-US" altLang="ja-JP" dirty="0"/>
               <a:t>(Each states of HMM is too primitive to explain the motion.)</a:t>
             </a:r>
-            <a:endParaRPr lang="en-US" altLang="ja-JP" dirty="0"/>
           </a:p>
         </p:txBody>
       </p:sp>
@@ -15973,9 +16565,16 @@
             <p:ph type="title"/>
           </p:nvPr>
         </p:nvSpPr>
-        <p:spPr/>
-        <p:txBody>
-          <a:bodyPr/>
+        <p:spPr>
+          <a:xfrm>
+            <a:off x="457200" y="44624"/>
+            <a:ext cx="8555832" cy="1143000"/>
+          </a:xfrm>
+        </p:spPr>
+        <p:txBody>
+          <a:bodyPr>
+            <a:normAutofit fontScale="90000"/>
+          </a:bodyPr>
           <a:lstStyle/>
           <a:p>
             <a:r>
@@ -16003,8 +16602,12 @@
               <a:t> </a:t>
             </a:r>
             <a:r>
+              <a:rPr lang="en-US" altLang="ja-JP" dirty="0" smtClean="0"/>
+              <a:t>intermediate </a:t>
+            </a:r>
+            <a:r>
               <a:rPr lang="en-US" altLang="ja-JP" dirty="0"/>
-              <a:t>interval states</a:t>
+              <a:t>states</a:t>
             </a:r>
             <a:endParaRPr kumimoji="1" lang="ja-JP" altLang="en-US" dirty="0"/>
           </a:p>
@@ -16118,7 +16721,19 @@
             <a:pPr lvl="1"/>
             <a:r>
               <a:rPr lang="en-US" altLang="ja-JP" dirty="0"/>
-              <a:t>The intervals of words made by NPYLM mean the interval of motion primitives, the important interval states.</a:t>
+              <a:t>The intervals of words made by NPYLM mean the </a:t>
+            </a:r>
+            <a:r>
+              <a:rPr lang="en-US" altLang="ja-JP" dirty="0" smtClean="0"/>
+              <a:t>boundary</a:t>
+            </a:r>
+            <a:r>
+              <a:rPr lang="en-US" altLang="ja-JP" dirty="0" smtClean="0"/>
+              <a:t> </a:t>
+            </a:r>
+            <a:r>
+              <a:rPr lang="en-US" altLang="ja-JP" dirty="0"/>
+              <a:t>of motion primitives, the important interval states.</a:t>
             </a:r>
             <a:endParaRPr kumimoji="1" lang="ja-JP" altLang="en-US" dirty="0"/>
           </a:p>
@@ -16134,9 +16749,16 @@
             <p:ph type="title"/>
           </p:nvPr>
         </p:nvSpPr>
-        <p:spPr/>
-        <p:txBody>
-          <a:bodyPr/>
+        <p:spPr>
+          <a:xfrm>
+            <a:off x="457200" y="44624"/>
+            <a:ext cx="8555832" cy="1143000"/>
+          </a:xfrm>
+        </p:spPr>
+        <p:txBody>
+          <a:bodyPr>
+            <a:normAutofit fontScale="90000"/>
+          </a:bodyPr>
           <a:lstStyle/>
           <a:p>
             <a:r>
@@ -16164,8 +16786,12 @@
               <a:t> </a:t>
             </a:r>
             <a:r>
+              <a:rPr lang="en-US" altLang="ja-JP" dirty="0" smtClean="0"/>
+              <a:t>intermediate </a:t>
+            </a:r>
+            <a:r>
               <a:rPr lang="en-US" altLang="ja-JP" dirty="0"/>
-              <a:t>interval states</a:t>
+              <a:t>states</a:t>
             </a:r>
             <a:endParaRPr kumimoji="1" lang="ja-JP" altLang="en-US" dirty="0"/>
           </a:p>

--- a/slides/seminar_20170111.pptx
+++ b/slides/seminar_20170111.pptx
@@ -232,7 +232,7 @@
             <a:fld id="{3842907C-D0AA-4C58-9F94-58B40AD65B29}" type="datetimeFigureOut">
               <a:rPr lang="ja-JP" altLang="en-US"/>
               <a:pPr/>
-              <a:t>2017/1/9</a:t>
+              <a:t>2017/1/10</a:t>
             </a:fld>
             <a:endParaRPr kumimoji="1" lang="ja-JP"/>
           </a:p>
@@ -1202,7 +1202,7 @@
             <a:fld id="{E6E13C79-1C97-4B32-B2AE-1A69C169643E}" type="datetime2">
               <a:rPr lang="ja-JP" altLang="en-US"/>
               <a:pPr/>
-              <a:t>2017年1月9日(月)</a:t>
+              <a:t>2017年1月10日(火)</a:t>
             </a:fld>
             <a:endParaRPr kumimoji="1" lang="ja-JP">
               <a:solidFill>
@@ -1440,7 +1440,7 @@
             <a:fld id="{D10E14BF-C004-4398-9186-5EE680724D95}" type="datetime2">
               <a:rPr lang="ja-JP" altLang="en-US"/>
               <a:pPr/>
-              <a:t>2017年1月9日(月)</a:t>
+              <a:t>2017年1月10日(火)</a:t>
             </a:fld>
             <a:endParaRPr kumimoji="1" lang="ja-JP"/>
           </a:p>
@@ -1655,7 +1655,7 @@
             <a:fld id="{D10E14BF-C004-4398-9186-5EE680724D95}" type="datetime2">
               <a:rPr lang="ja-JP" altLang="en-US"/>
               <a:pPr/>
-              <a:t>2017年1月9日(月)</a:t>
+              <a:t>2017年1月10日(火)</a:t>
             </a:fld>
             <a:endParaRPr kumimoji="1" lang="ja-JP"/>
           </a:p>
@@ -1842,7 +1842,7 @@
             <a:fld id="{227FEF5B-F2CC-4EC5-8F1F-29A8BF9EFFA9}" type="datetime2">
               <a:rPr lang="ja-JP" altLang="en-US"/>
               <a:pPr/>
-              <a:t>2017年1月9日(月)</a:t>
+              <a:t>2017年1月10日(火)</a:t>
             </a:fld>
             <a:endParaRPr kumimoji="1" lang="ja-JP"/>
           </a:p>
@@ -2105,7 +2105,7 @@
             <a:fld id="{5F4709C1-563D-4D9C-B702-B64C84A5A174}" type="datetime2">
               <a:rPr lang="ja-JP" altLang="en-US"/>
               <a:pPr/>
-              <a:t>2017年1月9日(月)</a:t>
+              <a:t>2017年1月10日(火)</a:t>
             </a:fld>
             <a:endParaRPr kumimoji="1" lang="ja-JP"/>
           </a:p>
@@ -2570,7 +2570,7 @@
             <a:fld id="{2E8303D9-A6EB-41FB-BF22-3F49E470997E}" type="datetime2">
               <a:rPr lang="ja-JP" altLang="en-US"/>
               <a:pPr/>
-              <a:t>2017年1月9日(月)</a:t>
+              <a:t>2017年1月10日(火)</a:t>
             </a:fld>
             <a:endParaRPr kumimoji="1" lang="ja-JP"/>
           </a:p>
@@ -3074,7 +3074,7 @@
             <a:fld id="{89BB0534-5698-4F62-9CFE-5DE61A073E78}" type="datetime2">
               <a:rPr lang="ja-JP" altLang="en-US"/>
               <a:pPr/>
-              <a:t>2017年1月9日(月)</a:t>
+              <a:t>2017年1月10日(火)</a:t>
             </a:fld>
             <a:endParaRPr kumimoji="1" lang="ja-JP"/>
           </a:p>
@@ -3171,7 +3171,7 @@
             <a:fld id="{084827A3-B249-4F87-AB1A-1E06AC1AA2A4}" type="datetime2">
               <a:rPr lang="ja-JP" altLang="en-US"/>
               <a:pPr/>
-              <a:t>2017年1月9日(月)</a:t>
+              <a:t>2017年1月10日(火)</a:t>
             </a:fld>
             <a:endParaRPr kumimoji="1" lang="ja-JP"/>
           </a:p>
@@ -3286,7 +3286,7 @@
             <a:fld id="{B1546142-29B2-49CC-BCC6-A3AD70B4960E}" type="datetime2">
               <a:rPr lang="ja-JP" altLang="en-US"/>
               <a:pPr/>
-              <a:t>2017年1月9日(月)</a:t>
+              <a:t>2017年1月10日(火)</a:t>
             </a:fld>
             <a:endParaRPr kumimoji="1" lang="ja-JP"/>
           </a:p>
@@ -3588,7 +3588,7 @@
             <a:fld id="{E86C4691-4882-40A8-AF62-8CF6A18D40B2}" type="datetime2">
               <a:rPr lang="ja-JP" altLang="en-US"/>
               <a:pPr/>
-              <a:t>2017年1月9日(月)</a:t>
+              <a:t>2017年1月10日(火)</a:t>
             </a:fld>
             <a:endParaRPr kumimoji="1" lang="ja-JP"/>
           </a:p>
@@ -3791,7 +3791,7 @@
             <a:fld id="{61C6776A-4DEC-47EE-8A49-2C150ECB5465}" type="datetime2">
               <a:rPr lang="ja-JP" altLang="en-US"/>
               <a:pPr/>
-              <a:t>2017年1月9日(月)</a:t>
+              <a:t>2017年1月10日(火)</a:t>
             </a:fld>
             <a:endParaRPr kumimoji="1" lang="ja-JP">
               <a:solidFill>
@@ -4920,7 +4920,7 @@
             <a:fld id="{D10E14BF-C004-4398-9186-5EE680724D95}" type="datetime2">
               <a:rPr lang="ja-JP" altLang="en-US"/>
               <a:pPr/>
-              <a:t>2017年1月9日(月)</a:t>
+              <a:t>2017年1月10日(火)</a:t>
             </a:fld>
             <a:endParaRPr kumimoji="1" lang="ja-JP" sz="1000">
               <a:solidFill>
@@ -9189,57 +9189,82 @@
           <a:lstStyle/>
           <a:p>
             <a:r>
-              <a:rPr kumimoji="1" lang="ja-JP" altLang="en-US" dirty="0"/>
-              <a:t>状態数を事前に決めることなく使用できる </a:t>
-            </a:r>
-            <a:r>
-              <a:rPr kumimoji="1" lang="en-US" altLang="ja-JP" dirty="0"/>
-              <a:t>HMM</a:t>
-            </a:r>
-          </a:p>
-          <a:p>
-            <a:r>
-              <a:rPr kumimoji="1" lang="ja-JP" altLang="en-US" dirty="0"/>
-              <a:t>状態遷移確率分布はディリクレ過程により生成される</a:t>
-            </a:r>
-            <a:endParaRPr kumimoji="1" lang="en-US" altLang="ja-JP" dirty="0"/>
-          </a:p>
-          <a:p>
-            <a:r>
-              <a:rPr kumimoji="1" lang="ja-JP" altLang="en-US" dirty="0"/>
-              <a:t>出力確率分布のパラメータを</a:t>
-            </a:r>
-            <a:endParaRPr kumimoji="1" lang="en-US" altLang="ja-JP" dirty="0"/>
+              <a:rPr lang="en-US" altLang="ja-JP" dirty="0"/>
+              <a:t>Extended HMM which can be used without specifying the number of hidden states.</a:t>
+            </a:r>
+          </a:p>
+          <a:p>
+            <a:r>
+              <a:rPr lang="en-US" altLang="ja-JP" dirty="0"/>
+              <a:t>Transition function is generated by </a:t>
+            </a:r>
+            <a:r>
+              <a:rPr lang="en-US" altLang="ja-JP" dirty="0" err="1"/>
+              <a:t>Dirichlet</a:t>
+            </a:r>
+            <a:r>
+              <a:rPr lang="en-US" altLang="ja-JP" dirty="0"/>
+              <a:t> Process.</a:t>
+            </a:r>
+          </a:p>
+          <a:p>
+            <a:r>
+              <a:rPr lang="en-US" altLang="ja-JP" dirty="0"/>
+              <a:t>These atoms mean parameters of </a:t>
+            </a:r>
           </a:p>
           <a:p>
             <a:pPr marL="109728" indent="0">
               <a:buNone/>
             </a:pPr>
             <a:r>
-              <a:rPr kumimoji="1" lang="en-US" altLang="ja-JP" dirty="0"/>
-              <a:t>atom </a:t>
-            </a:r>
-            <a:r>
-              <a:rPr kumimoji="1" lang="ja-JP" altLang="en-US" dirty="0"/>
-              <a:t>として持つ</a:t>
-            </a:r>
-            <a:endParaRPr kumimoji="1" lang="en-US" altLang="ja-JP" dirty="0"/>
-          </a:p>
-          <a:p>
-            <a:r>
-              <a:rPr kumimoji="1" lang="en-US" altLang="ja-JP" dirty="0"/>
-              <a:t>atom </a:t>
-            </a:r>
-            <a:r>
-              <a:rPr kumimoji="1" lang="ja-JP" altLang="en-US" dirty="0"/>
-              <a:t>は各分布で共有される</a:t>
-            </a:r>
-            <a:endParaRPr kumimoji="1" lang="en-US" altLang="ja-JP" dirty="0"/>
-          </a:p>
-          <a:p>
-            <a:r>
               <a:rPr lang="ja-JP" altLang="en-US" dirty="0"/>
-              <a:t>階層ディリクレ過程</a:t>
+              <a:t>  </a:t>
+            </a:r>
+            <a:r>
+              <a:rPr lang="en-US" altLang="ja-JP" dirty="0"/>
+              <a:t>probability distribution function of</a:t>
+            </a:r>
+          </a:p>
+          <a:p>
+            <a:pPr marL="109728" indent="0">
+              <a:buNone/>
+            </a:pPr>
+            <a:r>
+              <a:rPr lang="en-US" altLang="ja-JP" dirty="0"/>
+              <a:t> </a:t>
+            </a:r>
+            <a:r>
+              <a:rPr lang="ja-JP" altLang="en-US" dirty="0"/>
+              <a:t> </a:t>
+            </a:r>
+            <a:r>
+              <a:rPr lang="en-US" altLang="ja-JP" dirty="0"/>
+              <a:t>outputs.</a:t>
+            </a:r>
+          </a:p>
+          <a:p>
+            <a:r>
+              <a:rPr lang="en-US" altLang="ja-JP" dirty="0"/>
+              <a:t>To share atom in each distribution, </a:t>
+            </a:r>
+          </a:p>
+          <a:p>
+            <a:pPr marL="109728" indent="0">
+              <a:buNone/>
+            </a:pPr>
+            <a:r>
+              <a:rPr lang="en-US" altLang="ja-JP" dirty="0"/>
+              <a:t>  the stochastic process is </a:t>
+            </a:r>
+          </a:p>
+          <a:p>
+            <a:pPr marL="109728" indent="0">
+              <a:buNone/>
+            </a:pPr>
+            <a:r>
+              <a:rPr lang="en-US" altLang="ja-JP" dirty="0"/>
+              <a:t>  constructed hierarchically</a:t>
             </a:r>
             <a:endParaRPr kumimoji="1" lang="ja-JP" altLang="en-US" dirty="0"/>
           </a:p>
@@ -9267,6 +9292,82 @@
             <a:r>
               <a:rPr kumimoji="1" lang="en-US" altLang="ja-JP" dirty="0"/>
               <a:t>-HMM</a:t>
+            </a:r>
+            <a:endParaRPr kumimoji="1" lang="ja-JP" altLang="en-US" dirty="0"/>
+          </a:p>
+        </p:txBody>
+      </p:sp>
+      <p:sp>
+        <p:nvSpPr>
+          <p:cNvPr id="5" name="正方形/長方形 4"/>
+          <p:cNvSpPr/>
+          <p:nvPr/>
+        </p:nvSpPr>
+        <p:spPr>
+          <a:xfrm>
+            <a:off x="5508104" y="6381328"/>
+            <a:ext cx="2880320" cy="288032"/>
+          </a:xfrm>
+          <a:prstGeom prst="rect">
+            <a:avLst/>
+          </a:prstGeom>
+          <a:solidFill>
+            <a:schemeClr val="bg1"/>
+          </a:solidFill>
+          <a:ln>
+            <a:noFill/>
+          </a:ln>
+        </p:spPr>
+        <p:style>
+          <a:lnRef idx="2">
+            <a:schemeClr val="accent1">
+              <a:shade val="50000"/>
+            </a:schemeClr>
+          </a:lnRef>
+          <a:fillRef idx="1">
+            <a:schemeClr val="accent1"/>
+          </a:fillRef>
+          <a:effectRef idx="0">
+            <a:schemeClr val="accent1"/>
+          </a:effectRef>
+          <a:fontRef idx="minor">
+            <a:schemeClr val="lt1"/>
+          </a:fontRef>
+        </p:style>
+        <p:txBody>
+          <a:bodyPr rtlCol="0" anchor="ctr"/>
+          <a:lstStyle/>
+          <a:p>
+            <a:pPr algn="ctr"/>
+            <a:endParaRPr kumimoji="1" lang="ja-JP" altLang="en-US"/>
+          </a:p>
+        </p:txBody>
+      </p:sp>
+      <p:sp>
+        <p:nvSpPr>
+          <p:cNvPr id="6" name="テキスト ボックス 5"/>
+          <p:cNvSpPr txBox="1"/>
+          <p:nvPr/>
+        </p:nvSpPr>
+        <p:spPr>
+          <a:xfrm>
+            <a:off x="5364088" y="6093296"/>
+            <a:ext cx="3600400" cy="369332"/>
+          </a:xfrm>
+          <a:prstGeom prst="rect">
+            <a:avLst/>
+          </a:prstGeom>
+          <a:noFill/>
+        </p:spPr>
+        <p:txBody>
+          <a:bodyPr wrap="square" rtlCol="0">
+            <a:spAutoFit/>
+          </a:bodyPr>
+          <a:lstStyle/>
+          <a:p>
+            <a:r>
+              <a:rPr kumimoji="1" lang="en-US" altLang="ja-JP" dirty="0"/>
+              <a:t>Graphical model of HDP-HMM [2]</a:t>
             </a:r>
             <a:endParaRPr kumimoji="1" lang="ja-JP" altLang="en-US" dirty="0"/>
           </a:p>
@@ -9302,8 +9403,8 @@
           <a:chExt cx="0" cy="0"/>
         </a:xfrm>
       </p:grpSpPr>
-      <mc:AlternateContent xmlns:mc="http://schemas.openxmlformats.org/markup-compatibility/2006">
-        <mc:Choice xmlns:a14="http://schemas.microsoft.com/office/drawing/2010/main" Requires="a14">
+      <mc:AlternateContent xmlns:mc="http://schemas.openxmlformats.org/markup-compatibility/2006" xmlns:a14="http://schemas.microsoft.com/office/drawing/2010/main">
+        <mc:Choice Requires="a14">
           <p:sp>
             <p:nvSpPr>
               <p:cNvPr id="2" name="コンテンツ プレースホルダー 1"/>
@@ -9322,7 +9423,7 @@
               <a:lstStyle/>
               <a:p>
                 <a:r>
-                  <a:rPr kumimoji="1" lang="en-US" altLang="ja-JP" dirty="0" smtClean="0"/>
+                  <a:rPr kumimoji="1" lang="en-US" altLang="ja-JP" dirty="0"/>
                   <a:t>Dirichlet Process (DP)</a:t>
                 </a:r>
               </a:p>
@@ -9330,18 +9431,14 @@
                 <a:pPr lvl="1"/>
                 <a:r>
                   <a:rPr lang="en-US" altLang="ja-JP" dirty="0"/>
-                  <a:t>P</a:t>
+                  <a:t>Probability process to generate </a:t>
                 </a:r>
                 <a:r>
-                  <a:rPr lang="en-US" altLang="ja-JP" dirty="0" smtClean="0"/>
-                  <a:t>robability process to generate </a:t>
-                </a:r>
-                <a:r>
-                  <a:rPr lang="en-US" altLang="ja-JP" dirty="0" err="1" smtClean="0"/>
+                  <a:rPr lang="en-US" altLang="ja-JP" dirty="0" err="1"/>
                   <a:t>dirichlet</a:t>
                 </a:r>
                 <a:r>
-                  <a:rPr lang="en-US" altLang="ja-JP" dirty="0" smtClean="0"/>
+                  <a:rPr lang="en-US" altLang="ja-JP" dirty="0"/>
                   <a:t> distributions based on        "base measure". </a:t>
                 </a:r>
                 <a:endParaRPr kumimoji="1" lang="en-US" altLang="ja-JP" dirty="0"/>
@@ -9473,16 +9570,8 @@
               <a:p>
                 <a:pPr lvl="1"/>
                 <a:r>
-                  <a:rPr lang="en-US" altLang="ja-JP" dirty="0" smtClean="0"/>
-                  <a:t>Distributions </a:t>
-                </a:r>
-                <a:r>
                   <a:rPr lang="en-US" altLang="ja-JP" dirty="0"/>
-                  <a:t>generated by DP are discrete</a:t>
-                </a:r>
-                <a:r>
-                  <a:rPr lang="en-US" altLang="ja-JP" dirty="0" smtClean="0"/>
-                  <a:t>.</a:t>
+                  <a:t>Distributions generated by DP are discrete.</a:t>
                 </a:r>
               </a:p>
               <a:p>
@@ -9491,14 +9580,13 @@
               </a:p>
               <a:p>
                 <a:r>
-                  <a:rPr lang="en-US" altLang="ja-JP" dirty="0" err="1" smtClean="0"/>
+                  <a:rPr lang="en-US" altLang="ja-JP" dirty="0" err="1"/>
                   <a:t>Dirichlet</a:t>
                 </a:r>
                 <a:r>
-                  <a:rPr lang="en-US" altLang="ja-JP" dirty="0" smtClean="0"/>
+                  <a:rPr lang="en-US" altLang="ja-JP" dirty="0"/>
                   <a:t> Process Mixture model (DPM)</a:t>
                 </a:r>
-                <a:endParaRPr lang="en-US" altLang="ja-JP" dirty="0"/>
               </a:p>
               <a:p>
                 <a:pPr lvl="2"/>
@@ -9862,12 +9950,8 @@
                   </m:oMath>
                 </a14:m>
                 <a:r>
-                  <a:rPr lang="en-US" altLang="ja-JP" dirty="0" smtClean="0"/>
-                  <a:t> </a:t>
-                </a:r>
-                <a:r>
                   <a:rPr lang="en-US" altLang="ja-JP" dirty="0"/>
-                  <a:t>outputs already existing </a:t>
+                  <a:t> outputs already existing </a:t>
                 </a:r>
                 <a14:m>
                   <m:oMath xmlns:m="http://schemas.openxmlformats.org/officeDocument/2006/math">
@@ -9883,12 +9967,8 @@
                   </m:oMath>
                 </a14:m>
                 <a:r>
-                  <a:rPr lang="en-US" altLang="ja-JP" dirty="0" smtClean="0"/>
-                  <a:t> </a:t>
-                </a:r>
-                <a:r>
                   <a:rPr lang="en-US" altLang="ja-JP" dirty="0"/>
-                  <a:t>or pick a new </a:t>
+                  <a:t> or pick a new </a:t>
                 </a:r>
                 <a14:m>
                   <m:oMath xmlns:m="http://schemas.openxmlformats.org/officeDocument/2006/math">
@@ -9904,12 +9984,8 @@
                   </m:oMath>
                 </a14:m>
                 <a:r>
-                  <a:rPr lang="en-US" altLang="ja-JP" dirty="0" smtClean="0"/>
-                  <a:t> </a:t>
-                </a:r>
-                <a:r>
                   <a:rPr lang="en-US" altLang="ja-JP" dirty="0"/>
-                  <a:t>from </a:t>
+                  <a:t> from </a:t>
                 </a:r>
                 <a14:m>
                   <m:oMath xmlns:m="http://schemas.openxmlformats.org/officeDocument/2006/math">
@@ -9941,15 +10017,15 @@
                   </m:oMath>
                 </a14:m>
                 <a:r>
-                  <a:rPr lang="en-US" altLang="ja-JP" dirty="0" smtClean="0"/>
+                  <a:rPr lang="en-US" altLang="ja-JP" dirty="0"/>
                   <a:t>.</a:t>
                 </a:r>
-                <a:endParaRPr kumimoji="1" lang="en-US" altLang="ja-JP" dirty="0" smtClean="0"/>
+                <a:endParaRPr kumimoji="1" lang="en-US" altLang="ja-JP" dirty="0"/>
               </a:p>
             </p:txBody>
           </p:sp>
         </mc:Choice>
-        <mc:Fallback>
+        <mc:Fallback xmlns="">
           <p:sp>
             <p:nvSpPr>
               <p:cNvPr id="2" name="コンテンツ プレースホルダー 1"/>
@@ -9999,7 +10075,7 @@
           <a:lstStyle/>
           <a:p>
             <a:r>
-              <a:rPr lang="en-US" altLang="ja-JP" dirty="0" smtClean="0"/>
+              <a:rPr lang="en-US" altLang="ja-JP" dirty="0"/>
               <a:t>DPM</a:t>
             </a:r>
             <a:endParaRPr kumimoji="1" lang="ja-JP" altLang="en-US" dirty="0"/>
@@ -10052,51 +10128,37 @@
           <a:lstStyle/>
           <a:p>
             <a:r>
-              <a:rPr lang="en-US" altLang="ja-JP" dirty="0" smtClean="0"/>
+              <a:rPr lang="en-US" altLang="ja-JP" dirty="0"/>
               <a:t>Example of DPM</a:t>
             </a:r>
-            <a:endParaRPr lang="en-US" altLang="ja-JP" dirty="0"/>
           </a:p>
           <a:p>
             <a:pPr lvl="1"/>
             <a:r>
-              <a:rPr lang="en-US" altLang="ja-JP" dirty="0" smtClean="0"/>
-              <a:t>Clustering </a:t>
-            </a:r>
-            <a:r>
               <a:rPr lang="en-US" altLang="ja-JP" dirty="0"/>
-              <a:t>of sample data generated by </a:t>
-            </a:r>
-            <a:r>
-              <a:rPr lang="en-US" altLang="ja-JP" dirty="0" smtClean="0"/>
-              <a:t>GMM.</a:t>
+              <a:t>Clustering of sample data generated by GMM.</a:t>
             </a:r>
           </a:p>
           <a:p>
             <a:pPr lvl="1"/>
             <a:r>
-              <a:rPr lang="en-US" altLang="ja-JP" dirty="0" smtClean="0"/>
+              <a:rPr lang="en-US" altLang="ja-JP" dirty="0"/>
               <a:t>Base measure is "Normal </a:t>
             </a:r>
             <a:r>
-              <a:rPr lang="en-US" altLang="ja-JP" dirty="0" err="1" smtClean="0"/>
+              <a:rPr lang="en-US" altLang="ja-JP" dirty="0" err="1"/>
               <a:t>Wishart</a:t>
             </a:r>
             <a:r>
-              <a:rPr lang="en-US" altLang="ja-JP" dirty="0" smtClean="0"/>
+              <a:rPr lang="en-US" altLang="ja-JP" dirty="0"/>
               <a:t> distribution".</a:t>
             </a:r>
-            <a:endParaRPr lang="en-US" altLang="ja-JP" dirty="0"/>
           </a:p>
           <a:p>
             <a:pPr lvl="2"/>
             <a:r>
-              <a:rPr lang="en-US" altLang="ja-JP" dirty="0" smtClean="0"/>
-              <a:t>α </a:t>
-            </a:r>
-            <a:r>
               <a:rPr lang="en-US" altLang="ja-JP" dirty="0"/>
-              <a:t>= 0.5 , β = 0.33</a:t>
+              <a:t>α = 0.5 , β = 0.33</a:t>
             </a:r>
           </a:p>
           <a:p>
@@ -10134,7 +10196,7 @@
           <a:lstStyle/>
           <a:p>
             <a:r>
-              <a:rPr kumimoji="1" lang="en-US" altLang="ja-JP" dirty="0" smtClean="0"/>
+              <a:rPr kumimoji="1" lang="en-US" altLang="ja-JP" dirty="0"/>
               <a:t>DPM</a:t>
             </a:r>
             <a:endParaRPr kumimoji="1" lang="ja-JP" altLang="en-US" dirty="0"/>
@@ -10201,8 +10263,8 @@
           <a:chExt cx="0" cy="0"/>
         </a:xfrm>
       </p:grpSpPr>
-      <mc:AlternateContent xmlns:mc="http://schemas.openxmlformats.org/markup-compatibility/2006">
-        <mc:Choice xmlns:a14="http://schemas.microsoft.com/office/drawing/2010/main" Requires="a14">
+      <mc:AlternateContent xmlns:mc="http://schemas.openxmlformats.org/markup-compatibility/2006" xmlns:a14="http://schemas.microsoft.com/office/drawing/2010/main">
+        <mc:Choice Requires="a14">
           <p:sp>
             <p:nvSpPr>
               <p:cNvPr id="2" name="コンテンツ プレースホルダー 1"/>
@@ -10224,7 +10286,6 @@
                   <a:rPr lang="en-US" altLang="ja-JP" dirty="0"/>
                   <a:t>To apply DPM to HMM, representation of transition function is needed.</a:t>
                 </a:r>
-                <a:endParaRPr lang="en-US" altLang="ja-JP" dirty="0"/>
               </a:p>
               <a:p>
                 <a:pPr lvl="1"/>
@@ -10242,22 +10303,14 @@
                 </a:r>
                 <a:r>
                   <a:rPr lang="en-US" altLang="ja-JP" dirty="0"/>
-                  <a:t> process for each </a:t>
-                </a:r>
-                <a:r>
-                  <a:rPr lang="en-US" altLang="ja-JP" dirty="0" smtClean="0"/>
-                  <a:t>transition</a:t>
+                  <a:t> process for each transition</a:t>
                 </a:r>
               </a:p>
               <a:p>
                 <a:pPr lvl="1"/>
                 <a:r>
                   <a:rPr lang="en-US" altLang="ja-JP" dirty="0"/>
-                  <a:t>It is necessary to share parameters (output distribution for each state) among the generated </a:t>
-                </a:r>
-                <a:r>
-                  <a:rPr lang="en-US" altLang="ja-JP" dirty="0" smtClean="0"/>
-                  <a:t>distributions</a:t>
+                  <a:t>It is necessary to share parameters (output distribution for each state) among the generated distributions</a:t>
                 </a:r>
               </a:p>
               <a:p>
@@ -10272,11 +10325,7 @@
                 </a:r>
                 <a:r>
                   <a:rPr lang="en-US" altLang="ja-JP" dirty="0"/>
-                  <a:t> process</a:t>
-                </a:r>
-                <a:r>
-                  <a:rPr lang="en-US" altLang="ja-JP" dirty="0" smtClean="0"/>
-                  <a:t>.</a:t>
+                  <a:t> process.</a:t>
                 </a:r>
               </a:p>
               <a:p>
@@ -10285,18 +10334,17 @@
               </a:p>
               <a:p>
                 <a:r>
-                  <a:rPr lang="en-US" altLang="ja-JP" dirty="0" smtClean="0"/>
+                  <a:rPr lang="en-US" altLang="ja-JP" dirty="0"/>
                   <a:t>Hierarchical </a:t>
                 </a:r>
                 <a:r>
-                  <a:rPr lang="en-US" altLang="ja-JP" dirty="0" err="1" smtClean="0"/>
+                  <a:rPr lang="en-US" altLang="ja-JP" dirty="0" err="1"/>
                   <a:t>Dirichlet</a:t>
                 </a:r>
                 <a:r>
-                  <a:rPr lang="en-US" altLang="ja-JP" dirty="0" smtClean="0"/>
+                  <a:rPr lang="en-US" altLang="ja-JP" dirty="0"/>
                   <a:t> Process (HDP)</a:t>
                 </a:r>
-                <a:endParaRPr lang="en-US" altLang="ja-JP" dirty="0"/>
               </a:p>
               <a:p>
                 <a:pPr lvl="1"/>
@@ -10314,13 +10362,9 @@
                 </a:r>
                 <a:r>
                   <a:rPr lang="en-US" altLang="ja-JP" dirty="0"/>
-                  <a:t> process</a:t>
+                  <a:t> process.</a:t>
                 </a:r>
-                <a:r>
-                  <a:rPr lang="en-US" altLang="ja-JP" dirty="0" smtClean="0"/>
-                  <a:t>.</a:t>
-                </a:r>
-                <a:endParaRPr lang="en-US" altLang="ja-JP" b="0" i="1" dirty="0" smtClean="0">
+                <a:endParaRPr lang="en-US" altLang="ja-JP" b="0" i="1" dirty="0">
                   <a:latin typeface="Cambria Math" panose="02040503050406030204" pitchFamily="18" charset="0"/>
                 </a:endParaRPr>
               </a:p>
@@ -10700,7 +10744,7 @@
             </p:txBody>
           </p:sp>
         </mc:Choice>
-        <mc:Fallback>
+        <mc:Fallback xmlns="">
           <p:sp>
             <p:nvSpPr>
               <p:cNvPr id="2" name="コンテンツ プレースホルダー 1"/>
@@ -10750,7 +10794,7 @@
           <a:lstStyle/>
           <a:p>
             <a:r>
-              <a:rPr kumimoji="1" lang="en-US" altLang="ja-JP" dirty="0" smtClean="0"/>
+              <a:rPr kumimoji="1" lang="en-US" altLang="ja-JP" dirty="0"/>
               <a:t>DPM for HMM</a:t>
             </a:r>
             <a:endParaRPr kumimoji="1" lang="ja-JP" altLang="en-US" dirty="0"/>
@@ -10808,7 +10852,7 @@
           <a:lstStyle/>
           <a:p>
             <a:r>
-              <a:rPr kumimoji="1" lang="en-US" altLang="ja-JP" dirty="0" smtClean="0"/>
+              <a:rPr kumimoji="1" lang="en-US" altLang="ja-JP" dirty="0"/>
               <a:t>Example of HDP(CRF)</a:t>
             </a:r>
           </a:p>
@@ -10816,20 +10860,15 @@
             <a:pPr lvl="1"/>
             <a:r>
               <a:rPr lang="en-US" altLang="ja-JP" dirty="0"/>
-              <a:t>B</a:t>
-            </a:r>
-            <a:r>
-              <a:rPr lang="en-US" altLang="ja-JP" dirty="0" smtClean="0"/>
-              <a:t>ase measure is Gaussian distribution.</a:t>
+              <a:t>Base measure is Gaussian distribution.</a:t>
             </a:r>
           </a:p>
           <a:p>
             <a:pPr lvl="2"/>
             <a:r>
-              <a:rPr kumimoji="1" lang="en-US" altLang="ja-JP" dirty="0" smtClean="0"/>
+              <a:rPr kumimoji="1" lang="en-US" altLang="ja-JP" dirty="0"/>
               <a:t>α=5, γ=1</a:t>
             </a:r>
-            <a:endParaRPr kumimoji="1" lang="en-US" altLang="ja-JP" dirty="0"/>
           </a:p>
         </p:txBody>
       </p:sp>
@@ -11033,15 +11072,15 @@
           <a:lstStyle/>
           <a:p>
             <a:r>
-              <a:rPr kumimoji="1" lang="en-US" altLang="ja-JP" dirty="0" smtClean="0"/>
+              <a:rPr kumimoji="1" lang="en-US" altLang="ja-JP" dirty="0"/>
               <a:t>Base measure H</a:t>
             </a:r>
             <a:endParaRPr kumimoji="1" lang="ja-JP" altLang="en-US" dirty="0"/>
           </a:p>
         </p:txBody>
       </p:sp>
-      <mc:AlternateContent xmlns:mc="http://schemas.openxmlformats.org/markup-compatibility/2006">
-        <mc:Choice xmlns:a14="http://schemas.microsoft.com/office/drawing/2010/main" Requires="a14">
+      <mc:AlternateContent xmlns:mc="http://schemas.openxmlformats.org/markup-compatibility/2006" xmlns:a14="http://schemas.microsoft.com/office/drawing/2010/main">
+        <mc:Choice Requires="a14">
           <p:sp>
             <p:nvSpPr>
               <p:cNvPr id="13" name="テキスト ボックス 12"/>
@@ -11065,7 +11104,7 @@
               <a:lstStyle/>
               <a:p>
                 <a:r>
-                  <a:rPr kumimoji="1" lang="en-US" altLang="ja-JP" dirty="0" smtClean="0"/>
+                  <a:rPr kumimoji="1" lang="en-US" altLang="ja-JP" dirty="0"/>
                   <a:t>Global distribution </a:t>
                 </a:r>
                 <a14:m>
@@ -11102,7 +11141,7 @@
             </p:txBody>
           </p:sp>
         </mc:Choice>
-        <mc:Fallback>
+        <mc:Fallback xmlns="">
           <p:sp>
             <p:nvSpPr>
               <p:cNvPr id="13" name="テキスト ボックス 12"/>
@@ -11141,8 +11180,8 @@
           </p:sp>
         </mc:Fallback>
       </mc:AlternateContent>
-      <mc:AlternateContent xmlns:mc="http://schemas.openxmlformats.org/markup-compatibility/2006">
-        <mc:Choice xmlns:a14="http://schemas.microsoft.com/office/drawing/2010/main" Requires="a14">
+      <mc:AlternateContent xmlns:mc="http://schemas.openxmlformats.org/markup-compatibility/2006" xmlns:a14="http://schemas.microsoft.com/office/drawing/2010/main">
+        <mc:Choice Requires="a14">
           <p:sp>
             <p:nvSpPr>
               <p:cNvPr id="14" name="テキスト ボックス 13"/>
@@ -11166,7 +11205,7 @@
               <a:lstStyle/>
               <a:p>
                 <a:r>
-                  <a:rPr kumimoji="1" lang="en-US" altLang="ja-JP" dirty="0" smtClean="0"/>
+                  <a:rPr kumimoji="1" lang="en-US" altLang="ja-JP" dirty="0"/>
                   <a:t>Local distribution </a:t>
                 </a:r>
                 <a14:m>
@@ -11203,7 +11242,7 @@
             </p:txBody>
           </p:sp>
         </mc:Choice>
-        <mc:Fallback>
+        <mc:Fallback xmlns="">
           <p:sp>
             <p:nvSpPr>
               <p:cNvPr id="14" name="テキスト ボックス 13"/>
@@ -11470,37 +11509,21 @@
             <a:pPr lvl="1"/>
             <a:r>
               <a:rPr lang="en-US" altLang="ja-JP" dirty="0"/>
-              <a:t>Segmentation of continuous motion is helpful to find important intermediate states</a:t>
-            </a:r>
-            <a:r>
-              <a:rPr lang="en-US" altLang="ja-JP" dirty="0" smtClean="0"/>
-              <a:t>.</a:t>
+              <a:t>Segmentation of continuous motion is helpful to find important intermediate states.</a:t>
             </a:r>
           </a:p>
           <a:p>
             <a:pPr lvl="1"/>
             <a:r>
-              <a:rPr lang="en-US" altLang="ja-JP" dirty="0" smtClean="0"/>
-              <a:t>Motion </a:t>
-            </a:r>
-            <a:r>
               <a:rPr lang="en-US" altLang="ja-JP" dirty="0"/>
-              <a:t>data acquired from Kinect can be smoothed by MA</a:t>
-            </a:r>
-            <a:r>
-              <a:rPr lang="en-US" altLang="ja-JP" dirty="0" smtClean="0"/>
-              <a:t>.</a:t>
+              <a:t>Motion data acquired from Kinect can be smoothed by MA.</a:t>
             </a:r>
           </a:p>
           <a:p>
             <a:pPr lvl="1"/>
             <a:r>
               <a:rPr lang="en-US" altLang="ja-JP" dirty="0"/>
-              <a:t>the examples show how DPM and HDP work</a:t>
-            </a:r>
-            <a:r>
-              <a:rPr lang="en-US" altLang="ja-JP" dirty="0" smtClean="0"/>
-              <a:t>.</a:t>
+              <a:t>the examples show how DPM and HDP work.</a:t>
             </a:r>
           </a:p>
           <a:p>
@@ -11527,44 +11550,31 @@
           <a:p>
             <a:pPr lvl="2"/>
             <a:r>
-              <a:rPr lang="en-US" altLang="ja-JP" dirty="0" smtClean="0"/>
-              <a:t>Test </a:t>
-            </a:r>
-            <a:r>
               <a:rPr lang="en-US" altLang="ja-JP" dirty="0"/>
-              <a:t>of learning HDP</a:t>
-            </a:r>
-            <a:r>
-              <a:rPr lang="en-US" altLang="ja-JP" dirty="0" smtClean="0"/>
-              <a:t>.</a:t>
+              <a:t>Test of learning HDP.</a:t>
             </a:r>
           </a:p>
           <a:p>
             <a:pPr lvl="2"/>
             <a:r>
               <a:rPr lang="en-US" altLang="ja-JP" dirty="0"/>
-              <a:t>Apply HDP to </a:t>
-            </a:r>
-            <a:r>
-              <a:rPr lang="en-US" altLang="ja-JP" dirty="0" smtClean="0"/>
-              <a:t>HMM</a:t>
+              <a:t>Apply HDP to HMM</a:t>
             </a:r>
           </a:p>
           <a:p>
             <a:pPr lvl="2"/>
             <a:r>
-              <a:rPr kumimoji="1" lang="en-US" altLang="ja-JP" dirty="0" smtClean="0"/>
+              <a:rPr kumimoji="1" lang="en-US" altLang="ja-JP" dirty="0"/>
               <a:t>Apply </a:t>
             </a:r>
             <a:r>
-              <a:rPr kumimoji="1" lang="en-US" altLang="ja-JP" dirty="0" err="1" smtClean="0"/>
+              <a:rPr kumimoji="1" lang="en-US" altLang="ja-JP" dirty="0" err="1"/>
               <a:t>sHDP</a:t>
             </a:r>
             <a:r>
-              <a:rPr kumimoji="1" lang="en-US" altLang="ja-JP" dirty="0" smtClean="0"/>
+              <a:rPr kumimoji="1" lang="en-US" altLang="ja-JP" dirty="0"/>
               <a:t>-HMM to encoding motion.</a:t>
             </a:r>
-            <a:endParaRPr kumimoji="1" lang="en-US" altLang="ja-JP" dirty="0"/>
           </a:p>
           <a:p>
             <a:pPr lvl="1"/>
@@ -11654,111 +11664,111 @@
           <a:lstStyle/>
           <a:p>
             <a:r>
-              <a:rPr kumimoji="1" lang="en-US" altLang="ja-JP" dirty="0" smtClean="0"/>
+              <a:rPr kumimoji="1" lang="en-US" altLang="ja-JP" dirty="0"/>
               <a:t>[1] </a:t>
             </a:r>
             <a:r>
-              <a:rPr kumimoji="1" lang="ja-JP" altLang="en-US" dirty="0" err="1" smtClean="0"/>
+              <a:rPr kumimoji="1" lang="ja-JP" altLang="en-US" dirty="0" err="1"/>
               <a:t>たにちゅ</a:t>
             </a:r>
             <a:r>
-              <a:rPr kumimoji="1" lang="ja-JP" altLang="en-US" dirty="0" smtClean="0"/>
+              <a:rPr kumimoji="1" lang="ja-JP" altLang="en-US" dirty="0"/>
               <a:t>ーの</a:t>
             </a:r>
             <a:r>
-              <a:rPr kumimoji="1" lang="en-US" altLang="ja-JP" dirty="0" smtClean="0"/>
+              <a:rPr kumimoji="1" lang="en-US" altLang="ja-JP" dirty="0"/>
               <a:t>2</a:t>
             </a:r>
             <a:r>
-              <a:rPr kumimoji="1" lang="ja-JP" altLang="en-US" dirty="0" smtClean="0"/>
+              <a:rPr kumimoji="1" lang="ja-JP" altLang="en-US" dirty="0"/>
               <a:t>重構文解析</a:t>
             </a:r>
-            <a:endParaRPr kumimoji="1" lang="en-US" altLang="ja-JP" dirty="0" smtClean="0"/>
-          </a:p>
-          <a:p>
-            <a:r>
-              <a:rPr lang="en-US" altLang="ja-JP" dirty="0" smtClean="0"/>
+            <a:endParaRPr kumimoji="1" lang="en-US" altLang="ja-JP" dirty="0"/>
+          </a:p>
+          <a:p>
+            <a:r>
+              <a:rPr lang="en-US" altLang="ja-JP" dirty="0"/>
               <a:t>[2]</a:t>
             </a:r>
             <a:r>
-              <a:rPr kumimoji="1" lang="en-US" altLang="ja-JP" dirty="0" smtClean="0"/>
+              <a:rPr kumimoji="1" lang="en-US" altLang="ja-JP" dirty="0"/>
               <a:t> </a:t>
             </a:r>
             <a:r>
-              <a:rPr kumimoji="1" lang="en-US" altLang="ja-JP" dirty="0" err="1" smtClean="0"/>
+              <a:rPr kumimoji="1" lang="en-US" altLang="ja-JP" dirty="0" err="1"/>
               <a:t>Teh</a:t>
             </a:r>
             <a:r>
-              <a:rPr kumimoji="1" lang="en-US" altLang="ja-JP" dirty="0" smtClean="0"/>
+              <a:rPr kumimoji="1" lang="en-US" altLang="ja-JP" dirty="0"/>
               <a:t> </a:t>
             </a:r>
             <a:r>
-              <a:rPr kumimoji="1" lang="ja-JP" altLang="en-US" dirty="0" smtClean="0"/>
+              <a:rPr kumimoji="1" lang="ja-JP" altLang="en-US" dirty="0"/>
               <a:t>の </a:t>
             </a:r>
             <a:r>
-              <a:rPr kumimoji="1" lang="en-US" altLang="ja-JP" dirty="0" err="1" smtClean="0"/>
+              <a:rPr kumimoji="1" lang="en-US" altLang="ja-JP" dirty="0" err="1"/>
               <a:t>sHDP</a:t>
             </a:r>
             <a:r>
-              <a:rPr kumimoji="1" lang="en-US" altLang="ja-JP" dirty="0" smtClean="0"/>
+              <a:rPr kumimoji="1" lang="en-US" altLang="ja-JP" dirty="0"/>
               <a:t>-HMM</a:t>
             </a:r>
           </a:p>
           <a:p>
             <a:r>
-              <a:rPr lang="en-US" altLang="ja-JP" dirty="0" smtClean="0"/>
+              <a:rPr lang="en-US" altLang="ja-JP" dirty="0"/>
               <a:t>[3] </a:t>
             </a:r>
             <a:r>
-              <a:rPr lang="ja-JP" altLang="en-US" dirty="0" smtClean="0"/>
+              <a:rPr lang="ja-JP" altLang="en-US" dirty="0"/>
               <a:t>持橋の </a:t>
             </a:r>
             <a:r>
-              <a:rPr lang="en-US" altLang="ja-JP" dirty="0" smtClean="0"/>
+              <a:rPr lang="en-US" altLang="ja-JP" dirty="0"/>
               <a:t>NPYLM</a:t>
             </a:r>
           </a:p>
           <a:p>
             <a:r>
-              <a:rPr kumimoji="1" lang="en-US" altLang="ja-JP" dirty="0" smtClean="0"/>
+              <a:rPr kumimoji="1" lang="en-US" altLang="ja-JP" dirty="0"/>
               <a:t>[4] </a:t>
             </a:r>
             <a:r>
-              <a:rPr kumimoji="1" lang="ja-JP" altLang="en-US" dirty="0" smtClean="0"/>
+              <a:rPr kumimoji="1" lang="ja-JP" altLang="en-US" dirty="0"/>
               <a:t>続パタ</a:t>
             </a:r>
-            <a:endParaRPr kumimoji="1" lang="en-US" altLang="ja-JP" dirty="0" smtClean="0"/>
-          </a:p>
-          <a:p>
-            <a:r>
-              <a:rPr lang="en-US" altLang="ja-JP" dirty="0" smtClean="0"/>
+            <a:endParaRPr kumimoji="1" lang="en-US" altLang="ja-JP" dirty="0"/>
+          </a:p>
+          <a:p>
+            <a:r>
+              <a:rPr lang="en-US" altLang="ja-JP" dirty="0"/>
               <a:t>[5] </a:t>
             </a:r>
             <a:r>
-              <a:rPr lang="ja-JP" altLang="en-US" dirty="0" smtClean="0"/>
+              <a:rPr lang="ja-JP" altLang="en-US" dirty="0"/>
               <a:t>なんか </a:t>
             </a:r>
             <a:r>
-              <a:rPr lang="en-US" altLang="ja-JP" dirty="0" smtClean="0"/>
+              <a:rPr lang="en-US" altLang="ja-JP" dirty="0"/>
               <a:t>CRF </a:t>
             </a:r>
             <a:r>
-              <a:rPr lang="ja-JP" altLang="en-US" dirty="0" smtClean="0"/>
+              <a:rPr lang="ja-JP" altLang="en-US" dirty="0"/>
               <a:t>の文献</a:t>
             </a:r>
-            <a:endParaRPr lang="en-US" altLang="ja-JP" dirty="0" smtClean="0"/>
-          </a:p>
-          <a:p>
-            <a:r>
-              <a:rPr kumimoji="1" lang="en-US" altLang="ja-JP" dirty="0" smtClean="0"/>
+            <a:endParaRPr lang="en-US" altLang="ja-JP" dirty="0"/>
+          </a:p>
+          <a:p>
+            <a:r>
+              <a:rPr kumimoji="1" lang="en-US" altLang="ja-JP" dirty="0"/>
               <a:t>[6] </a:t>
             </a:r>
             <a:r>
-              <a:rPr kumimoji="1" lang="ja-JP" altLang="en-US" dirty="0" smtClean="0"/>
+              <a:rPr kumimoji="1" lang="ja-JP" altLang="en-US" dirty="0"/>
               <a:t>キネクトのリファレンス</a:t>
             </a:r>
-            <a:endParaRPr kumimoji="1" lang="en-US" altLang="ja-JP" dirty="0" smtClean="0"/>
+            <a:endParaRPr kumimoji="1" lang="en-US" altLang="ja-JP" dirty="0"/>
           </a:p>
           <a:p>
             <a:endParaRPr kumimoji="1" lang="ja-JP" altLang="en-US" dirty="0"/>
@@ -14954,12 +14964,8 @@
               <a:t> </a:t>
             </a:r>
             <a:r>
-              <a:rPr lang="en-US" altLang="ja-JP" dirty="0" smtClean="0"/>
-              <a:t>intermediate </a:t>
-            </a:r>
-            <a:r>
               <a:rPr lang="en-US" altLang="ja-JP" dirty="0"/>
-              <a:t>states.</a:t>
+              <a:t>intermediate states.</a:t>
             </a:r>
           </a:p>
           <a:p>
@@ -15567,7 +15573,7 @@
         </p:blipFill>
         <p:spPr bwMode="auto">
           <a:xfrm>
-            <a:off x="5904267" y="3848968"/>
+            <a:off x="6120291" y="3848968"/>
             <a:ext cx="936104" cy="936104"/>
           </a:xfrm>
           <a:prstGeom prst="rect">
@@ -15608,7 +15614,7 @@
         </p:blipFill>
         <p:spPr bwMode="auto">
           <a:xfrm>
-            <a:off x="5652120" y="3628380"/>
+            <a:off x="5868144" y="3628380"/>
             <a:ext cx="463488" cy="463488"/>
           </a:xfrm>
           <a:prstGeom prst="rect">
@@ -15649,7 +15655,7 @@
         </p:blipFill>
         <p:spPr bwMode="auto">
           <a:xfrm>
-            <a:off x="4932040" y="4492476"/>
+            <a:off x="5148064" y="4492476"/>
             <a:ext cx="936104" cy="936104"/>
           </a:xfrm>
           <a:prstGeom prst="rect">
@@ -16160,7 +16166,7 @@
         </p:blipFill>
         <p:spPr bwMode="auto">
           <a:xfrm>
-            <a:off x="4676314" y="4297607"/>
+            <a:off x="4892338" y="4297607"/>
             <a:ext cx="463488" cy="463488"/>
           </a:xfrm>
           <a:prstGeom prst="rect">
@@ -16186,7 +16192,7 @@
         </p:nvSpPr>
         <p:spPr>
           <a:xfrm>
-            <a:off x="4579128" y="3042644"/>
+            <a:off x="4795152" y="3042644"/>
             <a:ext cx="2441143" cy="2457944"/>
           </a:xfrm>
           <a:prstGeom prst="rect">
@@ -16249,7 +16255,7 @@
         </p:blipFill>
         <p:spPr bwMode="auto">
           <a:xfrm rot="8354884" flipH="1" flipV="1">
-            <a:off x="4968948" y="3806328"/>
+            <a:off x="5184972" y="3806328"/>
             <a:ext cx="516508" cy="266878"/>
           </a:xfrm>
           <a:prstGeom prst="rect">
@@ -16290,7 +16296,7 @@
         </p:blipFill>
         <p:spPr bwMode="auto">
           <a:xfrm rot="13312511" flipH="1" flipV="1">
-            <a:off x="6303575" y="3777560"/>
+            <a:off x="6519599" y="3777560"/>
             <a:ext cx="516508" cy="266878"/>
           </a:xfrm>
           <a:prstGeom prst="rect">
@@ -16331,7 +16337,7 @@
         </p:blipFill>
         <p:spPr bwMode="auto">
           <a:xfrm>
-            <a:off x="6876256" y="4492476"/>
+            <a:off x="7092280" y="4492476"/>
             <a:ext cx="936104" cy="936104"/>
           </a:xfrm>
           <a:prstGeom prst="rect">
@@ -16372,7 +16378,7 @@
         </p:blipFill>
         <p:spPr bwMode="auto">
           <a:xfrm>
-            <a:off x="6660232" y="4317020"/>
+            <a:off x="6876256" y="4317020"/>
             <a:ext cx="463488" cy="463488"/>
           </a:xfrm>
           <a:prstGeom prst="rect">
@@ -16412,7 +16418,7 @@
         </p:blipFill>
         <p:spPr>
           <a:xfrm>
-            <a:off x="5580112" y="4348460"/>
+            <a:off x="5796136" y="4348460"/>
             <a:ext cx="565422" cy="490869"/>
           </a:xfrm>
           <a:prstGeom prst="rect">
@@ -16499,19 +16505,7 @@
           <a:p>
             <a:r>
               <a:rPr lang="en-US" altLang="ja-JP" dirty="0"/>
-              <a:t>The important states means the </a:t>
-            </a:r>
-            <a:r>
-              <a:rPr lang="en-US" altLang="ja-JP" dirty="0" smtClean="0"/>
-              <a:t>boundary</a:t>
-            </a:r>
-            <a:r>
-              <a:rPr lang="en-US" altLang="ja-JP" dirty="0" smtClean="0"/>
-              <a:t> </a:t>
-            </a:r>
-            <a:r>
-              <a:rPr lang="en-US" altLang="ja-JP" dirty="0"/>
-              <a:t>of motion primitives, and to find them, the motion has to be encoded to the sequence of motion primitives.</a:t>
+              <a:t>The important states means the boundary of motion primitives, and to find them, the motion has to be encoded to the sequence of motion primitives.</a:t>
             </a:r>
           </a:p>
           <a:p>
@@ -16602,12 +16596,8 @@
               <a:t> </a:t>
             </a:r>
             <a:r>
-              <a:rPr lang="en-US" altLang="ja-JP" dirty="0" smtClean="0"/>
-              <a:t>intermediate </a:t>
-            </a:r>
-            <a:r>
               <a:rPr lang="en-US" altLang="ja-JP" dirty="0"/>
-              <a:t>states</a:t>
+              <a:t>intermediate states</a:t>
             </a:r>
             <a:endParaRPr kumimoji="1" lang="ja-JP" altLang="en-US" dirty="0"/>
           </a:p>
@@ -16721,19 +16711,7 @@
             <a:pPr lvl="1"/>
             <a:r>
               <a:rPr lang="en-US" altLang="ja-JP" dirty="0"/>
-              <a:t>The intervals of words made by NPYLM mean the </a:t>
-            </a:r>
-            <a:r>
-              <a:rPr lang="en-US" altLang="ja-JP" dirty="0" smtClean="0"/>
-              <a:t>boundary</a:t>
-            </a:r>
-            <a:r>
-              <a:rPr lang="en-US" altLang="ja-JP" dirty="0" smtClean="0"/>
-              <a:t> </a:t>
-            </a:r>
-            <a:r>
-              <a:rPr lang="en-US" altLang="ja-JP" dirty="0"/>
-              <a:t>of motion primitives, the important interval states.</a:t>
+              <a:t>The intervals of words made by NPYLM mean the boundary of motion primitives, the important interval states.</a:t>
             </a:r>
             <a:endParaRPr kumimoji="1" lang="ja-JP" altLang="en-US" dirty="0"/>
           </a:p>
@@ -16786,12 +16764,8 @@
               <a:t> </a:t>
             </a:r>
             <a:r>
-              <a:rPr lang="en-US" altLang="ja-JP" dirty="0" smtClean="0"/>
-              <a:t>intermediate </a:t>
-            </a:r>
-            <a:r>
               <a:rPr lang="en-US" altLang="ja-JP" dirty="0"/>
-              <a:t>states</a:t>
+              <a:t>intermediate states</a:t>
             </a:r>
             <a:endParaRPr kumimoji="1" lang="ja-JP" altLang="en-US" dirty="0"/>
           </a:p>

--- a/slides/seminar_20170111.pptx
+++ b/slides/seminar_20170111.pptx
@@ -28,7 +28,7 @@
     <p:sldId id="275" r:id="rId20"/>
     <p:sldId id="276" r:id="rId21"/>
     <p:sldId id="277" r:id="rId22"/>
-    <p:sldId id="278" r:id="rId23"/>
+    <p:sldId id="282" r:id="rId23"/>
     <p:sldId id="272" r:id="rId24"/>
     <p:sldId id="271" r:id="rId25"/>
     <p:sldId id="280" r:id="rId26"/>
@@ -232,7 +232,7 @@
             <a:fld id="{3842907C-D0AA-4C58-9F94-58B40AD65B29}" type="datetimeFigureOut">
               <a:rPr lang="ja-JP" altLang="en-US"/>
               <a:pPr/>
-              <a:t>2017/1/10</a:t>
+              <a:t>2017/1/11</a:t>
             </a:fld>
             <a:endParaRPr kumimoji="1" lang="ja-JP"/>
           </a:p>
@@ -1199,10 +1199,9 @@
             <a:extLst/>
           </a:lstStyle>
           <a:p>
-            <a:fld id="{E6E13C79-1C97-4B32-B2AE-1A69C169643E}" type="datetime2">
-              <a:rPr lang="ja-JP" altLang="en-US"/>
-              <a:pPr/>
-              <a:t>2017年1月10日(火)</a:t>
+            <a:fld id="{3F3E5699-9859-4C4F-803B-003363EE19A9}" type="datetime2">
+              <a:rPr lang="ja-JP" altLang="en-US" smtClean="0"/>
+              <a:t>2017年1月11日(水)</a:t>
             </a:fld>
             <a:endParaRPr kumimoji="1" lang="ja-JP">
               <a:solidFill>
@@ -1437,10 +1436,9 @@
           <a:bodyPr/>
           <a:lstStyle/>
           <a:p>
-            <a:fld id="{D10E14BF-C004-4398-9186-5EE680724D95}" type="datetime2">
-              <a:rPr lang="ja-JP" altLang="en-US"/>
-              <a:pPr/>
-              <a:t>2017年1月10日(火)</a:t>
+            <a:fld id="{F519B4BB-12FF-4F6D-8335-9E038728215F}" type="datetime2">
+              <a:rPr lang="ja-JP" altLang="en-US" smtClean="0"/>
+              <a:t>2017年1月11日(水)</a:t>
             </a:fld>
             <a:endParaRPr kumimoji="1" lang="ja-JP"/>
           </a:p>
@@ -1652,10 +1650,9 @@
           <a:bodyPr/>
           <a:lstStyle/>
           <a:p>
-            <a:fld id="{D10E14BF-C004-4398-9186-5EE680724D95}" type="datetime2">
-              <a:rPr lang="ja-JP" altLang="en-US"/>
-              <a:pPr/>
-              <a:t>2017年1月10日(火)</a:t>
+            <a:fld id="{F97B6024-7D26-401C-8716-7AFB5B25E502}" type="datetime2">
+              <a:rPr lang="ja-JP" altLang="en-US" smtClean="0"/>
+              <a:t>2017年1月11日(水)</a:t>
             </a:fld>
             <a:endParaRPr kumimoji="1" lang="ja-JP"/>
           </a:p>
@@ -1839,10 +1836,9 @@
           <a:bodyPr/>
           <a:lstStyle/>
           <a:p>
-            <a:fld id="{227FEF5B-F2CC-4EC5-8F1F-29A8BF9EFFA9}" type="datetime2">
-              <a:rPr lang="ja-JP" altLang="en-US"/>
-              <a:pPr/>
-              <a:t>2017年1月10日(火)</a:t>
+            <a:fld id="{1B7F3CC2-AF05-4C21-9B69-4594DDC89621}" type="datetime2">
+              <a:rPr lang="ja-JP" altLang="en-US" smtClean="0"/>
+              <a:t>2017年1月11日(水)</a:t>
             </a:fld>
             <a:endParaRPr kumimoji="1" lang="ja-JP"/>
           </a:p>
@@ -2102,10 +2098,9 @@
           <a:bodyPr/>
           <a:lstStyle/>
           <a:p>
-            <a:fld id="{5F4709C1-563D-4D9C-B702-B64C84A5A174}" type="datetime2">
-              <a:rPr lang="ja-JP" altLang="en-US"/>
-              <a:pPr/>
-              <a:t>2017年1月10日(火)</a:t>
+            <a:fld id="{881127DD-7715-4C8B-8EAB-B838DCC6F5B1}" type="datetime2">
+              <a:rPr lang="ja-JP" altLang="en-US" smtClean="0"/>
+              <a:t>2017年1月11日(水)</a:t>
             </a:fld>
             <a:endParaRPr kumimoji="1" lang="ja-JP"/>
           </a:p>
@@ -2567,10 +2562,9 @@
           <a:bodyPr/>
           <a:lstStyle/>
           <a:p>
-            <a:fld id="{2E8303D9-A6EB-41FB-BF22-3F49E470997E}" type="datetime2">
-              <a:rPr lang="ja-JP" altLang="en-US"/>
-              <a:pPr/>
-              <a:t>2017年1月10日(火)</a:t>
+            <a:fld id="{B4086E4F-B866-4DD2-BE6C-CD2596F9F07D}" type="datetime2">
+              <a:rPr lang="ja-JP" altLang="en-US" smtClean="0"/>
+              <a:t>2017年1月11日(水)</a:t>
             </a:fld>
             <a:endParaRPr kumimoji="1" lang="ja-JP"/>
           </a:p>
@@ -3071,10 +3065,9 @@
           <a:bodyPr/>
           <a:lstStyle/>
           <a:p>
-            <a:fld id="{89BB0534-5698-4F62-9CFE-5DE61A073E78}" type="datetime2">
-              <a:rPr lang="ja-JP" altLang="en-US"/>
-              <a:pPr/>
-              <a:t>2017年1月10日(火)</a:t>
+            <a:fld id="{F1CBB45F-F92C-4B19-88CE-FAE95638D3DA}" type="datetime2">
+              <a:rPr lang="ja-JP" altLang="en-US" smtClean="0"/>
+              <a:t>2017年1月11日(水)</a:t>
             </a:fld>
             <a:endParaRPr kumimoji="1" lang="ja-JP"/>
           </a:p>
@@ -3168,10 +3161,9 @@
           <a:bodyPr/>
           <a:lstStyle/>
           <a:p>
-            <a:fld id="{084827A3-B249-4F87-AB1A-1E06AC1AA2A4}" type="datetime2">
-              <a:rPr lang="ja-JP" altLang="en-US"/>
-              <a:pPr/>
-              <a:t>2017年1月10日(火)</a:t>
+            <a:fld id="{AC3BEF3F-6060-4D5F-BD07-8DCD52769B53}" type="datetime2">
+              <a:rPr lang="ja-JP" altLang="en-US" smtClean="0"/>
+              <a:t>2017年1月11日(水)</a:t>
             </a:fld>
             <a:endParaRPr kumimoji="1" lang="ja-JP"/>
           </a:p>
@@ -3283,10 +3275,9 @@
           <a:bodyPr/>
           <a:lstStyle/>
           <a:p>
-            <a:fld id="{B1546142-29B2-49CC-BCC6-A3AD70B4960E}" type="datetime2">
-              <a:rPr lang="ja-JP" altLang="en-US"/>
-              <a:pPr/>
-              <a:t>2017年1月10日(火)</a:t>
+            <a:fld id="{8AFA3A87-A860-4529-9C5F-AD2A11F55D8E}" type="datetime2">
+              <a:rPr lang="ja-JP" altLang="en-US" smtClean="0"/>
+              <a:t>2017年1月11日(水)</a:t>
             </a:fld>
             <a:endParaRPr kumimoji="1" lang="ja-JP"/>
           </a:p>
@@ -3585,10 +3576,9 @@
           <a:bodyPr/>
           <a:lstStyle/>
           <a:p>
-            <a:fld id="{E86C4691-4882-40A8-AF62-8CF6A18D40B2}" type="datetime2">
-              <a:rPr lang="ja-JP" altLang="en-US"/>
-              <a:pPr/>
-              <a:t>2017年1月10日(火)</a:t>
+            <a:fld id="{63ED7C5A-500B-420B-A797-CAA96632EBF6}" type="datetime2">
+              <a:rPr lang="ja-JP" altLang="en-US" smtClean="0"/>
+              <a:t>2017年1月11日(水)</a:t>
             </a:fld>
             <a:endParaRPr kumimoji="1" lang="ja-JP"/>
           </a:p>
@@ -3788,10 +3778,9 @@
             <a:extLst/>
           </a:lstStyle>
           <a:p>
-            <a:fld id="{61C6776A-4DEC-47EE-8A49-2C150ECB5465}" type="datetime2">
-              <a:rPr lang="ja-JP" altLang="en-US"/>
-              <a:pPr/>
-              <a:t>2017年1月10日(火)</a:t>
+            <a:fld id="{8A367512-A212-4F81-BEFF-6FFB1854B911}" type="datetime2">
+              <a:rPr lang="ja-JP" altLang="en-US" smtClean="0"/>
+              <a:t>2017年1月11日(水)</a:t>
             </a:fld>
             <a:endParaRPr kumimoji="1" lang="ja-JP">
               <a:solidFill>
@@ -4917,10 +4906,9 @@
             <a:extLst/>
           </a:lstStyle>
           <a:p>
-            <a:fld id="{D10E14BF-C004-4398-9186-5EE680724D95}" type="datetime2">
-              <a:rPr lang="ja-JP" altLang="en-US"/>
-              <a:pPr/>
-              <a:t>2017年1月10日(火)</a:t>
+            <a:fld id="{7F632726-B4C3-4149-AAC7-14FFCF642318}" type="datetime2">
+              <a:rPr lang="ja-JP" altLang="en-US" smtClean="0"/>
+              <a:t>2017年1月11日(水)</a:t>
             </a:fld>
             <a:endParaRPr kumimoji="1" lang="ja-JP" sz="1000">
               <a:solidFill>
@@ -5038,6 +5026,7 @@
     <p:sldLayoutId id="2147483668" r:id="rId10"/>
     <p:sldLayoutId id="2147483669" r:id="rId11"/>
   </p:sldLayoutIdLst>
+  <p:hf hdr="0" ftr="0" dt="0"/>
   <p:txStyles>
     <p:titleStyle>
       <a:lvl1pPr algn="l" rtl="0" eaLnBrk="1" latinLnBrk="0" hangingPunct="1">
@@ -5420,6 +5409,34 @@
           </a:p>
         </p:txBody>
       </p:sp>
+      <p:sp>
+        <p:nvSpPr>
+          <p:cNvPr id="4" name="スライド番号プレースホルダー 3"/>
+          <p:cNvSpPr>
+            <a:spLocks noGrp="1"/>
+          </p:cNvSpPr>
+          <p:nvPr>
+            <p:ph type="sldNum" sz="quarter" idx="12"/>
+          </p:nvPr>
+        </p:nvSpPr>
+        <p:spPr/>
+        <p:txBody>
+          <a:bodyPr/>
+          <a:lstStyle/>
+          <a:p>
+            <a:fld id="{45292C34-3E5E-4BA5-AF54-F1601B144FB0}" type="slidenum">
+              <a:rPr lang="en-US" altLang="ja-JP" smtClean="0"/>
+              <a:pPr/>
+              <a:t>1</a:t>
+            </a:fld>
+            <a:endParaRPr kumimoji="1" lang="ja-JP" altLang="en-US">
+              <a:solidFill>
+                <a:srgbClr val="FFFFFF"/>
+              </a:solidFill>
+            </a:endParaRPr>
+          </a:p>
+        </p:txBody>
+      </p:sp>
     </p:spTree>
   </p:cSld>
   <p:clrMapOvr>
@@ -6974,6 +6991,30 @@
               <a:t>interval</a:t>
             </a:r>
             <a:endParaRPr kumimoji="1" lang="ja-JP" altLang="en-US" sz="1400" dirty="0"/>
+          </a:p>
+        </p:txBody>
+      </p:sp>
+      <p:sp>
+        <p:nvSpPr>
+          <p:cNvPr id="4" name="スライド番号プレースホルダー 3"/>
+          <p:cNvSpPr>
+            <a:spLocks noGrp="1"/>
+          </p:cNvSpPr>
+          <p:nvPr>
+            <p:ph type="sldNum" sz="quarter" idx="12"/>
+          </p:nvPr>
+        </p:nvSpPr>
+        <p:spPr/>
+        <p:txBody>
+          <a:bodyPr/>
+          <a:lstStyle/>
+          <a:p>
+            <a:fld id="{BC410EEA-824F-4D46-AFE7-60426C8C06B0}" type="slidenum">
+              <a:rPr lang="en-US" altLang="ja-JP" smtClean="0"/>
+              <a:pPr/>
+              <a:t>10</a:t>
+            </a:fld>
+            <a:endParaRPr lang="en-US" altLang="en-US" dirty="0"/>
           </a:p>
         </p:txBody>
       </p:sp>
@@ -7188,6 +7229,30 @@
           </a:p>
         </p:txBody>
       </p:sp>
+      <p:sp>
+        <p:nvSpPr>
+          <p:cNvPr id="4" name="スライド番号プレースホルダー 3"/>
+          <p:cNvSpPr>
+            <a:spLocks noGrp="1"/>
+          </p:cNvSpPr>
+          <p:nvPr>
+            <p:ph type="sldNum" sz="quarter" idx="12"/>
+          </p:nvPr>
+        </p:nvSpPr>
+        <p:spPr/>
+        <p:txBody>
+          <a:bodyPr/>
+          <a:lstStyle/>
+          <a:p>
+            <a:fld id="{BC410EEA-824F-4D46-AFE7-60426C8C06B0}" type="slidenum">
+              <a:rPr lang="en-US" altLang="ja-JP" smtClean="0"/>
+              <a:pPr/>
+              <a:t>11</a:t>
+            </a:fld>
+            <a:endParaRPr lang="en-US" altLang="en-US" dirty="0"/>
+          </a:p>
+        </p:txBody>
+      </p:sp>
     </p:spTree>
     <p:extLst>
       <p:ext uri="{BB962C8B-B14F-4D97-AF65-F5344CB8AC3E}">
@@ -8803,6 +8868,30 @@
           </a:p>
         </p:txBody>
       </p:sp>
+      <p:sp>
+        <p:nvSpPr>
+          <p:cNvPr id="10" name="スライド番号プレースホルダー 9"/>
+          <p:cNvSpPr>
+            <a:spLocks noGrp="1"/>
+          </p:cNvSpPr>
+          <p:nvPr>
+            <p:ph type="sldNum" sz="quarter" idx="12"/>
+          </p:nvPr>
+        </p:nvSpPr>
+        <p:spPr/>
+        <p:txBody>
+          <a:bodyPr/>
+          <a:lstStyle/>
+          <a:p>
+            <a:fld id="{BC410EEA-824F-4D46-AFE7-60426C8C06B0}" type="slidenum">
+              <a:rPr lang="en-US" altLang="ja-JP" smtClean="0"/>
+              <a:pPr/>
+              <a:t>12</a:t>
+            </a:fld>
+            <a:endParaRPr lang="en-US" altLang="en-US" dirty="0"/>
+          </a:p>
+        </p:txBody>
+      </p:sp>
     </p:spTree>
     <p:extLst>
       <p:ext uri="{BB962C8B-B14F-4D97-AF65-F5344CB8AC3E}">
@@ -8963,6 +9052,30 @@
           </a:prstGeom>
         </p:spPr>
       </p:pic>
+      <p:sp>
+        <p:nvSpPr>
+          <p:cNvPr id="5" name="スライド番号プレースホルダー 4"/>
+          <p:cNvSpPr>
+            <a:spLocks noGrp="1"/>
+          </p:cNvSpPr>
+          <p:nvPr>
+            <p:ph type="sldNum" sz="quarter" idx="12"/>
+          </p:nvPr>
+        </p:nvSpPr>
+        <p:spPr/>
+        <p:txBody>
+          <a:bodyPr/>
+          <a:lstStyle/>
+          <a:p>
+            <a:fld id="{BC410EEA-824F-4D46-AFE7-60426C8C06B0}" type="slidenum">
+              <a:rPr lang="en-US" altLang="ja-JP" smtClean="0"/>
+              <a:pPr/>
+              <a:t>13</a:t>
+            </a:fld>
+            <a:endParaRPr lang="en-US" altLang="en-US" dirty="0"/>
+          </a:p>
+        </p:txBody>
+      </p:sp>
     </p:spTree>
     <p:extLst>
       <p:ext uri="{BB962C8B-B14F-4D97-AF65-F5344CB8AC3E}">
@@ -9113,6 +9226,30 @@
           </a:prstGeom>
         </p:spPr>
       </p:pic>
+      <p:sp>
+        <p:nvSpPr>
+          <p:cNvPr id="5" name="スライド番号プレースホルダー 4"/>
+          <p:cNvSpPr>
+            <a:spLocks noGrp="1"/>
+          </p:cNvSpPr>
+          <p:nvPr>
+            <p:ph type="sldNum" sz="quarter" idx="12"/>
+          </p:nvPr>
+        </p:nvSpPr>
+        <p:spPr/>
+        <p:txBody>
+          <a:bodyPr/>
+          <a:lstStyle/>
+          <a:p>
+            <a:fld id="{BC410EEA-824F-4D46-AFE7-60426C8C06B0}" type="slidenum">
+              <a:rPr lang="en-US" altLang="ja-JP" smtClean="0"/>
+              <a:pPr/>
+              <a:t>14</a:t>
+            </a:fld>
+            <a:endParaRPr lang="en-US" altLang="en-US" dirty="0"/>
+          </a:p>
+        </p:txBody>
+      </p:sp>
     </p:spTree>
     <p:extLst>
       <p:ext uri="{BB962C8B-B14F-4D97-AF65-F5344CB8AC3E}">
@@ -9370,6 +9507,30 @@
               <a:t>Graphical model of HDP-HMM [2]</a:t>
             </a:r>
             <a:endParaRPr kumimoji="1" lang="ja-JP" altLang="en-US" dirty="0"/>
+          </a:p>
+        </p:txBody>
+      </p:sp>
+      <p:sp>
+        <p:nvSpPr>
+          <p:cNvPr id="7" name="スライド番号プレースホルダー 6"/>
+          <p:cNvSpPr>
+            <a:spLocks noGrp="1"/>
+          </p:cNvSpPr>
+          <p:nvPr>
+            <p:ph type="sldNum" sz="quarter" idx="12"/>
+          </p:nvPr>
+        </p:nvSpPr>
+        <p:spPr/>
+        <p:txBody>
+          <a:bodyPr/>
+          <a:lstStyle/>
+          <a:p>
+            <a:fld id="{BC410EEA-824F-4D46-AFE7-60426C8C06B0}" type="slidenum">
+              <a:rPr lang="en-US" altLang="ja-JP" smtClean="0"/>
+              <a:pPr/>
+              <a:t>15</a:t>
+            </a:fld>
+            <a:endParaRPr lang="en-US" altLang="en-US" dirty="0"/>
           </a:p>
         </p:txBody>
       </p:sp>
@@ -10082,6 +10243,30 @@
           </a:p>
         </p:txBody>
       </p:sp>
+      <p:sp>
+        <p:nvSpPr>
+          <p:cNvPr id="4" name="スライド番号プレースホルダー 3"/>
+          <p:cNvSpPr>
+            <a:spLocks noGrp="1"/>
+          </p:cNvSpPr>
+          <p:nvPr>
+            <p:ph type="sldNum" sz="quarter" idx="12"/>
+          </p:nvPr>
+        </p:nvSpPr>
+        <p:spPr/>
+        <p:txBody>
+          <a:bodyPr/>
+          <a:lstStyle/>
+          <a:p>
+            <a:fld id="{BC410EEA-824F-4D46-AFE7-60426C8C06B0}" type="slidenum">
+              <a:rPr lang="en-US" altLang="ja-JP" smtClean="0"/>
+              <a:pPr/>
+              <a:t>16</a:t>
+            </a:fld>
+            <a:endParaRPr lang="en-US" altLang="en-US" dirty="0"/>
+          </a:p>
+        </p:txBody>
+      </p:sp>
     </p:spTree>
     <p:extLst>
       <p:ext uri="{BB962C8B-B14F-4D97-AF65-F5344CB8AC3E}">
@@ -10233,6 +10418,30 @@
           </a:prstGeom>
         </p:spPr>
       </p:pic>
+      <p:sp>
+        <p:nvSpPr>
+          <p:cNvPr id="5" name="スライド番号プレースホルダー 4"/>
+          <p:cNvSpPr>
+            <a:spLocks noGrp="1"/>
+          </p:cNvSpPr>
+          <p:nvPr>
+            <p:ph type="sldNum" sz="quarter" idx="12"/>
+          </p:nvPr>
+        </p:nvSpPr>
+        <p:spPr/>
+        <p:txBody>
+          <a:bodyPr/>
+          <a:lstStyle/>
+          <a:p>
+            <a:fld id="{BC410EEA-824F-4D46-AFE7-60426C8C06B0}" type="slidenum">
+              <a:rPr lang="en-US" altLang="ja-JP" smtClean="0"/>
+              <a:pPr/>
+              <a:t>17</a:t>
+            </a:fld>
+            <a:endParaRPr lang="en-US" altLang="en-US" dirty="0"/>
+          </a:p>
+        </p:txBody>
+      </p:sp>
     </p:spTree>
     <p:extLst>
       <p:ext uri="{BB962C8B-B14F-4D97-AF65-F5344CB8AC3E}">
@@ -10801,6 +11010,30 @@
           </a:p>
         </p:txBody>
       </p:sp>
+      <p:sp>
+        <p:nvSpPr>
+          <p:cNvPr id="4" name="スライド番号プレースホルダー 3"/>
+          <p:cNvSpPr>
+            <a:spLocks noGrp="1"/>
+          </p:cNvSpPr>
+          <p:nvPr>
+            <p:ph type="sldNum" sz="quarter" idx="12"/>
+          </p:nvPr>
+        </p:nvSpPr>
+        <p:spPr/>
+        <p:txBody>
+          <a:bodyPr/>
+          <a:lstStyle/>
+          <a:p>
+            <a:fld id="{BC410EEA-824F-4D46-AFE7-60426C8C06B0}" type="slidenum">
+              <a:rPr lang="en-US" altLang="ja-JP" smtClean="0"/>
+              <a:pPr/>
+              <a:t>18</a:t>
+            </a:fld>
+            <a:endParaRPr lang="en-US" altLang="en-US" dirty="0"/>
+          </a:p>
+        </p:txBody>
+      </p:sp>
     </p:spTree>
     <p:extLst>
       <p:ext uri="{BB962C8B-B14F-4D97-AF65-F5344CB8AC3E}">
@@ -11281,6 +11514,30 @@
           </p:sp>
         </mc:Fallback>
       </mc:AlternateContent>
+      <p:sp>
+        <p:nvSpPr>
+          <p:cNvPr id="6" name="スライド番号プレースホルダー 5"/>
+          <p:cNvSpPr>
+            <a:spLocks noGrp="1"/>
+          </p:cNvSpPr>
+          <p:nvPr>
+            <p:ph type="sldNum" sz="quarter" idx="12"/>
+          </p:nvPr>
+        </p:nvSpPr>
+        <p:spPr/>
+        <p:txBody>
+          <a:bodyPr/>
+          <a:lstStyle/>
+          <a:p>
+            <a:fld id="{BC410EEA-824F-4D46-AFE7-60426C8C06B0}" type="slidenum">
+              <a:rPr lang="en-US" altLang="ja-JP" smtClean="0"/>
+              <a:pPr/>
+              <a:t>19</a:t>
+            </a:fld>
+            <a:endParaRPr lang="en-US" altLang="en-US" dirty="0"/>
+          </a:p>
+        </p:txBody>
+      </p:sp>
     </p:spTree>
     <p:extLst>
       <p:ext uri="{BB962C8B-B14F-4D97-AF65-F5344CB8AC3E}">
@@ -11449,6 +11706,30 @@
           </a:p>
         </p:txBody>
       </p:sp>
+      <p:sp>
+        <p:nvSpPr>
+          <p:cNvPr id="4" name="スライド番号プレースホルダー 3"/>
+          <p:cNvSpPr>
+            <a:spLocks noGrp="1"/>
+          </p:cNvSpPr>
+          <p:nvPr>
+            <p:ph type="sldNum" sz="quarter" idx="12"/>
+          </p:nvPr>
+        </p:nvSpPr>
+        <p:spPr/>
+        <p:txBody>
+          <a:bodyPr/>
+          <a:lstStyle/>
+          <a:p>
+            <a:fld id="{BC410EEA-824F-4D46-AFE7-60426C8C06B0}" type="slidenum">
+              <a:rPr lang="en-US" altLang="ja-JP" smtClean="0"/>
+              <a:pPr/>
+              <a:t>2</a:t>
+            </a:fld>
+            <a:endParaRPr lang="en-US" altLang="en-US" dirty="0"/>
+          </a:p>
+        </p:txBody>
+      </p:sp>
     </p:spTree>
     <p:extLst>
       <p:ext uri="{BB962C8B-B14F-4D97-AF65-F5344CB8AC3E}">
@@ -11618,6 +11899,30 @@
           </a:p>
         </p:txBody>
       </p:sp>
+      <p:sp>
+        <p:nvSpPr>
+          <p:cNvPr id="3" name="スライド番号プレースホルダー 2"/>
+          <p:cNvSpPr>
+            <a:spLocks noGrp="1"/>
+          </p:cNvSpPr>
+          <p:nvPr>
+            <p:ph type="sldNum" sz="quarter" idx="12"/>
+          </p:nvPr>
+        </p:nvSpPr>
+        <p:spPr/>
+        <p:txBody>
+          <a:bodyPr/>
+          <a:lstStyle/>
+          <a:p>
+            <a:fld id="{BC410EEA-824F-4D46-AFE7-60426C8C06B0}" type="slidenum">
+              <a:rPr lang="en-US" altLang="ja-JP" smtClean="0"/>
+              <a:pPr/>
+              <a:t>20</a:t>
+            </a:fld>
+            <a:endParaRPr lang="en-US" altLang="en-US" dirty="0"/>
+          </a:p>
+        </p:txBody>
+      </p:sp>
     </p:spTree>
     <p:extLst>
       <p:ext uri="{BB962C8B-B14F-4D97-AF65-F5344CB8AC3E}">
@@ -11660,85 +11965,239 @@
         </p:nvSpPr>
         <p:spPr/>
         <p:txBody>
-          <a:bodyPr/>
-          <a:lstStyle/>
-          <a:p>
-            <a:r>
-              <a:rPr kumimoji="1" lang="en-US" altLang="ja-JP" dirty="0"/>
+          <a:bodyPr>
+            <a:normAutofit fontScale="70000" lnSpcReduction="20000"/>
+          </a:bodyPr>
+          <a:lstStyle/>
+          <a:p>
+            <a:r>
+              <a:rPr kumimoji="1" lang="en-US" altLang="ja-JP" dirty="0" smtClean="0"/>
               <a:t>[1] </a:t>
             </a:r>
             <a:r>
-              <a:rPr kumimoji="1" lang="ja-JP" altLang="en-US" dirty="0" err="1"/>
-              <a:t>たにちゅ</a:t>
-            </a:r>
-            <a:r>
-              <a:rPr kumimoji="1" lang="ja-JP" altLang="en-US" dirty="0"/>
-              <a:t>ーの</a:t>
-            </a:r>
-            <a:r>
-              <a:rPr kumimoji="1" lang="en-US" altLang="ja-JP" dirty="0"/>
-              <a:t>2</a:t>
-            </a:r>
-            <a:r>
-              <a:rPr kumimoji="1" lang="ja-JP" altLang="en-US" dirty="0"/>
-              <a:t>重構文解析</a:t>
-            </a:r>
-            <a:endParaRPr kumimoji="1" lang="en-US" altLang="ja-JP" dirty="0"/>
-          </a:p>
-          <a:p>
-            <a:r>
               <a:rPr lang="en-US" altLang="ja-JP" dirty="0"/>
+              <a:t>Taniguchi, </a:t>
+            </a:r>
+            <a:r>
+              <a:rPr lang="en-US" altLang="ja-JP" dirty="0" err="1"/>
+              <a:t>Tadahiro</a:t>
+            </a:r>
+            <a:r>
+              <a:rPr lang="en-US" altLang="ja-JP" dirty="0"/>
+              <a:t>, and Shogo </a:t>
+            </a:r>
+            <a:r>
+              <a:rPr lang="en-US" altLang="ja-JP" dirty="0" err="1"/>
+              <a:t>Nagasaka</a:t>
+            </a:r>
+            <a:r>
+              <a:rPr lang="en-US" altLang="ja-JP" dirty="0"/>
+              <a:t>. "Double articulation analyzer for unsegmented human motion using pitman-</a:t>
+            </a:r>
+            <a:r>
+              <a:rPr lang="en-US" altLang="ja-JP" dirty="0" err="1"/>
+              <a:t>yor</a:t>
+            </a:r>
+            <a:r>
+              <a:rPr lang="en-US" altLang="ja-JP" dirty="0"/>
+              <a:t> language model and infinite hidden </a:t>
+            </a:r>
+            <a:r>
+              <a:rPr lang="en-US" altLang="ja-JP" dirty="0" err="1"/>
+              <a:t>markov</a:t>
+            </a:r>
+            <a:r>
+              <a:rPr lang="en-US" altLang="ja-JP" dirty="0"/>
+              <a:t> model." </a:t>
+            </a:r>
+            <a:r>
+              <a:rPr lang="en-US" altLang="ja-JP" i="1" dirty="0"/>
+              <a:t>System Integration (SII), 2011 IEEE/SICE International Symposium on</a:t>
+            </a:r>
+            <a:r>
+              <a:rPr lang="en-US" altLang="ja-JP" dirty="0"/>
+              <a:t>. IEEE, 2011</a:t>
+            </a:r>
+            <a:r>
+              <a:rPr lang="en-US" altLang="ja-JP" dirty="0" smtClean="0"/>
+              <a:t>.</a:t>
+            </a:r>
+            <a:endParaRPr kumimoji="1" lang="en-US" altLang="ja-JP" dirty="0" smtClean="0"/>
+          </a:p>
+          <a:p>
+            <a:r>
+              <a:rPr lang="en-US" altLang="ja-JP" dirty="0" smtClean="0"/>
               <a:t>[2]</a:t>
             </a:r>
             <a:r>
-              <a:rPr kumimoji="1" lang="en-US" altLang="ja-JP" dirty="0"/>
+              <a:rPr kumimoji="1" lang="en-US" altLang="ja-JP" dirty="0" smtClean="0"/>
               <a:t> </a:t>
             </a:r>
             <a:r>
-              <a:rPr kumimoji="1" lang="en-US" altLang="ja-JP" dirty="0" err="1"/>
+              <a:rPr lang="en-US" altLang="ja-JP" dirty="0" err="1"/>
               <a:t>Teh</a:t>
             </a:r>
             <a:r>
-              <a:rPr kumimoji="1" lang="en-US" altLang="ja-JP" dirty="0"/>
+              <a:rPr lang="en-US" altLang="ja-JP" dirty="0"/>
+              <a:t>, Yee </a:t>
+            </a:r>
+            <a:r>
+              <a:rPr lang="en-US" altLang="ja-JP" dirty="0" err="1"/>
+              <a:t>Whye</a:t>
+            </a:r>
+            <a:r>
+              <a:rPr lang="en-US" altLang="ja-JP" dirty="0"/>
+              <a:t>, and Michael I. Jordan. "Hierarchical Bayesian nonparametric models with applications." </a:t>
+            </a:r>
+            <a:r>
+              <a:rPr lang="en-US" altLang="ja-JP" i="1" dirty="0"/>
+              <a:t>Bayesian </a:t>
+            </a:r>
+            <a:r>
+              <a:rPr lang="en-US" altLang="ja-JP" i="1" dirty="0" err="1"/>
+              <a:t>nonparametrics</a:t>
+            </a:r>
+            <a:r>
+              <a:rPr lang="en-US" altLang="ja-JP" dirty="0"/>
+              <a:t> 1 (2010</a:t>
+            </a:r>
+            <a:r>
+              <a:rPr lang="en-US" altLang="ja-JP" dirty="0" smtClean="0"/>
+              <a:t>).</a:t>
+            </a:r>
+            <a:endParaRPr kumimoji="1" lang="en-US" altLang="ja-JP" dirty="0" smtClean="0"/>
+          </a:p>
+          <a:p>
+            <a:r>
+              <a:rPr lang="en-US" altLang="ja-JP" dirty="0" smtClean="0"/>
+              <a:t>[3]</a:t>
+            </a:r>
+            <a:r>
+              <a:rPr lang="ja-JP" altLang="en-US" dirty="0"/>
+              <a:t>持橋大地</a:t>
+            </a:r>
+            <a:r>
+              <a:rPr lang="en-US" altLang="ja-JP" dirty="0"/>
+              <a:t>, </a:t>
+            </a:r>
+            <a:r>
+              <a:rPr lang="ja-JP" altLang="en-US" dirty="0"/>
+              <a:t>山田武士</a:t>
+            </a:r>
+            <a:r>
+              <a:rPr lang="en-US" altLang="ja-JP" dirty="0"/>
+              <a:t>, and </a:t>
+            </a:r>
+            <a:r>
+              <a:rPr lang="ja-JP" altLang="en-US" dirty="0"/>
+              <a:t>上田修功</a:t>
+            </a:r>
+            <a:r>
+              <a:rPr lang="en-US" altLang="ja-JP" dirty="0"/>
+              <a:t>. "</a:t>
+            </a:r>
+            <a:r>
+              <a:rPr lang="ja-JP" altLang="en-US" dirty="0"/>
+              <a:t>ベイズ階層言語モデルによる教師なし形態素解析</a:t>
+            </a:r>
+            <a:r>
+              <a:rPr lang="en-US" altLang="ja-JP" dirty="0"/>
+              <a:t>." </a:t>
+            </a:r>
+            <a:r>
+              <a:rPr lang="ja-JP" altLang="en-US" i="1" dirty="0"/>
+              <a:t>情報処理学会研究報告</a:t>
+            </a:r>
+            <a:r>
+              <a:rPr lang="ja-JP" altLang="en-US" dirty="0"/>
               <a:t> </a:t>
             </a:r>
             <a:r>
-              <a:rPr kumimoji="1" lang="ja-JP" altLang="en-US" dirty="0"/>
-              <a:t>の </a:t>
-            </a:r>
-            <a:r>
-              <a:rPr kumimoji="1" lang="en-US" altLang="ja-JP" dirty="0" err="1"/>
-              <a:t>sHDP</a:t>
-            </a:r>
-            <a:r>
-              <a:rPr kumimoji="1" lang="en-US" altLang="ja-JP" dirty="0"/>
-              <a:t>-HMM</a:t>
-            </a:r>
-          </a:p>
-          <a:p>
-            <a:r>
               <a:rPr lang="en-US" altLang="ja-JP" dirty="0"/>
-              <a:t>[3] </a:t>
+              <a:t>2009-NL (2009): 190</a:t>
+            </a:r>
+            <a:r>
+              <a:rPr lang="en-US" altLang="ja-JP" dirty="0" smtClean="0"/>
+              <a:t>.</a:t>
+            </a:r>
+          </a:p>
+          <a:p>
+            <a:r>
+              <a:rPr kumimoji="1" lang="en-US" altLang="ja-JP" dirty="0" smtClean="0"/>
+              <a:t>[4]</a:t>
             </a:r>
             <a:r>
               <a:rPr lang="ja-JP" altLang="en-US" dirty="0"/>
-              <a:t>持橋の </a:t>
+              <a:t>平博順</a:t>
             </a:r>
             <a:r>
               <a:rPr lang="en-US" altLang="ja-JP" dirty="0"/>
-              <a:t>NPYLM</a:t>
-            </a:r>
-          </a:p>
-          <a:p>
-            <a:r>
-              <a:rPr kumimoji="1" lang="en-US" altLang="ja-JP" dirty="0"/>
-              <a:t>[4] </a:t>
-            </a:r>
-            <a:r>
-              <a:rPr kumimoji="1" lang="ja-JP" altLang="en-US" dirty="0"/>
-              <a:t>続パタ</a:t>
-            </a:r>
-            <a:endParaRPr kumimoji="1" lang="en-US" altLang="ja-JP" dirty="0"/>
+              <a:t>. "</a:t>
+            </a:r>
+            <a:r>
+              <a:rPr lang="ja-JP" altLang="en-US" dirty="0"/>
+              <a:t>石井健一郎</a:t>
+            </a:r>
+            <a:r>
+              <a:rPr lang="en-US" altLang="ja-JP" dirty="0"/>
+              <a:t>, </a:t>
+            </a:r>
+            <a:r>
+              <a:rPr lang="ja-JP" altLang="en-US" dirty="0"/>
+              <a:t>上田修功</a:t>
+            </a:r>
+            <a:r>
+              <a:rPr lang="en-US" altLang="ja-JP" dirty="0"/>
+              <a:t>, </a:t>
+            </a:r>
+            <a:r>
+              <a:rPr lang="ja-JP" altLang="en-US" dirty="0"/>
+              <a:t>続・わかりやすいパターン認識 </a:t>
+            </a:r>
+            <a:r>
+              <a:rPr lang="en-US" altLang="ja-JP" dirty="0"/>
+              <a:t>(</a:t>
+            </a:r>
+            <a:r>
+              <a:rPr lang="ja-JP" altLang="en-US" dirty="0"/>
+              <a:t>教師なし学習入門</a:t>
+            </a:r>
+            <a:r>
+              <a:rPr lang="en-US" altLang="ja-JP" dirty="0"/>
+              <a:t>), pp. 326, </a:t>
+            </a:r>
+            <a:r>
+              <a:rPr lang="ja-JP" altLang="en-US" dirty="0"/>
+              <a:t>オーム社</a:t>
+            </a:r>
+            <a:r>
+              <a:rPr lang="en-US" altLang="ja-JP" dirty="0"/>
+              <a:t>, 2014." </a:t>
+            </a:r>
+            <a:r>
+              <a:rPr lang="ja-JP" altLang="en-US" i="1" dirty="0"/>
+              <a:t>人工知能</a:t>
+            </a:r>
+            <a:r>
+              <a:rPr lang="en-US" altLang="ja-JP" i="1" dirty="0"/>
+              <a:t>: </a:t>
+            </a:r>
+            <a:r>
+              <a:rPr lang="ja-JP" altLang="en-US" i="1" dirty="0"/>
+              <a:t>人工知能学会誌</a:t>
+            </a:r>
+            <a:r>
+              <a:rPr lang="ja-JP" altLang="en-US" dirty="0"/>
+              <a:t> </a:t>
+            </a:r>
+            <a:r>
+              <a:rPr lang="en-US" altLang="ja-JP" dirty="0"/>
+              <a:t>30.3 (2015): 404</a:t>
+            </a:r>
+            <a:r>
+              <a:rPr lang="en-US" altLang="ja-JP" dirty="0" smtClean="0"/>
+              <a:t>.</a:t>
+            </a:r>
           </a:p>
           <a:p>
             <a:r>
@@ -11746,29 +12205,68 @@
               <a:t>[5] </a:t>
             </a:r>
             <a:r>
-              <a:rPr lang="ja-JP" altLang="en-US" dirty="0"/>
-              <a:t>なんか </a:t>
+              <a:rPr lang="en-US" altLang="ja-JP" dirty="0" err="1"/>
+              <a:t>Takenaka</a:t>
             </a:r>
             <a:r>
               <a:rPr lang="en-US" altLang="ja-JP" dirty="0"/>
-              <a:t>CRF </a:t>
-            </a:r>
-            <a:r>
-              <a:rPr lang="ja-JP" altLang="en-US" dirty="0"/>
-              <a:t>の文献</a:t>
+              <a:t>, </a:t>
+            </a:r>
+            <a:r>
+              <a:rPr lang="en-US" altLang="ja-JP" dirty="0" err="1"/>
+              <a:t>Kazuhito</a:t>
+            </a:r>
+            <a:r>
+              <a:rPr lang="en-US" altLang="ja-JP" dirty="0"/>
+              <a:t>, et al. "Contextual scene segmentation of driving behavior based on double articulation analyzer." </a:t>
+            </a:r>
+            <a:r>
+              <a:rPr lang="en-US" altLang="ja-JP" i="1" dirty="0"/>
+              <a:t>2012 IEEE/RSJ International Conference on Intelligent Robots and Systems</a:t>
+            </a:r>
+            <a:r>
+              <a:rPr lang="en-US" altLang="ja-JP" dirty="0"/>
+              <a:t>. IEEE, 2012</a:t>
+            </a:r>
+            <a:r>
+              <a:rPr lang="en-US" altLang="ja-JP" dirty="0" smtClean="0"/>
+              <a:t>.</a:t>
             </a:r>
             <a:endParaRPr lang="en-US" altLang="ja-JP" dirty="0"/>
           </a:p>
           <a:p>
             <a:r>
-              <a:rPr kumimoji="1" lang="en-US" altLang="ja-JP" dirty="0"/>
+              <a:rPr kumimoji="1" lang="en-US" altLang="ja-JP" dirty="0" smtClean="0"/>
               <a:t>[6] </a:t>
             </a:r>
             <a:r>
-              <a:rPr kumimoji="1" lang="ja-JP" altLang="en-US" dirty="0"/>
-              <a:t>キネクトのリファレンス</a:t>
-            </a:r>
-            <a:endParaRPr kumimoji="1" lang="en-US" altLang="ja-JP" dirty="0"/>
+              <a:rPr lang="en-US" altLang="ja-JP" dirty="0"/>
+              <a:t>Fox, Emily B., et al. "An HDP-HMM for systems with state persistence." </a:t>
+            </a:r>
+            <a:r>
+              <a:rPr lang="en-US" altLang="ja-JP" i="1" dirty="0"/>
+              <a:t>Proceedings of the 25th international conference on Machine learning</a:t>
+            </a:r>
+            <a:r>
+              <a:rPr lang="en-US" altLang="ja-JP" dirty="0"/>
+              <a:t>. ACM, 2008</a:t>
+            </a:r>
+            <a:r>
+              <a:rPr lang="en-US" altLang="ja-JP" dirty="0" smtClean="0"/>
+              <a:t>.</a:t>
+            </a:r>
+            <a:endParaRPr kumimoji="1" lang="en-US" altLang="ja-JP" dirty="0" smtClean="0"/>
+          </a:p>
+          <a:p>
+            <a:r>
+              <a:rPr kumimoji="1" lang="en-US" altLang="ja-JP" dirty="0" smtClean="0"/>
+              <a:t>[7</a:t>
+            </a:r>
+            <a:r>
+              <a:rPr lang="en-US" altLang="ja-JP" dirty="0"/>
+              <a:t>] Skeletal Joint Smoothing White Paper , https://msdn.microsoft.com/ja-jp/library/jj131429.aspx</a:t>
+            </a:r>
+            <a:endParaRPr kumimoji="1" lang="en-US" altLang="ja-JP" dirty="0" smtClean="0"/>
           </a:p>
           <a:p>
             <a:endParaRPr kumimoji="1" lang="ja-JP" altLang="en-US" dirty="0"/>
@@ -11800,10 +12298,34 @@
           </a:p>
         </p:txBody>
       </p:sp>
+      <p:sp>
+        <p:nvSpPr>
+          <p:cNvPr id="5" name="スライド番号プレースホルダー 4"/>
+          <p:cNvSpPr>
+            <a:spLocks noGrp="1"/>
+          </p:cNvSpPr>
+          <p:nvPr>
+            <p:ph type="sldNum" sz="quarter" idx="12"/>
+          </p:nvPr>
+        </p:nvSpPr>
+        <p:spPr/>
+        <p:txBody>
+          <a:bodyPr/>
+          <a:lstStyle/>
+          <a:p>
+            <a:fld id="{BC410EEA-824F-4D46-AFE7-60426C8C06B0}" type="slidenum">
+              <a:rPr lang="en-US" altLang="ja-JP" smtClean="0"/>
+              <a:pPr/>
+              <a:t>21</a:t>
+            </a:fld>
+            <a:endParaRPr lang="en-US" altLang="en-US" dirty="0"/>
+          </a:p>
+        </p:txBody>
+      </p:sp>
     </p:spTree>
     <p:extLst>
       <p:ext uri="{BB962C8B-B14F-4D97-AF65-F5344CB8AC3E}">
-        <p14:creationId xmlns:p14="http://schemas.microsoft.com/office/powerpoint/2010/main" val="3093829271"/>
+        <p14:creationId xmlns:p14="http://schemas.microsoft.com/office/powerpoint/2010/main" val="124796719"/>
       </p:ext>
     </p:extLst>
   </p:cSld>
@@ -11871,6 +12393,30 @@
               <a:t>Appendix</a:t>
             </a:r>
             <a:endParaRPr kumimoji="1" lang="ja-JP" altLang="en-US" dirty="0"/>
+          </a:p>
+        </p:txBody>
+      </p:sp>
+      <p:sp>
+        <p:nvSpPr>
+          <p:cNvPr id="4" name="スライド番号プレースホルダー 3"/>
+          <p:cNvSpPr>
+            <a:spLocks noGrp="1"/>
+          </p:cNvSpPr>
+          <p:nvPr>
+            <p:ph type="sldNum" sz="quarter" idx="12"/>
+          </p:nvPr>
+        </p:nvSpPr>
+        <p:spPr/>
+        <p:txBody>
+          <a:bodyPr/>
+          <a:lstStyle/>
+          <a:p>
+            <a:fld id="{BC410EEA-824F-4D46-AFE7-60426C8C06B0}" type="slidenum">
+              <a:rPr lang="en-US" altLang="ja-JP" smtClean="0"/>
+              <a:pPr/>
+              <a:t>22</a:t>
+            </a:fld>
+            <a:endParaRPr lang="en-US" altLang="en-US" dirty="0"/>
           </a:p>
         </p:txBody>
       </p:sp>
@@ -12075,6 +12621,30 @@
           </a:p>
         </p:txBody>
       </p:sp>
+      <p:sp>
+        <p:nvSpPr>
+          <p:cNvPr id="6" name="スライド番号プレースホルダー 5"/>
+          <p:cNvSpPr>
+            <a:spLocks noGrp="1"/>
+          </p:cNvSpPr>
+          <p:nvPr>
+            <p:ph type="sldNum" sz="quarter" idx="12"/>
+          </p:nvPr>
+        </p:nvSpPr>
+        <p:spPr/>
+        <p:txBody>
+          <a:bodyPr/>
+          <a:lstStyle/>
+          <a:p>
+            <a:fld id="{BC410EEA-824F-4D46-AFE7-60426C8C06B0}" type="slidenum">
+              <a:rPr lang="en-US" altLang="ja-JP" smtClean="0"/>
+              <a:pPr/>
+              <a:t>23</a:t>
+            </a:fld>
+            <a:endParaRPr lang="en-US" altLang="en-US" dirty="0"/>
+          </a:p>
+        </p:txBody>
+      </p:sp>
     </p:spTree>
     <p:extLst>
       <p:ext uri="{BB962C8B-B14F-4D97-AF65-F5344CB8AC3E}">
@@ -12148,6 +12718,30 @@
               <a:t>atom</a:t>
             </a:r>
             <a:endParaRPr kumimoji="1" lang="ja-JP" altLang="en-US" dirty="0"/>
+          </a:p>
+        </p:txBody>
+      </p:sp>
+      <p:sp>
+        <p:nvSpPr>
+          <p:cNvPr id="4" name="スライド番号プレースホルダー 3"/>
+          <p:cNvSpPr>
+            <a:spLocks noGrp="1"/>
+          </p:cNvSpPr>
+          <p:nvPr>
+            <p:ph type="sldNum" sz="quarter" idx="12"/>
+          </p:nvPr>
+        </p:nvSpPr>
+        <p:spPr/>
+        <p:txBody>
+          <a:bodyPr/>
+          <a:lstStyle/>
+          <a:p>
+            <a:fld id="{BC410EEA-824F-4D46-AFE7-60426C8C06B0}" type="slidenum">
+              <a:rPr lang="en-US" altLang="ja-JP" smtClean="0"/>
+              <a:pPr/>
+              <a:t>24</a:t>
+            </a:fld>
+            <a:endParaRPr lang="en-US" altLang="en-US" dirty="0"/>
           </a:p>
         </p:txBody>
       </p:sp>
@@ -13272,6 +13866,30 @@
           </a:p>
         </p:txBody>
       </p:sp>
+      <p:sp>
+        <p:nvSpPr>
+          <p:cNvPr id="10" name="スライド番号プレースホルダー 9"/>
+          <p:cNvSpPr>
+            <a:spLocks noGrp="1"/>
+          </p:cNvSpPr>
+          <p:nvPr>
+            <p:ph type="sldNum" sz="quarter" idx="12"/>
+          </p:nvPr>
+        </p:nvSpPr>
+        <p:spPr/>
+        <p:txBody>
+          <a:bodyPr/>
+          <a:lstStyle/>
+          <a:p>
+            <a:fld id="{BC410EEA-824F-4D46-AFE7-60426C8C06B0}" type="slidenum">
+              <a:rPr lang="en-US" altLang="ja-JP" smtClean="0"/>
+              <a:pPr/>
+              <a:t>3</a:t>
+            </a:fld>
+            <a:endParaRPr lang="en-US" altLang="en-US" dirty="0"/>
+          </a:p>
+        </p:txBody>
+      </p:sp>
     </p:spTree>
     <p:extLst>
       <p:ext uri="{BB962C8B-B14F-4D97-AF65-F5344CB8AC3E}">
@@ -14695,6 +15313,30 @@
           </a:p>
         </p:txBody>
       </p:sp>
+      <p:sp>
+        <p:nvSpPr>
+          <p:cNvPr id="5" name="スライド番号プレースホルダー 4"/>
+          <p:cNvSpPr>
+            <a:spLocks noGrp="1"/>
+          </p:cNvSpPr>
+          <p:nvPr>
+            <p:ph type="sldNum" sz="quarter" idx="12"/>
+          </p:nvPr>
+        </p:nvSpPr>
+        <p:spPr/>
+        <p:txBody>
+          <a:bodyPr/>
+          <a:lstStyle/>
+          <a:p>
+            <a:fld id="{BC410EEA-824F-4D46-AFE7-60426C8C06B0}" type="slidenum">
+              <a:rPr lang="en-US" altLang="ja-JP" smtClean="0"/>
+              <a:pPr/>
+              <a:t>4</a:t>
+            </a:fld>
+            <a:endParaRPr lang="en-US" altLang="en-US" dirty="0"/>
+          </a:p>
+        </p:txBody>
+      </p:sp>
     </p:spTree>
     <p:extLst>
       <p:ext uri="{BB962C8B-B14F-4D97-AF65-F5344CB8AC3E}">
@@ -14777,6 +15419,30 @@
           </a:xfrm>
         </p:spPr>
       </p:pic>
+      <p:sp>
+        <p:nvSpPr>
+          <p:cNvPr id="2" name="スライド番号プレースホルダー 1"/>
+          <p:cNvSpPr>
+            <a:spLocks noGrp="1"/>
+          </p:cNvSpPr>
+          <p:nvPr>
+            <p:ph type="sldNum" sz="quarter" idx="12"/>
+          </p:nvPr>
+        </p:nvSpPr>
+        <p:spPr/>
+        <p:txBody>
+          <a:bodyPr/>
+          <a:lstStyle/>
+          <a:p>
+            <a:fld id="{BC410EEA-824F-4D46-AFE7-60426C8C06B0}" type="slidenum">
+              <a:rPr lang="en-US" altLang="ja-JP" smtClean="0"/>
+              <a:pPr/>
+              <a:t>5</a:t>
+            </a:fld>
+            <a:endParaRPr lang="en-US" altLang="en-US" dirty="0"/>
+          </a:p>
+        </p:txBody>
+      </p:sp>
     </p:spTree>
     <p:extLst>
       <p:ext uri="{BB962C8B-B14F-4D97-AF65-F5344CB8AC3E}">
@@ -15520,6 +16186,30 @@
           </a:prstGeom>
         </p:spPr>
       </p:pic>
+      <p:sp>
+        <p:nvSpPr>
+          <p:cNvPr id="4" name="スライド番号プレースホルダー 3"/>
+          <p:cNvSpPr>
+            <a:spLocks noGrp="1"/>
+          </p:cNvSpPr>
+          <p:nvPr>
+            <p:ph type="sldNum" sz="quarter" idx="12"/>
+          </p:nvPr>
+        </p:nvSpPr>
+        <p:spPr/>
+        <p:txBody>
+          <a:bodyPr/>
+          <a:lstStyle/>
+          <a:p>
+            <a:fld id="{BC410EEA-824F-4D46-AFE7-60426C8C06B0}" type="slidenum">
+              <a:rPr lang="en-US" altLang="ja-JP" smtClean="0"/>
+              <a:pPr/>
+              <a:t>6</a:t>
+            </a:fld>
+            <a:endParaRPr lang="en-US" altLang="en-US" dirty="0"/>
+          </a:p>
+        </p:txBody>
+      </p:sp>
     </p:spTree>
     <p:extLst>
       <p:ext uri="{BB962C8B-B14F-4D97-AF65-F5344CB8AC3E}">
@@ -15701,15 +16391,15 @@
           <a:p>
             <a:r>
               <a:rPr lang="en-US" altLang="ja-JP" dirty="0"/>
-              <a:t>But, it has to be considered which (</a:t>
-            </a:r>
-            <a:r>
-              <a:rPr lang="en-US" altLang="ja-JP" dirty="0" err="1"/>
-              <a:t>e.i.</a:t>
+              <a:t>But, it has to be considered which </a:t>
+            </a:r>
+            <a:r>
+              <a:rPr lang="en-US" altLang="ja-JP" dirty="0" smtClean="0"/>
+              <a:t>(i.e. </a:t>
             </a:r>
             <a:r>
               <a:rPr lang="en-US" altLang="ja-JP" dirty="0"/>
-              <a:t> when) states are need for learn.</a:t>
+              <a:t>when) states are need for learn.</a:t>
             </a:r>
           </a:p>
         </p:txBody>
@@ -16456,6 +17146,30 @@
           </a:prstGeom>
         </p:spPr>
       </p:pic>
+      <p:sp>
+        <p:nvSpPr>
+          <p:cNvPr id="4" name="スライド番号プレースホルダー 3"/>
+          <p:cNvSpPr>
+            <a:spLocks noGrp="1"/>
+          </p:cNvSpPr>
+          <p:nvPr>
+            <p:ph type="sldNum" sz="quarter" idx="12"/>
+          </p:nvPr>
+        </p:nvSpPr>
+        <p:spPr/>
+        <p:txBody>
+          <a:bodyPr/>
+          <a:lstStyle/>
+          <a:p>
+            <a:fld id="{BC410EEA-824F-4D46-AFE7-60426C8C06B0}" type="slidenum">
+              <a:rPr lang="en-US" altLang="ja-JP" smtClean="0"/>
+              <a:pPr/>
+              <a:t>7</a:t>
+            </a:fld>
+            <a:endParaRPr lang="en-US" altLang="en-US" dirty="0"/>
+          </a:p>
+        </p:txBody>
+      </p:sp>
     </p:spTree>
     <p:extLst>
       <p:ext uri="{BB962C8B-B14F-4D97-AF65-F5344CB8AC3E}">
@@ -16603,6 +17317,30 @@
           </a:p>
         </p:txBody>
       </p:sp>
+      <p:sp>
+        <p:nvSpPr>
+          <p:cNvPr id="4" name="スライド番号プレースホルダー 3"/>
+          <p:cNvSpPr>
+            <a:spLocks noGrp="1"/>
+          </p:cNvSpPr>
+          <p:nvPr>
+            <p:ph type="sldNum" sz="quarter" idx="12"/>
+          </p:nvPr>
+        </p:nvSpPr>
+        <p:spPr/>
+        <p:txBody>
+          <a:bodyPr/>
+          <a:lstStyle/>
+          <a:p>
+            <a:fld id="{BC410EEA-824F-4D46-AFE7-60426C8C06B0}" type="slidenum">
+              <a:rPr lang="en-US" altLang="ja-JP" smtClean="0"/>
+              <a:pPr/>
+              <a:t>8</a:t>
+            </a:fld>
+            <a:endParaRPr lang="en-US" altLang="en-US" dirty="0"/>
+          </a:p>
+        </p:txBody>
+      </p:sp>
     </p:spTree>
     <p:extLst>
       <p:ext uri="{BB962C8B-B14F-4D97-AF65-F5344CB8AC3E}">
@@ -16768,6 +17506,30 @@
               <a:t>intermediate states</a:t>
             </a:r>
             <a:endParaRPr kumimoji="1" lang="ja-JP" altLang="en-US" dirty="0"/>
+          </a:p>
+        </p:txBody>
+      </p:sp>
+      <p:sp>
+        <p:nvSpPr>
+          <p:cNvPr id="4" name="スライド番号プレースホルダー 3"/>
+          <p:cNvSpPr>
+            <a:spLocks noGrp="1"/>
+          </p:cNvSpPr>
+          <p:nvPr>
+            <p:ph type="sldNum" sz="quarter" idx="12"/>
+          </p:nvPr>
+        </p:nvSpPr>
+        <p:spPr/>
+        <p:txBody>
+          <a:bodyPr/>
+          <a:lstStyle/>
+          <a:p>
+            <a:fld id="{BC410EEA-824F-4D46-AFE7-60426C8C06B0}" type="slidenum">
+              <a:rPr lang="en-US" altLang="ja-JP" smtClean="0"/>
+              <a:pPr/>
+              <a:t>9</a:t>
+            </a:fld>
+            <a:endParaRPr lang="en-US" altLang="en-US" dirty="0"/>
           </a:p>
         </p:txBody>
       </p:sp>

--- a/slides/seminar_20170111.pptx
+++ b/slides/seminar_20170111.pptx
@@ -548,6 +548,18 @@
           </a:bodyPr>
           <a:lstStyle/>
           <a:p>
+            <a:r>
+              <a:rPr kumimoji="1" lang="ja-JP" altLang="en-US" dirty="0" smtClean="0"/>
+              <a:t>スティッキー階層ディリクレ過程隠れマルコフモデルを用いた動作情報の符号化と模倣学習への応用というタイトルで </a:t>
+            </a:r>
+            <a:r>
+              <a:rPr kumimoji="1" lang="en-US" altLang="ja-JP" dirty="0" smtClean="0"/>
+              <a:t>M1 </a:t>
+            </a:r>
+            <a:r>
+              <a:rPr kumimoji="1" lang="ja-JP" altLang="en-US" dirty="0" smtClean="0"/>
+              <a:t>の菰田が発表いたします．</a:t>
+            </a:r>
             <a:endParaRPr kumimoji="1" lang="ja-JP" dirty="0"/>
           </a:p>
         </p:txBody>
@@ -577,6 +589,2013 @@
         </p:txBody>
       </p:sp>
     </p:spTree>
+  </p:cSld>
+  <p:clrMapOvr>
+    <a:masterClrMapping/>
+  </p:clrMapOvr>
+</p:notes>
+</file>
+
+<file path=ppt/notesSlides/notesSlide10.xml><?xml version="1.0" encoding="utf-8"?>
+<p:notes xmlns:a="http://schemas.openxmlformats.org/drawingml/2006/main" xmlns:r="http://schemas.openxmlformats.org/officeDocument/2006/relationships" xmlns:p="http://schemas.openxmlformats.org/presentationml/2006/main">
+  <p:cSld>
+    <p:spTree>
+      <p:nvGrpSpPr>
+        <p:cNvPr id="1" name=""/>
+        <p:cNvGrpSpPr/>
+        <p:nvPr/>
+      </p:nvGrpSpPr>
+      <p:grpSpPr>
+        <a:xfrm>
+          <a:off x="0" y="0"/>
+          <a:ext cx="0" cy="0"/>
+          <a:chOff x="0" y="0"/>
+          <a:chExt cx="0" cy="0"/>
+        </a:xfrm>
+      </p:grpSpPr>
+      <p:sp>
+        <p:nvSpPr>
+          <p:cNvPr id="2" name="スライド イメージ プレースホルダー 1"/>
+          <p:cNvSpPr>
+            <a:spLocks noGrp="1" noRot="1" noChangeAspect="1"/>
+          </p:cNvSpPr>
+          <p:nvPr>
+            <p:ph type="sldImg"/>
+          </p:nvPr>
+        </p:nvSpPr>
+        <p:spPr/>
+      </p:sp>
+      <p:sp>
+        <p:nvSpPr>
+          <p:cNvPr id="3" name="ノート プレースホルダー 2"/>
+          <p:cNvSpPr>
+            <a:spLocks noGrp="1"/>
+          </p:cNvSpPr>
+          <p:nvPr>
+            <p:ph type="body" idx="1"/>
+          </p:nvPr>
+        </p:nvSpPr>
+        <p:spPr/>
+        <p:txBody>
+          <a:bodyPr/>
+          <a:lstStyle/>
+          <a:p>
+            <a:endParaRPr kumimoji="1" lang="ja-JP" altLang="en-US"/>
+          </a:p>
+        </p:txBody>
+      </p:sp>
+      <p:sp>
+        <p:nvSpPr>
+          <p:cNvPr id="4" name="スライド番号プレースホルダー 3"/>
+          <p:cNvSpPr>
+            <a:spLocks noGrp="1"/>
+          </p:cNvSpPr>
+          <p:nvPr>
+            <p:ph type="sldNum" sz="quarter" idx="10"/>
+          </p:nvPr>
+        </p:nvSpPr>
+        <p:spPr/>
+        <p:txBody>
+          <a:bodyPr/>
+          <a:lstStyle/>
+          <a:p>
+            <a:fld id="{1D76769E-C829-4283-B80E-CB90D995C291}" type="slidenum">
+              <a:rPr lang="en-US" altLang="ja-JP" smtClean="0"/>
+              <a:pPr/>
+              <a:t>10</a:t>
+            </a:fld>
+            <a:endParaRPr kumimoji="1" lang="ja-JP" altLang="en-US"/>
+          </a:p>
+        </p:txBody>
+      </p:sp>
+    </p:spTree>
+    <p:extLst>
+      <p:ext uri="{BB962C8B-B14F-4D97-AF65-F5344CB8AC3E}">
+        <p14:creationId xmlns:p14="http://schemas.microsoft.com/office/powerpoint/2010/main" val="2316288799"/>
+      </p:ext>
+    </p:extLst>
+  </p:cSld>
+  <p:clrMapOvr>
+    <a:masterClrMapping/>
+  </p:clrMapOvr>
+</p:notes>
+</file>
+
+<file path=ppt/notesSlides/notesSlide11.xml><?xml version="1.0" encoding="utf-8"?>
+<p:notes xmlns:a="http://schemas.openxmlformats.org/drawingml/2006/main" xmlns:r="http://schemas.openxmlformats.org/officeDocument/2006/relationships" xmlns:p="http://schemas.openxmlformats.org/presentationml/2006/main">
+  <p:cSld>
+    <p:spTree>
+      <p:nvGrpSpPr>
+        <p:cNvPr id="1" name=""/>
+        <p:cNvGrpSpPr/>
+        <p:nvPr/>
+      </p:nvGrpSpPr>
+      <p:grpSpPr>
+        <a:xfrm>
+          <a:off x="0" y="0"/>
+          <a:ext cx="0" cy="0"/>
+          <a:chOff x="0" y="0"/>
+          <a:chExt cx="0" cy="0"/>
+        </a:xfrm>
+      </p:grpSpPr>
+      <p:sp>
+        <p:nvSpPr>
+          <p:cNvPr id="2" name="スライド イメージ プレースホルダー 1"/>
+          <p:cNvSpPr>
+            <a:spLocks noGrp="1" noRot="1" noChangeAspect="1"/>
+          </p:cNvSpPr>
+          <p:nvPr>
+            <p:ph type="sldImg"/>
+          </p:nvPr>
+        </p:nvSpPr>
+        <p:spPr/>
+      </p:sp>
+      <p:sp>
+        <p:nvSpPr>
+          <p:cNvPr id="3" name="ノート プレースホルダー 2"/>
+          <p:cNvSpPr>
+            <a:spLocks noGrp="1"/>
+          </p:cNvSpPr>
+          <p:nvPr>
+            <p:ph type="body" idx="1"/>
+          </p:nvPr>
+        </p:nvSpPr>
+        <p:spPr/>
+        <p:txBody>
+          <a:bodyPr/>
+          <a:lstStyle/>
+          <a:p>
+            <a:endParaRPr kumimoji="1" lang="ja-JP" altLang="en-US"/>
+          </a:p>
+        </p:txBody>
+      </p:sp>
+      <p:sp>
+        <p:nvSpPr>
+          <p:cNvPr id="4" name="スライド番号プレースホルダー 3"/>
+          <p:cNvSpPr>
+            <a:spLocks noGrp="1"/>
+          </p:cNvSpPr>
+          <p:nvPr>
+            <p:ph type="sldNum" sz="quarter" idx="10"/>
+          </p:nvPr>
+        </p:nvSpPr>
+        <p:spPr/>
+        <p:txBody>
+          <a:bodyPr/>
+          <a:lstStyle/>
+          <a:p>
+            <a:fld id="{1D76769E-C829-4283-B80E-CB90D995C291}" type="slidenum">
+              <a:rPr lang="en-US" altLang="ja-JP" smtClean="0"/>
+              <a:pPr/>
+              <a:t>11</a:t>
+            </a:fld>
+            <a:endParaRPr kumimoji="1" lang="ja-JP" altLang="en-US"/>
+          </a:p>
+        </p:txBody>
+      </p:sp>
+    </p:spTree>
+    <p:extLst>
+      <p:ext uri="{BB962C8B-B14F-4D97-AF65-F5344CB8AC3E}">
+        <p14:creationId xmlns:p14="http://schemas.microsoft.com/office/powerpoint/2010/main" val="1743496088"/>
+      </p:ext>
+    </p:extLst>
+  </p:cSld>
+  <p:clrMapOvr>
+    <a:masterClrMapping/>
+  </p:clrMapOvr>
+</p:notes>
+</file>
+
+<file path=ppt/notesSlides/notesSlide12.xml><?xml version="1.0" encoding="utf-8"?>
+<p:notes xmlns:a="http://schemas.openxmlformats.org/drawingml/2006/main" xmlns:r="http://schemas.openxmlformats.org/officeDocument/2006/relationships" xmlns:p="http://schemas.openxmlformats.org/presentationml/2006/main">
+  <p:cSld>
+    <p:spTree>
+      <p:nvGrpSpPr>
+        <p:cNvPr id="1" name=""/>
+        <p:cNvGrpSpPr/>
+        <p:nvPr/>
+      </p:nvGrpSpPr>
+      <p:grpSpPr>
+        <a:xfrm>
+          <a:off x="0" y="0"/>
+          <a:ext cx="0" cy="0"/>
+          <a:chOff x="0" y="0"/>
+          <a:chExt cx="0" cy="0"/>
+        </a:xfrm>
+      </p:grpSpPr>
+      <p:sp>
+        <p:nvSpPr>
+          <p:cNvPr id="2" name="スライド イメージ プレースホルダー 1"/>
+          <p:cNvSpPr>
+            <a:spLocks noGrp="1" noRot="1" noChangeAspect="1"/>
+          </p:cNvSpPr>
+          <p:nvPr>
+            <p:ph type="sldImg"/>
+          </p:nvPr>
+        </p:nvSpPr>
+        <p:spPr/>
+      </p:sp>
+      <p:sp>
+        <p:nvSpPr>
+          <p:cNvPr id="3" name="ノート プレースホルダー 2"/>
+          <p:cNvSpPr>
+            <a:spLocks noGrp="1"/>
+          </p:cNvSpPr>
+          <p:nvPr>
+            <p:ph type="body" idx="1"/>
+          </p:nvPr>
+        </p:nvSpPr>
+        <p:spPr/>
+        <p:txBody>
+          <a:bodyPr/>
+          <a:lstStyle/>
+          <a:p>
+            <a:endParaRPr kumimoji="1" lang="ja-JP" altLang="en-US"/>
+          </a:p>
+        </p:txBody>
+      </p:sp>
+      <p:sp>
+        <p:nvSpPr>
+          <p:cNvPr id="4" name="スライド番号プレースホルダー 3"/>
+          <p:cNvSpPr>
+            <a:spLocks noGrp="1"/>
+          </p:cNvSpPr>
+          <p:nvPr>
+            <p:ph type="sldNum" sz="quarter" idx="10"/>
+          </p:nvPr>
+        </p:nvSpPr>
+        <p:spPr/>
+        <p:txBody>
+          <a:bodyPr/>
+          <a:lstStyle/>
+          <a:p>
+            <a:fld id="{1D76769E-C829-4283-B80E-CB90D995C291}" type="slidenum">
+              <a:rPr lang="en-US" altLang="ja-JP" smtClean="0"/>
+              <a:pPr/>
+              <a:t>12</a:t>
+            </a:fld>
+            <a:endParaRPr kumimoji="1" lang="ja-JP" altLang="en-US"/>
+          </a:p>
+        </p:txBody>
+      </p:sp>
+    </p:spTree>
+    <p:extLst>
+      <p:ext uri="{BB962C8B-B14F-4D97-AF65-F5344CB8AC3E}">
+        <p14:creationId xmlns:p14="http://schemas.microsoft.com/office/powerpoint/2010/main" val="3258528904"/>
+      </p:ext>
+    </p:extLst>
+  </p:cSld>
+  <p:clrMapOvr>
+    <a:masterClrMapping/>
+  </p:clrMapOvr>
+</p:notes>
+</file>
+
+<file path=ppt/notesSlides/notesSlide13.xml><?xml version="1.0" encoding="utf-8"?>
+<p:notes xmlns:a="http://schemas.openxmlformats.org/drawingml/2006/main" xmlns:r="http://schemas.openxmlformats.org/officeDocument/2006/relationships" xmlns:p="http://schemas.openxmlformats.org/presentationml/2006/main">
+  <p:cSld>
+    <p:spTree>
+      <p:nvGrpSpPr>
+        <p:cNvPr id="1" name=""/>
+        <p:cNvGrpSpPr/>
+        <p:nvPr/>
+      </p:nvGrpSpPr>
+      <p:grpSpPr>
+        <a:xfrm>
+          <a:off x="0" y="0"/>
+          <a:ext cx="0" cy="0"/>
+          <a:chOff x="0" y="0"/>
+          <a:chExt cx="0" cy="0"/>
+        </a:xfrm>
+      </p:grpSpPr>
+      <p:sp>
+        <p:nvSpPr>
+          <p:cNvPr id="2" name="スライド イメージ プレースホルダー 1"/>
+          <p:cNvSpPr>
+            <a:spLocks noGrp="1" noRot="1" noChangeAspect="1"/>
+          </p:cNvSpPr>
+          <p:nvPr>
+            <p:ph type="sldImg"/>
+          </p:nvPr>
+        </p:nvSpPr>
+        <p:spPr/>
+      </p:sp>
+      <p:sp>
+        <p:nvSpPr>
+          <p:cNvPr id="3" name="ノート プレースホルダー 2"/>
+          <p:cNvSpPr>
+            <a:spLocks noGrp="1"/>
+          </p:cNvSpPr>
+          <p:nvPr>
+            <p:ph type="body" idx="1"/>
+          </p:nvPr>
+        </p:nvSpPr>
+        <p:spPr/>
+        <p:txBody>
+          <a:bodyPr/>
+          <a:lstStyle/>
+          <a:p>
+            <a:endParaRPr kumimoji="1" lang="ja-JP" altLang="en-US"/>
+          </a:p>
+        </p:txBody>
+      </p:sp>
+      <p:sp>
+        <p:nvSpPr>
+          <p:cNvPr id="4" name="スライド番号プレースホルダー 3"/>
+          <p:cNvSpPr>
+            <a:spLocks noGrp="1"/>
+          </p:cNvSpPr>
+          <p:nvPr>
+            <p:ph type="sldNum" sz="quarter" idx="10"/>
+          </p:nvPr>
+        </p:nvSpPr>
+        <p:spPr/>
+        <p:txBody>
+          <a:bodyPr/>
+          <a:lstStyle/>
+          <a:p>
+            <a:fld id="{1D76769E-C829-4283-B80E-CB90D995C291}" type="slidenum">
+              <a:rPr lang="en-US" altLang="ja-JP" smtClean="0"/>
+              <a:pPr/>
+              <a:t>13</a:t>
+            </a:fld>
+            <a:endParaRPr kumimoji="1" lang="ja-JP" altLang="en-US"/>
+          </a:p>
+        </p:txBody>
+      </p:sp>
+    </p:spTree>
+    <p:extLst>
+      <p:ext uri="{BB962C8B-B14F-4D97-AF65-F5344CB8AC3E}">
+        <p14:creationId xmlns:p14="http://schemas.microsoft.com/office/powerpoint/2010/main" val="2155428662"/>
+      </p:ext>
+    </p:extLst>
+  </p:cSld>
+  <p:clrMapOvr>
+    <a:masterClrMapping/>
+  </p:clrMapOvr>
+</p:notes>
+</file>
+
+<file path=ppt/notesSlides/notesSlide14.xml><?xml version="1.0" encoding="utf-8"?>
+<p:notes xmlns:a="http://schemas.openxmlformats.org/drawingml/2006/main" xmlns:r="http://schemas.openxmlformats.org/officeDocument/2006/relationships" xmlns:p="http://schemas.openxmlformats.org/presentationml/2006/main">
+  <p:cSld>
+    <p:spTree>
+      <p:nvGrpSpPr>
+        <p:cNvPr id="1" name=""/>
+        <p:cNvGrpSpPr/>
+        <p:nvPr/>
+      </p:nvGrpSpPr>
+      <p:grpSpPr>
+        <a:xfrm>
+          <a:off x="0" y="0"/>
+          <a:ext cx="0" cy="0"/>
+          <a:chOff x="0" y="0"/>
+          <a:chExt cx="0" cy="0"/>
+        </a:xfrm>
+      </p:grpSpPr>
+      <p:sp>
+        <p:nvSpPr>
+          <p:cNvPr id="2" name="スライド イメージ プレースホルダー 1"/>
+          <p:cNvSpPr>
+            <a:spLocks noGrp="1" noRot="1" noChangeAspect="1"/>
+          </p:cNvSpPr>
+          <p:nvPr>
+            <p:ph type="sldImg"/>
+          </p:nvPr>
+        </p:nvSpPr>
+        <p:spPr/>
+      </p:sp>
+      <p:sp>
+        <p:nvSpPr>
+          <p:cNvPr id="3" name="ノート プレースホルダー 2"/>
+          <p:cNvSpPr>
+            <a:spLocks noGrp="1"/>
+          </p:cNvSpPr>
+          <p:nvPr>
+            <p:ph type="body" idx="1"/>
+          </p:nvPr>
+        </p:nvSpPr>
+        <p:spPr/>
+        <p:txBody>
+          <a:bodyPr/>
+          <a:lstStyle/>
+          <a:p>
+            <a:endParaRPr kumimoji="1" lang="ja-JP" altLang="en-US"/>
+          </a:p>
+        </p:txBody>
+      </p:sp>
+      <p:sp>
+        <p:nvSpPr>
+          <p:cNvPr id="4" name="スライド番号プレースホルダー 3"/>
+          <p:cNvSpPr>
+            <a:spLocks noGrp="1"/>
+          </p:cNvSpPr>
+          <p:nvPr>
+            <p:ph type="sldNum" sz="quarter" idx="10"/>
+          </p:nvPr>
+        </p:nvSpPr>
+        <p:spPr/>
+        <p:txBody>
+          <a:bodyPr/>
+          <a:lstStyle/>
+          <a:p>
+            <a:fld id="{1D76769E-C829-4283-B80E-CB90D995C291}" type="slidenum">
+              <a:rPr lang="en-US" altLang="ja-JP" smtClean="0"/>
+              <a:pPr/>
+              <a:t>14</a:t>
+            </a:fld>
+            <a:endParaRPr kumimoji="1" lang="ja-JP" altLang="en-US"/>
+          </a:p>
+        </p:txBody>
+      </p:sp>
+    </p:spTree>
+    <p:extLst>
+      <p:ext uri="{BB962C8B-B14F-4D97-AF65-F5344CB8AC3E}">
+        <p14:creationId xmlns:p14="http://schemas.microsoft.com/office/powerpoint/2010/main" val="293500680"/>
+      </p:ext>
+    </p:extLst>
+  </p:cSld>
+  <p:clrMapOvr>
+    <a:masterClrMapping/>
+  </p:clrMapOvr>
+</p:notes>
+</file>
+
+<file path=ppt/notesSlides/notesSlide15.xml><?xml version="1.0" encoding="utf-8"?>
+<p:notes xmlns:a="http://schemas.openxmlformats.org/drawingml/2006/main" xmlns:r="http://schemas.openxmlformats.org/officeDocument/2006/relationships" xmlns:p="http://schemas.openxmlformats.org/presentationml/2006/main">
+  <p:cSld>
+    <p:spTree>
+      <p:nvGrpSpPr>
+        <p:cNvPr id="1" name=""/>
+        <p:cNvGrpSpPr/>
+        <p:nvPr/>
+      </p:nvGrpSpPr>
+      <p:grpSpPr>
+        <a:xfrm>
+          <a:off x="0" y="0"/>
+          <a:ext cx="0" cy="0"/>
+          <a:chOff x="0" y="0"/>
+          <a:chExt cx="0" cy="0"/>
+        </a:xfrm>
+      </p:grpSpPr>
+      <p:sp>
+        <p:nvSpPr>
+          <p:cNvPr id="2" name="スライド イメージ プレースホルダー 1"/>
+          <p:cNvSpPr>
+            <a:spLocks noGrp="1" noRot="1" noChangeAspect="1"/>
+          </p:cNvSpPr>
+          <p:nvPr>
+            <p:ph type="sldImg"/>
+          </p:nvPr>
+        </p:nvSpPr>
+        <p:spPr/>
+      </p:sp>
+      <p:sp>
+        <p:nvSpPr>
+          <p:cNvPr id="3" name="ノート プレースホルダー 2"/>
+          <p:cNvSpPr>
+            <a:spLocks noGrp="1"/>
+          </p:cNvSpPr>
+          <p:nvPr>
+            <p:ph type="body" idx="1"/>
+          </p:nvPr>
+        </p:nvSpPr>
+        <p:spPr/>
+        <p:txBody>
+          <a:bodyPr/>
+          <a:lstStyle/>
+          <a:p>
+            <a:endParaRPr kumimoji="1" lang="ja-JP" altLang="en-US"/>
+          </a:p>
+        </p:txBody>
+      </p:sp>
+      <p:sp>
+        <p:nvSpPr>
+          <p:cNvPr id="4" name="スライド番号プレースホルダー 3"/>
+          <p:cNvSpPr>
+            <a:spLocks noGrp="1"/>
+          </p:cNvSpPr>
+          <p:nvPr>
+            <p:ph type="sldNum" sz="quarter" idx="10"/>
+          </p:nvPr>
+        </p:nvSpPr>
+        <p:spPr/>
+        <p:txBody>
+          <a:bodyPr/>
+          <a:lstStyle/>
+          <a:p>
+            <a:fld id="{1D76769E-C829-4283-B80E-CB90D995C291}" type="slidenum">
+              <a:rPr lang="en-US" altLang="ja-JP" smtClean="0"/>
+              <a:pPr/>
+              <a:t>15</a:t>
+            </a:fld>
+            <a:endParaRPr kumimoji="1" lang="ja-JP" altLang="en-US"/>
+          </a:p>
+        </p:txBody>
+      </p:sp>
+    </p:spTree>
+    <p:extLst>
+      <p:ext uri="{BB962C8B-B14F-4D97-AF65-F5344CB8AC3E}">
+        <p14:creationId xmlns:p14="http://schemas.microsoft.com/office/powerpoint/2010/main" val="3774586827"/>
+      </p:ext>
+    </p:extLst>
+  </p:cSld>
+  <p:clrMapOvr>
+    <a:masterClrMapping/>
+  </p:clrMapOvr>
+</p:notes>
+</file>
+
+<file path=ppt/notesSlides/notesSlide16.xml><?xml version="1.0" encoding="utf-8"?>
+<p:notes xmlns:a="http://schemas.openxmlformats.org/drawingml/2006/main" xmlns:r="http://schemas.openxmlformats.org/officeDocument/2006/relationships" xmlns:p="http://schemas.openxmlformats.org/presentationml/2006/main">
+  <p:cSld>
+    <p:spTree>
+      <p:nvGrpSpPr>
+        <p:cNvPr id="1" name=""/>
+        <p:cNvGrpSpPr/>
+        <p:nvPr/>
+      </p:nvGrpSpPr>
+      <p:grpSpPr>
+        <a:xfrm>
+          <a:off x="0" y="0"/>
+          <a:ext cx="0" cy="0"/>
+          <a:chOff x="0" y="0"/>
+          <a:chExt cx="0" cy="0"/>
+        </a:xfrm>
+      </p:grpSpPr>
+      <p:sp>
+        <p:nvSpPr>
+          <p:cNvPr id="2" name="スライド イメージ プレースホルダー 1"/>
+          <p:cNvSpPr>
+            <a:spLocks noGrp="1" noRot="1" noChangeAspect="1"/>
+          </p:cNvSpPr>
+          <p:nvPr>
+            <p:ph type="sldImg"/>
+          </p:nvPr>
+        </p:nvSpPr>
+        <p:spPr/>
+      </p:sp>
+      <p:sp>
+        <p:nvSpPr>
+          <p:cNvPr id="3" name="ノート プレースホルダー 2"/>
+          <p:cNvSpPr>
+            <a:spLocks noGrp="1"/>
+          </p:cNvSpPr>
+          <p:nvPr>
+            <p:ph type="body" idx="1"/>
+          </p:nvPr>
+        </p:nvSpPr>
+        <p:spPr/>
+        <p:txBody>
+          <a:bodyPr/>
+          <a:lstStyle/>
+          <a:p>
+            <a:endParaRPr kumimoji="1" lang="ja-JP" altLang="en-US"/>
+          </a:p>
+        </p:txBody>
+      </p:sp>
+      <p:sp>
+        <p:nvSpPr>
+          <p:cNvPr id="4" name="スライド番号プレースホルダー 3"/>
+          <p:cNvSpPr>
+            <a:spLocks noGrp="1"/>
+          </p:cNvSpPr>
+          <p:nvPr>
+            <p:ph type="sldNum" sz="quarter" idx="10"/>
+          </p:nvPr>
+        </p:nvSpPr>
+        <p:spPr/>
+        <p:txBody>
+          <a:bodyPr/>
+          <a:lstStyle/>
+          <a:p>
+            <a:fld id="{1D76769E-C829-4283-B80E-CB90D995C291}" type="slidenum">
+              <a:rPr lang="en-US" altLang="ja-JP" smtClean="0"/>
+              <a:pPr/>
+              <a:t>16</a:t>
+            </a:fld>
+            <a:endParaRPr kumimoji="1" lang="ja-JP" altLang="en-US"/>
+          </a:p>
+        </p:txBody>
+      </p:sp>
+    </p:spTree>
+    <p:extLst>
+      <p:ext uri="{BB962C8B-B14F-4D97-AF65-F5344CB8AC3E}">
+        <p14:creationId xmlns:p14="http://schemas.microsoft.com/office/powerpoint/2010/main" val="3279424458"/>
+      </p:ext>
+    </p:extLst>
+  </p:cSld>
+  <p:clrMapOvr>
+    <a:masterClrMapping/>
+  </p:clrMapOvr>
+</p:notes>
+</file>
+
+<file path=ppt/notesSlides/notesSlide17.xml><?xml version="1.0" encoding="utf-8"?>
+<p:notes xmlns:a="http://schemas.openxmlformats.org/drawingml/2006/main" xmlns:r="http://schemas.openxmlformats.org/officeDocument/2006/relationships" xmlns:p="http://schemas.openxmlformats.org/presentationml/2006/main">
+  <p:cSld>
+    <p:spTree>
+      <p:nvGrpSpPr>
+        <p:cNvPr id="1" name=""/>
+        <p:cNvGrpSpPr/>
+        <p:nvPr/>
+      </p:nvGrpSpPr>
+      <p:grpSpPr>
+        <a:xfrm>
+          <a:off x="0" y="0"/>
+          <a:ext cx="0" cy="0"/>
+          <a:chOff x="0" y="0"/>
+          <a:chExt cx="0" cy="0"/>
+        </a:xfrm>
+      </p:grpSpPr>
+      <p:sp>
+        <p:nvSpPr>
+          <p:cNvPr id="2" name="スライド イメージ プレースホルダー 1"/>
+          <p:cNvSpPr>
+            <a:spLocks noGrp="1" noRot="1" noChangeAspect="1"/>
+          </p:cNvSpPr>
+          <p:nvPr>
+            <p:ph type="sldImg"/>
+          </p:nvPr>
+        </p:nvSpPr>
+        <p:spPr/>
+      </p:sp>
+      <p:sp>
+        <p:nvSpPr>
+          <p:cNvPr id="3" name="ノート プレースホルダー 2"/>
+          <p:cNvSpPr>
+            <a:spLocks noGrp="1"/>
+          </p:cNvSpPr>
+          <p:nvPr>
+            <p:ph type="body" idx="1"/>
+          </p:nvPr>
+        </p:nvSpPr>
+        <p:spPr/>
+        <p:txBody>
+          <a:bodyPr/>
+          <a:lstStyle/>
+          <a:p>
+            <a:endParaRPr kumimoji="1" lang="ja-JP" altLang="en-US"/>
+          </a:p>
+        </p:txBody>
+      </p:sp>
+      <p:sp>
+        <p:nvSpPr>
+          <p:cNvPr id="4" name="スライド番号プレースホルダー 3"/>
+          <p:cNvSpPr>
+            <a:spLocks noGrp="1"/>
+          </p:cNvSpPr>
+          <p:nvPr>
+            <p:ph type="sldNum" sz="quarter" idx="10"/>
+          </p:nvPr>
+        </p:nvSpPr>
+        <p:spPr/>
+        <p:txBody>
+          <a:bodyPr/>
+          <a:lstStyle/>
+          <a:p>
+            <a:fld id="{1D76769E-C829-4283-B80E-CB90D995C291}" type="slidenum">
+              <a:rPr lang="en-US" altLang="ja-JP" smtClean="0"/>
+              <a:pPr/>
+              <a:t>17</a:t>
+            </a:fld>
+            <a:endParaRPr kumimoji="1" lang="ja-JP" altLang="en-US"/>
+          </a:p>
+        </p:txBody>
+      </p:sp>
+    </p:spTree>
+    <p:extLst>
+      <p:ext uri="{BB962C8B-B14F-4D97-AF65-F5344CB8AC3E}">
+        <p14:creationId xmlns:p14="http://schemas.microsoft.com/office/powerpoint/2010/main" val="97626364"/>
+      </p:ext>
+    </p:extLst>
+  </p:cSld>
+  <p:clrMapOvr>
+    <a:masterClrMapping/>
+  </p:clrMapOvr>
+</p:notes>
+</file>
+
+<file path=ppt/notesSlides/notesSlide18.xml><?xml version="1.0" encoding="utf-8"?>
+<p:notes xmlns:a="http://schemas.openxmlformats.org/drawingml/2006/main" xmlns:r="http://schemas.openxmlformats.org/officeDocument/2006/relationships" xmlns:p="http://schemas.openxmlformats.org/presentationml/2006/main">
+  <p:cSld>
+    <p:spTree>
+      <p:nvGrpSpPr>
+        <p:cNvPr id="1" name=""/>
+        <p:cNvGrpSpPr/>
+        <p:nvPr/>
+      </p:nvGrpSpPr>
+      <p:grpSpPr>
+        <a:xfrm>
+          <a:off x="0" y="0"/>
+          <a:ext cx="0" cy="0"/>
+          <a:chOff x="0" y="0"/>
+          <a:chExt cx="0" cy="0"/>
+        </a:xfrm>
+      </p:grpSpPr>
+      <p:sp>
+        <p:nvSpPr>
+          <p:cNvPr id="2" name="スライド イメージ プレースホルダー 1"/>
+          <p:cNvSpPr>
+            <a:spLocks noGrp="1" noRot="1" noChangeAspect="1"/>
+          </p:cNvSpPr>
+          <p:nvPr>
+            <p:ph type="sldImg"/>
+          </p:nvPr>
+        </p:nvSpPr>
+        <p:spPr/>
+      </p:sp>
+      <p:sp>
+        <p:nvSpPr>
+          <p:cNvPr id="3" name="ノート プレースホルダー 2"/>
+          <p:cNvSpPr>
+            <a:spLocks noGrp="1"/>
+          </p:cNvSpPr>
+          <p:nvPr>
+            <p:ph type="body" idx="1"/>
+          </p:nvPr>
+        </p:nvSpPr>
+        <p:spPr/>
+        <p:txBody>
+          <a:bodyPr/>
+          <a:lstStyle/>
+          <a:p>
+            <a:endParaRPr kumimoji="1" lang="ja-JP" altLang="en-US"/>
+          </a:p>
+        </p:txBody>
+      </p:sp>
+      <p:sp>
+        <p:nvSpPr>
+          <p:cNvPr id="4" name="スライド番号プレースホルダー 3"/>
+          <p:cNvSpPr>
+            <a:spLocks noGrp="1"/>
+          </p:cNvSpPr>
+          <p:nvPr>
+            <p:ph type="sldNum" sz="quarter" idx="10"/>
+          </p:nvPr>
+        </p:nvSpPr>
+        <p:spPr/>
+        <p:txBody>
+          <a:bodyPr/>
+          <a:lstStyle/>
+          <a:p>
+            <a:fld id="{1D76769E-C829-4283-B80E-CB90D995C291}" type="slidenum">
+              <a:rPr lang="en-US" altLang="ja-JP" smtClean="0"/>
+              <a:pPr/>
+              <a:t>18</a:t>
+            </a:fld>
+            <a:endParaRPr kumimoji="1" lang="ja-JP" altLang="en-US"/>
+          </a:p>
+        </p:txBody>
+      </p:sp>
+    </p:spTree>
+    <p:extLst>
+      <p:ext uri="{BB962C8B-B14F-4D97-AF65-F5344CB8AC3E}">
+        <p14:creationId xmlns:p14="http://schemas.microsoft.com/office/powerpoint/2010/main" val="2445254007"/>
+      </p:ext>
+    </p:extLst>
+  </p:cSld>
+  <p:clrMapOvr>
+    <a:masterClrMapping/>
+  </p:clrMapOvr>
+</p:notes>
+</file>
+
+<file path=ppt/notesSlides/notesSlide19.xml><?xml version="1.0" encoding="utf-8"?>
+<p:notes xmlns:a="http://schemas.openxmlformats.org/drawingml/2006/main" xmlns:r="http://schemas.openxmlformats.org/officeDocument/2006/relationships" xmlns:p="http://schemas.openxmlformats.org/presentationml/2006/main">
+  <p:cSld>
+    <p:spTree>
+      <p:nvGrpSpPr>
+        <p:cNvPr id="1" name=""/>
+        <p:cNvGrpSpPr/>
+        <p:nvPr/>
+      </p:nvGrpSpPr>
+      <p:grpSpPr>
+        <a:xfrm>
+          <a:off x="0" y="0"/>
+          <a:ext cx="0" cy="0"/>
+          <a:chOff x="0" y="0"/>
+          <a:chExt cx="0" cy="0"/>
+        </a:xfrm>
+      </p:grpSpPr>
+      <p:sp>
+        <p:nvSpPr>
+          <p:cNvPr id="2" name="スライド イメージ プレースホルダー 1"/>
+          <p:cNvSpPr>
+            <a:spLocks noGrp="1" noRot="1" noChangeAspect="1"/>
+          </p:cNvSpPr>
+          <p:nvPr>
+            <p:ph type="sldImg"/>
+          </p:nvPr>
+        </p:nvSpPr>
+        <p:spPr/>
+      </p:sp>
+      <p:sp>
+        <p:nvSpPr>
+          <p:cNvPr id="3" name="ノート プレースホルダー 2"/>
+          <p:cNvSpPr>
+            <a:spLocks noGrp="1"/>
+          </p:cNvSpPr>
+          <p:nvPr>
+            <p:ph type="body" idx="1"/>
+          </p:nvPr>
+        </p:nvSpPr>
+        <p:spPr/>
+        <p:txBody>
+          <a:bodyPr/>
+          <a:lstStyle/>
+          <a:p>
+            <a:endParaRPr kumimoji="1" lang="ja-JP" altLang="en-US"/>
+          </a:p>
+        </p:txBody>
+      </p:sp>
+      <p:sp>
+        <p:nvSpPr>
+          <p:cNvPr id="4" name="スライド番号プレースホルダー 3"/>
+          <p:cNvSpPr>
+            <a:spLocks noGrp="1"/>
+          </p:cNvSpPr>
+          <p:nvPr>
+            <p:ph type="sldNum" sz="quarter" idx="10"/>
+          </p:nvPr>
+        </p:nvSpPr>
+        <p:spPr/>
+        <p:txBody>
+          <a:bodyPr/>
+          <a:lstStyle/>
+          <a:p>
+            <a:fld id="{1D76769E-C829-4283-B80E-CB90D995C291}" type="slidenum">
+              <a:rPr lang="en-US" altLang="ja-JP" smtClean="0"/>
+              <a:pPr/>
+              <a:t>19</a:t>
+            </a:fld>
+            <a:endParaRPr kumimoji="1" lang="ja-JP" altLang="en-US"/>
+          </a:p>
+        </p:txBody>
+      </p:sp>
+    </p:spTree>
+    <p:extLst>
+      <p:ext uri="{BB962C8B-B14F-4D97-AF65-F5344CB8AC3E}">
+        <p14:creationId xmlns:p14="http://schemas.microsoft.com/office/powerpoint/2010/main" val="39553803"/>
+      </p:ext>
+    </p:extLst>
+  </p:cSld>
+  <p:clrMapOvr>
+    <a:masterClrMapping/>
+  </p:clrMapOvr>
+</p:notes>
+</file>
+
+<file path=ppt/notesSlides/notesSlide2.xml><?xml version="1.0" encoding="utf-8"?>
+<p:notes xmlns:a="http://schemas.openxmlformats.org/drawingml/2006/main" xmlns:r="http://schemas.openxmlformats.org/officeDocument/2006/relationships" xmlns:p="http://schemas.openxmlformats.org/presentationml/2006/main">
+  <p:cSld>
+    <p:spTree>
+      <p:nvGrpSpPr>
+        <p:cNvPr id="1" name=""/>
+        <p:cNvGrpSpPr/>
+        <p:nvPr/>
+      </p:nvGrpSpPr>
+      <p:grpSpPr>
+        <a:xfrm>
+          <a:off x="0" y="0"/>
+          <a:ext cx="0" cy="0"/>
+          <a:chOff x="0" y="0"/>
+          <a:chExt cx="0" cy="0"/>
+        </a:xfrm>
+      </p:grpSpPr>
+      <p:sp>
+        <p:nvSpPr>
+          <p:cNvPr id="2" name="スライド イメージ プレースホルダー 1"/>
+          <p:cNvSpPr>
+            <a:spLocks noGrp="1" noRot="1" noChangeAspect="1"/>
+          </p:cNvSpPr>
+          <p:nvPr>
+            <p:ph type="sldImg"/>
+          </p:nvPr>
+        </p:nvSpPr>
+        <p:spPr/>
+      </p:sp>
+      <p:sp>
+        <p:nvSpPr>
+          <p:cNvPr id="3" name="ノート プレースホルダー 2"/>
+          <p:cNvSpPr>
+            <a:spLocks noGrp="1"/>
+          </p:cNvSpPr>
+          <p:nvPr>
+            <p:ph type="body" idx="1"/>
+          </p:nvPr>
+        </p:nvSpPr>
+        <p:spPr/>
+        <p:txBody>
+          <a:bodyPr/>
+          <a:lstStyle/>
+          <a:p>
+            <a:r>
+              <a:rPr lang="ja-JP" altLang="en-US" dirty="0" smtClean="0"/>
+              <a:t>近年のロボット技術の進展から，人間の生活環境で活動する汎用ロボットの実現が期待されています</a:t>
+            </a:r>
+            <a:r>
+              <a:rPr lang="en-US" altLang="ja-JP" dirty="0" smtClean="0"/>
+              <a:t>.</a:t>
+            </a:r>
+          </a:p>
+          <a:p>
+            <a:endParaRPr kumimoji="1" lang="en-US" altLang="ja-JP" dirty="0"/>
+          </a:p>
+          <a:p>
+            <a:r>
+              <a:rPr lang="ja-JP" altLang="en-US" dirty="0" smtClean="0"/>
+              <a:t>汎用ロボットが持つべき能力として，人の動作を見ただけで意図するところを把握し，模倣する能力が考えられます．</a:t>
+            </a:r>
+            <a:endParaRPr lang="en-US" altLang="ja-JP" dirty="0" smtClean="0"/>
+          </a:p>
+          <a:p>
+            <a:endParaRPr kumimoji="1" lang="en-US" altLang="ja-JP" dirty="0"/>
+          </a:p>
+          <a:p>
+            <a:endParaRPr kumimoji="1" lang="ja-JP" altLang="en-US" dirty="0"/>
+          </a:p>
+        </p:txBody>
+      </p:sp>
+      <p:sp>
+        <p:nvSpPr>
+          <p:cNvPr id="4" name="スライド番号プレースホルダー 3"/>
+          <p:cNvSpPr>
+            <a:spLocks noGrp="1"/>
+          </p:cNvSpPr>
+          <p:nvPr>
+            <p:ph type="sldNum" sz="quarter" idx="10"/>
+          </p:nvPr>
+        </p:nvSpPr>
+        <p:spPr/>
+        <p:txBody>
+          <a:bodyPr/>
+          <a:lstStyle/>
+          <a:p>
+            <a:fld id="{1D76769E-C829-4283-B80E-CB90D995C291}" type="slidenum">
+              <a:rPr lang="en-US" altLang="ja-JP" smtClean="0"/>
+              <a:pPr/>
+              <a:t>2</a:t>
+            </a:fld>
+            <a:endParaRPr kumimoji="1" lang="ja-JP" altLang="en-US"/>
+          </a:p>
+        </p:txBody>
+      </p:sp>
+    </p:spTree>
+    <p:extLst>
+      <p:ext uri="{BB962C8B-B14F-4D97-AF65-F5344CB8AC3E}">
+        <p14:creationId xmlns:p14="http://schemas.microsoft.com/office/powerpoint/2010/main" val="883933047"/>
+      </p:ext>
+    </p:extLst>
+  </p:cSld>
+  <p:clrMapOvr>
+    <a:masterClrMapping/>
+  </p:clrMapOvr>
+</p:notes>
+</file>
+
+<file path=ppt/notesSlides/notesSlide20.xml><?xml version="1.0" encoding="utf-8"?>
+<p:notes xmlns:a="http://schemas.openxmlformats.org/drawingml/2006/main" xmlns:r="http://schemas.openxmlformats.org/officeDocument/2006/relationships" xmlns:p="http://schemas.openxmlformats.org/presentationml/2006/main">
+  <p:cSld>
+    <p:spTree>
+      <p:nvGrpSpPr>
+        <p:cNvPr id="1" name=""/>
+        <p:cNvGrpSpPr/>
+        <p:nvPr/>
+      </p:nvGrpSpPr>
+      <p:grpSpPr>
+        <a:xfrm>
+          <a:off x="0" y="0"/>
+          <a:ext cx="0" cy="0"/>
+          <a:chOff x="0" y="0"/>
+          <a:chExt cx="0" cy="0"/>
+        </a:xfrm>
+      </p:grpSpPr>
+      <p:sp>
+        <p:nvSpPr>
+          <p:cNvPr id="2" name="スライド イメージ プレースホルダー 1"/>
+          <p:cNvSpPr>
+            <a:spLocks noGrp="1" noRot="1" noChangeAspect="1"/>
+          </p:cNvSpPr>
+          <p:nvPr>
+            <p:ph type="sldImg"/>
+          </p:nvPr>
+        </p:nvSpPr>
+        <p:spPr/>
+      </p:sp>
+      <p:sp>
+        <p:nvSpPr>
+          <p:cNvPr id="3" name="ノート プレースホルダー 2"/>
+          <p:cNvSpPr>
+            <a:spLocks noGrp="1"/>
+          </p:cNvSpPr>
+          <p:nvPr>
+            <p:ph type="body" idx="1"/>
+          </p:nvPr>
+        </p:nvSpPr>
+        <p:spPr/>
+        <p:txBody>
+          <a:bodyPr/>
+          <a:lstStyle/>
+          <a:p>
+            <a:endParaRPr kumimoji="1" lang="ja-JP" altLang="en-US"/>
+          </a:p>
+        </p:txBody>
+      </p:sp>
+      <p:sp>
+        <p:nvSpPr>
+          <p:cNvPr id="4" name="スライド番号プレースホルダー 3"/>
+          <p:cNvSpPr>
+            <a:spLocks noGrp="1"/>
+          </p:cNvSpPr>
+          <p:nvPr>
+            <p:ph type="sldNum" sz="quarter" idx="10"/>
+          </p:nvPr>
+        </p:nvSpPr>
+        <p:spPr/>
+        <p:txBody>
+          <a:bodyPr/>
+          <a:lstStyle/>
+          <a:p>
+            <a:fld id="{1D76769E-C829-4283-B80E-CB90D995C291}" type="slidenum">
+              <a:rPr lang="en-US" altLang="ja-JP" smtClean="0"/>
+              <a:pPr/>
+              <a:t>20</a:t>
+            </a:fld>
+            <a:endParaRPr kumimoji="1" lang="ja-JP" altLang="en-US"/>
+          </a:p>
+        </p:txBody>
+      </p:sp>
+    </p:spTree>
+    <p:extLst>
+      <p:ext uri="{BB962C8B-B14F-4D97-AF65-F5344CB8AC3E}">
+        <p14:creationId xmlns:p14="http://schemas.microsoft.com/office/powerpoint/2010/main" val="269457226"/>
+      </p:ext>
+    </p:extLst>
+  </p:cSld>
+  <p:clrMapOvr>
+    <a:masterClrMapping/>
+  </p:clrMapOvr>
+</p:notes>
+</file>
+
+<file path=ppt/notesSlides/notesSlide21.xml><?xml version="1.0" encoding="utf-8"?>
+<p:notes xmlns:a="http://schemas.openxmlformats.org/drawingml/2006/main" xmlns:r="http://schemas.openxmlformats.org/officeDocument/2006/relationships" xmlns:p="http://schemas.openxmlformats.org/presentationml/2006/main">
+  <p:cSld>
+    <p:spTree>
+      <p:nvGrpSpPr>
+        <p:cNvPr id="1" name=""/>
+        <p:cNvGrpSpPr/>
+        <p:nvPr/>
+      </p:nvGrpSpPr>
+      <p:grpSpPr>
+        <a:xfrm>
+          <a:off x="0" y="0"/>
+          <a:ext cx="0" cy="0"/>
+          <a:chOff x="0" y="0"/>
+          <a:chExt cx="0" cy="0"/>
+        </a:xfrm>
+      </p:grpSpPr>
+      <p:sp>
+        <p:nvSpPr>
+          <p:cNvPr id="2" name="スライド イメージ プレースホルダー 1"/>
+          <p:cNvSpPr>
+            <a:spLocks noGrp="1" noRot="1" noChangeAspect="1"/>
+          </p:cNvSpPr>
+          <p:nvPr>
+            <p:ph type="sldImg"/>
+          </p:nvPr>
+        </p:nvSpPr>
+        <p:spPr/>
+      </p:sp>
+      <p:sp>
+        <p:nvSpPr>
+          <p:cNvPr id="3" name="ノート プレースホルダー 2"/>
+          <p:cNvSpPr>
+            <a:spLocks noGrp="1"/>
+          </p:cNvSpPr>
+          <p:nvPr>
+            <p:ph type="body" idx="1"/>
+          </p:nvPr>
+        </p:nvSpPr>
+        <p:spPr/>
+        <p:txBody>
+          <a:bodyPr/>
+          <a:lstStyle/>
+          <a:p>
+            <a:endParaRPr kumimoji="1" lang="ja-JP" altLang="en-US"/>
+          </a:p>
+        </p:txBody>
+      </p:sp>
+      <p:sp>
+        <p:nvSpPr>
+          <p:cNvPr id="4" name="スライド番号プレースホルダー 3"/>
+          <p:cNvSpPr>
+            <a:spLocks noGrp="1"/>
+          </p:cNvSpPr>
+          <p:nvPr>
+            <p:ph type="sldNum" sz="quarter" idx="10"/>
+          </p:nvPr>
+        </p:nvSpPr>
+        <p:spPr/>
+        <p:txBody>
+          <a:bodyPr/>
+          <a:lstStyle/>
+          <a:p>
+            <a:fld id="{1D76769E-C829-4283-B80E-CB90D995C291}" type="slidenum">
+              <a:rPr lang="en-US" altLang="ja-JP" smtClean="0"/>
+              <a:pPr/>
+              <a:t>21</a:t>
+            </a:fld>
+            <a:endParaRPr kumimoji="1" lang="ja-JP" altLang="en-US"/>
+          </a:p>
+        </p:txBody>
+      </p:sp>
+    </p:spTree>
+    <p:extLst>
+      <p:ext uri="{BB962C8B-B14F-4D97-AF65-F5344CB8AC3E}">
+        <p14:creationId xmlns:p14="http://schemas.microsoft.com/office/powerpoint/2010/main" val="2674217520"/>
+      </p:ext>
+    </p:extLst>
+  </p:cSld>
+  <p:clrMapOvr>
+    <a:masterClrMapping/>
+  </p:clrMapOvr>
+</p:notes>
+</file>
+
+<file path=ppt/notesSlides/notesSlide22.xml><?xml version="1.0" encoding="utf-8"?>
+<p:notes xmlns:a="http://schemas.openxmlformats.org/drawingml/2006/main" xmlns:r="http://schemas.openxmlformats.org/officeDocument/2006/relationships" xmlns:p="http://schemas.openxmlformats.org/presentationml/2006/main">
+  <p:cSld>
+    <p:spTree>
+      <p:nvGrpSpPr>
+        <p:cNvPr id="1" name=""/>
+        <p:cNvGrpSpPr/>
+        <p:nvPr/>
+      </p:nvGrpSpPr>
+      <p:grpSpPr>
+        <a:xfrm>
+          <a:off x="0" y="0"/>
+          <a:ext cx="0" cy="0"/>
+          <a:chOff x="0" y="0"/>
+          <a:chExt cx="0" cy="0"/>
+        </a:xfrm>
+      </p:grpSpPr>
+      <p:sp>
+        <p:nvSpPr>
+          <p:cNvPr id="2" name="スライド イメージ プレースホルダー 1"/>
+          <p:cNvSpPr>
+            <a:spLocks noGrp="1" noRot="1" noChangeAspect="1"/>
+          </p:cNvSpPr>
+          <p:nvPr>
+            <p:ph type="sldImg"/>
+          </p:nvPr>
+        </p:nvSpPr>
+        <p:spPr/>
+      </p:sp>
+      <p:sp>
+        <p:nvSpPr>
+          <p:cNvPr id="3" name="ノート プレースホルダー 2"/>
+          <p:cNvSpPr>
+            <a:spLocks noGrp="1"/>
+          </p:cNvSpPr>
+          <p:nvPr>
+            <p:ph type="body" idx="1"/>
+          </p:nvPr>
+        </p:nvSpPr>
+        <p:spPr/>
+        <p:txBody>
+          <a:bodyPr/>
+          <a:lstStyle/>
+          <a:p>
+            <a:endParaRPr kumimoji="1" lang="ja-JP" altLang="en-US"/>
+          </a:p>
+        </p:txBody>
+      </p:sp>
+      <p:sp>
+        <p:nvSpPr>
+          <p:cNvPr id="4" name="スライド番号プレースホルダー 3"/>
+          <p:cNvSpPr>
+            <a:spLocks noGrp="1"/>
+          </p:cNvSpPr>
+          <p:nvPr>
+            <p:ph type="sldNum" sz="quarter" idx="10"/>
+          </p:nvPr>
+        </p:nvSpPr>
+        <p:spPr/>
+        <p:txBody>
+          <a:bodyPr/>
+          <a:lstStyle/>
+          <a:p>
+            <a:fld id="{1D76769E-C829-4283-B80E-CB90D995C291}" type="slidenum">
+              <a:rPr lang="en-US" altLang="ja-JP" smtClean="0"/>
+              <a:pPr/>
+              <a:t>22</a:t>
+            </a:fld>
+            <a:endParaRPr kumimoji="1" lang="ja-JP" altLang="en-US"/>
+          </a:p>
+        </p:txBody>
+      </p:sp>
+    </p:spTree>
+    <p:extLst>
+      <p:ext uri="{BB962C8B-B14F-4D97-AF65-F5344CB8AC3E}">
+        <p14:creationId xmlns:p14="http://schemas.microsoft.com/office/powerpoint/2010/main" val="2075750430"/>
+      </p:ext>
+    </p:extLst>
+  </p:cSld>
+  <p:clrMapOvr>
+    <a:masterClrMapping/>
+  </p:clrMapOvr>
+</p:notes>
+</file>
+
+<file path=ppt/notesSlides/notesSlide23.xml><?xml version="1.0" encoding="utf-8"?>
+<p:notes xmlns:a="http://schemas.openxmlformats.org/drawingml/2006/main" xmlns:r="http://schemas.openxmlformats.org/officeDocument/2006/relationships" xmlns:p="http://schemas.openxmlformats.org/presentationml/2006/main">
+  <p:cSld>
+    <p:spTree>
+      <p:nvGrpSpPr>
+        <p:cNvPr id="1" name=""/>
+        <p:cNvGrpSpPr/>
+        <p:nvPr/>
+      </p:nvGrpSpPr>
+      <p:grpSpPr>
+        <a:xfrm>
+          <a:off x="0" y="0"/>
+          <a:ext cx="0" cy="0"/>
+          <a:chOff x="0" y="0"/>
+          <a:chExt cx="0" cy="0"/>
+        </a:xfrm>
+      </p:grpSpPr>
+      <p:sp>
+        <p:nvSpPr>
+          <p:cNvPr id="2" name="スライド イメージ プレースホルダー 1"/>
+          <p:cNvSpPr>
+            <a:spLocks noGrp="1" noRot="1" noChangeAspect="1"/>
+          </p:cNvSpPr>
+          <p:nvPr>
+            <p:ph type="sldImg"/>
+          </p:nvPr>
+        </p:nvSpPr>
+        <p:spPr/>
+      </p:sp>
+      <p:sp>
+        <p:nvSpPr>
+          <p:cNvPr id="3" name="ノート プレースホルダー 2"/>
+          <p:cNvSpPr>
+            <a:spLocks noGrp="1"/>
+          </p:cNvSpPr>
+          <p:nvPr>
+            <p:ph type="body" idx="1"/>
+          </p:nvPr>
+        </p:nvSpPr>
+        <p:spPr/>
+        <p:txBody>
+          <a:bodyPr/>
+          <a:lstStyle/>
+          <a:p>
+            <a:endParaRPr kumimoji="1" lang="ja-JP" altLang="en-US"/>
+          </a:p>
+        </p:txBody>
+      </p:sp>
+      <p:sp>
+        <p:nvSpPr>
+          <p:cNvPr id="4" name="スライド番号プレースホルダー 3"/>
+          <p:cNvSpPr>
+            <a:spLocks noGrp="1"/>
+          </p:cNvSpPr>
+          <p:nvPr>
+            <p:ph type="sldNum" sz="quarter" idx="10"/>
+          </p:nvPr>
+        </p:nvSpPr>
+        <p:spPr/>
+        <p:txBody>
+          <a:bodyPr/>
+          <a:lstStyle/>
+          <a:p>
+            <a:fld id="{1D76769E-C829-4283-B80E-CB90D995C291}" type="slidenum">
+              <a:rPr lang="en-US" altLang="ja-JP" smtClean="0"/>
+              <a:pPr/>
+              <a:t>23</a:t>
+            </a:fld>
+            <a:endParaRPr kumimoji="1" lang="ja-JP" altLang="en-US"/>
+          </a:p>
+        </p:txBody>
+      </p:sp>
+    </p:spTree>
+    <p:extLst>
+      <p:ext uri="{BB962C8B-B14F-4D97-AF65-F5344CB8AC3E}">
+        <p14:creationId xmlns:p14="http://schemas.microsoft.com/office/powerpoint/2010/main" val="2003521444"/>
+      </p:ext>
+    </p:extLst>
+  </p:cSld>
+  <p:clrMapOvr>
+    <a:masterClrMapping/>
+  </p:clrMapOvr>
+</p:notes>
+</file>
+
+<file path=ppt/notesSlides/notesSlide3.xml><?xml version="1.0" encoding="utf-8"?>
+<p:notes xmlns:a="http://schemas.openxmlformats.org/drawingml/2006/main" xmlns:r="http://schemas.openxmlformats.org/officeDocument/2006/relationships" xmlns:p="http://schemas.openxmlformats.org/presentationml/2006/main">
+  <p:cSld>
+    <p:spTree>
+      <p:nvGrpSpPr>
+        <p:cNvPr id="1" name=""/>
+        <p:cNvGrpSpPr/>
+        <p:nvPr/>
+      </p:nvGrpSpPr>
+      <p:grpSpPr>
+        <a:xfrm>
+          <a:off x="0" y="0"/>
+          <a:ext cx="0" cy="0"/>
+          <a:chOff x="0" y="0"/>
+          <a:chExt cx="0" cy="0"/>
+        </a:xfrm>
+      </p:grpSpPr>
+      <p:sp>
+        <p:nvSpPr>
+          <p:cNvPr id="2" name="スライド イメージ プレースホルダー 1"/>
+          <p:cNvSpPr>
+            <a:spLocks noGrp="1" noRot="1" noChangeAspect="1"/>
+          </p:cNvSpPr>
+          <p:nvPr>
+            <p:ph type="sldImg"/>
+          </p:nvPr>
+        </p:nvSpPr>
+        <p:spPr/>
+      </p:sp>
+      <p:sp>
+        <p:nvSpPr>
+          <p:cNvPr id="3" name="ノート プレースホルダー 2"/>
+          <p:cNvSpPr>
+            <a:spLocks noGrp="1"/>
+          </p:cNvSpPr>
+          <p:nvPr>
+            <p:ph type="body" idx="1"/>
+          </p:nvPr>
+        </p:nvSpPr>
+        <p:spPr/>
+        <p:txBody>
+          <a:bodyPr/>
+          <a:lstStyle/>
+          <a:p>
+            <a:r>
+              <a:rPr lang="ja-JP" altLang="en-US" dirty="0" smtClean="0"/>
+              <a:t>卒業</a:t>
+            </a:r>
+            <a:r>
+              <a:rPr lang="ja-JP" altLang="en-US" dirty="0"/>
+              <a:t>研究</a:t>
+            </a:r>
+            <a:r>
+              <a:rPr lang="ja-JP" altLang="en-US" dirty="0" smtClean="0"/>
+              <a:t>では，物体を移動させる動作から，その動作による移動物体の目標位置を周りの環境から推定する手法についてあつかいました．</a:t>
+            </a:r>
+            <a:endParaRPr lang="en-US" altLang="ja-JP" dirty="0" smtClean="0"/>
+          </a:p>
+          <a:p>
+            <a:endParaRPr kumimoji="1" lang="en-US" altLang="ja-JP" dirty="0"/>
+          </a:p>
+          <a:p>
+            <a:r>
+              <a:rPr lang="ja-JP" altLang="en-US" dirty="0" smtClean="0"/>
+              <a:t>例えば～</a:t>
+            </a:r>
+            <a:endParaRPr kumimoji="1" lang="ja-JP" altLang="en-US" dirty="0"/>
+          </a:p>
+        </p:txBody>
+      </p:sp>
+      <p:sp>
+        <p:nvSpPr>
+          <p:cNvPr id="4" name="スライド番号プレースホルダー 3"/>
+          <p:cNvSpPr>
+            <a:spLocks noGrp="1"/>
+          </p:cNvSpPr>
+          <p:nvPr>
+            <p:ph type="sldNum" sz="quarter" idx="10"/>
+          </p:nvPr>
+        </p:nvSpPr>
+        <p:spPr/>
+        <p:txBody>
+          <a:bodyPr/>
+          <a:lstStyle/>
+          <a:p>
+            <a:fld id="{1D76769E-C829-4283-B80E-CB90D995C291}" type="slidenum">
+              <a:rPr lang="en-US" altLang="ja-JP" smtClean="0"/>
+              <a:pPr/>
+              <a:t>3</a:t>
+            </a:fld>
+            <a:endParaRPr kumimoji="1" lang="ja-JP" altLang="en-US"/>
+          </a:p>
+        </p:txBody>
+      </p:sp>
+    </p:spTree>
+    <p:extLst>
+      <p:ext uri="{BB962C8B-B14F-4D97-AF65-F5344CB8AC3E}">
+        <p14:creationId xmlns:p14="http://schemas.microsoft.com/office/powerpoint/2010/main" val="1078556482"/>
+      </p:ext>
+    </p:extLst>
+  </p:cSld>
+  <p:clrMapOvr>
+    <a:masterClrMapping/>
+  </p:clrMapOvr>
+</p:notes>
+</file>
+
+<file path=ppt/notesSlides/notesSlide4.xml><?xml version="1.0" encoding="utf-8"?>
+<p:notes xmlns:a="http://schemas.openxmlformats.org/drawingml/2006/main" xmlns:r="http://schemas.openxmlformats.org/officeDocument/2006/relationships" xmlns:p="http://schemas.openxmlformats.org/presentationml/2006/main">
+  <p:cSld>
+    <p:spTree>
+      <p:nvGrpSpPr>
+        <p:cNvPr id="1" name=""/>
+        <p:cNvGrpSpPr/>
+        <p:nvPr/>
+      </p:nvGrpSpPr>
+      <p:grpSpPr>
+        <a:xfrm>
+          <a:off x="0" y="0"/>
+          <a:ext cx="0" cy="0"/>
+          <a:chOff x="0" y="0"/>
+          <a:chExt cx="0" cy="0"/>
+        </a:xfrm>
+      </p:grpSpPr>
+      <p:sp>
+        <p:nvSpPr>
+          <p:cNvPr id="2" name="スライド イメージ プレースホルダー 1"/>
+          <p:cNvSpPr>
+            <a:spLocks noGrp="1" noRot="1" noChangeAspect="1"/>
+          </p:cNvSpPr>
+          <p:nvPr>
+            <p:ph type="sldImg"/>
+          </p:nvPr>
+        </p:nvSpPr>
+        <p:spPr/>
+      </p:sp>
+      <p:sp>
+        <p:nvSpPr>
+          <p:cNvPr id="3" name="ノート プレースホルダー 2"/>
+          <p:cNvSpPr>
+            <a:spLocks noGrp="1"/>
+          </p:cNvSpPr>
+          <p:nvPr>
+            <p:ph type="body" idx="1"/>
+          </p:nvPr>
+        </p:nvSpPr>
+        <p:spPr/>
+        <p:txBody>
+          <a:bodyPr/>
+          <a:lstStyle/>
+          <a:p>
+            <a:r>
+              <a:rPr lang="ja-JP" altLang="en-US" dirty="0" smtClean="0"/>
+              <a:t>その</a:t>
+            </a:r>
+            <a:r>
+              <a:rPr lang="ja-JP" altLang="en-US" dirty="0"/>
+              <a:t>問題</a:t>
+            </a:r>
+            <a:r>
+              <a:rPr lang="ja-JP" altLang="en-US" dirty="0" smtClean="0"/>
+              <a:t>を</a:t>
+            </a:r>
+            <a:r>
+              <a:rPr lang="ja-JP" altLang="en-US" dirty="0"/>
+              <a:t>解決</a:t>
+            </a:r>
+            <a:r>
+              <a:rPr lang="ja-JP" altLang="en-US" dirty="0" smtClean="0"/>
+              <a:t>するために～</a:t>
+            </a:r>
+            <a:endParaRPr lang="en-US" altLang="ja-JP" dirty="0" smtClean="0"/>
+          </a:p>
+          <a:p>
+            <a:endParaRPr kumimoji="1" lang="en-US" altLang="ja-JP" dirty="0"/>
+          </a:p>
+          <a:p>
+            <a:r>
+              <a:rPr lang="ja-JP" altLang="en-US" dirty="0" smtClean="0"/>
+              <a:t>卒業研究では～ガウス～</a:t>
+            </a:r>
+            <a:endParaRPr kumimoji="1" lang="ja-JP" altLang="en-US" dirty="0"/>
+          </a:p>
+        </p:txBody>
+      </p:sp>
+      <p:sp>
+        <p:nvSpPr>
+          <p:cNvPr id="4" name="スライド番号プレースホルダー 3"/>
+          <p:cNvSpPr>
+            <a:spLocks noGrp="1"/>
+          </p:cNvSpPr>
+          <p:nvPr>
+            <p:ph type="sldNum" sz="quarter" idx="10"/>
+          </p:nvPr>
+        </p:nvSpPr>
+        <p:spPr/>
+        <p:txBody>
+          <a:bodyPr/>
+          <a:lstStyle/>
+          <a:p>
+            <a:fld id="{1D76769E-C829-4283-B80E-CB90D995C291}" type="slidenum">
+              <a:rPr lang="en-US" altLang="ja-JP" smtClean="0"/>
+              <a:pPr/>
+              <a:t>4</a:t>
+            </a:fld>
+            <a:endParaRPr kumimoji="1" lang="ja-JP" altLang="en-US"/>
+          </a:p>
+        </p:txBody>
+      </p:sp>
+    </p:spTree>
+    <p:extLst>
+      <p:ext uri="{BB962C8B-B14F-4D97-AF65-F5344CB8AC3E}">
+        <p14:creationId xmlns:p14="http://schemas.microsoft.com/office/powerpoint/2010/main" val="2121697368"/>
+      </p:ext>
+    </p:extLst>
+  </p:cSld>
+  <p:clrMapOvr>
+    <a:masterClrMapping/>
+  </p:clrMapOvr>
+</p:notes>
+</file>
+
+<file path=ppt/notesSlides/notesSlide5.xml><?xml version="1.0" encoding="utf-8"?>
+<p:notes xmlns:a="http://schemas.openxmlformats.org/drawingml/2006/main" xmlns:r="http://schemas.openxmlformats.org/officeDocument/2006/relationships" xmlns:p="http://schemas.openxmlformats.org/presentationml/2006/main">
+  <p:cSld>
+    <p:spTree>
+      <p:nvGrpSpPr>
+        <p:cNvPr id="1" name=""/>
+        <p:cNvGrpSpPr/>
+        <p:nvPr/>
+      </p:nvGrpSpPr>
+      <p:grpSpPr>
+        <a:xfrm>
+          <a:off x="0" y="0"/>
+          <a:ext cx="0" cy="0"/>
+          <a:chOff x="0" y="0"/>
+          <a:chExt cx="0" cy="0"/>
+        </a:xfrm>
+      </p:grpSpPr>
+      <p:sp>
+        <p:nvSpPr>
+          <p:cNvPr id="2" name="スライド イメージ プレースホルダー 1"/>
+          <p:cNvSpPr>
+            <a:spLocks noGrp="1" noRot="1" noChangeAspect="1"/>
+          </p:cNvSpPr>
+          <p:nvPr>
+            <p:ph type="sldImg"/>
+          </p:nvPr>
+        </p:nvSpPr>
+        <p:spPr/>
+      </p:sp>
+      <p:sp>
+        <p:nvSpPr>
+          <p:cNvPr id="3" name="ノート プレースホルダー 2"/>
+          <p:cNvSpPr>
+            <a:spLocks noGrp="1"/>
+          </p:cNvSpPr>
+          <p:nvPr>
+            <p:ph type="body" idx="1"/>
+          </p:nvPr>
+        </p:nvSpPr>
+        <p:spPr/>
+        <p:txBody>
+          <a:bodyPr/>
+          <a:lstStyle/>
+          <a:p>
+            <a:endParaRPr kumimoji="1" lang="ja-JP" altLang="en-US" dirty="0"/>
+          </a:p>
+        </p:txBody>
+      </p:sp>
+      <p:sp>
+        <p:nvSpPr>
+          <p:cNvPr id="4" name="スライド番号プレースホルダー 3"/>
+          <p:cNvSpPr>
+            <a:spLocks noGrp="1"/>
+          </p:cNvSpPr>
+          <p:nvPr>
+            <p:ph type="sldNum" sz="quarter" idx="10"/>
+          </p:nvPr>
+        </p:nvSpPr>
+        <p:spPr/>
+        <p:txBody>
+          <a:bodyPr/>
+          <a:lstStyle/>
+          <a:p>
+            <a:fld id="{1D76769E-C829-4283-B80E-CB90D995C291}" type="slidenum">
+              <a:rPr lang="en-US" altLang="ja-JP" smtClean="0"/>
+              <a:pPr/>
+              <a:t>5</a:t>
+            </a:fld>
+            <a:endParaRPr kumimoji="1" lang="ja-JP" altLang="en-US"/>
+          </a:p>
+        </p:txBody>
+      </p:sp>
+    </p:spTree>
+    <p:extLst>
+      <p:ext uri="{BB962C8B-B14F-4D97-AF65-F5344CB8AC3E}">
+        <p14:creationId xmlns:p14="http://schemas.microsoft.com/office/powerpoint/2010/main" val="3255492064"/>
+      </p:ext>
+    </p:extLst>
+  </p:cSld>
+  <p:clrMapOvr>
+    <a:masterClrMapping/>
+  </p:clrMapOvr>
+</p:notes>
+</file>
+
+<file path=ppt/notesSlides/notesSlide6.xml><?xml version="1.0" encoding="utf-8"?>
+<p:notes xmlns:a="http://schemas.openxmlformats.org/drawingml/2006/main" xmlns:r="http://schemas.openxmlformats.org/officeDocument/2006/relationships" xmlns:p="http://schemas.openxmlformats.org/presentationml/2006/main">
+  <p:cSld>
+    <p:spTree>
+      <p:nvGrpSpPr>
+        <p:cNvPr id="1" name=""/>
+        <p:cNvGrpSpPr/>
+        <p:nvPr/>
+      </p:nvGrpSpPr>
+      <p:grpSpPr>
+        <a:xfrm>
+          <a:off x="0" y="0"/>
+          <a:ext cx="0" cy="0"/>
+          <a:chOff x="0" y="0"/>
+          <a:chExt cx="0" cy="0"/>
+        </a:xfrm>
+      </p:grpSpPr>
+      <p:sp>
+        <p:nvSpPr>
+          <p:cNvPr id="2" name="スライド イメージ プレースホルダー 1"/>
+          <p:cNvSpPr>
+            <a:spLocks noGrp="1" noRot="1" noChangeAspect="1"/>
+          </p:cNvSpPr>
+          <p:nvPr>
+            <p:ph type="sldImg"/>
+          </p:nvPr>
+        </p:nvSpPr>
+        <p:spPr/>
+      </p:sp>
+      <p:sp>
+        <p:nvSpPr>
+          <p:cNvPr id="3" name="ノート プレースホルダー 2"/>
+          <p:cNvSpPr>
+            <a:spLocks noGrp="1"/>
+          </p:cNvSpPr>
+          <p:nvPr>
+            <p:ph type="body" idx="1"/>
+          </p:nvPr>
+        </p:nvSpPr>
+        <p:spPr/>
+        <p:txBody>
+          <a:bodyPr/>
+          <a:lstStyle/>
+          <a:p>
+            <a:r>
+              <a:rPr kumimoji="1" lang="ja-JP" altLang="en-US" dirty="0" smtClean="0"/>
+              <a:t>卒業研究の課題として，動作を最初と最後の環境の変化と仮定している点が挙げられます．</a:t>
+            </a:r>
+            <a:endParaRPr kumimoji="1" lang="en-US" altLang="ja-JP" dirty="0" smtClean="0"/>
+          </a:p>
+          <a:p>
+            <a:r>
+              <a:rPr kumimoji="1" lang="ja-JP" altLang="en-US" dirty="0" smtClean="0"/>
+              <a:t>実際の多様な動作を学習するには，これでは十分ではないと考えられます．</a:t>
+            </a:r>
+            <a:endParaRPr kumimoji="1" lang="en-US" altLang="ja-JP" dirty="0" smtClean="0"/>
+          </a:p>
+          <a:p>
+            <a:r>
+              <a:rPr lang="ja-JP" altLang="en-US" dirty="0" smtClean="0"/>
+              <a:t>例えば～</a:t>
+            </a:r>
+            <a:endParaRPr lang="en-US" altLang="ja-JP" dirty="0" smtClean="0"/>
+          </a:p>
+          <a:p>
+            <a:endParaRPr kumimoji="1" lang="en-US" altLang="ja-JP" dirty="0"/>
+          </a:p>
+          <a:p>
+            <a:endParaRPr kumimoji="1" lang="ja-JP" altLang="en-US" dirty="0"/>
+          </a:p>
+        </p:txBody>
+      </p:sp>
+      <p:sp>
+        <p:nvSpPr>
+          <p:cNvPr id="4" name="スライド番号プレースホルダー 3"/>
+          <p:cNvSpPr>
+            <a:spLocks noGrp="1"/>
+          </p:cNvSpPr>
+          <p:nvPr>
+            <p:ph type="sldNum" sz="quarter" idx="10"/>
+          </p:nvPr>
+        </p:nvSpPr>
+        <p:spPr/>
+        <p:txBody>
+          <a:bodyPr/>
+          <a:lstStyle/>
+          <a:p>
+            <a:fld id="{1D76769E-C829-4283-B80E-CB90D995C291}" type="slidenum">
+              <a:rPr lang="en-US" altLang="ja-JP" smtClean="0"/>
+              <a:pPr/>
+              <a:t>6</a:t>
+            </a:fld>
+            <a:endParaRPr kumimoji="1" lang="ja-JP" altLang="en-US"/>
+          </a:p>
+        </p:txBody>
+      </p:sp>
+    </p:spTree>
+    <p:extLst>
+      <p:ext uri="{BB962C8B-B14F-4D97-AF65-F5344CB8AC3E}">
+        <p14:creationId xmlns:p14="http://schemas.microsoft.com/office/powerpoint/2010/main" val="885913772"/>
+      </p:ext>
+    </p:extLst>
+  </p:cSld>
+  <p:clrMapOvr>
+    <a:masterClrMapping/>
+  </p:clrMapOvr>
+</p:notes>
+</file>
+
+<file path=ppt/notesSlides/notesSlide7.xml><?xml version="1.0" encoding="utf-8"?>
+<p:notes xmlns:a="http://schemas.openxmlformats.org/drawingml/2006/main" xmlns:r="http://schemas.openxmlformats.org/officeDocument/2006/relationships" xmlns:p="http://schemas.openxmlformats.org/presentationml/2006/main">
+  <p:cSld>
+    <p:spTree>
+      <p:nvGrpSpPr>
+        <p:cNvPr id="1" name=""/>
+        <p:cNvGrpSpPr/>
+        <p:nvPr/>
+      </p:nvGrpSpPr>
+      <p:grpSpPr>
+        <a:xfrm>
+          <a:off x="0" y="0"/>
+          <a:ext cx="0" cy="0"/>
+          <a:chOff x="0" y="0"/>
+          <a:chExt cx="0" cy="0"/>
+        </a:xfrm>
+      </p:grpSpPr>
+      <p:sp>
+        <p:nvSpPr>
+          <p:cNvPr id="2" name="スライド イメージ プレースホルダー 1"/>
+          <p:cNvSpPr>
+            <a:spLocks noGrp="1" noRot="1" noChangeAspect="1"/>
+          </p:cNvSpPr>
+          <p:nvPr>
+            <p:ph type="sldImg"/>
+          </p:nvPr>
+        </p:nvSpPr>
+        <p:spPr/>
+      </p:sp>
+      <p:sp>
+        <p:nvSpPr>
+          <p:cNvPr id="3" name="ノート プレースホルダー 2"/>
+          <p:cNvSpPr>
+            <a:spLocks noGrp="1"/>
+          </p:cNvSpPr>
+          <p:nvPr>
+            <p:ph type="body" idx="1"/>
+          </p:nvPr>
+        </p:nvSpPr>
+        <p:spPr/>
+        <p:txBody>
+          <a:bodyPr/>
+          <a:lstStyle/>
+          <a:p>
+            <a:r>
+              <a:rPr kumimoji="1" lang="ja-JP" altLang="en-US" dirty="0" smtClean="0"/>
+              <a:t>これを解決するためには，教示動作の中から重要な「途中状態」を抽出し，これを用いて状態変化のシーケンスとして動作を学習する方法が考えられます．</a:t>
+            </a:r>
+            <a:endParaRPr kumimoji="1" lang="en-US" altLang="ja-JP" dirty="0" smtClean="0"/>
+          </a:p>
+          <a:p>
+            <a:endParaRPr lang="en-US" altLang="ja-JP" dirty="0"/>
+          </a:p>
+          <a:p>
+            <a:r>
+              <a:rPr kumimoji="1" lang="ja-JP" altLang="en-US" dirty="0" smtClean="0"/>
+              <a:t>しかし，そのためには～</a:t>
+            </a:r>
+            <a:endParaRPr kumimoji="1" lang="ja-JP" altLang="en-US" dirty="0"/>
+          </a:p>
+        </p:txBody>
+      </p:sp>
+      <p:sp>
+        <p:nvSpPr>
+          <p:cNvPr id="4" name="スライド番号プレースホルダー 3"/>
+          <p:cNvSpPr>
+            <a:spLocks noGrp="1"/>
+          </p:cNvSpPr>
+          <p:nvPr>
+            <p:ph type="sldNum" sz="quarter" idx="10"/>
+          </p:nvPr>
+        </p:nvSpPr>
+        <p:spPr/>
+        <p:txBody>
+          <a:bodyPr/>
+          <a:lstStyle/>
+          <a:p>
+            <a:fld id="{1D76769E-C829-4283-B80E-CB90D995C291}" type="slidenum">
+              <a:rPr lang="en-US" altLang="ja-JP" smtClean="0"/>
+              <a:pPr/>
+              <a:t>7</a:t>
+            </a:fld>
+            <a:endParaRPr kumimoji="1" lang="ja-JP" altLang="en-US"/>
+          </a:p>
+        </p:txBody>
+      </p:sp>
+    </p:spTree>
+    <p:extLst>
+      <p:ext uri="{BB962C8B-B14F-4D97-AF65-F5344CB8AC3E}">
+        <p14:creationId xmlns:p14="http://schemas.microsoft.com/office/powerpoint/2010/main" val="882980968"/>
+      </p:ext>
+    </p:extLst>
+  </p:cSld>
+  <p:clrMapOvr>
+    <a:masterClrMapping/>
+  </p:clrMapOvr>
+</p:notes>
+</file>
+
+<file path=ppt/notesSlides/notesSlide8.xml><?xml version="1.0" encoding="utf-8"?>
+<p:notes xmlns:a="http://schemas.openxmlformats.org/drawingml/2006/main" xmlns:r="http://schemas.openxmlformats.org/officeDocument/2006/relationships" xmlns:p="http://schemas.openxmlformats.org/presentationml/2006/main">
+  <p:cSld>
+    <p:spTree>
+      <p:nvGrpSpPr>
+        <p:cNvPr id="1" name=""/>
+        <p:cNvGrpSpPr/>
+        <p:nvPr/>
+      </p:nvGrpSpPr>
+      <p:grpSpPr>
+        <a:xfrm>
+          <a:off x="0" y="0"/>
+          <a:ext cx="0" cy="0"/>
+          <a:chOff x="0" y="0"/>
+          <a:chExt cx="0" cy="0"/>
+        </a:xfrm>
+      </p:grpSpPr>
+      <p:sp>
+        <p:nvSpPr>
+          <p:cNvPr id="2" name="スライド イメージ プレースホルダー 1"/>
+          <p:cNvSpPr>
+            <a:spLocks noGrp="1" noRot="1" noChangeAspect="1"/>
+          </p:cNvSpPr>
+          <p:nvPr>
+            <p:ph type="sldImg"/>
+          </p:nvPr>
+        </p:nvSpPr>
+        <p:spPr/>
+      </p:sp>
+      <p:sp>
+        <p:nvSpPr>
+          <p:cNvPr id="3" name="ノート プレースホルダー 2"/>
+          <p:cNvSpPr>
+            <a:spLocks noGrp="1"/>
+          </p:cNvSpPr>
+          <p:nvPr>
+            <p:ph type="body" idx="1"/>
+          </p:nvPr>
+        </p:nvSpPr>
+        <p:spPr/>
+        <p:txBody>
+          <a:bodyPr/>
+          <a:lstStyle/>
+          <a:p>
+            <a:r>
+              <a:rPr lang="ja-JP" altLang="en-US" dirty="0"/>
+              <a:t>経由</a:t>
+            </a:r>
+            <a:r>
+              <a:rPr lang="ja-JP" altLang="en-US" dirty="0" smtClean="0"/>
+              <a:t>するべき重要な途中状態とは動作の意味的な境界であると考えられるため，途中状態を抽出するために動作情報を符号化してプリミティブ列に変換することが有効であると考えられます．</a:t>
+            </a:r>
+            <a:endParaRPr lang="en-US" altLang="ja-JP" dirty="0" smtClean="0"/>
+          </a:p>
+          <a:p>
+            <a:endParaRPr kumimoji="1" lang="en-US" altLang="ja-JP" dirty="0"/>
+          </a:p>
+          <a:p>
+            <a:r>
+              <a:rPr lang="ja-JP" altLang="en-US" dirty="0" smtClean="0"/>
+              <a:t>連続的な動作を符号化する手法として，隠れマルコフモデルが存在しますが，隠れマルコフモデルを動作情報の符号化に適用する場合，いくつか困難があります．</a:t>
+            </a:r>
+            <a:endParaRPr lang="en-US" altLang="ja-JP" dirty="0" smtClean="0"/>
+          </a:p>
+          <a:p>
+            <a:endParaRPr kumimoji="1" lang="en-US" altLang="ja-JP"/>
+          </a:p>
+          <a:p>
+            <a:endParaRPr kumimoji="1" lang="ja-JP" altLang="en-US" dirty="0"/>
+          </a:p>
+        </p:txBody>
+      </p:sp>
+      <p:sp>
+        <p:nvSpPr>
+          <p:cNvPr id="4" name="スライド番号プレースホルダー 3"/>
+          <p:cNvSpPr>
+            <a:spLocks noGrp="1"/>
+          </p:cNvSpPr>
+          <p:nvPr>
+            <p:ph type="sldNum" sz="quarter" idx="10"/>
+          </p:nvPr>
+        </p:nvSpPr>
+        <p:spPr/>
+        <p:txBody>
+          <a:bodyPr/>
+          <a:lstStyle/>
+          <a:p>
+            <a:fld id="{1D76769E-C829-4283-B80E-CB90D995C291}" type="slidenum">
+              <a:rPr lang="en-US" altLang="ja-JP" smtClean="0"/>
+              <a:pPr/>
+              <a:t>8</a:t>
+            </a:fld>
+            <a:endParaRPr kumimoji="1" lang="ja-JP" altLang="en-US"/>
+          </a:p>
+        </p:txBody>
+      </p:sp>
+    </p:spTree>
+    <p:extLst>
+      <p:ext uri="{BB962C8B-B14F-4D97-AF65-F5344CB8AC3E}">
+        <p14:creationId xmlns:p14="http://schemas.microsoft.com/office/powerpoint/2010/main" val="3289779345"/>
+      </p:ext>
+    </p:extLst>
+  </p:cSld>
+  <p:clrMapOvr>
+    <a:masterClrMapping/>
+  </p:clrMapOvr>
+</p:notes>
+</file>
+
+<file path=ppt/notesSlides/notesSlide9.xml><?xml version="1.0" encoding="utf-8"?>
+<p:notes xmlns:a="http://schemas.openxmlformats.org/drawingml/2006/main" xmlns:r="http://schemas.openxmlformats.org/officeDocument/2006/relationships" xmlns:p="http://schemas.openxmlformats.org/presentationml/2006/main">
+  <p:cSld>
+    <p:spTree>
+      <p:nvGrpSpPr>
+        <p:cNvPr id="1" name=""/>
+        <p:cNvGrpSpPr/>
+        <p:nvPr/>
+      </p:nvGrpSpPr>
+      <p:grpSpPr>
+        <a:xfrm>
+          <a:off x="0" y="0"/>
+          <a:ext cx="0" cy="0"/>
+          <a:chOff x="0" y="0"/>
+          <a:chExt cx="0" cy="0"/>
+        </a:xfrm>
+      </p:grpSpPr>
+      <p:sp>
+        <p:nvSpPr>
+          <p:cNvPr id="2" name="スライド イメージ プレースホルダー 1"/>
+          <p:cNvSpPr>
+            <a:spLocks noGrp="1" noRot="1" noChangeAspect="1"/>
+          </p:cNvSpPr>
+          <p:nvPr>
+            <p:ph type="sldImg"/>
+          </p:nvPr>
+        </p:nvSpPr>
+        <p:spPr/>
+      </p:sp>
+      <p:sp>
+        <p:nvSpPr>
+          <p:cNvPr id="3" name="ノート プレースホルダー 2"/>
+          <p:cNvSpPr>
+            <a:spLocks noGrp="1"/>
+          </p:cNvSpPr>
+          <p:nvPr>
+            <p:ph type="body" idx="1"/>
+          </p:nvPr>
+        </p:nvSpPr>
+        <p:spPr/>
+        <p:txBody>
+          <a:bodyPr/>
+          <a:lstStyle/>
+          <a:p>
+            <a:endParaRPr kumimoji="1" lang="ja-JP" altLang="en-US"/>
+          </a:p>
+        </p:txBody>
+      </p:sp>
+      <p:sp>
+        <p:nvSpPr>
+          <p:cNvPr id="4" name="スライド番号プレースホルダー 3"/>
+          <p:cNvSpPr>
+            <a:spLocks noGrp="1"/>
+          </p:cNvSpPr>
+          <p:nvPr>
+            <p:ph type="sldNum" sz="quarter" idx="10"/>
+          </p:nvPr>
+        </p:nvSpPr>
+        <p:spPr/>
+        <p:txBody>
+          <a:bodyPr/>
+          <a:lstStyle/>
+          <a:p>
+            <a:fld id="{1D76769E-C829-4283-B80E-CB90D995C291}" type="slidenum">
+              <a:rPr lang="en-US" altLang="ja-JP" smtClean="0"/>
+              <a:pPr/>
+              <a:t>9</a:t>
+            </a:fld>
+            <a:endParaRPr kumimoji="1" lang="ja-JP" altLang="en-US"/>
+          </a:p>
+        </p:txBody>
+      </p:sp>
+    </p:spTree>
+    <p:extLst>
+      <p:ext uri="{BB962C8B-B14F-4D97-AF65-F5344CB8AC3E}">
+        <p14:creationId xmlns:p14="http://schemas.microsoft.com/office/powerpoint/2010/main" val="2393149546"/>
+      </p:ext>
+    </p:extLst>
   </p:cSld>
   <p:clrMapOvr>
     <a:masterClrMapping/>
@@ -5515,7 +7534,7 @@
           <p:nvPr/>
         </p:nvPicPr>
         <p:blipFill>
-          <a:blip r:embed="rId2" cstate="print">
+          <a:blip r:embed="rId3" cstate="print">
             <a:extLst>
               <a:ext uri="{28A0092B-C50C-407E-A947-70E740481C1C}">
                 <a14:useLocalDpi xmlns:a14="http://schemas.microsoft.com/office/drawing/2010/main" val="0"/>
@@ -5547,7 +7566,7 @@
           </p:nvPr>
         </p:nvPicPr>
         <p:blipFill>
-          <a:blip r:embed="rId3">
+          <a:blip r:embed="rId4">
             <a:extLst>
               <a:ext uri="{28A0092B-C50C-407E-A947-70E740481C1C}">
                 <a14:useLocalDpi xmlns:a14="http://schemas.microsoft.com/office/drawing/2010/main" val="0"/>
@@ -5683,36 +7702,6 @@
       <p:pic>
         <p:nvPicPr>
           <p:cNvPr id="8" name="図 7"/>
-          <p:cNvPicPr>
-            <a:picLocks noChangeAspect="1"/>
-          </p:cNvPicPr>
-          <p:nvPr/>
-        </p:nvPicPr>
-        <p:blipFill>
-          <a:blip r:embed="rId4">
-            <a:extLst>
-              <a:ext uri="{28A0092B-C50C-407E-A947-70E740481C1C}">
-                <a14:useLocalDpi xmlns:a14="http://schemas.microsoft.com/office/drawing/2010/main" val="0"/>
-              </a:ext>
-            </a:extLst>
-          </a:blip>
-          <a:stretch>
-            <a:fillRect/>
-          </a:stretch>
-        </p:blipFill>
-        <p:spPr>
-          <a:xfrm>
-            <a:off x="96332" y="5456400"/>
-            <a:ext cx="3487200" cy="1356976"/>
-          </a:xfrm>
-          <a:prstGeom prst="rect">
-            <a:avLst/>
-          </a:prstGeom>
-        </p:spPr>
-      </p:pic>
-      <p:pic>
-        <p:nvPicPr>
-          <p:cNvPr id="9" name="図 8"/>
           <p:cNvPicPr>
             <a:picLocks noChangeAspect="1"/>
           </p:cNvPicPr>
@@ -5732,6 +7721,36 @@
         </p:blipFill>
         <p:spPr>
           <a:xfrm>
+            <a:off x="96332" y="5456400"/>
+            <a:ext cx="3487200" cy="1356976"/>
+          </a:xfrm>
+          <a:prstGeom prst="rect">
+            <a:avLst/>
+          </a:prstGeom>
+        </p:spPr>
+      </p:pic>
+      <p:pic>
+        <p:nvPicPr>
+          <p:cNvPr id="9" name="図 8"/>
+          <p:cNvPicPr>
+            <a:picLocks noChangeAspect="1"/>
+          </p:cNvPicPr>
+          <p:nvPr/>
+        </p:nvPicPr>
+        <p:blipFill>
+          <a:blip r:embed="rId6">
+            <a:extLst>
+              <a:ext uri="{28A0092B-C50C-407E-A947-70E740481C1C}">
+                <a14:useLocalDpi xmlns:a14="http://schemas.microsoft.com/office/drawing/2010/main" val="0"/>
+              </a:ext>
+            </a:extLst>
+          </a:blip>
+          <a:stretch>
+            <a:fillRect/>
+          </a:stretch>
+        </p:blipFill>
+        <p:spPr>
+          <a:xfrm>
             <a:off x="96332" y="3369461"/>
             <a:ext cx="3487200" cy="1012659"/>
           </a:xfrm>
@@ -5909,7 +7928,7 @@
           <p:nvPr/>
         </p:nvPicPr>
         <p:blipFill>
-          <a:blip r:embed="rId4">
+          <a:blip r:embed="rId5">
             <a:extLst>
               <a:ext uri="{28A0092B-C50C-407E-A947-70E740481C1C}">
                 <a14:useLocalDpi xmlns:a14="http://schemas.microsoft.com/office/drawing/2010/main" val="0"/>
@@ -6427,7 +8446,7 @@
           <p:nvPr/>
         </p:nvPicPr>
         <p:blipFill>
-          <a:blip r:embed="rId6" cstate="print">
+          <a:blip r:embed="rId7" cstate="print">
             <a:extLst>
               <a:ext uri="{28A0092B-C50C-407E-A947-70E740481C1C}">
                 <a14:useLocalDpi xmlns:a14="http://schemas.microsoft.com/office/drawing/2010/main" val="0"/>
@@ -6451,6 +8470,36 @@
       <p:pic>
         <p:nvPicPr>
           <p:cNvPr id="34" name="図 33"/>
+          <p:cNvPicPr>
+            <a:picLocks noChangeAspect="1"/>
+          </p:cNvPicPr>
+          <p:nvPr/>
+        </p:nvPicPr>
+        <p:blipFill>
+          <a:blip r:embed="rId8" cstate="print">
+            <a:extLst>
+              <a:ext uri="{28A0092B-C50C-407E-A947-70E740481C1C}">
+                <a14:useLocalDpi xmlns:a14="http://schemas.microsoft.com/office/drawing/2010/main" val="0"/>
+              </a:ext>
+            </a:extLst>
+          </a:blip>
+          <a:stretch>
+            <a:fillRect/>
+          </a:stretch>
+        </p:blipFill>
+        <p:spPr>
+          <a:xfrm>
+            <a:off x="4674090" y="3233835"/>
+            <a:ext cx="1554094" cy="1563317"/>
+          </a:xfrm>
+          <a:prstGeom prst="rect">
+            <a:avLst/>
+          </a:prstGeom>
+        </p:spPr>
+      </p:pic>
+      <p:pic>
+        <p:nvPicPr>
+          <p:cNvPr id="37" name="図 36"/>
           <p:cNvPicPr>
             <a:picLocks noChangeAspect="1"/>
           </p:cNvPicPr>
@@ -6470,8 +8519,8 @@
         </p:blipFill>
         <p:spPr>
           <a:xfrm>
-            <a:off x="4674090" y="3233835"/>
-            <a:ext cx="1554094" cy="1563317"/>
+            <a:off x="6516216" y="2939509"/>
+            <a:ext cx="1549858" cy="1528396"/>
           </a:xfrm>
           <a:prstGeom prst="rect">
             <a:avLst/>
@@ -6480,14 +8529,14 @@
       </p:pic>
       <p:pic>
         <p:nvPicPr>
-          <p:cNvPr id="37" name="図 36"/>
+          <p:cNvPr id="38" name="図 37"/>
           <p:cNvPicPr>
             <a:picLocks noChangeAspect="1"/>
           </p:cNvPicPr>
           <p:nvPr/>
         </p:nvPicPr>
         <p:blipFill>
-          <a:blip r:embed="rId6" cstate="print">
+          <a:blip r:embed="rId8" cstate="print">
             <a:extLst>
               <a:ext uri="{28A0092B-C50C-407E-A947-70E740481C1C}">
                 <a14:useLocalDpi xmlns:a14="http://schemas.microsoft.com/office/drawing/2010/main" val="0"/>
@@ -6500,36 +8549,6 @@
         </p:blipFill>
         <p:spPr>
           <a:xfrm>
-            <a:off x="6516216" y="2939509"/>
-            <a:ext cx="1549858" cy="1528396"/>
-          </a:xfrm>
-          <a:prstGeom prst="rect">
-            <a:avLst/>
-          </a:prstGeom>
-        </p:spPr>
-      </p:pic>
-      <p:pic>
-        <p:nvPicPr>
-          <p:cNvPr id="38" name="図 37"/>
-          <p:cNvPicPr>
-            <a:picLocks noChangeAspect="1"/>
-          </p:cNvPicPr>
-          <p:nvPr/>
-        </p:nvPicPr>
-        <p:blipFill>
-          <a:blip r:embed="rId7" cstate="print">
-            <a:extLst>
-              <a:ext uri="{28A0092B-C50C-407E-A947-70E740481C1C}">
-                <a14:useLocalDpi xmlns:a14="http://schemas.microsoft.com/office/drawing/2010/main" val="0"/>
-              </a:ext>
-            </a:extLst>
-          </a:blip>
-          <a:stretch>
-            <a:fillRect/>
-          </a:stretch>
-        </p:blipFill>
-        <p:spPr>
-          <a:xfrm>
             <a:off x="6939630" y="3089819"/>
             <a:ext cx="1554094" cy="1563317"/>
           </a:xfrm>
@@ -6547,7 +8566,7 @@
           <p:nvPr/>
         </p:nvPicPr>
         <p:blipFill>
-          <a:blip r:embed="rId8" cstate="print">
+          <a:blip r:embed="rId9" cstate="print">
             <a:extLst>
               <a:ext uri="{28A0092B-C50C-407E-A947-70E740481C1C}">
                 <a14:useLocalDpi xmlns:a14="http://schemas.microsoft.com/office/drawing/2010/main" val="0"/>
@@ -7336,7 +9355,7 @@
           <p:nvPr/>
         </p:nvPicPr>
         <p:blipFill>
-          <a:blip r:embed="rId2" cstate="print">
+          <a:blip r:embed="rId3" cstate="print">
             <a:extLst>
               <a:ext uri="{28A0092B-C50C-407E-A947-70E740481C1C}">
                 <a14:useLocalDpi xmlns:a14="http://schemas.microsoft.com/office/drawing/2010/main" val="0"/>
@@ -7368,7 +9387,7 @@
           </p:nvPr>
         </p:nvPicPr>
         <p:blipFill>
-          <a:blip r:embed="rId3">
+          <a:blip r:embed="rId4">
             <a:extLst>
               <a:ext uri="{28A0092B-C50C-407E-A947-70E740481C1C}">
                 <a14:useLocalDpi xmlns:a14="http://schemas.microsoft.com/office/drawing/2010/main" val="0"/>
@@ -7504,36 +9523,6 @@
       <p:pic>
         <p:nvPicPr>
           <p:cNvPr id="8" name="図 7"/>
-          <p:cNvPicPr>
-            <a:picLocks noChangeAspect="1"/>
-          </p:cNvPicPr>
-          <p:nvPr/>
-        </p:nvPicPr>
-        <p:blipFill>
-          <a:blip r:embed="rId4">
-            <a:extLst>
-              <a:ext uri="{28A0092B-C50C-407E-A947-70E740481C1C}">
-                <a14:useLocalDpi xmlns:a14="http://schemas.microsoft.com/office/drawing/2010/main" val="0"/>
-              </a:ext>
-            </a:extLst>
-          </a:blip>
-          <a:stretch>
-            <a:fillRect/>
-          </a:stretch>
-        </p:blipFill>
-        <p:spPr>
-          <a:xfrm>
-            <a:off x="96332" y="5456400"/>
-            <a:ext cx="3487200" cy="1356976"/>
-          </a:xfrm>
-          <a:prstGeom prst="rect">
-            <a:avLst/>
-          </a:prstGeom>
-        </p:spPr>
-      </p:pic>
-      <p:pic>
-        <p:nvPicPr>
-          <p:cNvPr id="9" name="図 8"/>
           <p:cNvPicPr>
             <a:picLocks noChangeAspect="1"/>
           </p:cNvPicPr>
@@ -7553,6 +9542,36 @@
         </p:blipFill>
         <p:spPr>
           <a:xfrm>
+            <a:off x="96332" y="5456400"/>
+            <a:ext cx="3487200" cy="1356976"/>
+          </a:xfrm>
+          <a:prstGeom prst="rect">
+            <a:avLst/>
+          </a:prstGeom>
+        </p:spPr>
+      </p:pic>
+      <p:pic>
+        <p:nvPicPr>
+          <p:cNvPr id="9" name="図 8"/>
+          <p:cNvPicPr>
+            <a:picLocks noChangeAspect="1"/>
+          </p:cNvPicPr>
+          <p:nvPr/>
+        </p:nvPicPr>
+        <p:blipFill>
+          <a:blip r:embed="rId6">
+            <a:extLst>
+              <a:ext uri="{28A0092B-C50C-407E-A947-70E740481C1C}">
+                <a14:useLocalDpi xmlns:a14="http://schemas.microsoft.com/office/drawing/2010/main" val="0"/>
+              </a:ext>
+            </a:extLst>
+          </a:blip>
+          <a:stretch>
+            <a:fillRect/>
+          </a:stretch>
+        </p:blipFill>
+        <p:spPr>
+          <a:xfrm>
             <a:off x="96332" y="3369461"/>
             <a:ext cx="3487200" cy="1012659"/>
           </a:xfrm>
@@ -7730,7 +9749,7 @@
           <p:nvPr/>
         </p:nvPicPr>
         <p:blipFill>
-          <a:blip r:embed="rId4">
+          <a:blip r:embed="rId5">
             <a:extLst>
               <a:ext uri="{28A0092B-C50C-407E-A947-70E740481C1C}">
                 <a14:useLocalDpi xmlns:a14="http://schemas.microsoft.com/office/drawing/2010/main" val="0"/>
@@ -8248,7 +10267,7 @@
           <p:nvPr/>
         </p:nvPicPr>
         <p:blipFill>
-          <a:blip r:embed="rId6" cstate="print">
+          <a:blip r:embed="rId7" cstate="print">
             <a:extLst>
               <a:ext uri="{28A0092B-C50C-407E-A947-70E740481C1C}">
                 <a14:useLocalDpi xmlns:a14="http://schemas.microsoft.com/office/drawing/2010/main" val="0"/>
@@ -8272,6 +10291,36 @@
       <p:pic>
         <p:nvPicPr>
           <p:cNvPr id="34" name="図 33"/>
+          <p:cNvPicPr>
+            <a:picLocks noChangeAspect="1"/>
+          </p:cNvPicPr>
+          <p:nvPr/>
+        </p:nvPicPr>
+        <p:blipFill>
+          <a:blip r:embed="rId8" cstate="print">
+            <a:extLst>
+              <a:ext uri="{28A0092B-C50C-407E-A947-70E740481C1C}">
+                <a14:useLocalDpi xmlns:a14="http://schemas.microsoft.com/office/drawing/2010/main" val="0"/>
+              </a:ext>
+            </a:extLst>
+          </a:blip>
+          <a:stretch>
+            <a:fillRect/>
+          </a:stretch>
+        </p:blipFill>
+        <p:spPr>
+          <a:xfrm>
+            <a:off x="4674090" y="3233835"/>
+            <a:ext cx="1554094" cy="1563317"/>
+          </a:xfrm>
+          <a:prstGeom prst="rect">
+            <a:avLst/>
+          </a:prstGeom>
+        </p:spPr>
+      </p:pic>
+      <p:pic>
+        <p:nvPicPr>
+          <p:cNvPr id="37" name="図 36"/>
           <p:cNvPicPr>
             <a:picLocks noChangeAspect="1"/>
           </p:cNvPicPr>
@@ -8291,8 +10340,8 @@
         </p:blipFill>
         <p:spPr>
           <a:xfrm>
-            <a:off x="4674090" y="3233835"/>
-            <a:ext cx="1554094" cy="1563317"/>
+            <a:off x="6516216" y="2939509"/>
+            <a:ext cx="1549858" cy="1528396"/>
           </a:xfrm>
           <a:prstGeom prst="rect">
             <a:avLst/>
@@ -8301,14 +10350,14 @@
       </p:pic>
       <p:pic>
         <p:nvPicPr>
-          <p:cNvPr id="37" name="図 36"/>
+          <p:cNvPr id="38" name="図 37"/>
           <p:cNvPicPr>
             <a:picLocks noChangeAspect="1"/>
           </p:cNvPicPr>
           <p:nvPr/>
         </p:nvPicPr>
         <p:blipFill>
-          <a:blip r:embed="rId6" cstate="print">
+          <a:blip r:embed="rId8" cstate="print">
             <a:extLst>
               <a:ext uri="{28A0092B-C50C-407E-A947-70E740481C1C}">
                 <a14:useLocalDpi xmlns:a14="http://schemas.microsoft.com/office/drawing/2010/main" val="0"/>
@@ -8321,36 +10370,6 @@
         </p:blipFill>
         <p:spPr>
           <a:xfrm>
-            <a:off x="6516216" y="2939509"/>
-            <a:ext cx="1549858" cy="1528396"/>
-          </a:xfrm>
-          <a:prstGeom prst="rect">
-            <a:avLst/>
-          </a:prstGeom>
-        </p:spPr>
-      </p:pic>
-      <p:pic>
-        <p:nvPicPr>
-          <p:cNvPr id="38" name="図 37"/>
-          <p:cNvPicPr>
-            <a:picLocks noChangeAspect="1"/>
-          </p:cNvPicPr>
-          <p:nvPr/>
-        </p:nvPicPr>
-        <p:blipFill>
-          <a:blip r:embed="rId7" cstate="print">
-            <a:extLst>
-              <a:ext uri="{28A0092B-C50C-407E-A947-70E740481C1C}">
-                <a14:useLocalDpi xmlns:a14="http://schemas.microsoft.com/office/drawing/2010/main" val="0"/>
-              </a:ext>
-            </a:extLst>
-          </a:blip>
-          <a:stretch>
-            <a:fillRect/>
-          </a:stretch>
-        </p:blipFill>
-        <p:spPr>
-          <a:xfrm>
             <a:off x="6939630" y="3089819"/>
             <a:ext cx="1554094" cy="1563317"/>
           </a:xfrm>
@@ -8368,7 +10387,7 @@
           <p:nvPr/>
         </p:nvPicPr>
         <p:blipFill>
-          <a:blip r:embed="rId8" cstate="print">
+          <a:blip r:embed="rId9" cstate="print">
             <a:extLst>
               <a:ext uri="{28A0092B-C50C-407E-A947-70E740481C1C}">
                 <a14:useLocalDpi xmlns:a14="http://schemas.microsoft.com/office/drawing/2010/main" val="0"/>
@@ -9031,7 +11050,7 @@
           <p:nvPr/>
         </p:nvPicPr>
         <p:blipFill>
-          <a:blip r:embed="rId2">
+          <a:blip r:embed="rId3">
             <a:extLst>
               <a:ext uri="{28A0092B-C50C-407E-A947-70E740481C1C}">
                 <a14:useLocalDpi xmlns:a14="http://schemas.microsoft.com/office/drawing/2010/main" val="0"/>
@@ -9205,7 +11224,7 @@
           <p:nvPr/>
         </p:nvPicPr>
         <p:blipFill>
-          <a:blip r:embed="rId2">
+          <a:blip r:embed="rId3">
             <a:extLst>
               <a:ext uri="{28A0092B-C50C-407E-A947-70E740481C1C}">
                 <a14:useLocalDpi xmlns:a14="http://schemas.microsoft.com/office/drawing/2010/main" val="0"/>
@@ -9289,7 +11308,7 @@
           <p:nvPr/>
         </p:nvPicPr>
         <p:blipFill>
-          <a:blip r:embed="rId2">
+          <a:blip r:embed="rId3">
             <a:extLst>
               <a:ext uri="{28A0092B-C50C-407E-A947-70E740481C1C}">
                 <a14:useLocalDpi xmlns:a14="http://schemas.microsoft.com/office/drawing/2010/main" val="0"/>
@@ -10199,7 +12218,7 @@
             </p:nvSpPr>
             <p:spPr>
               <a:blipFill>
-                <a:blip r:embed="rId2"/>
+                <a:blip r:embed="rId3"/>
                 <a:stretch>
                   <a:fillRect t="-936" r="-4474"/>
                 </a:stretch>
@@ -10397,7 +12416,7 @@
           <p:nvPr/>
         </p:nvPicPr>
         <p:blipFill>
-          <a:blip r:embed="rId2">
+          <a:blip r:embed="rId3">
             <a:extLst>
               <a:ext uri="{28A0092B-C50C-407E-A947-70E740481C1C}">
                 <a14:useLocalDpi xmlns:a14="http://schemas.microsoft.com/office/drawing/2010/main" val="0"/>
@@ -10966,7 +12985,7 @@
             </p:nvSpPr>
             <p:spPr>
               <a:blipFill>
-                <a:blip r:embed="rId2"/>
+                <a:blip r:embed="rId3"/>
                 <a:stretch>
                   <a:fillRect t="-1754" r="-1721"/>
                 </a:stretch>
@@ -11141,36 +13160,6 @@
           <p:nvPr/>
         </p:nvPicPr>
         <p:blipFill>
-          <a:blip r:embed="rId2">
-            <a:extLst>
-              <a:ext uri="{28A0092B-C50C-407E-A947-70E740481C1C}">
-                <a14:useLocalDpi xmlns:a14="http://schemas.microsoft.com/office/drawing/2010/main" val="0"/>
-              </a:ext>
-            </a:extLst>
-          </a:blip>
-          <a:stretch>
-            <a:fillRect/>
-          </a:stretch>
-        </p:blipFill>
-        <p:spPr>
-          <a:xfrm>
-            <a:off x="428407" y="2564904"/>
-            <a:ext cx="2686542" cy="1872208"/>
-          </a:xfrm>
-          <a:prstGeom prst="rect">
-            <a:avLst/>
-          </a:prstGeom>
-        </p:spPr>
-      </p:pic>
-      <p:pic>
-        <p:nvPicPr>
-          <p:cNvPr id="5" name="図 4"/>
-          <p:cNvPicPr>
-            <a:picLocks noChangeAspect="1"/>
-          </p:cNvPicPr>
-          <p:nvPr/>
-        </p:nvPicPr>
-        <p:blipFill>
           <a:blip r:embed="rId3">
             <a:extLst>
               <a:ext uri="{28A0092B-C50C-407E-A947-70E740481C1C}">
@@ -11184,8 +13173,8 @@
         </p:blipFill>
         <p:spPr>
           <a:xfrm>
-            <a:off x="3907037" y="2564904"/>
-            <a:ext cx="2681187" cy="1872208"/>
+            <a:off x="428407" y="2564904"/>
+            <a:ext cx="2686542" cy="1872208"/>
           </a:xfrm>
           <a:prstGeom prst="rect">
             <a:avLst/>
@@ -11194,7 +13183,7 @@
       </p:pic>
       <p:pic>
         <p:nvPicPr>
-          <p:cNvPr id="7" name="図 6"/>
+          <p:cNvPr id="5" name="図 4"/>
           <p:cNvPicPr>
             <a:picLocks noChangeAspect="1"/>
           </p:cNvPicPr>
@@ -11214,8 +13203,8 @@
         </p:blipFill>
         <p:spPr>
           <a:xfrm>
-            <a:off x="341635" y="4774596"/>
-            <a:ext cx="2790205" cy="1929228"/>
+            <a:off x="3907037" y="2564904"/>
+            <a:ext cx="2681187" cy="1872208"/>
           </a:xfrm>
           <a:prstGeom prst="rect">
             <a:avLst/>
@@ -11224,7 +13213,7 @@
       </p:pic>
       <p:pic>
         <p:nvPicPr>
-          <p:cNvPr id="8" name="図 7"/>
+          <p:cNvPr id="7" name="図 6"/>
           <p:cNvPicPr>
             <a:picLocks noChangeAspect="1"/>
           </p:cNvPicPr>
@@ -11244,6 +13233,36 @@
         </p:blipFill>
         <p:spPr>
           <a:xfrm>
+            <a:off x="341635" y="4774596"/>
+            <a:ext cx="2790205" cy="1929228"/>
+          </a:xfrm>
+          <a:prstGeom prst="rect">
+            <a:avLst/>
+          </a:prstGeom>
+        </p:spPr>
+      </p:pic>
+      <p:pic>
+        <p:nvPicPr>
+          <p:cNvPr id="8" name="図 7"/>
+          <p:cNvPicPr>
+            <a:picLocks noChangeAspect="1"/>
+          </p:cNvPicPr>
+          <p:nvPr/>
+        </p:nvPicPr>
+        <p:blipFill>
+          <a:blip r:embed="rId6">
+            <a:extLst>
+              <a:ext uri="{28A0092B-C50C-407E-A947-70E740481C1C}">
+                <a14:useLocalDpi xmlns:a14="http://schemas.microsoft.com/office/drawing/2010/main" val="0"/>
+              </a:ext>
+            </a:extLst>
+          </a:blip>
+          <a:stretch>
+            <a:fillRect/>
+          </a:stretch>
+        </p:blipFill>
+        <p:spPr>
+          <a:xfrm>
             <a:off x="3203848" y="4756337"/>
             <a:ext cx="2782232" cy="1985031"/>
           </a:xfrm>
@@ -11261,7 +13280,7 @@
           <p:nvPr/>
         </p:nvPicPr>
         <p:blipFill>
-          <a:blip r:embed="rId6">
+          <a:blip r:embed="rId7">
             <a:extLst>
               <a:ext uri="{28A0092B-C50C-407E-A947-70E740481C1C}">
                 <a14:useLocalDpi xmlns:a14="http://schemas.microsoft.com/office/drawing/2010/main" val="0"/>
@@ -11392,7 +13411,7 @@
                 <a:avLst/>
               </a:prstGeom>
               <a:blipFill>
-                <a:blip r:embed="rId7"/>
+                <a:blip r:embed="rId8"/>
                 <a:stretch>
                   <a:fillRect l="-2368" t="-11475" b="-21311"/>
                 </a:stretch>
@@ -11493,7 +13512,7 @@
                 <a:avLst/>
               </a:prstGeom>
               <a:blipFill>
-                <a:blip r:embed="rId8"/>
+                <a:blip r:embed="rId9"/>
                 <a:stretch>
                   <a:fillRect l="-2105" t="-13333" b="-23333"/>
                 </a:stretch>
@@ -12556,7 +14575,7 @@
           <p:nvPr/>
         </p:nvPicPr>
         <p:blipFill>
-          <a:blip r:embed="rId2">
+          <a:blip r:embed="rId3">
             <a:extLst>
               <a:ext uri="{28A0092B-C50C-407E-A947-70E740481C1C}">
                 <a14:useLocalDpi xmlns:a14="http://schemas.microsoft.com/office/drawing/2010/main" val="0"/>
@@ -12832,7 +14851,7 @@
           <p:nvPr/>
         </p:nvPicPr>
         <p:blipFill>
-          <a:blip r:embed="rId2" cstate="print">
+          <a:blip r:embed="rId3" cstate="print">
             <a:extLst>
               <a:ext uri="{28A0092B-C50C-407E-A947-70E740481C1C}">
                 <a14:useLocalDpi xmlns:a14="http://schemas.microsoft.com/office/drawing/2010/main" val="0"/>
@@ -12908,47 +14927,6 @@
       <p:pic>
         <p:nvPicPr>
           <p:cNvPr id="1027" name="Picture 3" descr="C:\Users\tetsuya\AppData\Local\Microsoft\Windows\INetCache\IE\9PQUV042\sgi01a201409121600[1].jpg"/>
-          <p:cNvPicPr>
-            <a:picLocks noChangeAspect="1" noChangeArrowheads="1"/>
-          </p:cNvPicPr>
-          <p:nvPr/>
-        </p:nvPicPr>
-        <p:blipFill>
-          <a:blip r:embed="rId3" cstate="print">
-            <a:extLst>
-              <a:ext uri="{28A0092B-C50C-407E-A947-70E740481C1C}">
-                <a14:useLocalDpi xmlns:a14="http://schemas.microsoft.com/office/drawing/2010/main" val="0"/>
-              </a:ext>
-            </a:extLst>
-          </a:blip>
-          <a:srcRect/>
-          <a:stretch>
-            <a:fillRect/>
-          </a:stretch>
-        </p:blipFill>
-        <p:spPr bwMode="auto">
-          <a:xfrm>
-            <a:off x="539552" y="4609728"/>
-            <a:ext cx="936104" cy="936104"/>
-          </a:xfrm>
-          <a:prstGeom prst="rect">
-            <a:avLst/>
-          </a:prstGeom>
-          <a:noFill/>
-          <a:extLst>
-            <a:ext uri="{909E8E84-426E-40DD-AFC4-6F175D3DCCD1}">
-              <a14:hiddenFill xmlns:a14="http://schemas.microsoft.com/office/drawing/2010/main">
-                <a:solidFill>
-                  <a:srgbClr val="FFFFFF"/>
-                </a:solidFill>
-              </a14:hiddenFill>
-            </a:ext>
-          </a:extLst>
-        </p:spPr>
-      </p:pic>
-      <p:pic>
-        <p:nvPicPr>
-          <p:cNvPr id="1029" name="Picture 5" descr="C:\Users\tetsuya\AppData\Local\Microsoft\Windows\INetCache\IE\2BC5JMJI\sgi01a201310150600[1].jpg"/>
           <p:cNvPicPr>
             <a:picLocks noChangeAspect="1" noChangeArrowheads="1"/>
           </p:cNvPicPr>
@@ -12969,8 +14947,8 @@
         </p:blipFill>
         <p:spPr bwMode="auto">
           <a:xfrm>
-            <a:off x="1795994" y="2940664"/>
-            <a:ext cx="463488" cy="463488"/>
+            <a:off x="539552" y="4609728"/>
+            <a:ext cx="936104" cy="936104"/>
           </a:xfrm>
           <a:prstGeom prst="rect">
             <a:avLst/>
@@ -12989,6 +14967,47 @@
       </p:pic>
       <p:pic>
         <p:nvPicPr>
+          <p:cNvPr id="1029" name="Picture 5" descr="C:\Users\tetsuya\AppData\Local\Microsoft\Windows\INetCache\IE\2BC5JMJI\sgi01a201310150600[1].jpg"/>
+          <p:cNvPicPr>
+            <a:picLocks noChangeAspect="1" noChangeArrowheads="1"/>
+          </p:cNvPicPr>
+          <p:nvPr/>
+        </p:nvPicPr>
+        <p:blipFill>
+          <a:blip r:embed="rId5" cstate="print">
+            <a:extLst>
+              <a:ext uri="{28A0092B-C50C-407E-A947-70E740481C1C}">
+                <a14:useLocalDpi xmlns:a14="http://schemas.microsoft.com/office/drawing/2010/main" val="0"/>
+              </a:ext>
+            </a:extLst>
+          </a:blip>
+          <a:srcRect/>
+          <a:stretch>
+            <a:fillRect/>
+          </a:stretch>
+        </p:blipFill>
+        <p:spPr bwMode="auto">
+          <a:xfrm>
+            <a:off x="1795994" y="2940664"/>
+            <a:ext cx="463488" cy="463488"/>
+          </a:xfrm>
+          <a:prstGeom prst="rect">
+            <a:avLst/>
+          </a:prstGeom>
+          <a:noFill/>
+          <a:extLst>
+            <a:ext uri="{909E8E84-426E-40DD-AFC4-6F175D3DCCD1}">
+              <a14:hiddenFill xmlns:a14="http://schemas.microsoft.com/office/drawing/2010/main">
+                <a:solidFill>
+                  <a:srgbClr val="FFFFFF"/>
+                </a:solidFill>
+              </a14:hiddenFill>
+            </a:ext>
+          </a:extLst>
+        </p:spPr>
+      </p:pic>
+      <p:pic>
+        <p:nvPicPr>
           <p:cNvPr id="1030" name="Picture 6" descr="C:\Users\tetsuya\AppData\Local\Microsoft\Windows\INetCache\IE\9LV0U1RZ\arrow-curved-blue[1].png"/>
           <p:cNvPicPr>
             <a:picLocks noChangeAspect="1" noChangeArrowheads="1"/>
@@ -12996,7 +15015,7 @@
           <p:nvPr/>
         </p:nvPicPr>
         <p:blipFill>
-          <a:blip r:embed="rId5" cstate="print">
+          <a:blip r:embed="rId6" cstate="print">
             <a:extLst>
               <a:ext uri="{28A0092B-C50C-407E-A947-70E740481C1C}">
                 <a14:useLocalDpi xmlns:a14="http://schemas.microsoft.com/office/drawing/2010/main" val="0"/>
@@ -13190,7 +15209,7 @@
           <p:nvPr/>
         </p:nvPicPr>
         <p:blipFill>
-          <a:blip r:embed="rId2" cstate="print">
+          <a:blip r:embed="rId3" cstate="print">
             <a:extLst>
               <a:ext uri="{28A0092B-C50C-407E-A947-70E740481C1C}">
                 <a14:useLocalDpi xmlns:a14="http://schemas.microsoft.com/office/drawing/2010/main" val="0"/>
@@ -13272,7 +15291,7 @@
           <p:nvPr/>
         </p:nvPicPr>
         <p:blipFill>
-          <a:blip r:embed="rId3" cstate="print">
+          <a:blip r:embed="rId4" cstate="print">
             <a:extLst>
               <a:ext uri="{28A0092B-C50C-407E-A947-70E740481C1C}">
                 <a14:useLocalDpi xmlns:a14="http://schemas.microsoft.com/office/drawing/2010/main" val="0"/>
@@ -13313,7 +15332,7 @@
           <p:nvPr/>
         </p:nvPicPr>
         <p:blipFill>
-          <a:blip r:embed="rId6" cstate="print">
+          <a:blip r:embed="rId7" cstate="print">
             <a:extLst>
               <a:ext uri="{28A0092B-C50C-407E-A947-70E740481C1C}">
                 <a14:useLocalDpi xmlns:a14="http://schemas.microsoft.com/office/drawing/2010/main" val="0"/>
@@ -13354,7 +15373,7 @@
           <p:nvPr/>
         </p:nvPicPr>
         <p:blipFill>
-          <a:blip r:embed="rId5" cstate="print">
+          <a:blip r:embed="rId6" cstate="print">
             <a:extLst>
               <a:ext uri="{28A0092B-C50C-407E-A947-70E740481C1C}">
                 <a14:useLocalDpi xmlns:a14="http://schemas.microsoft.com/office/drawing/2010/main" val="0"/>
@@ -13548,7 +15567,7 @@
           <p:nvPr/>
         </p:nvPicPr>
         <p:blipFill>
-          <a:blip r:embed="rId3" cstate="print">
+          <a:blip r:embed="rId4" cstate="print">
             <a:extLst>
               <a:ext uri="{28A0092B-C50C-407E-A947-70E740481C1C}">
                 <a14:useLocalDpi xmlns:a14="http://schemas.microsoft.com/office/drawing/2010/main" val="0"/>
@@ -13589,7 +15608,7 @@
           <p:nvPr/>
         </p:nvPicPr>
         <p:blipFill>
-          <a:blip r:embed="rId6" cstate="print">
+          <a:blip r:embed="rId7" cstate="print">
             <a:extLst>
               <a:ext uri="{28A0092B-C50C-407E-A947-70E740481C1C}">
                 <a14:useLocalDpi xmlns:a14="http://schemas.microsoft.com/office/drawing/2010/main" val="0"/>
@@ -13630,7 +15649,7 @@
           <p:nvPr/>
         </p:nvPicPr>
         <p:blipFill>
-          <a:blip r:embed="rId6" cstate="print">
+          <a:blip r:embed="rId7" cstate="print">
             <a:extLst>
               <a:ext uri="{28A0092B-C50C-407E-A947-70E740481C1C}">
                 <a14:useLocalDpi xmlns:a14="http://schemas.microsoft.com/office/drawing/2010/main" val="0"/>
@@ -13929,7 +15948,7 @@
           <p:nvPr/>
         </p:nvPicPr>
         <p:blipFill>
-          <a:blip r:embed="rId2" cstate="print">
+          <a:blip r:embed="rId3" cstate="print">
             <a:extLst>
               <a:ext uri="{28A0092B-C50C-407E-A947-70E740481C1C}">
                 <a14:useLocalDpi xmlns:a14="http://schemas.microsoft.com/office/drawing/2010/main" val="0"/>
@@ -13970,7 +15989,7 @@
           <p:nvPr/>
         </p:nvPicPr>
         <p:blipFill>
-          <a:blip r:embed="rId3">
+          <a:blip r:embed="rId4">
             <a:extLst>
               <a:ext uri="{28A0092B-C50C-407E-A947-70E740481C1C}">
                 <a14:useLocalDpi xmlns:a14="http://schemas.microsoft.com/office/drawing/2010/main" val="0"/>
@@ -14053,88 +16072,6 @@
       <p:pic>
         <p:nvPicPr>
           <p:cNvPr id="1026" name="Picture 2" descr="C:\Users\tetsuya\AppData\Local\Microsoft\Windows\INetCache\IE\9PQUV042\man-146843_640[1].png"/>
-          <p:cNvPicPr>
-            <a:picLocks noChangeAspect="1" noChangeArrowheads="1"/>
-          </p:cNvPicPr>
-          <p:nvPr/>
-        </p:nvPicPr>
-        <p:blipFill>
-          <a:blip r:embed="rId4" cstate="print">
-            <a:extLst>
-              <a:ext uri="{28A0092B-C50C-407E-A947-70E740481C1C}">
-                <a14:useLocalDpi xmlns:a14="http://schemas.microsoft.com/office/drawing/2010/main" val="0"/>
-              </a:ext>
-            </a:extLst>
-          </a:blip>
-          <a:srcRect/>
-          <a:stretch>
-            <a:fillRect/>
-          </a:stretch>
-        </p:blipFill>
-        <p:spPr bwMode="auto">
-          <a:xfrm>
-            <a:off x="2017128" y="3096595"/>
-            <a:ext cx="397052" cy="794103"/>
-          </a:xfrm>
-          <a:prstGeom prst="rect">
-            <a:avLst/>
-          </a:prstGeom>
-          <a:noFill/>
-          <a:extLst>
-            <a:ext uri="{909E8E84-426E-40DD-AFC4-6F175D3DCCD1}">
-              <a14:hiddenFill xmlns:a14="http://schemas.microsoft.com/office/drawing/2010/main">
-                <a:solidFill>
-                  <a:srgbClr val="FFFFFF"/>
-                </a:solidFill>
-              </a14:hiddenFill>
-            </a:ext>
-          </a:extLst>
-        </p:spPr>
-      </p:pic>
-      <p:sp>
-        <p:nvSpPr>
-          <p:cNvPr id="4" name="正方形/長方形 3"/>
-          <p:cNvSpPr/>
-          <p:nvPr/>
-        </p:nvSpPr>
-        <p:spPr>
-          <a:xfrm>
-            <a:off x="174169" y="2068100"/>
-            <a:ext cx="2478094" cy="2100188"/>
-          </a:xfrm>
-          <a:prstGeom prst="rect">
-            <a:avLst/>
-          </a:prstGeom>
-          <a:noFill/>
-        </p:spPr>
-        <p:style>
-          <a:lnRef idx="2">
-            <a:schemeClr val="accent1">
-              <a:shade val="50000"/>
-            </a:schemeClr>
-          </a:lnRef>
-          <a:fillRef idx="1">
-            <a:schemeClr val="accent1"/>
-          </a:fillRef>
-          <a:effectRef idx="0">
-            <a:schemeClr val="accent1"/>
-          </a:effectRef>
-          <a:fontRef idx="minor">
-            <a:schemeClr val="lt1"/>
-          </a:fontRef>
-        </p:style>
-        <p:txBody>
-          <a:bodyPr rtlCol="0" anchor="ctr"/>
-          <a:lstStyle/>
-          <a:p>
-            <a:pPr algn="ctr"/>
-            <a:endParaRPr kumimoji="1" lang="ja-JP" altLang="en-US" dirty="0"/>
-          </a:p>
-        </p:txBody>
-      </p:sp>
-      <p:pic>
-        <p:nvPicPr>
-          <p:cNvPr id="1027" name="Picture 3" descr="C:\Users\tetsuya\AppData\Local\Microsoft\Windows\INetCache\IE\9PQUV042\sgi01a201409121600[1].jpg"/>
           <p:cNvPicPr>
             <a:picLocks noChangeAspect="1" noChangeArrowheads="1"/>
           </p:cNvPicPr>
@@ -14155,8 +16092,8 @@
         </p:blipFill>
         <p:spPr bwMode="auto">
           <a:xfrm>
-            <a:off x="238940" y="3492640"/>
-            <a:ext cx="578858" cy="578858"/>
+            <a:off x="2017128" y="3096595"/>
+            <a:ext cx="397052" cy="794103"/>
           </a:xfrm>
           <a:prstGeom prst="rect">
             <a:avLst/>
@@ -14173,50 +16110,50 @@
           </a:extLst>
         </p:spPr>
       </p:pic>
-      <p:pic>
-        <p:nvPicPr>
-          <p:cNvPr id="1029" name="Picture 5" descr="C:\Users\tetsuya\AppData\Local\Microsoft\Windows\INetCache\IE\2BC5JMJI\sgi01a201310150600[1].jpg"/>
-          <p:cNvPicPr>
-            <a:picLocks noChangeAspect="1" noChangeArrowheads="1"/>
-          </p:cNvPicPr>
+      <p:sp>
+        <p:nvSpPr>
+          <p:cNvPr id="4" name="正方形/長方形 3"/>
+          <p:cNvSpPr/>
           <p:nvPr/>
-        </p:nvPicPr>
-        <p:blipFill>
-          <a:blip r:embed="rId2" cstate="print">
-            <a:extLst>
-              <a:ext uri="{28A0092B-C50C-407E-A947-70E740481C1C}">
-                <a14:useLocalDpi xmlns:a14="http://schemas.microsoft.com/office/drawing/2010/main" val="0"/>
-              </a:ext>
-            </a:extLst>
-          </a:blip>
-          <a:srcRect/>
-          <a:stretch>
-            <a:fillRect/>
-          </a:stretch>
-        </p:blipFill>
-        <p:spPr bwMode="auto">
-          <a:xfrm>
-            <a:off x="1126609" y="2474919"/>
-            <a:ext cx="286607" cy="286607"/>
+        </p:nvSpPr>
+        <p:spPr>
+          <a:xfrm>
+            <a:off x="174169" y="2068100"/>
+            <a:ext cx="2478094" cy="2100188"/>
           </a:xfrm>
           <a:prstGeom prst="rect">
             <a:avLst/>
           </a:prstGeom>
           <a:noFill/>
-          <a:extLst>
-            <a:ext uri="{909E8E84-426E-40DD-AFC4-6F175D3DCCD1}">
-              <a14:hiddenFill xmlns:a14="http://schemas.microsoft.com/office/drawing/2010/main">
-                <a:solidFill>
-                  <a:srgbClr val="FFFFFF"/>
-                </a:solidFill>
-              </a14:hiddenFill>
-            </a:ext>
-          </a:extLst>
-        </p:spPr>
-      </p:pic>
+        </p:spPr>
+        <p:style>
+          <a:lnRef idx="2">
+            <a:schemeClr val="accent1">
+              <a:shade val="50000"/>
+            </a:schemeClr>
+          </a:lnRef>
+          <a:fillRef idx="1">
+            <a:schemeClr val="accent1"/>
+          </a:fillRef>
+          <a:effectRef idx="0">
+            <a:schemeClr val="accent1"/>
+          </a:effectRef>
+          <a:fontRef idx="minor">
+            <a:schemeClr val="lt1"/>
+          </a:fontRef>
+        </p:style>
+        <p:txBody>
+          <a:bodyPr rtlCol="0" anchor="ctr"/>
+          <a:lstStyle/>
+          <a:p>
+            <a:pPr algn="ctr"/>
+            <a:endParaRPr kumimoji="1" lang="ja-JP" altLang="en-US" dirty="0"/>
+          </a:p>
+        </p:txBody>
+      </p:sp>
       <p:pic>
         <p:nvPicPr>
-          <p:cNvPr id="1030" name="Picture 6" descr="C:\Users\tetsuya\AppData\Local\Microsoft\Windows\INetCache\IE\9LV0U1RZ\arrow-curved-blue[1].png"/>
+          <p:cNvPr id="1027" name="Picture 3" descr="C:\Users\tetsuya\AppData\Local\Microsoft\Windows\INetCache\IE\9PQUV042\sgi01a201409121600[1].jpg"/>
           <p:cNvPicPr>
             <a:picLocks noChangeAspect="1" noChangeArrowheads="1"/>
           </p:cNvPicPr>
@@ -14236,9 +16173,9 @@
           </a:stretch>
         </p:blipFill>
         <p:spPr bwMode="auto">
-          <a:xfrm rot="13385861" flipH="1">
-            <a:off x="1073486" y="3054215"/>
-            <a:ext cx="679459" cy="341428"/>
+          <a:xfrm>
+            <a:off x="238940" y="3492640"/>
+            <a:ext cx="578858" cy="578858"/>
           </a:xfrm>
           <a:prstGeom prst="rect">
             <a:avLst/>
@@ -14257,7 +16194,48 @@
       </p:pic>
       <p:pic>
         <p:nvPicPr>
-          <p:cNvPr id="14" name="Picture 2" descr="C:\Users\tetsuya\AppData\Local\Microsoft\Windows\INetCache\IE\9PQUV042\man-146843_640[1].png"/>
+          <p:cNvPr id="1029" name="Picture 5" descr="C:\Users\tetsuya\AppData\Local\Microsoft\Windows\INetCache\IE\2BC5JMJI\sgi01a201310150600[1].jpg"/>
+          <p:cNvPicPr>
+            <a:picLocks noChangeAspect="1" noChangeArrowheads="1"/>
+          </p:cNvPicPr>
+          <p:nvPr/>
+        </p:nvPicPr>
+        <p:blipFill>
+          <a:blip r:embed="rId3" cstate="print">
+            <a:extLst>
+              <a:ext uri="{28A0092B-C50C-407E-A947-70E740481C1C}">
+                <a14:useLocalDpi xmlns:a14="http://schemas.microsoft.com/office/drawing/2010/main" val="0"/>
+              </a:ext>
+            </a:extLst>
+          </a:blip>
+          <a:srcRect/>
+          <a:stretch>
+            <a:fillRect/>
+          </a:stretch>
+        </p:blipFill>
+        <p:spPr bwMode="auto">
+          <a:xfrm>
+            <a:off x="1126609" y="2474919"/>
+            <a:ext cx="286607" cy="286607"/>
+          </a:xfrm>
+          <a:prstGeom prst="rect">
+            <a:avLst/>
+          </a:prstGeom>
+          <a:noFill/>
+          <a:extLst>
+            <a:ext uri="{909E8E84-426E-40DD-AFC4-6F175D3DCCD1}">
+              <a14:hiddenFill xmlns:a14="http://schemas.microsoft.com/office/drawing/2010/main">
+                <a:solidFill>
+                  <a:srgbClr val="FFFFFF"/>
+                </a:solidFill>
+              </a14:hiddenFill>
+            </a:ext>
+          </a:extLst>
+        </p:spPr>
+      </p:pic>
+      <p:pic>
+        <p:nvPicPr>
+          <p:cNvPr id="1030" name="Picture 6" descr="C:\Users\tetsuya\AppData\Local\Microsoft\Windows\INetCache\IE\9LV0U1RZ\arrow-curved-blue[1].png"/>
           <p:cNvPicPr>
             <a:picLocks noChangeAspect="1" noChangeArrowheads="1"/>
           </p:cNvPicPr>
@@ -14277,9 +16255,9 @@
           </a:stretch>
         </p:blipFill>
         <p:spPr bwMode="auto">
-          <a:xfrm>
-            <a:off x="4908022" y="4168288"/>
-            <a:ext cx="642095" cy="1284189"/>
+          <a:xfrm rot="13385861" flipH="1">
+            <a:off x="1073486" y="3054215"/>
+            <a:ext cx="679459" cy="341428"/>
           </a:xfrm>
           <a:prstGeom prst="rect">
             <a:avLst/>
@@ -14296,50 +16274,9 @@
           </a:extLst>
         </p:spPr>
       </p:pic>
-      <p:sp>
-        <p:nvSpPr>
-          <p:cNvPr id="15" name="正方形/長方形 14"/>
-          <p:cNvSpPr/>
-          <p:nvPr/>
-        </p:nvSpPr>
-        <p:spPr>
-          <a:xfrm>
-            <a:off x="4572000" y="2335185"/>
-            <a:ext cx="4104456" cy="3396332"/>
-          </a:xfrm>
-          <a:prstGeom prst="rect">
-            <a:avLst/>
-          </a:prstGeom>
-          <a:noFill/>
-        </p:spPr>
-        <p:style>
-          <a:lnRef idx="2">
-            <a:schemeClr val="accent1">
-              <a:shade val="50000"/>
-            </a:schemeClr>
-          </a:lnRef>
-          <a:fillRef idx="1">
-            <a:schemeClr val="accent1"/>
-          </a:fillRef>
-          <a:effectRef idx="0">
-            <a:schemeClr val="accent1"/>
-          </a:effectRef>
-          <a:fontRef idx="minor">
-            <a:schemeClr val="lt1"/>
-          </a:fontRef>
-        </p:style>
-        <p:txBody>
-          <a:bodyPr rtlCol="0" anchor="ctr"/>
-          <a:lstStyle/>
-          <a:p>
-            <a:pPr algn="ctr"/>
-            <a:endParaRPr kumimoji="1" lang="ja-JP" altLang="en-US" dirty="0"/>
-          </a:p>
-        </p:txBody>
-      </p:sp>
       <p:pic>
         <p:nvPicPr>
-          <p:cNvPr id="16" name="Picture 3" descr="C:\Users\tetsuya\AppData\Local\Microsoft\Windows\INetCache\IE\9PQUV042\sgi01a201409121600[1].jpg"/>
+          <p:cNvPr id="14" name="Picture 2" descr="C:\Users\tetsuya\AppData\Local\Microsoft\Windows\INetCache\IE\9PQUV042\man-146843_640[1].png"/>
           <p:cNvPicPr>
             <a:picLocks noChangeAspect="1" noChangeArrowheads="1"/>
           </p:cNvPicPr>
@@ -14360,8 +16297,8 @@
         </p:blipFill>
         <p:spPr bwMode="auto">
           <a:xfrm>
-            <a:off x="6434768" y="2825802"/>
-            <a:ext cx="936104" cy="936104"/>
+            <a:off x="4908022" y="4168288"/>
+            <a:ext cx="642095" cy="1284189"/>
           </a:xfrm>
           <a:prstGeom prst="rect">
             <a:avLst/>
@@ -14378,9 +16315,50 @@
           </a:extLst>
         </p:spPr>
       </p:pic>
+      <p:sp>
+        <p:nvSpPr>
+          <p:cNvPr id="15" name="正方形/長方形 14"/>
+          <p:cNvSpPr/>
+          <p:nvPr/>
+        </p:nvSpPr>
+        <p:spPr>
+          <a:xfrm>
+            <a:off x="4572000" y="2335185"/>
+            <a:ext cx="4104456" cy="3396332"/>
+          </a:xfrm>
+          <a:prstGeom prst="rect">
+            <a:avLst/>
+          </a:prstGeom>
+          <a:noFill/>
+        </p:spPr>
+        <p:style>
+          <a:lnRef idx="2">
+            <a:schemeClr val="accent1">
+              <a:shade val="50000"/>
+            </a:schemeClr>
+          </a:lnRef>
+          <a:fillRef idx="1">
+            <a:schemeClr val="accent1"/>
+          </a:fillRef>
+          <a:effectRef idx="0">
+            <a:schemeClr val="accent1"/>
+          </a:effectRef>
+          <a:fontRef idx="minor">
+            <a:schemeClr val="lt1"/>
+          </a:fontRef>
+        </p:style>
+        <p:txBody>
+          <a:bodyPr rtlCol="0" anchor="ctr"/>
+          <a:lstStyle/>
+          <a:p>
+            <a:pPr algn="ctr"/>
+            <a:endParaRPr kumimoji="1" lang="ja-JP" altLang="en-US" dirty="0"/>
+          </a:p>
+        </p:txBody>
+      </p:sp>
       <p:pic>
         <p:nvPicPr>
-          <p:cNvPr id="17" name="Picture 5" descr="C:\Users\tetsuya\AppData\Local\Microsoft\Windows\INetCache\IE\2BC5JMJI\sgi01a201310150600[1].jpg"/>
+          <p:cNvPr id="16" name="Picture 3" descr="C:\Users\tetsuya\AppData\Local\Microsoft\Windows\INetCache\IE\9PQUV042\sgi01a201409121600[1].jpg"/>
           <p:cNvPicPr>
             <a:picLocks noChangeAspect="1" noChangeArrowheads="1"/>
           </p:cNvPicPr>
@@ -14401,8 +16379,8 @@
         </p:blipFill>
         <p:spPr bwMode="auto">
           <a:xfrm>
-            <a:off x="6182642" y="2926969"/>
-            <a:ext cx="463488" cy="463488"/>
+            <a:off x="6434768" y="2825802"/>
+            <a:ext cx="936104" cy="936104"/>
           </a:xfrm>
           <a:prstGeom prst="rect">
             <a:avLst/>
@@ -14421,6 +16399,47 @@
       </p:pic>
       <p:pic>
         <p:nvPicPr>
+          <p:cNvPr id="17" name="Picture 5" descr="C:\Users\tetsuya\AppData\Local\Microsoft\Windows\INetCache\IE\2BC5JMJI\sgi01a201310150600[1].jpg"/>
+          <p:cNvPicPr>
+            <a:picLocks noChangeAspect="1" noChangeArrowheads="1"/>
+          </p:cNvPicPr>
+          <p:nvPr/>
+        </p:nvPicPr>
+        <p:blipFill>
+          <a:blip r:embed="rId10" cstate="print">
+            <a:extLst>
+              <a:ext uri="{28A0092B-C50C-407E-A947-70E740481C1C}">
+                <a14:useLocalDpi xmlns:a14="http://schemas.microsoft.com/office/drawing/2010/main" val="0"/>
+              </a:ext>
+            </a:extLst>
+          </a:blip>
+          <a:srcRect/>
+          <a:stretch>
+            <a:fillRect/>
+          </a:stretch>
+        </p:blipFill>
+        <p:spPr bwMode="auto">
+          <a:xfrm>
+            <a:off x="6182642" y="2926969"/>
+            <a:ext cx="463488" cy="463488"/>
+          </a:xfrm>
+          <a:prstGeom prst="rect">
+            <a:avLst/>
+          </a:prstGeom>
+          <a:noFill/>
+          <a:extLst>
+            <a:ext uri="{909E8E84-426E-40DD-AFC4-6F175D3DCCD1}">
+              <a14:hiddenFill xmlns:a14="http://schemas.microsoft.com/office/drawing/2010/main">
+                <a:solidFill>
+                  <a:srgbClr val="FFFFFF"/>
+                </a:solidFill>
+              </a14:hiddenFill>
+            </a:ext>
+          </a:extLst>
+        </p:spPr>
+      </p:pic>
+      <p:pic>
+        <p:nvPicPr>
           <p:cNvPr id="18" name="Picture 6" descr="C:\Users\tetsuya\AppData\Local\Microsoft\Windows\INetCache\IE\9LV0U1RZ\arrow-curved-blue[1].png"/>
           <p:cNvPicPr>
             <a:picLocks noChangeAspect="1" noChangeArrowheads="1"/>
@@ -14428,7 +16447,7 @@
           <p:nvPr/>
         </p:nvPicPr>
         <p:blipFill>
-          <a:blip r:embed="rId10" cstate="print">
+          <a:blip r:embed="rId11" cstate="print">
             <a:extLst>
               <a:ext uri="{28A0092B-C50C-407E-A947-70E740481C1C}">
                 <a14:useLocalDpi xmlns:a14="http://schemas.microsoft.com/office/drawing/2010/main" val="0"/>
@@ -14628,7 +16647,7 @@
           <p:nvPr/>
         </p:nvPicPr>
         <p:blipFill>
-          <a:blip r:embed="rId8" cstate="print">
+          <a:blip r:embed="rId9" cstate="print">
             <a:extLst>
               <a:ext uri="{28A0092B-C50C-407E-A947-70E740481C1C}">
                 <a14:useLocalDpi xmlns:a14="http://schemas.microsoft.com/office/drawing/2010/main" val="0"/>
@@ -14663,6 +16682,323 @@
       <p:pic>
         <p:nvPicPr>
           <p:cNvPr id="22" name="Picture 5" descr="C:\Users\tetsuya\AppData\Local\Microsoft\Windows\INetCache\IE\2BC5JMJI\sgi01a201310150600[1].jpg"/>
+          <p:cNvPicPr>
+            <a:picLocks noChangeAspect="1" noChangeArrowheads="1"/>
+          </p:cNvPicPr>
+          <p:nvPr/>
+        </p:nvPicPr>
+        <p:blipFill>
+          <a:blip r:embed="rId10" cstate="print">
+            <a:extLst>
+              <a:ext uri="{28A0092B-C50C-407E-A947-70E740481C1C}">
+                <a14:useLocalDpi xmlns:a14="http://schemas.microsoft.com/office/drawing/2010/main" val="0"/>
+              </a:ext>
+            </a:extLst>
+          </a:blip>
+          <a:srcRect/>
+          <a:stretch>
+            <a:fillRect/>
+          </a:stretch>
+        </p:blipFill>
+        <p:spPr bwMode="auto">
+          <a:xfrm>
+            <a:off x="5552349" y="4617540"/>
+            <a:ext cx="463488" cy="463488"/>
+          </a:xfrm>
+          <a:prstGeom prst="rect">
+            <a:avLst/>
+          </a:prstGeom>
+          <a:noFill/>
+          <a:extLst>
+            <a:ext uri="{909E8E84-426E-40DD-AFC4-6F175D3DCCD1}">
+              <a14:hiddenFill xmlns:a14="http://schemas.microsoft.com/office/drawing/2010/main">
+                <a:solidFill>
+                  <a:srgbClr val="FFFFFF"/>
+                </a:solidFill>
+              </a14:hiddenFill>
+            </a:ext>
+          </a:extLst>
+        </p:spPr>
+      </p:pic>
+      <p:sp>
+        <p:nvSpPr>
+          <p:cNvPr id="8" name="テキスト ボックス 7"/>
+          <p:cNvSpPr txBox="1"/>
+          <p:nvPr/>
+        </p:nvSpPr>
+        <p:spPr>
+          <a:xfrm>
+            <a:off x="4572000" y="1979548"/>
+            <a:ext cx="3744416" cy="369332"/>
+          </a:xfrm>
+          <a:prstGeom prst="rect">
+            <a:avLst/>
+          </a:prstGeom>
+          <a:noFill/>
+        </p:spPr>
+        <p:txBody>
+          <a:bodyPr wrap="square" rtlCol="0">
+            <a:spAutoFit/>
+          </a:bodyPr>
+          <a:lstStyle/>
+          <a:p>
+            <a:r>
+              <a:rPr kumimoji="1" lang="en-US" altLang="ja-JP" dirty="0"/>
+              <a:t>Reproduction with human intention.</a:t>
+            </a:r>
+            <a:endParaRPr kumimoji="1" lang="ja-JP" altLang="en-US" dirty="0"/>
+          </a:p>
+        </p:txBody>
+      </p:sp>
+      <p:pic>
+        <p:nvPicPr>
+          <p:cNvPr id="24" name="Picture 2" descr="C:\Users\tetsuya\AppData\Local\Microsoft\Windows\INetCache\IE\9PQUV042\man-146843_640[1].png"/>
+          <p:cNvPicPr>
+            <a:picLocks noChangeAspect="1" noChangeArrowheads="1"/>
+          </p:cNvPicPr>
+          <p:nvPr/>
+        </p:nvPicPr>
+        <p:blipFill>
+          <a:blip r:embed="rId5" cstate="print">
+            <a:extLst>
+              <a:ext uri="{28A0092B-C50C-407E-A947-70E740481C1C}">
+                <a14:useLocalDpi xmlns:a14="http://schemas.microsoft.com/office/drawing/2010/main" val="0"/>
+              </a:ext>
+            </a:extLst>
+          </a:blip>
+          <a:srcRect/>
+          <a:stretch>
+            <a:fillRect/>
+          </a:stretch>
+        </p:blipFill>
+        <p:spPr bwMode="auto">
+          <a:xfrm>
+            <a:off x="420746" y="4443445"/>
+            <a:ext cx="397052" cy="794103"/>
+          </a:xfrm>
+          <a:prstGeom prst="rect">
+            <a:avLst/>
+          </a:prstGeom>
+          <a:noFill/>
+          <a:extLst>
+            <a:ext uri="{909E8E84-426E-40DD-AFC4-6F175D3DCCD1}">
+              <a14:hiddenFill xmlns:a14="http://schemas.microsoft.com/office/drawing/2010/main">
+                <a:solidFill>
+                  <a:srgbClr val="FFFFFF"/>
+                </a:solidFill>
+              </a14:hiddenFill>
+            </a:ext>
+          </a:extLst>
+        </p:spPr>
+      </p:pic>
+      <p:sp>
+        <p:nvSpPr>
+          <p:cNvPr id="25" name="正方形/長方形 24"/>
+          <p:cNvSpPr/>
+          <p:nvPr/>
+        </p:nvSpPr>
+        <p:spPr>
+          <a:xfrm>
+            <a:off x="174169" y="4259730"/>
+            <a:ext cx="2478094" cy="2100188"/>
+          </a:xfrm>
+          <a:prstGeom prst="rect">
+            <a:avLst/>
+          </a:prstGeom>
+          <a:noFill/>
+        </p:spPr>
+        <p:style>
+          <a:lnRef idx="2">
+            <a:schemeClr val="accent1">
+              <a:shade val="50000"/>
+            </a:schemeClr>
+          </a:lnRef>
+          <a:fillRef idx="1">
+            <a:schemeClr val="accent1"/>
+          </a:fillRef>
+          <a:effectRef idx="0">
+            <a:schemeClr val="accent1"/>
+          </a:effectRef>
+          <a:fontRef idx="minor">
+            <a:schemeClr val="lt1"/>
+          </a:fontRef>
+        </p:style>
+        <p:txBody>
+          <a:bodyPr rtlCol="0" anchor="ctr"/>
+          <a:lstStyle/>
+          <a:p>
+            <a:pPr algn="ctr"/>
+            <a:endParaRPr kumimoji="1" lang="ja-JP" altLang="en-US" dirty="0"/>
+          </a:p>
+        </p:txBody>
+      </p:sp>
+      <p:pic>
+        <p:nvPicPr>
+          <p:cNvPr id="26" name="Picture 3" descr="C:\Users\tetsuya\AppData\Local\Microsoft\Windows\INetCache\IE\9PQUV042\sgi01a201409121600[1].jpg"/>
+          <p:cNvPicPr>
+            <a:picLocks noChangeAspect="1" noChangeArrowheads="1"/>
+          </p:cNvPicPr>
+          <p:nvPr/>
+        </p:nvPicPr>
+        <p:blipFill>
+          <a:blip r:embed="rId6" cstate="print">
+            <a:extLst>
+              <a:ext uri="{28A0092B-C50C-407E-A947-70E740481C1C}">
+                <a14:useLocalDpi xmlns:a14="http://schemas.microsoft.com/office/drawing/2010/main" val="0"/>
+              </a:ext>
+            </a:extLst>
+          </a:blip>
+          <a:srcRect/>
+          <a:stretch>
+            <a:fillRect/>
+          </a:stretch>
+        </p:blipFill>
+        <p:spPr bwMode="auto">
+          <a:xfrm>
+            <a:off x="238940" y="5685276"/>
+            <a:ext cx="578858" cy="578858"/>
+          </a:xfrm>
+          <a:prstGeom prst="rect">
+            <a:avLst/>
+          </a:prstGeom>
+          <a:noFill/>
+          <a:extLst>
+            <a:ext uri="{909E8E84-426E-40DD-AFC4-6F175D3DCCD1}">
+              <a14:hiddenFill xmlns:a14="http://schemas.microsoft.com/office/drawing/2010/main">
+                <a:solidFill>
+                  <a:srgbClr val="FFFFFF"/>
+                </a:solidFill>
+              </a14:hiddenFill>
+            </a:ext>
+          </a:extLst>
+        </p:spPr>
+      </p:pic>
+      <p:pic>
+        <p:nvPicPr>
+          <p:cNvPr id="27" name="Picture 5" descr="C:\Users\tetsuya\AppData\Local\Microsoft\Windows\INetCache\IE\2BC5JMJI\sgi01a201310150600[1].jpg"/>
+          <p:cNvPicPr>
+            <a:picLocks noChangeAspect="1" noChangeArrowheads="1"/>
+          </p:cNvPicPr>
+          <p:nvPr/>
+        </p:nvPicPr>
+        <p:blipFill>
+          <a:blip r:embed="rId3" cstate="print">
+            <a:extLst>
+              <a:ext uri="{28A0092B-C50C-407E-A947-70E740481C1C}">
+                <a14:useLocalDpi xmlns:a14="http://schemas.microsoft.com/office/drawing/2010/main" val="0"/>
+              </a:ext>
+            </a:extLst>
+          </a:blip>
+          <a:srcRect/>
+          <a:stretch>
+            <a:fillRect/>
+          </a:stretch>
+        </p:blipFill>
+        <p:spPr bwMode="auto">
+          <a:xfrm>
+            <a:off x="1873824" y="5486724"/>
+            <a:ext cx="286607" cy="286607"/>
+          </a:xfrm>
+          <a:prstGeom prst="rect">
+            <a:avLst/>
+          </a:prstGeom>
+          <a:noFill/>
+          <a:extLst>
+            <a:ext uri="{909E8E84-426E-40DD-AFC4-6F175D3DCCD1}">
+              <a14:hiddenFill xmlns:a14="http://schemas.microsoft.com/office/drawing/2010/main">
+                <a:solidFill>
+                  <a:srgbClr val="FFFFFF"/>
+                </a:solidFill>
+              </a14:hiddenFill>
+            </a:ext>
+          </a:extLst>
+        </p:spPr>
+      </p:pic>
+      <p:pic>
+        <p:nvPicPr>
+          <p:cNvPr id="28" name="Picture 6" descr="C:\Users\tetsuya\AppData\Local\Microsoft\Windows\INetCache\IE\9LV0U1RZ\arrow-curved-blue[1].png"/>
+          <p:cNvPicPr>
+            <a:picLocks noChangeAspect="1" noChangeArrowheads="1"/>
+          </p:cNvPicPr>
+          <p:nvPr/>
+        </p:nvPicPr>
+        <p:blipFill>
+          <a:blip r:embed="rId12" cstate="print">
+            <a:extLst>
+              <a:ext uri="{28A0092B-C50C-407E-A947-70E740481C1C}">
+                <a14:useLocalDpi xmlns:a14="http://schemas.microsoft.com/office/drawing/2010/main" val="0"/>
+              </a:ext>
+            </a:extLst>
+          </a:blip>
+          <a:srcRect/>
+          <a:stretch>
+            <a:fillRect/>
+          </a:stretch>
+        </p:blipFill>
+        <p:spPr bwMode="auto">
+          <a:xfrm rot="1780594" flipH="1">
+            <a:off x="1304928" y="4746610"/>
+            <a:ext cx="905785" cy="455157"/>
+          </a:xfrm>
+          <a:prstGeom prst="rect">
+            <a:avLst/>
+          </a:prstGeom>
+          <a:noFill/>
+          <a:extLst>
+            <a:ext uri="{909E8E84-426E-40DD-AFC4-6F175D3DCCD1}">
+              <a14:hiddenFill xmlns:a14="http://schemas.microsoft.com/office/drawing/2010/main">
+                <a:solidFill>
+                  <a:srgbClr val="FFFFFF"/>
+                </a:solidFill>
+              </a14:hiddenFill>
+            </a:ext>
+          </a:extLst>
+        </p:spPr>
+      </p:pic>
+      <p:pic>
+        <p:nvPicPr>
+          <p:cNvPr id="29" name="Picture 5" descr="C:\Users\tetsuya\AppData\Local\Microsoft\Windows\INetCache\IE\2BC5JMJI\sgi01a201310150600[1].jpg"/>
+          <p:cNvPicPr>
+            <a:picLocks noChangeAspect="1" noChangeArrowheads="1"/>
+          </p:cNvPicPr>
+          <p:nvPr/>
+        </p:nvPicPr>
+        <p:blipFill>
+          <a:blip r:embed="rId3" cstate="print">
+            <a:extLst>
+              <a:ext uri="{28A0092B-C50C-407E-A947-70E740481C1C}">
+                <a14:useLocalDpi xmlns:a14="http://schemas.microsoft.com/office/drawing/2010/main" val="0"/>
+              </a:ext>
+            </a:extLst>
+          </a:blip>
+          <a:srcRect/>
+          <a:stretch>
+            <a:fillRect/>
+          </a:stretch>
+        </p:blipFill>
+        <p:spPr bwMode="auto">
+          <a:xfrm>
+            <a:off x="840002" y="4773180"/>
+            <a:ext cx="286607" cy="286607"/>
+          </a:xfrm>
+          <a:prstGeom prst="rect">
+            <a:avLst/>
+          </a:prstGeom>
+          <a:noFill/>
+          <a:extLst>
+            <a:ext uri="{909E8E84-426E-40DD-AFC4-6F175D3DCCD1}">
+              <a14:hiddenFill xmlns:a14="http://schemas.microsoft.com/office/drawing/2010/main">
+                <a:solidFill>
+                  <a:srgbClr val="FFFFFF"/>
+                </a:solidFill>
+              </a14:hiddenFill>
+            </a:ext>
+          </a:extLst>
+        </p:spPr>
+      </p:pic>
+      <p:pic>
+        <p:nvPicPr>
+          <p:cNvPr id="30" name="Picture 3" descr="C:\Users\tetsuya\AppData\Local\Microsoft\Windows\INetCache\IE\9PQUV042\sgi01a201409121600[1].jpg"/>
           <p:cNvPicPr>
             <a:picLocks noChangeAspect="1" noChangeArrowheads="1"/>
           </p:cNvPicPr>
@@ -14683,8 +17019,8 @@
         </p:blipFill>
         <p:spPr bwMode="auto">
           <a:xfrm>
-            <a:off x="5552349" y="4617540"/>
-            <a:ext cx="463488" cy="463488"/>
+            <a:off x="6434768" y="2825802"/>
+            <a:ext cx="936104" cy="936104"/>
           </a:xfrm>
           <a:prstGeom prst="rect">
             <a:avLst/>
@@ -14701,46 +17037,16 @@
           </a:extLst>
         </p:spPr>
       </p:pic>
-      <p:sp>
-        <p:nvSpPr>
-          <p:cNvPr id="8" name="テキスト ボックス 7"/>
-          <p:cNvSpPr txBox="1"/>
-          <p:nvPr/>
-        </p:nvSpPr>
-        <p:spPr>
-          <a:xfrm>
-            <a:off x="4572000" y="1979548"/>
-            <a:ext cx="3744416" cy="369332"/>
-          </a:xfrm>
-          <a:prstGeom prst="rect">
-            <a:avLst/>
-          </a:prstGeom>
-          <a:noFill/>
-        </p:spPr>
-        <p:txBody>
-          <a:bodyPr wrap="square" rtlCol="0">
-            <a:spAutoFit/>
-          </a:bodyPr>
-          <a:lstStyle/>
-          <a:p>
-            <a:r>
-              <a:rPr kumimoji="1" lang="en-US" altLang="ja-JP" dirty="0"/>
-              <a:t>Reproduction with human intention.</a:t>
-            </a:r>
-            <a:endParaRPr kumimoji="1" lang="ja-JP" altLang="en-US" dirty="0"/>
-          </a:p>
-        </p:txBody>
-      </p:sp>
       <p:pic>
         <p:nvPicPr>
-          <p:cNvPr id="24" name="Picture 2" descr="C:\Users\tetsuya\AppData\Local\Microsoft\Windows\INetCache\IE\9PQUV042\man-146843_640[1].png"/>
+          <p:cNvPr id="31" name="Picture 5" descr="C:\Users\tetsuya\AppData\Local\Microsoft\Windows\INetCache\IE\2BC5JMJI\sgi01a201310150600[1].jpg"/>
           <p:cNvPicPr>
             <a:picLocks noChangeAspect="1" noChangeArrowheads="1"/>
           </p:cNvPicPr>
           <p:nvPr/>
         </p:nvPicPr>
         <p:blipFill>
-          <a:blip r:embed="rId4" cstate="print">
+          <a:blip r:embed="rId10" cstate="print">
             <a:extLst>
               <a:ext uri="{28A0092B-C50C-407E-A947-70E740481C1C}">
                 <a14:useLocalDpi xmlns:a14="http://schemas.microsoft.com/office/drawing/2010/main" val="0"/>
@@ -14754,8 +17060,8 @@
         </p:blipFill>
         <p:spPr bwMode="auto">
           <a:xfrm>
-            <a:off x="420746" y="4443445"/>
-            <a:ext cx="397052" cy="794103"/>
+            <a:off x="6182642" y="2926969"/>
+            <a:ext cx="463488" cy="463488"/>
           </a:xfrm>
           <a:prstGeom prst="rect">
             <a:avLst/>
@@ -14774,19 +17080,26 @@
       </p:pic>
       <p:sp>
         <p:nvSpPr>
-          <p:cNvPr id="25" name="正方形/長方形 24"/>
+          <p:cNvPr id="32" name="正方形/長方形 31"/>
           <p:cNvSpPr/>
           <p:nvPr/>
         </p:nvSpPr>
         <p:spPr>
           <a:xfrm>
-            <a:off x="174169" y="4259730"/>
-            <a:ext cx="2478094" cy="2100188"/>
+            <a:off x="6195582" y="2553726"/>
+            <a:ext cx="1237205" cy="964732"/>
           </a:xfrm>
           <a:prstGeom prst="rect">
             <a:avLst/>
           </a:prstGeom>
-          <a:noFill/>
+          <a:solidFill>
+            <a:schemeClr val="bg1">
+              <a:alpha val="75000"/>
+            </a:schemeClr>
+          </a:solidFill>
+          <a:ln>
+            <a:noFill/>
+          </a:ln>
         </p:spPr>
         <p:style>
           <a:lnRef idx="2">
@@ -14813,214 +17126,57 @@
           </a:p>
         </p:txBody>
       </p:sp>
-      <p:pic>
-        <p:nvPicPr>
-          <p:cNvPr id="26" name="Picture 3" descr="C:\Users\tetsuya\AppData\Local\Microsoft\Windows\INetCache\IE\9PQUV042\sgi01a201409121600[1].jpg"/>
-          <p:cNvPicPr>
-            <a:picLocks noChangeAspect="1" noChangeArrowheads="1"/>
-          </p:cNvPicPr>
+      <p:sp>
+        <p:nvSpPr>
+          <p:cNvPr id="33" name="正方形/長方形 32"/>
+          <p:cNvSpPr/>
           <p:nvPr/>
-        </p:nvPicPr>
-        <p:blipFill>
-          <a:blip r:embed="rId5" cstate="print">
-            <a:extLst>
-              <a:ext uri="{28A0092B-C50C-407E-A947-70E740481C1C}">
-                <a14:useLocalDpi xmlns:a14="http://schemas.microsoft.com/office/drawing/2010/main" val="0"/>
-              </a:ext>
-            </a:extLst>
-          </a:blip>
-          <a:srcRect/>
-          <a:stretch>
-            <a:fillRect/>
-          </a:stretch>
-        </p:blipFill>
-        <p:spPr bwMode="auto">
-          <a:xfrm>
-            <a:off x="238940" y="5685276"/>
-            <a:ext cx="578858" cy="578858"/>
+        </p:nvSpPr>
+        <p:spPr>
+          <a:xfrm>
+            <a:off x="6285816" y="3510886"/>
+            <a:ext cx="970303" cy="759956"/>
           </a:xfrm>
           <a:prstGeom prst="rect">
             <a:avLst/>
           </a:prstGeom>
-          <a:noFill/>
-          <a:extLst>
-            <a:ext uri="{909E8E84-426E-40DD-AFC4-6F175D3DCCD1}">
-              <a14:hiddenFill xmlns:a14="http://schemas.microsoft.com/office/drawing/2010/main">
-                <a:solidFill>
-                  <a:srgbClr val="FFFFFF"/>
-                </a:solidFill>
-              </a14:hiddenFill>
-            </a:ext>
-          </a:extLst>
-        </p:spPr>
-      </p:pic>
+          <a:solidFill>
+            <a:schemeClr val="bg1">
+              <a:alpha val="75000"/>
+            </a:schemeClr>
+          </a:solidFill>
+          <a:ln>
+            <a:noFill/>
+          </a:ln>
+        </p:spPr>
+        <p:style>
+          <a:lnRef idx="2">
+            <a:schemeClr val="accent1">
+              <a:shade val="50000"/>
+            </a:schemeClr>
+          </a:lnRef>
+          <a:fillRef idx="1">
+            <a:schemeClr val="accent1"/>
+          </a:fillRef>
+          <a:effectRef idx="0">
+            <a:schemeClr val="accent1"/>
+          </a:effectRef>
+          <a:fontRef idx="minor">
+            <a:schemeClr val="lt1"/>
+          </a:fontRef>
+        </p:style>
+        <p:txBody>
+          <a:bodyPr rtlCol="0" anchor="ctr"/>
+          <a:lstStyle/>
+          <a:p>
+            <a:pPr algn="ctr"/>
+            <a:endParaRPr kumimoji="1" lang="ja-JP" altLang="en-US" dirty="0"/>
+          </a:p>
+        </p:txBody>
+      </p:sp>
       <p:pic>
         <p:nvPicPr>
-          <p:cNvPr id="27" name="Picture 5" descr="C:\Users\tetsuya\AppData\Local\Microsoft\Windows\INetCache\IE\2BC5JMJI\sgi01a201310150600[1].jpg"/>
-          <p:cNvPicPr>
-            <a:picLocks noChangeAspect="1" noChangeArrowheads="1"/>
-          </p:cNvPicPr>
-          <p:nvPr/>
-        </p:nvPicPr>
-        <p:blipFill>
-          <a:blip r:embed="rId2" cstate="print">
-            <a:extLst>
-              <a:ext uri="{28A0092B-C50C-407E-A947-70E740481C1C}">
-                <a14:useLocalDpi xmlns:a14="http://schemas.microsoft.com/office/drawing/2010/main" val="0"/>
-              </a:ext>
-            </a:extLst>
-          </a:blip>
-          <a:srcRect/>
-          <a:stretch>
-            <a:fillRect/>
-          </a:stretch>
-        </p:blipFill>
-        <p:spPr bwMode="auto">
-          <a:xfrm>
-            <a:off x="1873824" y="5486724"/>
-            <a:ext cx="286607" cy="286607"/>
-          </a:xfrm>
-          <a:prstGeom prst="rect">
-            <a:avLst/>
-          </a:prstGeom>
-          <a:noFill/>
-          <a:extLst>
-            <a:ext uri="{909E8E84-426E-40DD-AFC4-6F175D3DCCD1}">
-              <a14:hiddenFill xmlns:a14="http://schemas.microsoft.com/office/drawing/2010/main">
-                <a:solidFill>
-                  <a:srgbClr val="FFFFFF"/>
-                </a:solidFill>
-              </a14:hiddenFill>
-            </a:ext>
-          </a:extLst>
-        </p:spPr>
-      </p:pic>
-      <p:pic>
-        <p:nvPicPr>
-          <p:cNvPr id="28" name="Picture 6" descr="C:\Users\tetsuya\AppData\Local\Microsoft\Windows\INetCache\IE\9LV0U1RZ\arrow-curved-blue[1].png"/>
-          <p:cNvPicPr>
-            <a:picLocks noChangeAspect="1" noChangeArrowheads="1"/>
-          </p:cNvPicPr>
-          <p:nvPr/>
-        </p:nvPicPr>
-        <p:blipFill>
-          <a:blip r:embed="rId11" cstate="print">
-            <a:extLst>
-              <a:ext uri="{28A0092B-C50C-407E-A947-70E740481C1C}">
-                <a14:useLocalDpi xmlns:a14="http://schemas.microsoft.com/office/drawing/2010/main" val="0"/>
-              </a:ext>
-            </a:extLst>
-          </a:blip>
-          <a:srcRect/>
-          <a:stretch>
-            <a:fillRect/>
-          </a:stretch>
-        </p:blipFill>
-        <p:spPr bwMode="auto">
-          <a:xfrm rot="1780594" flipH="1">
-            <a:off x="1304928" y="4746610"/>
-            <a:ext cx="905785" cy="455157"/>
-          </a:xfrm>
-          <a:prstGeom prst="rect">
-            <a:avLst/>
-          </a:prstGeom>
-          <a:noFill/>
-          <a:extLst>
-            <a:ext uri="{909E8E84-426E-40DD-AFC4-6F175D3DCCD1}">
-              <a14:hiddenFill xmlns:a14="http://schemas.microsoft.com/office/drawing/2010/main">
-                <a:solidFill>
-                  <a:srgbClr val="FFFFFF"/>
-                </a:solidFill>
-              </a14:hiddenFill>
-            </a:ext>
-          </a:extLst>
-        </p:spPr>
-      </p:pic>
-      <p:pic>
-        <p:nvPicPr>
-          <p:cNvPr id="29" name="Picture 5" descr="C:\Users\tetsuya\AppData\Local\Microsoft\Windows\INetCache\IE\2BC5JMJI\sgi01a201310150600[1].jpg"/>
-          <p:cNvPicPr>
-            <a:picLocks noChangeAspect="1" noChangeArrowheads="1"/>
-          </p:cNvPicPr>
-          <p:nvPr/>
-        </p:nvPicPr>
-        <p:blipFill>
-          <a:blip r:embed="rId2" cstate="print">
-            <a:extLst>
-              <a:ext uri="{28A0092B-C50C-407E-A947-70E740481C1C}">
-                <a14:useLocalDpi xmlns:a14="http://schemas.microsoft.com/office/drawing/2010/main" val="0"/>
-              </a:ext>
-            </a:extLst>
-          </a:blip>
-          <a:srcRect/>
-          <a:stretch>
-            <a:fillRect/>
-          </a:stretch>
-        </p:blipFill>
-        <p:spPr bwMode="auto">
-          <a:xfrm>
-            <a:off x="840002" y="4773180"/>
-            <a:ext cx="286607" cy="286607"/>
-          </a:xfrm>
-          <a:prstGeom prst="rect">
-            <a:avLst/>
-          </a:prstGeom>
-          <a:noFill/>
-          <a:extLst>
-            <a:ext uri="{909E8E84-426E-40DD-AFC4-6F175D3DCCD1}">
-              <a14:hiddenFill xmlns:a14="http://schemas.microsoft.com/office/drawing/2010/main">
-                <a:solidFill>
-                  <a:srgbClr val="FFFFFF"/>
-                </a:solidFill>
-              </a14:hiddenFill>
-            </a:ext>
-          </a:extLst>
-        </p:spPr>
-      </p:pic>
-      <p:pic>
-        <p:nvPicPr>
-          <p:cNvPr id="30" name="Picture 3" descr="C:\Users\tetsuya\AppData\Local\Microsoft\Windows\INetCache\IE\9PQUV042\sgi01a201409121600[1].jpg"/>
-          <p:cNvPicPr>
-            <a:picLocks noChangeAspect="1" noChangeArrowheads="1"/>
-          </p:cNvPicPr>
-          <p:nvPr/>
-        </p:nvPicPr>
-        <p:blipFill>
-          <a:blip r:embed="rId8" cstate="print">
-            <a:extLst>
-              <a:ext uri="{28A0092B-C50C-407E-A947-70E740481C1C}">
-                <a14:useLocalDpi xmlns:a14="http://schemas.microsoft.com/office/drawing/2010/main" val="0"/>
-              </a:ext>
-            </a:extLst>
-          </a:blip>
-          <a:srcRect/>
-          <a:stretch>
-            <a:fillRect/>
-          </a:stretch>
-        </p:blipFill>
-        <p:spPr bwMode="auto">
-          <a:xfrm>
-            <a:off x="6434768" y="2825802"/>
-            <a:ext cx="936104" cy="936104"/>
-          </a:xfrm>
-          <a:prstGeom prst="rect">
-            <a:avLst/>
-          </a:prstGeom>
-          <a:noFill/>
-          <a:extLst>
-            <a:ext uri="{909E8E84-426E-40DD-AFC4-6F175D3DCCD1}">
-              <a14:hiddenFill xmlns:a14="http://schemas.microsoft.com/office/drawing/2010/main">
-                <a:solidFill>
-                  <a:srgbClr val="FFFFFF"/>
-                </a:solidFill>
-              </a14:hiddenFill>
-            </a:ext>
-          </a:extLst>
-        </p:spPr>
-      </p:pic>
-      <p:pic>
-        <p:nvPicPr>
-          <p:cNvPr id="31" name="Picture 5" descr="C:\Users\tetsuya\AppData\Local\Microsoft\Windows\INetCache\IE\2BC5JMJI\sgi01a201310150600[1].jpg"/>
+          <p:cNvPr id="34" name="Picture 3" descr="C:\Users\tetsuya\AppData\Local\Microsoft\Windows\INetCache\IE\9PQUV042\sgi01a201409121600[1].jpg"/>
           <p:cNvPicPr>
             <a:picLocks noChangeAspect="1" noChangeArrowheads="1"/>
           </p:cNvPicPr>
@@ -15041,8 +17197,8 @@
         </p:blipFill>
         <p:spPr bwMode="auto">
           <a:xfrm>
-            <a:off x="6182642" y="2926969"/>
-            <a:ext cx="463488" cy="463488"/>
+            <a:off x="3131840" y="3518458"/>
+            <a:ext cx="936104" cy="936104"/>
           </a:xfrm>
           <a:prstGeom prst="rect">
             <a:avLst/>
@@ -15059,143 +17215,6 @@
           </a:extLst>
         </p:spPr>
       </p:pic>
-      <p:sp>
-        <p:nvSpPr>
-          <p:cNvPr id="32" name="正方形/長方形 31"/>
-          <p:cNvSpPr/>
-          <p:nvPr/>
-        </p:nvSpPr>
-        <p:spPr>
-          <a:xfrm>
-            <a:off x="6195582" y="2553726"/>
-            <a:ext cx="1237205" cy="964732"/>
-          </a:xfrm>
-          <a:prstGeom prst="rect">
-            <a:avLst/>
-          </a:prstGeom>
-          <a:solidFill>
-            <a:schemeClr val="bg1">
-              <a:alpha val="75000"/>
-            </a:schemeClr>
-          </a:solidFill>
-          <a:ln>
-            <a:noFill/>
-          </a:ln>
-        </p:spPr>
-        <p:style>
-          <a:lnRef idx="2">
-            <a:schemeClr val="accent1">
-              <a:shade val="50000"/>
-            </a:schemeClr>
-          </a:lnRef>
-          <a:fillRef idx="1">
-            <a:schemeClr val="accent1"/>
-          </a:fillRef>
-          <a:effectRef idx="0">
-            <a:schemeClr val="accent1"/>
-          </a:effectRef>
-          <a:fontRef idx="minor">
-            <a:schemeClr val="lt1"/>
-          </a:fontRef>
-        </p:style>
-        <p:txBody>
-          <a:bodyPr rtlCol="0" anchor="ctr"/>
-          <a:lstStyle/>
-          <a:p>
-            <a:pPr algn="ctr"/>
-            <a:endParaRPr kumimoji="1" lang="ja-JP" altLang="en-US" dirty="0"/>
-          </a:p>
-        </p:txBody>
-      </p:sp>
-      <p:sp>
-        <p:nvSpPr>
-          <p:cNvPr id="33" name="正方形/長方形 32"/>
-          <p:cNvSpPr/>
-          <p:nvPr/>
-        </p:nvSpPr>
-        <p:spPr>
-          <a:xfrm>
-            <a:off x="6285816" y="3510886"/>
-            <a:ext cx="970303" cy="759956"/>
-          </a:xfrm>
-          <a:prstGeom prst="rect">
-            <a:avLst/>
-          </a:prstGeom>
-          <a:solidFill>
-            <a:schemeClr val="bg1">
-              <a:alpha val="75000"/>
-            </a:schemeClr>
-          </a:solidFill>
-          <a:ln>
-            <a:noFill/>
-          </a:ln>
-        </p:spPr>
-        <p:style>
-          <a:lnRef idx="2">
-            <a:schemeClr val="accent1">
-              <a:shade val="50000"/>
-            </a:schemeClr>
-          </a:lnRef>
-          <a:fillRef idx="1">
-            <a:schemeClr val="accent1"/>
-          </a:fillRef>
-          <a:effectRef idx="0">
-            <a:schemeClr val="accent1"/>
-          </a:effectRef>
-          <a:fontRef idx="minor">
-            <a:schemeClr val="lt1"/>
-          </a:fontRef>
-        </p:style>
-        <p:txBody>
-          <a:bodyPr rtlCol="0" anchor="ctr"/>
-          <a:lstStyle/>
-          <a:p>
-            <a:pPr algn="ctr"/>
-            <a:endParaRPr kumimoji="1" lang="ja-JP" altLang="en-US" dirty="0"/>
-          </a:p>
-        </p:txBody>
-      </p:sp>
-      <p:pic>
-        <p:nvPicPr>
-          <p:cNvPr id="34" name="Picture 3" descr="C:\Users\tetsuya\AppData\Local\Microsoft\Windows\INetCache\IE\9PQUV042\sgi01a201409121600[1].jpg"/>
-          <p:cNvPicPr>
-            <a:picLocks noChangeAspect="1" noChangeArrowheads="1"/>
-          </p:cNvPicPr>
-          <p:nvPr/>
-        </p:nvPicPr>
-        <p:blipFill>
-          <a:blip r:embed="rId8" cstate="print">
-            <a:extLst>
-              <a:ext uri="{28A0092B-C50C-407E-A947-70E740481C1C}">
-                <a14:useLocalDpi xmlns:a14="http://schemas.microsoft.com/office/drawing/2010/main" val="0"/>
-              </a:ext>
-            </a:extLst>
-          </a:blip>
-          <a:srcRect/>
-          <a:stretch>
-            <a:fillRect/>
-          </a:stretch>
-        </p:blipFill>
-        <p:spPr bwMode="auto">
-          <a:xfrm>
-            <a:off x="3131840" y="3518458"/>
-            <a:ext cx="936104" cy="936104"/>
-          </a:xfrm>
-          <a:prstGeom prst="rect">
-            <a:avLst/>
-          </a:prstGeom>
-          <a:noFill/>
-          <a:extLst>
-            <a:ext uri="{909E8E84-426E-40DD-AFC4-6F175D3DCCD1}">
-              <a14:hiddenFill xmlns:a14="http://schemas.microsoft.com/office/drawing/2010/main">
-                <a:solidFill>
-                  <a:srgbClr val="FFFFFF"/>
-                </a:solidFill>
-              </a14:hiddenFill>
-            </a:ext>
-          </a:extLst>
-        </p:spPr>
-      </p:pic>
       <p:pic>
         <p:nvPicPr>
           <p:cNvPr id="9" name="Picture 2" descr="C:\Users\tetsuya\AppData\Local\Microsoft\Windows\INetCache\IE\2BC5JMJI\up-arrow-silhouette[1].jpg"/>
@@ -15205,7 +17224,7 @@
           <p:nvPr/>
         </p:nvPicPr>
         <p:blipFill>
-          <a:blip r:embed="rId12" cstate="print">
+          <a:blip r:embed="rId13" cstate="print">
             <a:extLst>
               <a:ext uri="{28A0092B-C50C-407E-A947-70E740481C1C}">
                 <a14:useLocalDpi xmlns:a14="http://schemas.microsoft.com/office/drawing/2010/main" val="0"/>
@@ -15401,7 +17420,7 @@
           </p:nvPr>
         </p:nvPicPr>
         <p:blipFill>
-          <a:blip r:embed="rId2" cstate="print">
+          <a:blip r:embed="rId3" cstate="print">
             <a:extLst>
               <a:ext uri="{28A0092B-C50C-407E-A947-70E740481C1C}">
                 <a14:useLocalDpi xmlns:a14="http://schemas.microsoft.com/office/drawing/2010/main" val="0"/>
@@ -15482,7 +17501,7 @@
           <p:nvPr/>
         </p:nvPicPr>
         <p:blipFill>
-          <a:blip r:embed="rId2" cstate="print">
+          <a:blip r:embed="rId3" cstate="print">
             <a:extLst>
               <a:ext uri="{28A0092B-C50C-407E-A947-70E740481C1C}">
                 <a14:useLocalDpi xmlns:a14="http://schemas.microsoft.com/office/drawing/2010/main" val="0"/>
@@ -15517,199 +17536,6 @@
       <p:pic>
         <p:nvPicPr>
           <p:cNvPr id="20" name="Picture 3" descr="C:\Users\tetsuya\AppData\Local\Microsoft\Windows\INetCache\IE\9PQUV042\sgi01a201409121600[1].jpg"/>
-          <p:cNvPicPr>
-            <a:picLocks noChangeAspect="1" noChangeArrowheads="1"/>
-          </p:cNvPicPr>
-          <p:nvPr/>
-        </p:nvPicPr>
-        <p:blipFill>
-          <a:blip r:embed="rId2" cstate="print">
-            <a:extLst>
-              <a:ext uri="{28A0092B-C50C-407E-A947-70E740481C1C}">
-                <a14:useLocalDpi xmlns:a14="http://schemas.microsoft.com/office/drawing/2010/main" val="0"/>
-              </a:ext>
-            </a:extLst>
-          </a:blip>
-          <a:srcRect/>
-          <a:stretch>
-            <a:fillRect/>
-          </a:stretch>
-        </p:blipFill>
-        <p:spPr bwMode="auto">
-          <a:xfrm>
-            <a:off x="5106787" y="4509435"/>
-            <a:ext cx="936104" cy="936104"/>
-          </a:xfrm>
-          <a:prstGeom prst="rect">
-            <a:avLst/>
-          </a:prstGeom>
-          <a:noFill/>
-          <a:extLst>
-            <a:ext uri="{909E8E84-426E-40DD-AFC4-6F175D3DCCD1}">
-              <a14:hiddenFill xmlns:a14="http://schemas.microsoft.com/office/drawing/2010/main">
-                <a:solidFill>
-                  <a:srgbClr val="FFFFFF"/>
-                </a:solidFill>
-              </a14:hiddenFill>
-            </a:ext>
-          </a:extLst>
-        </p:spPr>
-      </p:pic>
-      <p:sp>
-        <p:nvSpPr>
-          <p:cNvPr id="2" name="コンテンツ プレースホルダー 1"/>
-          <p:cNvSpPr>
-            <a:spLocks noGrp="1"/>
-          </p:cNvSpPr>
-          <p:nvPr>
-            <p:ph idx="1"/>
-          </p:nvPr>
-        </p:nvSpPr>
-        <p:spPr>
-          <a:xfrm>
-            <a:off x="158824" y="1196752"/>
-            <a:ext cx="8854208" cy="5210559"/>
-          </a:xfrm>
-        </p:spPr>
-        <p:txBody>
-          <a:bodyPr/>
-          <a:lstStyle/>
-          <a:p>
-            <a:r>
-              <a:rPr lang="en-US" altLang="ja-JP" dirty="0"/>
-              <a:t>Previous method learn only the relationship between initial states and goal states.</a:t>
-            </a:r>
-          </a:p>
-          <a:p>
-            <a:r>
-              <a:rPr lang="en-US" altLang="ja-JP" dirty="0"/>
-              <a:t>So, it</a:t>
-            </a:r>
-            <a:r>
-              <a:rPr lang="ja-JP" altLang="en-US" dirty="0"/>
-              <a:t> </a:t>
-            </a:r>
-            <a:r>
-              <a:rPr lang="en-US" altLang="ja-JP" dirty="0"/>
-              <a:t>could</a:t>
-            </a:r>
-            <a:r>
-              <a:rPr lang="ja-JP" altLang="en-US" dirty="0"/>
-              <a:t> </a:t>
-            </a:r>
-            <a:r>
-              <a:rPr lang="en-US" altLang="ja-JP" dirty="0"/>
-              <a:t>not</a:t>
-            </a:r>
-            <a:r>
-              <a:rPr lang="ja-JP" altLang="en-US" dirty="0"/>
-              <a:t> </a:t>
-            </a:r>
-            <a:r>
-              <a:rPr lang="en-US" altLang="ja-JP" dirty="0"/>
-              <a:t>take</a:t>
-            </a:r>
-            <a:r>
-              <a:rPr lang="ja-JP" altLang="en-US" dirty="0"/>
-              <a:t> </a:t>
-            </a:r>
-            <a:r>
-              <a:rPr lang="en-US" altLang="ja-JP" dirty="0"/>
-              <a:t>account</a:t>
-            </a:r>
-            <a:r>
-              <a:rPr lang="ja-JP" altLang="en-US" dirty="0"/>
-              <a:t> </a:t>
-            </a:r>
-            <a:r>
-              <a:rPr lang="en-US" altLang="ja-JP" dirty="0"/>
-              <a:t>for</a:t>
-            </a:r>
-            <a:r>
-              <a:rPr lang="ja-JP" altLang="en-US" dirty="0"/>
-              <a:t> </a:t>
-            </a:r>
-            <a:r>
-              <a:rPr lang="en-US" altLang="ja-JP" dirty="0"/>
-              <a:t>intermediate states.</a:t>
-            </a:r>
-          </a:p>
-          <a:p>
-            <a:endParaRPr lang="en-US" altLang="ja-JP" dirty="0"/>
-          </a:p>
-        </p:txBody>
-      </p:sp>
-      <p:sp>
-        <p:nvSpPr>
-          <p:cNvPr id="3" name="タイトル 2"/>
-          <p:cNvSpPr>
-            <a:spLocks noGrp="1"/>
-          </p:cNvSpPr>
-          <p:nvPr>
-            <p:ph type="title"/>
-          </p:nvPr>
-        </p:nvSpPr>
-        <p:spPr/>
-        <p:txBody>
-          <a:bodyPr/>
-          <a:lstStyle/>
-          <a:p>
-            <a:r>
-              <a:rPr kumimoji="1" lang="en-US" altLang="ja-JP" dirty="0"/>
-              <a:t>Problem</a:t>
-            </a:r>
-            <a:r>
-              <a:rPr lang="en-US" altLang="ja-JP" dirty="0"/>
-              <a:t> of previous work</a:t>
-            </a:r>
-            <a:endParaRPr kumimoji="1" lang="ja-JP" altLang="en-US" dirty="0"/>
-          </a:p>
-        </p:txBody>
-      </p:sp>
-      <p:pic>
-        <p:nvPicPr>
-          <p:cNvPr id="6" name="Picture 3" descr="C:\Users\tetsuya\AppData\Local\Microsoft\Windows\INetCache\IE\9PQUV042\sgi01a201409121600[1].jpg"/>
-          <p:cNvPicPr>
-            <a:picLocks noChangeAspect="1" noChangeArrowheads="1"/>
-          </p:cNvPicPr>
-          <p:nvPr/>
-        </p:nvPicPr>
-        <p:blipFill>
-          <a:blip r:embed="rId2" cstate="print">
-            <a:extLst>
-              <a:ext uri="{28A0092B-C50C-407E-A947-70E740481C1C}">
-                <a14:useLocalDpi xmlns:a14="http://schemas.microsoft.com/office/drawing/2010/main" val="0"/>
-              </a:ext>
-            </a:extLst>
-          </a:blip>
-          <a:srcRect/>
-          <a:stretch>
-            <a:fillRect/>
-          </a:stretch>
-        </p:blipFill>
-        <p:spPr bwMode="auto">
-          <a:xfrm>
-            <a:off x="539552" y="5589240"/>
-            <a:ext cx="936104" cy="936104"/>
-          </a:xfrm>
-          <a:prstGeom prst="rect">
-            <a:avLst/>
-          </a:prstGeom>
-          <a:noFill/>
-          <a:extLst>
-            <a:ext uri="{909E8E84-426E-40DD-AFC4-6F175D3DCCD1}">
-              <a14:hiddenFill xmlns:a14="http://schemas.microsoft.com/office/drawing/2010/main">
-                <a:solidFill>
-                  <a:srgbClr val="FFFFFF"/>
-                </a:solidFill>
-              </a14:hiddenFill>
-            </a:ext>
-          </a:extLst>
-        </p:spPr>
-      </p:pic>
-      <p:pic>
-        <p:nvPicPr>
-          <p:cNvPr id="7" name="Picture 5" descr="C:\Users\tetsuya\AppData\Local\Microsoft\Windows\INetCache\IE\2BC5JMJI\sgi01a201310150600[1].jpg"/>
           <p:cNvPicPr>
             <a:picLocks noChangeAspect="1" noChangeArrowheads="1"/>
           </p:cNvPicPr>
@@ -15730,8 +17556,8 @@
         </p:blipFill>
         <p:spPr bwMode="auto">
           <a:xfrm>
-            <a:off x="787882" y="4297607"/>
-            <a:ext cx="463488" cy="463488"/>
+            <a:off x="5106787" y="4509435"/>
+            <a:ext cx="936104" cy="936104"/>
           </a:xfrm>
           <a:prstGeom prst="rect">
             <a:avLst/>
@@ -15748,9 +17574,161 @@
           </a:extLst>
         </p:spPr>
       </p:pic>
+      <p:sp>
+        <p:nvSpPr>
+          <p:cNvPr id="2" name="コンテンツ プレースホルダー 1"/>
+          <p:cNvSpPr>
+            <a:spLocks noGrp="1"/>
+          </p:cNvSpPr>
+          <p:nvPr>
+            <p:ph idx="1"/>
+          </p:nvPr>
+        </p:nvSpPr>
+        <p:spPr>
+          <a:xfrm>
+            <a:off x="158824" y="1196752"/>
+            <a:ext cx="8854208" cy="5210559"/>
+          </a:xfrm>
+        </p:spPr>
+        <p:txBody>
+          <a:bodyPr/>
+          <a:lstStyle/>
+          <a:p>
+            <a:r>
+              <a:rPr lang="en-US" altLang="ja-JP" dirty="0"/>
+              <a:t>Previous method learn only the relationship between initial states and goal states.</a:t>
+            </a:r>
+          </a:p>
+          <a:p>
+            <a:r>
+              <a:rPr lang="en-US" altLang="ja-JP" dirty="0"/>
+              <a:t>So, it</a:t>
+            </a:r>
+            <a:r>
+              <a:rPr lang="ja-JP" altLang="en-US" dirty="0"/>
+              <a:t> </a:t>
+            </a:r>
+            <a:r>
+              <a:rPr lang="en-US" altLang="ja-JP" dirty="0"/>
+              <a:t>could</a:t>
+            </a:r>
+            <a:r>
+              <a:rPr lang="ja-JP" altLang="en-US" dirty="0"/>
+              <a:t> </a:t>
+            </a:r>
+            <a:r>
+              <a:rPr lang="en-US" altLang="ja-JP" dirty="0"/>
+              <a:t>not</a:t>
+            </a:r>
+            <a:r>
+              <a:rPr lang="ja-JP" altLang="en-US" dirty="0"/>
+              <a:t> </a:t>
+            </a:r>
+            <a:r>
+              <a:rPr lang="en-US" altLang="ja-JP" dirty="0"/>
+              <a:t>take</a:t>
+            </a:r>
+            <a:r>
+              <a:rPr lang="ja-JP" altLang="en-US" dirty="0"/>
+              <a:t> </a:t>
+            </a:r>
+            <a:r>
+              <a:rPr lang="en-US" altLang="ja-JP" dirty="0"/>
+              <a:t>account</a:t>
+            </a:r>
+            <a:r>
+              <a:rPr lang="ja-JP" altLang="en-US" dirty="0"/>
+              <a:t> </a:t>
+            </a:r>
+            <a:r>
+              <a:rPr lang="en-US" altLang="ja-JP" dirty="0"/>
+              <a:t>for</a:t>
+            </a:r>
+            <a:r>
+              <a:rPr lang="ja-JP" altLang="en-US" dirty="0"/>
+              <a:t> </a:t>
+            </a:r>
+            <a:r>
+              <a:rPr lang="en-US" altLang="ja-JP" dirty="0"/>
+              <a:t>intermediate states.</a:t>
+            </a:r>
+          </a:p>
+          <a:p>
+            <a:endParaRPr lang="en-US" altLang="ja-JP" dirty="0"/>
+          </a:p>
+        </p:txBody>
+      </p:sp>
+      <p:sp>
+        <p:nvSpPr>
+          <p:cNvPr id="3" name="タイトル 2"/>
+          <p:cNvSpPr>
+            <a:spLocks noGrp="1"/>
+          </p:cNvSpPr>
+          <p:nvPr>
+            <p:ph type="title"/>
+          </p:nvPr>
+        </p:nvSpPr>
+        <p:spPr/>
+        <p:txBody>
+          <a:bodyPr/>
+          <a:lstStyle/>
+          <a:p>
+            <a:r>
+              <a:rPr kumimoji="1" lang="en-US" altLang="ja-JP" dirty="0"/>
+              <a:t>Problem</a:t>
+            </a:r>
+            <a:r>
+              <a:rPr lang="en-US" altLang="ja-JP" dirty="0"/>
+              <a:t> of previous work</a:t>
+            </a:r>
+            <a:endParaRPr kumimoji="1" lang="ja-JP" altLang="en-US" dirty="0"/>
+          </a:p>
+        </p:txBody>
+      </p:sp>
       <p:pic>
         <p:nvPicPr>
-          <p:cNvPr id="8" name="Picture 6" descr="C:\Users\tetsuya\AppData\Local\Microsoft\Windows\INetCache\IE\9LV0U1RZ\arrow-curved-blue[1].png"/>
+          <p:cNvPr id="6" name="Picture 3" descr="C:\Users\tetsuya\AppData\Local\Microsoft\Windows\INetCache\IE\9PQUV042\sgi01a201409121600[1].jpg"/>
+          <p:cNvPicPr>
+            <a:picLocks noChangeAspect="1" noChangeArrowheads="1"/>
+          </p:cNvPicPr>
+          <p:nvPr/>
+        </p:nvPicPr>
+        <p:blipFill>
+          <a:blip r:embed="rId3" cstate="print">
+            <a:extLst>
+              <a:ext uri="{28A0092B-C50C-407E-A947-70E740481C1C}">
+                <a14:useLocalDpi xmlns:a14="http://schemas.microsoft.com/office/drawing/2010/main" val="0"/>
+              </a:ext>
+            </a:extLst>
+          </a:blip>
+          <a:srcRect/>
+          <a:stretch>
+            <a:fillRect/>
+          </a:stretch>
+        </p:blipFill>
+        <p:spPr bwMode="auto">
+          <a:xfrm>
+            <a:off x="539552" y="5589240"/>
+            <a:ext cx="936104" cy="936104"/>
+          </a:xfrm>
+          <a:prstGeom prst="rect">
+            <a:avLst/>
+          </a:prstGeom>
+          <a:noFill/>
+          <a:extLst>
+            <a:ext uri="{909E8E84-426E-40DD-AFC4-6F175D3DCCD1}">
+              <a14:hiddenFill xmlns:a14="http://schemas.microsoft.com/office/drawing/2010/main">
+                <a:solidFill>
+                  <a:srgbClr val="FFFFFF"/>
+                </a:solidFill>
+              </a14:hiddenFill>
+            </a:ext>
+          </a:extLst>
+        </p:spPr>
+      </p:pic>
+      <p:pic>
+        <p:nvPicPr>
+          <p:cNvPr id="7" name="Picture 5" descr="C:\Users\tetsuya\AppData\Local\Microsoft\Windows\INetCache\IE\2BC5JMJI\sgi01a201310150600[1].jpg"/>
           <p:cNvPicPr>
             <a:picLocks noChangeAspect="1" noChangeArrowheads="1"/>
           </p:cNvPicPr>
@@ -15770,9 +17748,9 @@
           </a:stretch>
         </p:blipFill>
         <p:spPr bwMode="auto">
-          <a:xfrm rot="10800000" flipH="1">
-            <a:off x="1403648" y="4780508"/>
-            <a:ext cx="1098792" cy="552143"/>
+          <a:xfrm>
+            <a:off x="787882" y="4297607"/>
+            <a:ext cx="463488" cy="463488"/>
           </a:xfrm>
           <a:prstGeom prst="rect">
             <a:avLst/>
@@ -15791,7 +17769,7 @@
       </p:pic>
       <p:pic>
         <p:nvPicPr>
-          <p:cNvPr id="11" name="Picture 5" descr="C:\Users\tetsuya\AppData\Local\Microsoft\Windows\INetCache\IE\2BC5JMJI\sgi01a201310150600[1].jpg"/>
+          <p:cNvPr id="8" name="Picture 6" descr="C:\Users\tetsuya\AppData\Local\Microsoft\Windows\INetCache\IE\9LV0U1RZ\arrow-curved-blue[1].png"/>
           <p:cNvPicPr>
             <a:picLocks noChangeAspect="1" noChangeArrowheads="1"/>
           </p:cNvPicPr>
@@ -15811,6 +17789,47 @@
           </a:stretch>
         </p:blipFill>
         <p:spPr bwMode="auto">
+          <a:xfrm rot="10800000" flipH="1">
+            <a:off x="1403648" y="4780508"/>
+            <a:ext cx="1098792" cy="552143"/>
+          </a:xfrm>
+          <a:prstGeom prst="rect">
+            <a:avLst/>
+          </a:prstGeom>
+          <a:noFill/>
+          <a:extLst>
+            <a:ext uri="{909E8E84-426E-40DD-AFC4-6F175D3DCCD1}">
+              <a14:hiddenFill xmlns:a14="http://schemas.microsoft.com/office/drawing/2010/main">
+                <a:solidFill>
+                  <a:srgbClr val="FFFFFF"/>
+                </a:solidFill>
+              </a14:hiddenFill>
+            </a:ext>
+          </a:extLst>
+        </p:spPr>
+      </p:pic>
+      <p:pic>
+        <p:nvPicPr>
+          <p:cNvPr id="11" name="Picture 5" descr="C:\Users\tetsuya\AppData\Local\Microsoft\Windows\INetCache\IE\2BC5JMJI\sgi01a201310150600[1].jpg"/>
+          <p:cNvPicPr>
+            <a:picLocks noChangeAspect="1" noChangeArrowheads="1"/>
+          </p:cNvPicPr>
+          <p:nvPr/>
+        </p:nvPicPr>
+        <p:blipFill>
+          <a:blip r:embed="rId6" cstate="print">
+            <a:extLst>
+              <a:ext uri="{28A0092B-C50C-407E-A947-70E740481C1C}">
+                <a14:useLocalDpi xmlns:a14="http://schemas.microsoft.com/office/drawing/2010/main" val="0"/>
+              </a:ext>
+            </a:extLst>
+          </a:blip>
+          <a:srcRect/>
+          <a:stretch>
+            <a:fillRect/>
+          </a:stretch>
+        </p:blipFill>
+        <p:spPr bwMode="auto">
           <a:xfrm>
             <a:off x="2771800" y="4317020"/>
             <a:ext cx="463488" cy="463488"/>
@@ -15881,6 +17900,87 @@
       <p:pic>
         <p:nvPicPr>
           <p:cNvPr id="13" name="Picture 6" descr="C:\Users\tetsuya\AppData\Local\Microsoft\Windows\INetCache\IE\9LV0U1RZ\arrow-curved-blue[1].png"/>
+          <p:cNvPicPr>
+            <a:picLocks noChangeAspect="1" noChangeArrowheads="1"/>
+          </p:cNvPicPr>
+          <p:nvPr/>
+        </p:nvPicPr>
+        <p:blipFill>
+          <a:blip r:embed="rId5" cstate="print">
+            <a:extLst>
+              <a:ext uri="{28A0092B-C50C-407E-A947-70E740481C1C}">
+                <a14:useLocalDpi xmlns:a14="http://schemas.microsoft.com/office/drawing/2010/main" val="0"/>
+              </a:ext>
+            </a:extLst>
+          </a:blip>
+          <a:srcRect/>
+          <a:stretch>
+            <a:fillRect/>
+          </a:stretch>
+        </p:blipFill>
+        <p:spPr bwMode="auto">
+          <a:xfrm rot="10800000" flipH="1" flipV="1">
+            <a:off x="1403649" y="3844404"/>
+            <a:ext cx="1098792" cy="567742"/>
+          </a:xfrm>
+          <a:prstGeom prst="rect">
+            <a:avLst/>
+          </a:prstGeom>
+          <a:noFill/>
+          <a:extLst>
+            <a:ext uri="{909E8E84-426E-40DD-AFC4-6F175D3DCCD1}">
+              <a14:hiddenFill xmlns:a14="http://schemas.microsoft.com/office/drawing/2010/main">
+                <a:solidFill>
+                  <a:srgbClr val="FFFFFF"/>
+                </a:solidFill>
+              </a14:hiddenFill>
+            </a:ext>
+          </a:extLst>
+        </p:spPr>
+      </p:pic>
+      <p:sp>
+        <p:nvSpPr>
+          <p:cNvPr id="14" name="矢印: 右 13"/>
+          <p:cNvSpPr/>
+          <p:nvPr/>
+        </p:nvSpPr>
+        <p:spPr>
+          <a:xfrm>
+            <a:off x="3923928" y="4351922"/>
+            <a:ext cx="576064" cy="504056"/>
+          </a:xfrm>
+          <a:prstGeom prst="rightArrow">
+            <a:avLst/>
+          </a:prstGeom>
+        </p:spPr>
+        <p:style>
+          <a:lnRef idx="2">
+            <a:schemeClr val="accent1">
+              <a:shade val="50000"/>
+            </a:schemeClr>
+          </a:lnRef>
+          <a:fillRef idx="1">
+            <a:schemeClr val="accent1"/>
+          </a:fillRef>
+          <a:effectRef idx="0">
+            <a:schemeClr val="accent1"/>
+          </a:effectRef>
+          <a:fontRef idx="minor">
+            <a:schemeClr val="lt1"/>
+          </a:fontRef>
+        </p:style>
+        <p:txBody>
+          <a:bodyPr rtlCol="0" anchor="ctr"/>
+          <a:lstStyle/>
+          <a:p>
+            <a:pPr algn="ctr"/>
+            <a:endParaRPr kumimoji="1" lang="ja-JP" altLang="en-US" dirty="0"/>
+          </a:p>
+        </p:txBody>
+      </p:sp>
+      <p:pic>
+        <p:nvPicPr>
+          <p:cNvPr id="15" name="Picture 5" descr="C:\Users\tetsuya\AppData\Local\Microsoft\Windows\INetCache\IE\2BC5JMJI\sgi01a201310150600[1].jpg"/>
           <p:cNvPicPr>
             <a:picLocks noChangeAspect="1" noChangeArrowheads="1"/>
           </p:cNvPicPr>
@@ -15900,9 +18000,9 @@
           </a:stretch>
         </p:blipFill>
         <p:spPr bwMode="auto">
-          <a:xfrm rot="10800000" flipH="1" flipV="1">
-            <a:off x="1403649" y="3844404"/>
-            <a:ext cx="1098792" cy="567742"/>
+          <a:xfrm>
+            <a:off x="4892338" y="4297607"/>
+            <a:ext cx="463488" cy="463488"/>
           </a:xfrm>
           <a:prstGeom prst="rect">
             <a:avLst/>
@@ -15919,87 +18019,6 @@
           </a:extLst>
         </p:spPr>
       </p:pic>
-      <p:sp>
-        <p:nvSpPr>
-          <p:cNvPr id="14" name="矢印: 右 13"/>
-          <p:cNvSpPr/>
-          <p:nvPr/>
-        </p:nvSpPr>
-        <p:spPr>
-          <a:xfrm>
-            <a:off x="3923928" y="4351922"/>
-            <a:ext cx="576064" cy="504056"/>
-          </a:xfrm>
-          <a:prstGeom prst="rightArrow">
-            <a:avLst/>
-          </a:prstGeom>
-        </p:spPr>
-        <p:style>
-          <a:lnRef idx="2">
-            <a:schemeClr val="accent1">
-              <a:shade val="50000"/>
-            </a:schemeClr>
-          </a:lnRef>
-          <a:fillRef idx="1">
-            <a:schemeClr val="accent1"/>
-          </a:fillRef>
-          <a:effectRef idx="0">
-            <a:schemeClr val="accent1"/>
-          </a:effectRef>
-          <a:fontRef idx="minor">
-            <a:schemeClr val="lt1"/>
-          </a:fontRef>
-        </p:style>
-        <p:txBody>
-          <a:bodyPr rtlCol="0" anchor="ctr"/>
-          <a:lstStyle/>
-          <a:p>
-            <a:pPr algn="ctr"/>
-            <a:endParaRPr kumimoji="1" lang="ja-JP" altLang="en-US" dirty="0"/>
-          </a:p>
-        </p:txBody>
-      </p:sp>
-      <p:pic>
-        <p:nvPicPr>
-          <p:cNvPr id="15" name="Picture 5" descr="C:\Users\tetsuya\AppData\Local\Microsoft\Windows\INetCache\IE\2BC5JMJI\sgi01a201310150600[1].jpg"/>
-          <p:cNvPicPr>
-            <a:picLocks noChangeAspect="1" noChangeArrowheads="1"/>
-          </p:cNvPicPr>
-          <p:nvPr/>
-        </p:nvPicPr>
-        <p:blipFill>
-          <a:blip r:embed="rId3" cstate="print">
-            <a:extLst>
-              <a:ext uri="{28A0092B-C50C-407E-A947-70E740481C1C}">
-                <a14:useLocalDpi xmlns:a14="http://schemas.microsoft.com/office/drawing/2010/main" val="0"/>
-              </a:ext>
-            </a:extLst>
-          </a:blip>
-          <a:srcRect/>
-          <a:stretch>
-            <a:fillRect/>
-          </a:stretch>
-        </p:blipFill>
-        <p:spPr bwMode="auto">
-          <a:xfrm>
-            <a:off x="4892338" y="4297607"/>
-            <a:ext cx="463488" cy="463488"/>
-          </a:xfrm>
-          <a:prstGeom prst="rect">
-            <a:avLst/>
-          </a:prstGeom>
-          <a:noFill/>
-          <a:extLst>
-            <a:ext uri="{909E8E84-426E-40DD-AFC4-6F175D3DCCD1}">
-              <a14:hiddenFill xmlns:a14="http://schemas.microsoft.com/office/drawing/2010/main">
-                <a:solidFill>
-                  <a:srgbClr val="FFFFFF"/>
-                </a:solidFill>
-              </a14:hiddenFill>
-            </a:ext>
-          </a:extLst>
-        </p:spPr>
-      </p:pic>
       <p:pic>
         <p:nvPicPr>
           <p:cNvPr id="17" name="Picture 5" descr="C:\Users\tetsuya\AppData\Local\Microsoft\Windows\INetCache\IE\2BC5JMJI\sgi01a201310150600[1].jpg"/>
@@ -16009,7 +18028,7 @@
           <p:nvPr/>
         </p:nvPicPr>
         <p:blipFill>
-          <a:blip r:embed="rId5" cstate="print">
+          <a:blip r:embed="rId6" cstate="print">
             <a:extLst>
               <a:ext uri="{28A0092B-C50C-407E-A947-70E740481C1C}">
                 <a14:useLocalDpi xmlns:a14="http://schemas.microsoft.com/office/drawing/2010/main" val="0"/>
@@ -16135,7 +18154,7 @@
           <p:nvPr/>
         </p:nvPicPr>
         <p:blipFill>
-          <a:blip r:embed="rId6" cstate="print">
+          <a:blip r:embed="rId7" cstate="print">
             <a:extLst>
               <a:ext uri="{28A0092B-C50C-407E-A947-70E740481C1C}">
                 <a14:useLocalDpi xmlns:a14="http://schemas.microsoft.com/office/drawing/2010/main" val="0"/>
@@ -16165,7 +18184,7 @@
           <p:nvPr/>
         </p:nvPicPr>
         <p:blipFill>
-          <a:blip r:embed="rId6" cstate="print">
+          <a:blip r:embed="rId7" cstate="print">
             <a:extLst>
               <a:ext uri="{28A0092B-C50C-407E-A947-70E740481C1C}">
                 <a14:useLocalDpi xmlns:a14="http://schemas.microsoft.com/office/drawing/2010/main" val="0"/>
@@ -16249,7 +18268,7 @@
           <p:nvPr/>
         </p:nvPicPr>
         <p:blipFill>
-          <a:blip r:embed="rId2" cstate="print">
+          <a:blip r:embed="rId3" cstate="print">
             <a:extLst>
               <a:ext uri="{28A0092B-C50C-407E-A947-70E740481C1C}">
                 <a14:useLocalDpi xmlns:a14="http://schemas.microsoft.com/office/drawing/2010/main" val="0"/>
@@ -16284,6 +18303,47 @@
       <p:pic>
         <p:nvPicPr>
           <p:cNvPr id="28" name="Picture 5" descr="C:\Users\tetsuya\AppData\Local\Microsoft\Windows\INetCache\IE\2BC5JMJI\sgi01a201310150600[1].jpg"/>
+          <p:cNvPicPr>
+            <a:picLocks noChangeAspect="1" noChangeArrowheads="1"/>
+          </p:cNvPicPr>
+          <p:nvPr/>
+        </p:nvPicPr>
+        <p:blipFill>
+          <a:blip r:embed="rId4" cstate="print">
+            <a:extLst>
+              <a:ext uri="{28A0092B-C50C-407E-A947-70E740481C1C}">
+                <a14:useLocalDpi xmlns:a14="http://schemas.microsoft.com/office/drawing/2010/main" val="0"/>
+              </a:ext>
+            </a:extLst>
+          </a:blip>
+          <a:srcRect/>
+          <a:stretch>
+            <a:fillRect/>
+          </a:stretch>
+        </p:blipFill>
+        <p:spPr bwMode="auto">
+          <a:xfrm>
+            <a:off x="5868144" y="3628380"/>
+            <a:ext cx="463488" cy="463488"/>
+          </a:xfrm>
+          <a:prstGeom prst="rect">
+            <a:avLst/>
+          </a:prstGeom>
+          <a:noFill/>
+          <a:extLst>
+            <a:ext uri="{909E8E84-426E-40DD-AFC4-6F175D3DCCD1}">
+              <a14:hiddenFill xmlns:a14="http://schemas.microsoft.com/office/drawing/2010/main">
+                <a:solidFill>
+                  <a:srgbClr val="FFFFFF"/>
+                </a:solidFill>
+              </a14:hiddenFill>
+            </a:ext>
+          </a:extLst>
+        </p:spPr>
+      </p:pic>
+      <p:pic>
+        <p:nvPicPr>
+          <p:cNvPr id="32" name="Picture 3" descr="C:\Users\tetsuya\AppData\Local\Microsoft\Windows\INetCache\IE\9PQUV042\sgi01a201409121600[1].jpg"/>
           <p:cNvPicPr>
             <a:picLocks noChangeAspect="1" noChangeArrowheads="1"/>
           </p:cNvPicPr>
@@ -16304,8 +18364,8 @@
         </p:blipFill>
         <p:spPr bwMode="auto">
           <a:xfrm>
-            <a:off x="5868144" y="3628380"/>
-            <a:ext cx="463488" cy="463488"/>
+            <a:off x="5148064" y="4492476"/>
+            <a:ext cx="936104" cy="936104"/>
           </a:xfrm>
           <a:prstGeom prst="rect">
             <a:avLst/>
@@ -16322,16 +18382,104 @@
           </a:extLst>
         </p:spPr>
       </p:pic>
+      <p:sp>
+        <p:nvSpPr>
+          <p:cNvPr id="2" name="コンテンツ プレースホルダー 1"/>
+          <p:cNvSpPr>
+            <a:spLocks noGrp="1"/>
+          </p:cNvSpPr>
+          <p:nvPr>
+            <p:ph idx="1"/>
+          </p:nvPr>
+        </p:nvSpPr>
+        <p:spPr>
+          <a:xfrm>
+            <a:off x="158824" y="1196752"/>
+            <a:ext cx="8854208" cy="5210559"/>
+          </a:xfrm>
+        </p:spPr>
+        <p:txBody>
+          <a:bodyPr/>
+          <a:lstStyle/>
+          <a:p>
+            <a:r>
+              <a:rPr lang="en-US" altLang="ja-JP" dirty="0"/>
+              <a:t>If the sequences of states can be used for learning, the method can learn this task as the sequence of relationship. </a:t>
+            </a:r>
+          </a:p>
+          <a:p>
+            <a:r>
+              <a:rPr lang="en-US" altLang="ja-JP" dirty="0"/>
+              <a:t>But, it has to be considered which </a:t>
+            </a:r>
+            <a:r>
+              <a:rPr lang="en-US" altLang="ja-JP" dirty="0" smtClean="0"/>
+              <a:t>(i.e. </a:t>
+            </a:r>
+            <a:r>
+              <a:rPr lang="en-US" altLang="ja-JP" dirty="0"/>
+              <a:t>when) states are need for learn.</a:t>
+            </a:r>
+          </a:p>
+        </p:txBody>
+      </p:sp>
+      <p:sp>
+        <p:nvSpPr>
+          <p:cNvPr id="3" name="タイトル 2"/>
+          <p:cNvSpPr>
+            <a:spLocks noGrp="1"/>
+          </p:cNvSpPr>
+          <p:nvPr>
+            <p:ph type="title"/>
+          </p:nvPr>
+        </p:nvSpPr>
+        <p:spPr/>
+        <p:txBody>
+          <a:bodyPr/>
+          <a:lstStyle/>
+          <a:p>
+            <a:r>
+              <a:rPr kumimoji="1" lang="en-US" altLang="ja-JP" dirty="0"/>
+              <a:t>Problem</a:t>
+            </a:r>
+            <a:r>
+              <a:rPr kumimoji="1" lang="ja-JP" altLang="en-US" dirty="0"/>
+              <a:t> </a:t>
+            </a:r>
+            <a:r>
+              <a:rPr kumimoji="1" lang="en-US" altLang="ja-JP" dirty="0"/>
+              <a:t>of</a:t>
+            </a:r>
+            <a:r>
+              <a:rPr kumimoji="1" lang="ja-JP" altLang="en-US" dirty="0"/>
+              <a:t> </a:t>
+            </a:r>
+            <a:r>
+              <a:rPr kumimoji="1" lang="en-US" altLang="ja-JP" dirty="0"/>
+              <a:t>previous</a:t>
+            </a:r>
+            <a:r>
+              <a:rPr kumimoji="1" lang="ja-JP" altLang="en-US" dirty="0"/>
+              <a:t> </a:t>
+            </a:r>
+            <a:r>
+              <a:rPr kumimoji="1" lang="en-US" altLang="ja-JP" dirty="0"/>
+              <a:t>work</a:t>
+            </a:r>
+            <a:endParaRPr kumimoji="1" lang="ja-JP" altLang="en-US" dirty="0"/>
+          </a:p>
+        </p:txBody>
+      </p:sp>
       <p:pic>
         <p:nvPicPr>
-          <p:cNvPr id="32" name="Picture 3" descr="C:\Users\tetsuya\AppData\Local\Microsoft\Windows\INetCache\IE\9PQUV042\sgi01a201409121600[1].jpg"/>
+          <p:cNvPr id="6" name="Picture 3" descr="C:\Users\tetsuya\AppData\Local\Microsoft\Windows\INetCache\IE\9PQUV042\sgi01a201409121600[1].jpg"/>
           <p:cNvPicPr>
             <a:picLocks noChangeAspect="1" noChangeArrowheads="1"/>
           </p:cNvPicPr>
           <p:nvPr/>
         </p:nvPicPr>
         <p:blipFill>
-          <a:blip r:embed="rId2" cstate="print">
+          <a:blip r:embed="rId3" cstate="print">
             <a:extLst>
               <a:ext uri="{28A0092B-C50C-407E-A947-70E740481C1C}">
                 <a14:useLocalDpi xmlns:a14="http://schemas.microsoft.com/office/drawing/2010/main" val="0"/>
@@ -16345,7 +18493,7 @@
         </p:blipFill>
         <p:spPr bwMode="auto">
           <a:xfrm>
-            <a:off x="5148064" y="4492476"/>
+            <a:off x="539552" y="5589240"/>
             <a:ext cx="936104" cy="936104"/>
           </a:xfrm>
           <a:prstGeom prst="rect">
@@ -16363,104 +18511,16 @@
           </a:extLst>
         </p:spPr>
       </p:pic>
-      <p:sp>
-        <p:nvSpPr>
-          <p:cNvPr id="2" name="コンテンツ プレースホルダー 1"/>
-          <p:cNvSpPr>
-            <a:spLocks noGrp="1"/>
-          </p:cNvSpPr>
-          <p:nvPr>
-            <p:ph idx="1"/>
-          </p:nvPr>
-        </p:nvSpPr>
-        <p:spPr>
-          <a:xfrm>
-            <a:off x="158824" y="1196752"/>
-            <a:ext cx="8854208" cy="5210559"/>
-          </a:xfrm>
-        </p:spPr>
-        <p:txBody>
-          <a:bodyPr/>
-          <a:lstStyle/>
-          <a:p>
-            <a:r>
-              <a:rPr lang="en-US" altLang="ja-JP" dirty="0"/>
-              <a:t>If the sequences of states can be used for learning, the method can learn this task as the sequence of relationship. </a:t>
-            </a:r>
-          </a:p>
-          <a:p>
-            <a:r>
-              <a:rPr lang="en-US" altLang="ja-JP" dirty="0"/>
-              <a:t>But, it has to be considered which </a:t>
-            </a:r>
-            <a:r>
-              <a:rPr lang="en-US" altLang="ja-JP" dirty="0" smtClean="0"/>
-              <a:t>(i.e. </a:t>
-            </a:r>
-            <a:r>
-              <a:rPr lang="en-US" altLang="ja-JP" dirty="0"/>
-              <a:t>when) states are need for learn.</a:t>
-            </a:r>
-          </a:p>
-        </p:txBody>
-      </p:sp>
-      <p:sp>
-        <p:nvSpPr>
-          <p:cNvPr id="3" name="タイトル 2"/>
-          <p:cNvSpPr>
-            <a:spLocks noGrp="1"/>
-          </p:cNvSpPr>
-          <p:nvPr>
-            <p:ph type="title"/>
-          </p:nvPr>
-        </p:nvSpPr>
-        <p:spPr/>
-        <p:txBody>
-          <a:bodyPr/>
-          <a:lstStyle/>
-          <a:p>
-            <a:r>
-              <a:rPr kumimoji="1" lang="en-US" altLang="ja-JP" dirty="0"/>
-              <a:t>Problem</a:t>
-            </a:r>
-            <a:r>
-              <a:rPr kumimoji="1" lang="ja-JP" altLang="en-US" dirty="0"/>
-              <a:t> </a:t>
-            </a:r>
-            <a:r>
-              <a:rPr kumimoji="1" lang="en-US" altLang="ja-JP" dirty="0"/>
-              <a:t>of</a:t>
-            </a:r>
-            <a:r>
-              <a:rPr kumimoji="1" lang="ja-JP" altLang="en-US" dirty="0"/>
-              <a:t> </a:t>
-            </a:r>
-            <a:r>
-              <a:rPr kumimoji="1" lang="en-US" altLang="ja-JP" dirty="0"/>
-              <a:t>previous</a:t>
-            </a:r>
-            <a:r>
-              <a:rPr kumimoji="1" lang="ja-JP" altLang="en-US" dirty="0"/>
-              <a:t> </a:t>
-            </a:r>
-            <a:r>
-              <a:rPr kumimoji="1" lang="en-US" altLang="ja-JP" dirty="0"/>
-              <a:t>work</a:t>
-            </a:r>
-            <a:endParaRPr kumimoji="1" lang="ja-JP" altLang="en-US" dirty="0"/>
-          </a:p>
-        </p:txBody>
-      </p:sp>
       <p:pic>
         <p:nvPicPr>
-          <p:cNvPr id="6" name="Picture 3" descr="C:\Users\tetsuya\AppData\Local\Microsoft\Windows\INetCache\IE\9PQUV042\sgi01a201409121600[1].jpg"/>
+          <p:cNvPr id="7" name="Picture 5" descr="C:\Users\tetsuya\AppData\Local\Microsoft\Windows\INetCache\IE\2BC5JMJI\sgi01a201310150600[1].jpg"/>
           <p:cNvPicPr>
             <a:picLocks noChangeAspect="1" noChangeArrowheads="1"/>
           </p:cNvPicPr>
           <p:nvPr/>
         </p:nvPicPr>
         <p:blipFill>
-          <a:blip r:embed="rId2" cstate="print">
+          <a:blip r:embed="rId5" cstate="print">
             <a:extLst>
               <a:ext uri="{28A0092B-C50C-407E-A947-70E740481C1C}">
                 <a14:useLocalDpi xmlns:a14="http://schemas.microsoft.com/office/drawing/2010/main" val="0"/>
@@ -16474,8 +18534,8 @@
         </p:blipFill>
         <p:spPr bwMode="auto">
           <a:xfrm>
-            <a:off x="539552" y="5589240"/>
-            <a:ext cx="936104" cy="936104"/>
+            <a:off x="787882" y="4297607"/>
+            <a:ext cx="463488" cy="463488"/>
           </a:xfrm>
           <a:prstGeom prst="rect">
             <a:avLst/>
@@ -16494,7 +18554,7 @@
       </p:pic>
       <p:pic>
         <p:nvPicPr>
-          <p:cNvPr id="7" name="Picture 5" descr="C:\Users\tetsuya\AppData\Local\Microsoft\Windows\INetCache\IE\2BC5JMJI\sgi01a201310150600[1].jpg"/>
+          <p:cNvPr id="11" name="Picture 5" descr="C:\Users\tetsuya\AppData\Local\Microsoft\Windows\INetCache\IE\2BC5JMJI\sgi01a201310150600[1].jpg"/>
           <p:cNvPicPr>
             <a:picLocks noChangeAspect="1" noChangeArrowheads="1"/>
           </p:cNvPicPr>
@@ -16515,7 +18575,7 @@
         </p:blipFill>
         <p:spPr bwMode="auto">
           <a:xfrm>
-            <a:off x="787882" y="4297607"/>
+            <a:off x="2771800" y="4317020"/>
             <a:ext cx="463488" cy="463488"/>
           </a:xfrm>
           <a:prstGeom prst="rect">
@@ -16533,9 +18593,439 @@
           </a:extLst>
         </p:spPr>
       </p:pic>
+      <p:sp>
+        <p:nvSpPr>
+          <p:cNvPr id="12" name="正方形/長方形 11"/>
+          <p:cNvSpPr/>
+          <p:nvPr/>
+        </p:nvSpPr>
+        <p:spPr>
+          <a:xfrm>
+            <a:off x="467544" y="4182745"/>
+            <a:ext cx="936104" cy="669771"/>
+          </a:xfrm>
+          <a:prstGeom prst="rect">
+            <a:avLst/>
+          </a:prstGeom>
+          <a:solidFill>
+            <a:schemeClr val="bg1">
+              <a:alpha val="75000"/>
+            </a:schemeClr>
+          </a:solidFill>
+          <a:ln>
+            <a:noFill/>
+          </a:ln>
+        </p:spPr>
+        <p:style>
+          <a:lnRef idx="2">
+            <a:schemeClr val="accent1">
+              <a:shade val="50000"/>
+            </a:schemeClr>
+          </a:lnRef>
+          <a:fillRef idx="1">
+            <a:schemeClr val="accent1"/>
+          </a:fillRef>
+          <a:effectRef idx="0">
+            <a:schemeClr val="accent1"/>
+          </a:effectRef>
+          <a:fontRef idx="minor">
+            <a:schemeClr val="lt1"/>
+          </a:fontRef>
+        </p:style>
+        <p:txBody>
+          <a:bodyPr rtlCol="0" anchor="ctr"/>
+          <a:lstStyle/>
+          <a:p>
+            <a:pPr algn="ctr"/>
+            <a:endParaRPr kumimoji="1" lang="ja-JP" altLang="en-US" dirty="0"/>
+          </a:p>
+        </p:txBody>
+      </p:sp>
+      <p:sp>
+        <p:nvSpPr>
+          <p:cNvPr id="14" name="矢印: 右 13"/>
+          <p:cNvSpPr/>
+          <p:nvPr/>
+        </p:nvSpPr>
+        <p:spPr>
+          <a:xfrm>
+            <a:off x="3923928" y="4351922"/>
+            <a:ext cx="576064" cy="504056"/>
+          </a:xfrm>
+          <a:prstGeom prst="rightArrow">
+            <a:avLst/>
+          </a:prstGeom>
+        </p:spPr>
+        <p:style>
+          <a:lnRef idx="2">
+            <a:schemeClr val="accent1">
+              <a:shade val="50000"/>
+            </a:schemeClr>
+          </a:lnRef>
+          <a:fillRef idx="1">
+            <a:schemeClr val="accent1"/>
+          </a:fillRef>
+          <a:effectRef idx="0">
+            <a:schemeClr val="accent1"/>
+          </a:effectRef>
+          <a:fontRef idx="minor">
+            <a:schemeClr val="lt1"/>
+          </a:fontRef>
+        </p:style>
+        <p:txBody>
+          <a:bodyPr rtlCol="0" anchor="ctr"/>
+          <a:lstStyle/>
+          <a:p>
+            <a:pPr algn="ctr"/>
+            <a:endParaRPr kumimoji="1" lang="ja-JP" altLang="en-US" dirty="0"/>
+          </a:p>
+        </p:txBody>
+      </p:sp>
       <p:pic>
         <p:nvPicPr>
-          <p:cNvPr id="11" name="Picture 5" descr="C:\Users\tetsuya\AppData\Local\Microsoft\Windows\INetCache\IE\2BC5JMJI\sgi01a201310150600[1].jpg"/>
+          <p:cNvPr id="19" name="Picture 5" descr="C:\Users\tetsuya\AppData\Local\Microsoft\Windows\INetCache\IE\2BC5JMJI\sgi01a201310150600[1].jpg"/>
+          <p:cNvPicPr>
+            <a:picLocks noChangeAspect="1" noChangeArrowheads="1"/>
+          </p:cNvPicPr>
+          <p:nvPr/>
+        </p:nvPicPr>
+        <p:blipFill>
+          <a:blip r:embed="rId4" cstate="print">
+            <a:extLst>
+              <a:ext uri="{28A0092B-C50C-407E-A947-70E740481C1C}">
+                <a14:useLocalDpi xmlns:a14="http://schemas.microsoft.com/office/drawing/2010/main" val="0"/>
+              </a:ext>
+            </a:extLst>
+          </a:blip>
+          <a:srcRect/>
+          <a:stretch>
+            <a:fillRect/>
+          </a:stretch>
+        </p:blipFill>
+        <p:spPr bwMode="auto">
+          <a:xfrm>
+            <a:off x="1763688" y="3628380"/>
+            <a:ext cx="463488" cy="463488"/>
+          </a:xfrm>
+          <a:prstGeom prst="rect">
+            <a:avLst/>
+          </a:prstGeom>
+          <a:noFill/>
+          <a:extLst>
+            <a:ext uri="{909E8E84-426E-40DD-AFC4-6F175D3DCCD1}">
+              <a14:hiddenFill xmlns:a14="http://schemas.microsoft.com/office/drawing/2010/main">
+                <a:solidFill>
+                  <a:srgbClr val="FFFFFF"/>
+                </a:solidFill>
+              </a14:hiddenFill>
+            </a:ext>
+          </a:extLst>
+        </p:spPr>
+      </p:pic>
+      <p:sp>
+        <p:nvSpPr>
+          <p:cNvPr id="22" name="正方形/長方形 21"/>
+          <p:cNvSpPr/>
+          <p:nvPr/>
+        </p:nvSpPr>
+        <p:spPr>
+          <a:xfrm>
+            <a:off x="1475656" y="3484364"/>
+            <a:ext cx="936104" cy="669771"/>
+          </a:xfrm>
+          <a:prstGeom prst="rect">
+            <a:avLst/>
+          </a:prstGeom>
+          <a:solidFill>
+            <a:schemeClr val="bg1">
+              <a:alpha val="75000"/>
+            </a:schemeClr>
+          </a:solidFill>
+          <a:ln>
+            <a:noFill/>
+          </a:ln>
+        </p:spPr>
+        <p:style>
+          <a:lnRef idx="2">
+            <a:schemeClr val="accent1">
+              <a:shade val="50000"/>
+            </a:schemeClr>
+          </a:lnRef>
+          <a:fillRef idx="1">
+            <a:schemeClr val="accent1"/>
+          </a:fillRef>
+          <a:effectRef idx="0">
+            <a:schemeClr val="accent1"/>
+          </a:effectRef>
+          <a:fontRef idx="minor">
+            <a:schemeClr val="lt1"/>
+          </a:fontRef>
+        </p:style>
+        <p:txBody>
+          <a:bodyPr rtlCol="0" anchor="ctr"/>
+          <a:lstStyle/>
+          <a:p>
+            <a:pPr algn="ctr"/>
+            <a:endParaRPr kumimoji="1" lang="ja-JP" altLang="en-US" dirty="0"/>
+          </a:p>
+        </p:txBody>
+      </p:sp>
+      <p:pic>
+        <p:nvPicPr>
+          <p:cNvPr id="13" name="Picture 6" descr="C:\Users\tetsuya\AppData\Local\Microsoft\Windows\INetCache\IE\9LV0U1RZ\arrow-curved-blue[1].png"/>
+          <p:cNvPicPr>
+            <a:picLocks noChangeAspect="1" noChangeArrowheads="1"/>
+          </p:cNvPicPr>
+          <p:nvPr/>
+        </p:nvPicPr>
+        <p:blipFill>
+          <a:blip r:embed="rId6" cstate="print">
+            <a:extLst>
+              <a:ext uri="{28A0092B-C50C-407E-A947-70E740481C1C}">
+                <a14:useLocalDpi xmlns:a14="http://schemas.microsoft.com/office/drawing/2010/main" val="0"/>
+              </a:ext>
+            </a:extLst>
+          </a:blip>
+          <a:srcRect/>
+          <a:stretch>
+            <a:fillRect/>
+          </a:stretch>
+        </p:blipFill>
+        <p:spPr bwMode="auto">
+          <a:xfrm rot="8354884" flipH="1" flipV="1">
+            <a:off x="1080516" y="3806328"/>
+            <a:ext cx="516508" cy="266878"/>
+          </a:xfrm>
+          <a:prstGeom prst="rect">
+            <a:avLst/>
+          </a:prstGeom>
+          <a:noFill/>
+          <a:extLst>
+            <a:ext uri="{909E8E84-426E-40DD-AFC4-6F175D3DCCD1}">
+              <a14:hiddenFill xmlns:a14="http://schemas.microsoft.com/office/drawing/2010/main">
+                <a:solidFill>
+                  <a:srgbClr val="FFFFFF"/>
+                </a:solidFill>
+              </a14:hiddenFill>
+            </a:ext>
+          </a:extLst>
+        </p:spPr>
+      </p:pic>
+      <p:pic>
+        <p:nvPicPr>
+          <p:cNvPr id="23" name="Picture 6" descr="C:\Users\tetsuya\AppData\Local\Microsoft\Windows\INetCache\IE\9LV0U1RZ\arrow-curved-blue[1].png"/>
+          <p:cNvPicPr>
+            <a:picLocks noChangeAspect="1" noChangeArrowheads="1"/>
+          </p:cNvPicPr>
+          <p:nvPr/>
+        </p:nvPicPr>
+        <p:blipFill>
+          <a:blip r:embed="rId6" cstate="print">
+            <a:extLst>
+              <a:ext uri="{28A0092B-C50C-407E-A947-70E740481C1C}">
+                <a14:useLocalDpi xmlns:a14="http://schemas.microsoft.com/office/drawing/2010/main" val="0"/>
+              </a:ext>
+            </a:extLst>
+          </a:blip>
+          <a:srcRect/>
+          <a:stretch>
+            <a:fillRect/>
+          </a:stretch>
+        </p:blipFill>
+        <p:spPr bwMode="auto">
+          <a:xfrm rot="13312511" flipH="1" flipV="1">
+            <a:off x="2415143" y="3777560"/>
+            <a:ext cx="516508" cy="266878"/>
+          </a:xfrm>
+          <a:prstGeom prst="rect">
+            <a:avLst/>
+          </a:prstGeom>
+          <a:noFill/>
+          <a:extLst>
+            <a:ext uri="{909E8E84-426E-40DD-AFC4-6F175D3DCCD1}">
+              <a14:hiddenFill xmlns:a14="http://schemas.microsoft.com/office/drawing/2010/main">
+                <a:solidFill>
+                  <a:srgbClr val="FFFFFF"/>
+                </a:solidFill>
+              </a14:hiddenFill>
+            </a:ext>
+          </a:extLst>
+        </p:spPr>
+      </p:pic>
+      <p:pic>
+        <p:nvPicPr>
+          <p:cNvPr id="24" name="Picture 5" descr="C:\Users\tetsuya\AppData\Local\Microsoft\Windows\INetCache\IE\2BC5JMJI\sgi01a201310150600[1].jpg"/>
+          <p:cNvPicPr>
+            <a:picLocks noChangeAspect="1" noChangeArrowheads="1"/>
+          </p:cNvPicPr>
+          <p:nvPr/>
+        </p:nvPicPr>
+        <p:blipFill>
+          <a:blip r:embed="rId5" cstate="print">
+            <a:extLst>
+              <a:ext uri="{28A0092B-C50C-407E-A947-70E740481C1C}">
+                <a14:useLocalDpi xmlns:a14="http://schemas.microsoft.com/office/drawing/2010/main" val="0"/>
+              </a:ext>
+            </a:extLst>
+          </a:blip>
+          <a:srcRect/>
+          <a:stretch>
+            <a:fillRect/>
+          </a:stretch>
+        </p:blipFill>
+        <p:spPr bwMode="auto">
+          <a:xfrm>
+            <a:off x="4892338" y="4297607"/>
+            <a:ext cx="463488" cy="463488"/>
+          </a:xfrm>
+          <a:prstGeom prst="rect">
+            <a:avLst/>
+          </a:prstGeom>
+          <a:noFill/>
+          <a:extLst>
+            <a:ext uri="{909E8E84-426E-40DD-AFC4-6F175D3DCCD1}">
+              <a14:hiddenFill xmlns:a14="http://schemas.microsoft.com/office/drawing/2010/main">
+                <a:solidFill>
+                  <a:srgbClr val="FFFFFF"/>
+                </a:solidFill>
+              </a14:hiddenFill>
+            </a:ext>
+          </a:extLst>
+        </p:spPr>
+      </p:pic>
+      <p:sp>
+        <p:nvSpPr>
+          <p:cNvPr id="27" name="正方形/長方形 26"/>
+          <p:cNvSpPr/>
+          <p:nvPr/>
+        </p:nvSpPr>
+        <p:spPr>
+          <a:xfrm>
+            <a:off x="4795152" y="3042644"/>
+            <a:ext cx="2441143" cy="2457944"/>
+          </a:xfrm>
+          <a:prstGeom prst="rect">
+            <a:avLst/>
+          </a:prstGeom>
+          <a:solidFill>
+            <a:schemeClr val="bg1">
+              <a:alpha val="75000"/>
+            </a:schemeClr>
+          </a:solidFill>
+          <a:ln>
+            <a:noFill/>
+          </a:ln>
+        </p:spPr>
+        <p:style>
+          <a:lnRef idx="2">
+            <a:schemeClr val="accent1">
+              <a:shade val="50000"/>
+            </a:schemeClr>
+          </a:lnRef>
+          <a:fillRef idx="1">
+            <a:schemeClr val="accent1"/>
+          </a:fillRef>
+          <a:effectRef idx="0">
+            <a:schemeClr val="accent1"/>
+          </a:effectRef>
+          <a:fontRef idx="minor">
+            <a:schemeClr val="lt1"/>
+          </a:fontRef>
+        </p:style>
+        <p:txBody>
+          <a:bodyPr rtlCol="0" anchor="ctr"/>
+          <a:lstStyle/>
+          <a:p>
+            <a:pPr algn="ctr"/>
+            <a:endParaRPr kumimoji="1" lang="ja-JP" altLang="en-US" dirty="0"/>
+          </a:p>
+        </p:txBody>
+      </p:sp>
+      <p:pic>
+        <p:nvPicPr>
+          <p:cNvPr id="30" name="Picture 6" descr="C:\Users\tetsuya\AppData\Local\Microsoft\Windows\INetCache\IE\9LV0U1RZ\arrow-curved-blue[1].png"/>
+          <p:cNvPicPr>
+            <a:picLocks noChangeAspect="1" noChangeArrowheads="1"/>
+          </p:cNvPicPr>
+          <p:nvPr/>
+        </p:nvPicPr>
+        <p:blipFill>
+          <a:blip r:embed="rId6" cstate="print">
+            <a:extLst>
+              <a:ext uri="{28A0092B-C50C-407E-A947-70E740481C1C}">
+                <a14:useLocalDpi xmlns:a14="http://schemas.microsoft.com/office/drawing/2010/main" val="0"/>
+              </a:ext>
+            </a:extLst>
+          </a:blip>
+          <a:srcRect/>
+          <a:stretch>
+            <a:fillRect/>
+          </a:stretch>
+        </p:blipFill>
+        <p:spPr bwMode="auto">
+          <a:xfrm rot="8354884" flipH="1" flipV="1">
+            <a:off x="5184972" y="3806328"/>
+            <a:ext cx="516508" cy="266878"/>
+          </a:xfrm>
+          <a:prstGeom prst="rect">
+            <a:avLst/>
+          </a:prstGeom>
+          <a:noFill/>
+          <a:extLst>
+            <a:ext uri="{909E8E84-426E-40DD-AFC4-6F175D3DCCD1}">
+              <a14:hiddenFill xmlns:a14="http://schemas.microsoft.com/office/drawing/2010/main">
+                <a:solidFill>
+                  <a:srgbClr val="FFFFFF"/>
+                </a:solidFill>
+              </a14:hiddenFill>
+            </a:ext>
+          </a:extLst>
+        </p:spPr>
+      </p:pic>
+      <p:pic>
+        <p:nvPicPr>
+          <p:cNvPr id="31" name="Picture 6" descr="C:\Users\tetsuya\AppData\Local\Microsoft\Windows\INetCache\IE\9LV0U1RZ\arrow-curved-blue[1].png"/>
+          <p:cNvPicPr>
+            <a:picLocks noChangeAspect="1" noChangeArrowheads="1"/>
+          </p:cNvPicPr>
+          <p:nvPr/>
+        </p:nvPicPr>
+        <p:blipFill>
+          <a:blip r:embed="rId6" cstate="print">
+            <a:extLst>
+              <a:ext uri="{28A0092B-C50C-407E-A947-70E740481C1C}">
+                <a14:useLocalDpi xmlns:a14="http://schemas.microsoft.com/office/drawing/2010/main" val="0"/>
+              </a:ext>
+            </a:extLst>
+          </a:blip>
+          <a:srcRect/>
+          <a:stretch>
+            <a:fillRect/>
+          </a:stretch>
+        </p:blipFill>
+        <p:spPr bwMode="auto">
+          <a:xfrm rot="13312511" flipH="1" flipV="1">
+            <a:off x="6519599" y="3777560"/>
+            <a:ext cx="516508" cy="266878"/>
+          </a:xfrm>
+          <a:prstGeom prst="rect">
+            <a:avLst/>
+          </a:prstGeom>
+          <a:noFill/>
+          <a:extLst>
+            <a:ext uri="{909E8E84-426E-40DD-AFC4-6F175D3DCCD1}">
+              <a14:hiddenFill xmlns:a14="http://schemas.microsoft.com/office/drawing/2010/main">
+                <a:solidFill>
+                  <a:srgbClr val="FFFFFF"/>
+                </a:solidFill>
+              </a14:hiddenFill>
+            </a:ext>
+          </a:extLst>
+        </p:spPr>
+      </p:pic>
+      <p:pic>
+        <p:nvPicPr>
+          <p:cNvPr id="34" name="Picture 3" descr="C:\Users\tetsuya\AppData\Local\Microsoft\Windows\INetCache\IE\9PQUV042\sgi01a201409121600[1].jpg"/>
           <p:cNvPicPr>
             <a:picLocks noChangeAspect="1" noChangeArrowheads="1"/>
           </p:cNvPicPr>
@@ -16556,8 +19046,8 @@
         </p:blipFill>
         <p:spPr bwMode="auto">
           <a:xfrm>
-            <a:off x="2771800" y="4317020"/>
-            <a:ext cx="463488" cy="463488"/>
+            <a:off x="7092280" y="4492476"/>
+            <a:ext cx="936104" cy="936104"/>
           </a:xfrm>
           <a:prstGeom prst="rect">
             <a:avLst/>
@@ -16574,268 +19064,9 @@
           </a:extLst>
         </p:spPr>
       </p:pic>
-      <p:sp>
-        <p:nvSpPr>
-          <p:cNvPr id="12" name="正方形/長方形 11"/>
-          <p:cNvSpPr/>
-          <p:nvPr/>
-        </p:nvSpPr>
-        <p:spPr>
-          <a:xfrm>
-            <a:off x="467544" y="4182745"/>
-            <a:ext cx="936104" cy="669771"/>
-          </a:xfrm>
-          <a:prstGeom prst="rect">
-            <a:avLst/>
-          </a:prstGeom>
-          <a:solidFill>
-            <a:schemeClr val="bg1">
-              <a:alpha val="75000"/>
-            </a:schemeClr>
-          </a:solidFill>
-          <a:ln>
-            <a:noFill/>
-          </a:ln>
-        </p:spPr>
-        <p:style>
-          <a:lnRef idx="2">
-            <a:schemeClr val="accent1">
-              <a:shade val="50000"/>
-            </a:schemeClr>
-          </a:lnRef>
-          <a:fillRef idx="1">
-            <a:schemeClr val="accent1"/>
-          </a:fillRef>
-          <a:effectRef idx="0">
-            <a:schemeClr val="accent1"/>
-          </a:effectRef>
-          <a:fontRef idx="minor">
-            <a:schemeClr val="lt1"/>
-          </a:fontRef>
-        </p:style>
-        <p:txBody>
-          <a:bodyPr rtlCol="0" anchor="ctr"/>
-          <a:lstStyle/>
-          <a:p>
-            <a:pPr algn="ctr"/>
-            <a:endParaRPr kumimoji="1" lang="ja-JP" altLang="en-US" dirty="0"/>
-          </a:p>
-        </p:txBody>
-      </p:sp>
-      <p:sp>
-        <p:nvSpPr>
-          <p:cNvPr id="14" name="矢印: 右 13"/>
-          <p:cNvSpPr/>
-          <p:nvPr/>
-        </p:nvSpPr>
-        <p:spPr>
-          <a:xfrm>
-            <a:off x="3923928" y="4351922"/>
-            <a:ext cx="576064" cy="504056"/>
-          </a:xfrm>
-          <a:prstGeom prst="rightArrow">
-            <a:avLst/>
-          </a:prstGeom>
-        </p:spPr>
-        <p:style>
-          <a:lnRef idx="2">
-            <a:schemeClr val="accent1">
-              <a:shade val="50000"/>
-            </a:schemeClr>
-          </a:lnRef>
-          <a:fillRef idx="1">
-            <a:schemeClr val="accent1"/>
-          </a:fillRef>
-          <a:effectRef idx="0">
-            <a:schemeClr val="accent1"/>
-          </a:effectRef>
-          <a:fontRef idx="minor">
-            <a:schemeClr val="lt1"/>
-          </a:fontRef>
-        </p:style>
-        <p:txBody>
-          <a:bodyPr rtlCol="0" anchor="ctr"/>
-          <a:lstStyle/>
-          <a:p>
-            <a:pPr algn="ctr"/>
-            <a:endParaRPr kumimoji="1" lang="ja-JP" altLang="en-US" dirty="0"/>
-          </a:p>
-        </p:txBody>
-      </p:sp>
       <p:pic>
         <p:nvPicPr>
-          <p:cNvPr id="19" name="Picture 5" descr="C:\Users\tetsuya\AppData\Local\Microsoft\Windows\INetCache\IE\2BC5JMJI\sgi01a201310150600[1].jpg"/>
-          <p:cNvPicPr>
-            <a:picLocks noChangeAspect="1" noChangeArrowheads="1"/>
-          </p:cNvPicPr>
-          <p:nvPr/>
-        </p:nvPicPr>
-        <p:blipFill>
-          <a:blip r:embed="rId3" cstate="print">
-            <a:extLst>
-              <a:ext uri="{28A0092B-C50C-407E-A947-70E740481C1C}">
-                <a14:useLocalDpi xmlns:a14="http://schemas.microsoft.com/office/drawing/2010/main" val="0"/>
-              </a:ext>
-            </a:extLst>
-          </a:blip>
-          <a:srcRect/>
-          <a:stretch>
-            <a:fillRect/>
-          </a:stretch>
-        </p:blipFill>
-        <p:spPr bwMode="auto">
-          <a:xfrm>
-            <a:off x="1763688" y="3628380"/>
-            <a:ext cx="463488" cy="463488"/>
-          </a:xfrm>
-          <a:prstGeom prst="rect">
-            <a:avLst/>
-          </a:prstGeom>
-          <a:noFill/>
-          <a:extLst>
-            <a:ext uri="{909E8E84-426E-40DD-AFC4-6F175D3DCCD1}">
-              <a14:hiddenFill xmlns:a14="http://schemas.microsoft.com/office/drawing/2010/main">
-                <a:solidFill>
-                  <a:srgbClr val="FFFFFF"/>
-                </a:solidFill>
-              </a14:hiddenFill>
-            </a:ext>
-          </a:extLst>
-        </p:spPr>
-      </p:pic>
-      <p:sp>
-        <p:nvSpPr>
-          <p:cNvPr id="22" name="正方形/長方形 21"/>
-          <p:cNvSpPr/>
-          <p:nvPr/>
-        </p:nvSpPr>
-        <p:spPr>
-          <a:xfrm>
-            <a:off x="1475656" y="3484364"/>
-            <a:ext cx="936104" cy="669771"/>
-          </a:xfrm>
-          <a:prstGeom prst="rect">
-            <a:avLst/>
-          </a:prstGeom>
-          <a:solidFill>
-            <a:schemeClr val="bg1">
-              <a:alpha val="75000"/>
-            </a:schemeClr>
-          </a:solidFill>
-          <a:ln>
-            <a:noFill/>
-          </a:ln>
-        </p:spPr>
-        <p:style>
-          <a:lnRef idx="2">
-            <a:schemeClr val="accent1">
-              <a:shade val="50000"/>
-            </a:schemeClr>
-          </a:lnRef>
-          <a:fillRef idx="1">
-            <a:schemeClr val="accent1"/>
-          </a:fillRef>
-          <a:effectRef idx="0">
-            <a:schemeClr val="accent1"/>
-          </a:effectRef>
-          <a:fontRef idx="minor">
-            <a:schemeClr val="lt1"/>
-          </a:fontRef>
-        </p:style>
-        <p:txBody>
-          <a:bodyPr rtlCol="0" anchor="ctr"/>
-          <a:lstStyle/>
-          <a:p>
-            <a:pPr algn="ctr"/>
-            <a:endParaRPr kumimoji="1" lang="ja-JP" altLang="en-US" dirty="0"/>
-          </a:p>
-        </p:txBody>
-      </p:sp>
-      <p:pic>
-        <p:nvPicPr>
-          <p:cNvPr id="13" name="Picture 6" descr="C:\Users\tetsuya\AppData\Local\Microsoft\Windows\INetCache\IE\9LV0U1RZ\arrow-curved-blue[1].png"/>
-          <p:cNvPicPr>
-            <a:picLocks noChangeAspect="1" noChangeArrowheads="1"/>
-          </p:cNvPicPr>
-          <p:nvPr/>
-        </p:nvPicPr>
-        <p:blipFill>
-          <a:blip r:embed="rId5" cstate="print">
-            <a:extLst>
-              <a:ext uri="{28A0092B-C50C-407E-A947-70E740481C1C}">
-                <a14:useLocalDpi xmlns:a14="http://schemas.microsoft.com/office/drawing/2010/main" val="0"/>
-              </a:ext>
-            </a:extLst>
-          </a:blip>
-          <a:srcRect/>
-          <a:stretch>
-            <a:fillRect/>
-          </a:stretch>
-        </p:blipFill>
-        <p:spPr bwMode="auto">
-          <a:xfrm rot="8354884" flipH="1" flipV="1">
-            <a:off x="1080516" y="3806328"/>
-            <a:ext cx="516508" cy="266878"/>
-          </a:xfrm>
-          <a:prstGeom prst="rect">
-            <a:avLst/>
-          </a:prstGeom>
-          <a:noFill/>
-          <a:extLst>
-            <a:ext uri="{909E8E84-426E-40DD-AFC4-6F175D3DCCD1}">
-              <a14:hiddenFill xmlns:a14="http://schemas.microsoft.com/office/drawing/2010/main">
-                <a:solidFill>
-                  <a:srgbClr val="FFFFFF"/>
-                </a:solidFill>
-              </a14:hiddenFill>
-            </a:ext>
-          </a:extLst>
-        </p:spPr>
-      </p:pic>
-      <p:pic>
-        <p:nvPicPr>
-          <p:cNvPr id="23" name="Picture 6" descr="C:\Users\tetsuya\AppData\Local\Microsoft\Windows\INetCache\IE\9LV0U1RZ\arrow-curved-blue[1].png"/>
-          <p:cNvPicPr>
-            <a:picLocks noChangeAspect="1" noChangeArrowheads="1"/>
-          </p:cNvPicPr>
-          <p:nvPr/>
-        </p:nvPicPr>
-        <p:blipFill>
-          <a:blip r:embed="rId5" cstate="print">
-            <a:extLst>
-              <a:ext uri="{28A0092B-C50C-407E-A947-70E740481C1C}">
-                <a14:useLocalDpi xmlns:a14="http://schemas.microsoft.com/office/drawing/2010/main" val="0"/>
-              </a:ext>
-            </a:extLst>
-          </a:blip>
-          <a:srcRect/>
-          <a:stretch>
-            <a:fillRect/>
-          </a:stretch>
-        </p:blipFill>
-        <p:spPr bwMode="auto">
-          <a:xfrm rot="13312511" flipH="1" flipV="1">
-            <a:off x="2415143" y="3777560"/>
-            <a:ext cx="516508" cy="266878"/>
-          </a:xfrm>
-          <a:prstGeom prst="rect">
-            <a:avLst/>
-          </a:prstGeom>
-          <a:noFill/>
-          <a:extLst>
-            <a:ext uri="{909E8E84-426E-40DD-AFC4-6F175D3DCCD1}">
-              <a14:hiddenFill xmlns:a14="http://schemas.microsoft.com/office/drawing/2010/main">
-                <a:solidFill>
-                  <a:srgbClr val="FFFFFF"/>
-                </a:solidFill>
-              </a14:hiddenFill>
-            </a:ext>
-          </a:extLst>
-        </p:spPr>
-      </p:pic>
-      <p:pic>
-        <p:nvPicPr>
-          <p:cNvPr id="24" name="Picture 5" descr="C:\Users\tetsuya\AppData\Local\Microsoft\Windows\INetCache\IE\2BC5JMJI\sgi01a201310150600[1].jpg"/>
+          <p:cNvPr id="26" name="Picture 5" descr="C:\Users\tetsuya\AppData\Local\Microsoft\Windows\INetCache\IE\2BC5JMJI\sgi01a201310150600[1].jpg"/>
           <p:cNvPicPr>
             <a:picLocks noChangeAspect="1" noChangeArrowheads="1"/>
           </p:cNvPicPr>
@@ -16856,7 +19087,7 @@
         </p:blipFill>
         <p:spPr bwMode="auto">
           <a:xfrm>
-            <a:off x="4892338" y="4297607"/>
+            <a:off x="6876256" y="4317020"/>
             <a:ext cx="463488" cy="463488"/>
           </a:xfrm>
           <a:prstGeom prst="rect">
@@ -16874,218 +19105,6 @@
           </a:extLst>
         </p:spPr>
       </p:pic>
-      <p:sp>
-        <p:nvSpPr>
-          <p:cNvPr id="27" name="正方形/長方形 26"/>
-          <p:cNvSpPr/>
-          <p:nvPr/>
-        </p:nvSpPr>
-        <p:spPr>
-          <a:xfrm>
-            <a:off x="4795152" y="3042644"/>
-            <a:ext cx="2441143" cy="2457944"/>
-          </a:xfrm>
-          <a:prstGeom prst="rect">
-            <a:avLst/>
-          </a:prstGeom>
-          <a:solidFill>
-            <a:schemeClr val="bg1">
-              <a:alpha val="75000"/>
-            </a:schemeClr>
-          </a:solidFill>
-          <a:ln>
-            <a:noFill/>
-          </a:ln>
-        </p:spPr>
-        <p:style>
-          <a:lnRef idx="2">
-            <a:schemeClr val="accent1">
-              <a:shade val="50000"/>
-            </a:schemeClr>
-          </a:lnRef>
-          <a:fillRef idx="1">
-            <a:schemeClr val="accent1"/>
-          </a:fillRef>
-          <a:effectRef idx="0">
-            <a:schemeClr val="accent1"/>
-          </a:effectRef>
-          <a:fontRef idx="minor">
-            <a:schemeClr val="lt1"/>
-          </a:fontRef>
-        </p:style>
-        <p:txBody>
-          <a:bodyPr rtlCol="0" anchor="ctr"/>
-          <a:lstStyle/>
-          <a:p>
-            <a:pPr algn="ctr"/>
-            <a:endParaRPr kumimoji="1" lang="ja-JP" altLang="en-US" dirty="0"/>
-          </a:p>
-        </p:txBody>
-      </p:sp>
-      <p:pic>
-        <p:nvPicPr>
-          <p:cNvPr id="30" name="Picture 6" descr="C:\Users\tetsuya\AppData\Local\Microsoft\Windows\INetCache\IE\9LV0U1RZ\arrow-curved-blue[1].png"/>
-          <p:cNvPicPr>
-            <a:picLocks noChangeAspect="1" noChangeArrowheads="1"/>
-          </p:cNvPicPr>
-          <p:nvPr/>
-        </p:nvPicPr>
-        <p:blipFill>
-          <a:blip r:embed="rId5" cstate="print">
-            <a:extLst>
-              <a:ext uri="{28A0092B-C50C-407E-A947-70E740481C1C}">
-                <a14:useLocalDpi xmlns:a14="http://schemas.microsoft.com/office/drawing/2010/main" val="0"/>
-              </a:ext>
-            </a:extLst>
-          </a:blip>
-          <a:srcRect/>
-          <a:stretch>
-            <a:fillRect/>
-          </a:stretch>
-        </p:blipFill>
-        <p:spPr bwMode="auto">
-          <a:xfrm rot="8354884" flipH="1" flipV="1">
-            <a:off x="5184972" y="3806328"/>
-            <a:ext cx="516508" cy="266878"/>
-          </a:xfrm>
-          <a:prstGeom prst="rect">
-            <a:avLst/>
-          </a:prstGeom>
-          <a:noFill/>
-          <a:extLst>
-            <a:ext uri="{909E8E84-426E-40DD-AFC4-6F175D3DCCD1}">
-              <a14:hiddenFill xmlns:a14="http://schemas.microsoft.com/office/drawing/2010/main">
-                <a:solidFill>
-                  <a:srgbClr val="FFFFFF"/>
-                </a:solidFill>
-              </a14:hiddenFill>
-            </a:ext>
-          </a:extLst>
-        </p:spPr>
-      </p:pic>
-      <p:pic>
-        <p:nvPicPr>
-          <p:cNvPr id="31" name="Picture 6" descr="C:\Users\tetsuya\AppData\Local\Microsoft\Windows\INetCache\IE\9LV0U1RZ\arrow-curved-blue[1].png"/>
-          <p:cNvPicPr>
-            <a:picLocks noChangeAspect="1" noChangeArrowheads="1"/>
-          </p:cNvPicPr>
-          <p:nvPr/>
-        </p:nvPicPr>
-        <p:blipFill>
-          <a:blip r:embed="rId5" cstate="print">
-            <a:extLst>
-              <a:ext uri="{28A0092B-C50C-407E-A947-70E740481C1C}">
-                <a14:useLocalDpi xmlns:a14="http://schemas.microsoft.com/office/drawing/2010/main" val="0"/>
-              </a:ext>
-            </a:extLst>
-          </a:blip>
-          <a:srcRect/>
-          <a:stretch>
-            <a:fillRect/>
-          </a:stretch>
-        </p:blipFill>
-        <p:spPr bwMode="auto">
-          <a:xfrm rot="13312511" flipH="1" flipV="1">
-            <a:off x="6519599" y="3777560"/>
-            <a:ext cx="516508" cy="266878"/>
-          </a:xfrm>
-          <a:prstGeom prst="rect">
-            <a:avLst/>
-          </a:prstGeom>
-          <a:noFill/>
-          <a:extLst>
-            <a:ext uri="{909E8E84-426E-40DD-AFC4-6F175D3DCCD1}">
-              <a14:hiddenFill xmlns:a14="http://schemas.microsoft.com/office/drawing/2010/main">
-                <a:solidFill>
-                  <a:srgbClr val="FFFFFF"/>
-                </a:solidFill>
-              </a14:hiddenFill>
-            </a:ext>
-          </a:extLst>
-        </p:spPr>
-      </p:pic>
-      <p:pic>
-        <p:nvPicPr>
-          <p:cNvPr id="34" name="Picture 3" descr="C:\Users\tetsuya\AppData\Local\Microsoft\Windows\INetCache\IE\9PQUV042\sgi01a201409121600[1].jpg"/>
-          <p:cNvPicPr>
-            <a:picLocks noChangeAspect="1" noChangeArrowheads="1"/>
-          </p:cNvPicPr>
-          <p:nvPr/>
-        </p:nvPicPr>
-        <p:blipFill>
-          <a:blip r:embed="rId2" cstate="print">
-            <a:extLst>
-              <a:ext uri="{28A0092B-C50C-407E-A947-70E740481C1C}">
-                <a14:useLocalDpi xmlns:a14="http://schemas.microsoft.com/office/drawing/2010/main" val="0"/>
-              </a:ext>
-            </a:extLst>
-          </a:blip>
-          <a:srcRect/>
-          <a:stretch>
-            <a:fillRect/>
-          </a:stretch>
-        </p:blipFill>
-        <p:spPr bwMode="auto">
-          <a:xfrm>
-            <a:off x="7092280" y="4492476"/>
-            <a:ext cx="936104" cy="936104"/>
-          </a:xfrm>
-          <a:prstGeom prst="rect">
-            <a:avLst/>
-          </a:prstGeom>
-          <a:noFill/>
-          <a:extLst>
-            <a:ext uri="{909E8E84-426E-40DD-AFC4-6F175D3DCCD1}">
-              <a14:hiddenFill xmlns:a14="http://schemas.microsoft.com/office/drawing/2010/main">
-                <a:solidFill>
-                  <a:srgbClr val="FFFFFF"/>
-                </a:solidFill>
-              </a14:hiddenFill>
-            </a:ext>
-          </a:extLst>
-        </p:spPr>
-      </p:pic>
-      <p:pic>
-        <p:nvPicPr>
-          <p:cNvPr id="26" name="Picture 5" descr="C:\Users\tetsuya\AppData\Local\Microsoft\Windows\INetCache\IE\2BC5JMJI\sgi01a201310150600[1].jpg"/>
-          <p:cNvPicPr>
-            <a:picLocks noChangeAspect="1" noChangeArrowheads="1"/>
-          </p:cNvPicPr>
-          <p:nvPr/>
-        </p:nvPicPr>
-        <p:blipFill>
-          <a:blip r:embed="rId3" cstate="print">
-            <a:extLst>
-              <a:ext uri="{28A0092B-C50C-407E-A947-70E740481C1C}">
-                <a14:useLocalDpi xmlns:a14="http://schemas.microsoft.com/office/drawing/2010/main" val="0"/>
-              </a:ext>
-            </a:extLst>
-          </a:blip>
-          <a:srcRect/>
-          <a:stretch>
-            <a:fillRect/>
-          </a:stretch>
-        </p:blipFill>
-        <p:spPr bwMode="auto">
-          <a:xfrm>
-            <a:off x="6876256" y="4317020"/>
-            <a:ext cx="463488" cy="463488"/>
-          </a:xfrm>
-          <a:prstGeom prst="rect">
-            <a:avLst/>
-          </a:prstGeom>
-          <a:noFill/>
-          <a:extLst>
-            <a:ext uri="{909E8E84-426E-40DD-AFC4-6F175D3DCCD1}">
-              <a14:hiddenFill xmlns:a14="http://schemas.microsoft.com/office/drawing/2010/main">
-                <a:solidFill>
-                  <a:srgbClr val="FFFFFF"/>
-                </a:solidFill>
-              </a14:hiddenFill>
-            </a:ext>
-          </a:extLst>
-        </p:spPr>
-      </p:pic>
       <p:pic>
         <p:nvPicPr>
           <p:cNvPr id="35" name="図 34" descr="BIG IMAGE (PNG)"/>
@@ -17095,7 +19114,7 @@
           <p:nvPr/>
         </p:nvPicPr>
         <p:blipFill>
-          <a:blip r:embed="rId6" cstate="print">
+          <a:blip r:embed="rId7" cstate="print">
             <a:extLst>
               <a:ext uri="{28A0092B-C50C-407E-A947-70E740481C1C}">
                 <a14:useLocalDpi xmlns:a14="http://schemas.microsoft.com/office/drawing/2010/main" val="0"/>
@@ -17125,7 +19144,7 @@
           <p:nvPr/>
         </p:nvPicPr>
         <p:blipFill>
-          <a:blip r:embed="rId6" cstate="print">
+          <a:blip r:embed="rId7" cstate="print">
             <a:extLst>
               <a:ext uri="{28A0092B-C50C-407E-A947-70E740481C1C}">
                 <a14:useLocalDpi xmlns:a14="http://schemas.microsoft.com/office/drawing/2010/main" val="0"/>

--- a/slides/seminar_20170111.pptx
+++ b/slides/seminar_20170111.pptx
@@ -145,8 +145,15 @@
         </p15:guide>
       </p15:sldGuideLst>
     </p:ext>
+    <p:ext uri="{2D200454-40CA-4A62-9FC3-DE9A4176ACB9}">
+      <p15:notesGuideLst xmlns:p15="http://schemas.microsoft.com/office/powerpoint/2012/main"/>
+    </p:ext>
   </p:extLst>
 </p:presentation>
+</file>
+
+<file path=ppt/revisionInfo.xml><?xml version="1.0" encoding="utf-8"?>
+<p1510:revInfo xmlns:a="http://schemas.openxmlformats.org/drawingml/2006/main" xmlns:r="http://schemas.openxmlformats.org/officeDocument/2006/relationships" xmlns:p1510="http://schemas.microsoft.com/office/powerpoint/2015/10/main"/>
 </file>
 
 <file path=ppt/notesMasters/notesMaster1.xml><?xml version="1.0" encoding="utf-8"?>
@@ -232,7 +239,7 @@
             <a:fld id="{3842907C-D0AA-4C58-9F94-58B40AD65B29}" type="datetimeFigureOut">
               <a:rPr lang="ja-JP" altLang="en-US"/>
               <a:pPr/>
-              <a:t>2017/1/11</a:t>
+              <a:t>2017/7/3</a:t>
             </a:fld>
             <a:endParaRPr kumimoji="1" lang="ja-JP"/>
           </a:p>
@@ -549,15 +556,15 @@
           <a:lstStyle/>
           <a:p>
             <a:r>
-              <a:rPr kumimoji="1" lang="ja-JP" altLang="en-US" dirty="0" smtClean="0"/>
+              <a:rPr kumimoji="1" lang="ja-JP" altLang="en-US" dirty="0"/>
               <a:t>スティッキー階層ディリクレ過程隠れマルコフモデルを用いた動作情報の符号化と模倣学習への応用というタイトルで </a:t>
             </a:r>
             <a:r>
-              <a:rPr kumimoji="1" lang="en-US" altLang="ja-JP" dirty="0" smtClean="0"/>
+              <a:rPr kumimoji="1" lang="en-US" altLang="ja-JP" dirty="0"/>
               <a:t>M1 </a:t>
             </a:r>
             <a:r>
-              <a:rPr kumimoji="1" lang="ja-JP" altLang="en-US" dirty="0" smtClean="0"/>
+              <a:rPr kumimoji="1" lang="ja-JP" altLang="en-US" dirty="0"/>
               <a:t>の菰田が発表いたします．</a:t>
             </a:r>
             <a:endParaRPr kumimoji="1" lang="ja-JP" dirty="0"/>
@@ -1491,11 +1498,11 @@
           <a:lstStyle/>
           <a:p>
             <a:r>
-              <a:rPr lang="ja-JP" altLang="en-US" dirty="0" smtClean="0"/>
+              <a:rPr lang="ja-JP" altLang="en-US" dirty="0"/>
               <a:t>近年のロボット技術の進展から，人間の生活環境で活動する汎用ロボットの実現が期待されています</a:t>
             </a:r>
             <a:r>
-              <a:rPr lang="en-US" altLang="ja-JP" dirty="0" smtClean="0"/>
+              <a:rPr lang="en-US" altLang="ja-JP" dirty="0"/>
               <a:t>.</a:t>
             </a:r>
           </a:p>
@@ -1504,10 +1511,10 @@
           </a:p>
           <a:p>
             <a:r>
-              <a:rPr lang="ja-JP" altLang="en-US" dirty="0" smtClean="0"/>
+              <a:rPr lang="ja-JP" altLang="en-US" dirty="0"/>
               <a:t>汎用ロボットが持つべき能力として，人の動作を見ただけで意図するところを把握し，模倣する能力が考えられます．</a:t>
             </a:r>
-            <a:endParaRPr lang="en-US" altLang="ja-JP" dirty="0" smtClean="0"/>
+            <a:endParaRPr lang="en-US" altLang="ja-JP" dirty="0"/>
           </a:p>
           <a:p>
             <a:endParaRPr kumimoji="1" lang="en-US" altLang="ja-JP" dirty="0"/>
@@ -1894,6 +1901,91 @@
 </p:notes>
 </file>
 
+<file path=ppt/notesSlides/notesSlide24.xml><?xml version="1.0" encoding="utf-8"?>
+<p:notes xmlns:a="http://schemas.openxmlformats.org/drawingml/2006/main" xmlns:r="http://schemas.openxmlformats.org/officeDocument/2006/relationships" xmlns:p="http://schemas.openxmlformats.org/presentationml/2006/main">
+  <p:cSld>
+    <p:spTree>
+      <p:nvGrpSpPr>
+        <p:cNvPr id="1" name=""/>
+        <p:cNvGrpSpPr/>
+        <p:nvPr/>
+      </p:nvGrpSpPr>
+      <p:grpSpPr>
+        <a:xfrm>
+          <a:off x="0" y="0"/>
+          <a:ext cx="0" cy="0"/>
+          <a:chOff x="0" y="0"/>
+          <a:chExt cx="0" cy="0"/>
+        </a:xfrm>
+      </p:grpSpPr>
+      <p:sp>
+        <p:nvSpPr>
+          <p:cNvPr id="2" name="スライド イメージ プレースホルダー 1"/>
+          <p:cNvSpPr>
+            <a:spLocks noGrp="1" noRot="1" noChangeAspect="1"/>
+          </p:cNvSpPr>
+          <p:nvPr>
+            <p:ph type="sldImg"/>
+          </p:nvPr>
+        </p:nvSpPr>
+        <p:spPr/>
+      </p:sp>
+      <p:sp>
+        <p:nvSpPr>
+          <p:cNvPr id="3" name="ノート プレースホルダー 2"/>
+          <p:cNvSpPr>
+            <a:spLocks noGrp="1"/>
+          </p:cNvSpPr>
+          <p:nvPr>
+            <p:ph type="body" idx="1"/>
+          </p:nvPr>
+        </p:nvSpPr>
+        <p:spPr/>
+        <p:txBody>
+          <a:bodyPr/>
+          <a:lstStyle/>
+          <a:p>
+            <a:endParaRPr kumimoji="1" lang="ja-JP" altLang="en-US"/>
+          </a:p>
+        </p:txBody>
+      </p:sp>
+      <p:sp>
+        <p:nvSpPr>
+          <p:cNvPr id="4" name="スライド番号プレースホルダー 3"/>
+          <p:cNvSpPr>
+            <a:spLocks noGrp="1"/>
+          </p:cNvSpPr>
+          <p:nvPr>
+            <p:ph type="sldNum" sz="quarter" idx="10"/>
+          </p:nvPr>
+        </p:nvSpPr>
+        <p:spPr/>
+        <p:txBody>
+          <a:bodyPr/>
+          <a:lstStyle/>
+          <a:p>
+            <a:fld id="{1D76769E-C829-4283-B80E-CB90D995C291}" type="slidenum">
+              <a:rPr lang="en-US" altLang="ja-JP" smtClean="0"/>
+              <a:pPr/>
+              <a:t>24</a:t>
+            </a:fld>
+            <a:endParaRPr kumimoji="1" lang="ja-JP" altLang="en-US"/>
+          </a:p>
+        </p:txBody>
+      </p:sp>
+    </p:spTree>
+    <p:extLst>
+      <p:ext uri="{BB962C8B-B14F-4D97-AF65-F5344CB8AC3E}">
+        <p14:creationId xmlns:p14="http://schemas.microsoft.com/office/powerpoint/2010/main" val="3383720343"/>
+      </p:ext>
+    </p:extLst>
+  </p:cSld>
+  <p:clrMapOvr>
+    <a:masterClrMapping/>
+  </p:clrMapOvr>
+</p:notes>
+</file>
+
 <file path=ppt/notesSlides/notesSlide3.xml><?xml version="1.0" encoding="utf-8"?>
 <p:notes xmlns:a="http://schemas.openxmlformats.org/drawingml/2006/main" xmlns:r="http://schemas.openxmlformats.org/officeDocument/2006/relationships" xmlns:p="http://schemas.openxmlformats.org/presentationml/2006/main">
   <p:cSld>
@@ -1939,25 +2031,17 @@
           <a:lstStyle/>
           <a:p>
             <a:r>
-              <a:rPr lang="ja-JP" altLang="en-US" dirty="0" smtClean="0"/>
-              <a:t>卒業</a:t>
-            </a:r>
-            <a:r>
               <a:rPr lang="ja-JP" altLang="en-US" dirty="0"/>
-              <a:t>研究</a:t>
-            </a:r>
-            <a:r>
-              <a:rPr lang="ja-JP" altLang="en-US" dirty="0" smtClean="0"/>
-              <a:t>では，物体を移動させる動作から，その動作による移動物体の目標位置を周りの環境から推定する手法についてあつかいました．</a:t>
-            </a:r>
-            <a:endParaRPr lang="en-US" altLang="ja-JP" dirty="0" smtClean="0"/>
+              <a:t>卒業研究では，物体を移動させる動作から，その動作による移動物体の目標位置を周りの環境から推定する手法についてあつかいました．</a:t>
+            </a:r>
+            <a:endParaRPr lang="en-US" altLang="ja-JP" dirty="0"/>
           </a:p>
           <a:p>
             <a:endParaRPr kumimoji="1" lang="en-US" altLang="ja-JP" dirty="0"/>
           </a:p>
           <a:p>
             <a:r>
-              <a:rPr lang="ja-JP" altLang="en-US" dirty="0" smtClean="0"/>
+              <a:rPr lang="ja-JP" altLang="en-US" dirty="0"/>
               <a:t>例えば～</a:t>
             </a:r>
             <a:endParaRPr kumimoji="1" lang="ja-JP" altLang="en-US" dirty="0"/>
@@ -2046,33 +2130,17 @@
           <a:lstStyle/>
           <a:p>
             <a:r>
-              <a:rPr lang="ja-JP" altLang="en-US" dirty="0" smtClean="0"/>
-              <a:t>その</a:t>
-            </a:r>
-            <a:r>
               <a:rPr lang="ja-JP" altLang="en-US" dirty="0"/>
-              <a:t>問題</a:t>
-            </a:r>
-            <a:r>
-              <a:rPr lang="ja-JP" altLang="en-US" dirty="0" smtClean="0"/>
-              <a:t>を</a:t>
-            </a:r>
+              <a:t>その問題を解決するために～</a:t>
+            </a:r>
+            <a:endParaRPr lang="en-US" altLang="ja-JP" dirty="0"/>
+          </a:p>
+          <a:p>
+            <a:endParaRPr kumimoji="1" lang="en-US" altLang="ja-JP" dirty="0"/>
+          </a:p>
+          <a:p>
             <a:r>
               <a:rPr lang="ja-JP" altLang="en-US" dirty="0"/>
-              <a:t>解決</a:t>
-            </a:r>
-            <a:r>
-              <a:rPr lang="ja-JP" altLang="en-US" dirty="0" smtClean="0"/>
-              <a:t>するために～</a:t>
-            </a:r>
-            <a:endParaRPr lang="en-US" altLang="ja-JP" dirty="0" smtClean="0"/>
-          </a:p>
-          <a:p>
-            <a:endParaRPr kumimoji="1" lang="en-US" altLang="ja-JP" dirty="0"/>
-          </a:p>
-          <a:p>
-            <a:r>
-              <a:rPr lang="ja-JP" altLang="en-US" dirty="0" smtClean="0"/>
               <a:t>卒業研究では～ガウス～</a:t>
             </a:r>
             <a:endParaRPr kumimoji="1" lang="ja-JP" altLang="en-US" dirty="0"/>
@@ -2246,24 +2314,24 @@
           <a:lstStyle/>
           <a:p>
             <a:r>
-              <a:rPr kumimoji="1" lang="ja-JP" altLang="en-US" dirty="0" smtClean="0"/>
+              <a:rPr kumimoji="1" lang="ja-JP" altLang="en-US" dirty="0"/>
               <a:t>卒業研究の課題として，動作を最初と最後の環境の変化と仮定している点が挙げられます．</a:t>
             </a:r>
-            <a:endParaRPr kumimoji="1" lang="en-US" altLang="ja-JP" dirty="0" smtClean="0"/>
-          </a:p>
-          <a:p>
-            <a:r>
-              <a:rPr kumimoji="1" lang="ja-JP" altLang="en-US" dirty="0" smtClean="0"/>
+            <a:endParaRPr kumimoji="1" lang="en-US" altLang="ja-JP" dirty="0"/>
+          </a:p>
+          <a:p>
+            <a:r>
+              <a:rPr kumimoji="1" lang="ja-JP" altLang="en-US" dirty="0"/>
               <a:t>実際の多様な動作を学習するには，これでは十分ではないと考えられます．</a:t>
             </a:r>
-            <a:endParaRPr kumimoji="1" lang="en-US" altLang="ja-JP" dirty="0" smtClean="0"/>
-          </a:p>
-          <a:p>
-            <a:r>
-              <a:rPr lang="ja-JP" altLang="en-US" dirty="0" smtClean="0"/>
+            <a:endParaRPr kumimoji="1" lang="en-US" altLang="ja-JP" dirty="0"/>
+          </a:p>
+          <a:p>
+            <a:r>
+              <a:rPr lang="ja-JP" altLang="en-US" dirty="0"/>
               <a:t>例えば～</a:t>
             </a:r>
-            <a:endParaRPr lang="en-US" altLang="ja-JP" dirty="0" smtClean="0"/>
+            <a:endParaRPr lang="en-US" altLang="ja-JP" dirty="0"/>
           </a:p>
           <a:p>
             <a:endParaRPr kumimoji="1" lang="en-US" altLang="ja-JP" dirty="0"/>
@@ -2355,20 +2423,19 @@
           <a:lstStyle/>
           <a:p>
             <a:r>
-              <a:rPr kumimoji="1" lang="ja-JP" altLang="en-US" dirty="0" smtClean="0"/>
+              <a:rPr kumimoji="1" lang="ja-JP" altLang="en-US" dirty="0"/>
               <a:t>これを解決するためには，教示動作の中から重要な「途中状態」を抽出し，これを用いて状態変化のシーケンスとして動作を学習する方法が考えられます．</a:t>
             </a:r>
-            <a:endParaRPr kumimoji="1" lang="en-US" altLang="ja-JP" dirty="0" smtClean="0"/>
+            <a:endParaRPr kumimoji="1" lang="en-US" altLang="ja-JP" dirty="0"/>
           </a:p>
           <a:p>
             <a:endParaRPr lang="en-US" altLang="ja-JP" dirty="0"/>
           </a:p>
           <a:p>
             <a:r>
-              <a:rPr kumimoji="1" lang="ja-JP" altLang="en-US" dirty="0" smtClean="0"/>
+              <a:rPr kumimoji="1" lang="ja-JP" altLang="en-US" dirty="0"/>
               <a:t>しかし，そのためには～</a:t>
             </a:r>
-            <a:endParaRPr kumimoji="1" lang="ja-JP" altLang="en-US" dirty="0"/>
           </a:p>
         </p:txBody>
       </p:sp>
@@ -2455,23 +2522,19 @@
           <a:p>
             <a:r>
               <a:rPr lang="ja-JP" altLang="en-US" dirty="0"/>
-              <a:t>経由</a:t>
-            </a:r>
-            <a:r>
-              <a:rPr lang="ja-JP" altLang="en-US" dirty="0" smtClean="0"/>
-              <a:t>するべき重要な途中状態とは動作の意味的な境界であると考えられるため，途中状態を抽出するために動作情報を符号化してプリミティブ列に変換することが有効であると考えられます．</a:t>
-            </a:r>
-            <a:endParaRPr lang="en-US" altLang="ja-JP" dirty="0" smtClean="0"/>
+              <a:t>経由するべき重要な途中状態とは動作の意味的な境界であると考えられるため，途中状態を抽出するために動作情報を符号化してプリミティブ列に変換することが有効であると考えられます．</a:t>
+            </a:r>
+            <a:endParaRPr lang="en-US" altLang="ja-JP" dirty="0"/>
           </a:p>
           <a:p>
             <a:endParaRPr kumimoji="1" lang="en-US" altLang="ja-JP" dirty="0"/>
           </a:p>
           <a:p>
             <a:r>
-              <a:rPr lang="ja-JP" altLang="en-US" dirty="0" smtClean="0"/>
+              <a:rPr lang="ja-JP" altLang="en-US" dirty="0"/>
               <a:t>連続的な動作を符号化する手法として，隠れマルコフモデルが存在しますが，隠れマルコフモデルを動作情報の符号化に適用する場合，いくつか困難があります．</a:t>
             </a:r>
-            <a:endParaRPr lang="en-US" altLang="ja-JP" dirty="0" smtClean="0"/>
+            <a:endParaRPr lang="en-US" altLang="ja-JP" dirty="0"/>
           </a:p>
           <a:p>
             <a:endParaRPr kumimoji="1" lang="en-US" altLang="ja-JP"/>
@@ -3220,7 +3283,7 @@
           <a:p>
             <a:fld id="{3F3E5699-9859-4C4F-803B-003363EE19A9}" type="datetime2">
               <a:rPr lang="ja-JP" altLang="en-US" smtClean="0"/>
-              <a:t>2017年1月11日(水)</a:t>
+              <a:t>2017年7月3日(月)</a:t>
             </a:fld>
             <a:endParaRPr kumimoji="1" lang="ja-JP">
               <a:solidFill>
@@ -3457,7 +3520,7 @@
           <a:p>
             <a:fld id="{F519B4BB-12FF-4F6D-8335-9E038728215F}" type="datetime2">
               <a:rPr lang="ja-JP" altLang="en-US" smtClean="0"/>
-              <a:t>2017年1月11日(水)</a:t>
+              <a:t>2017年7月3日(月)</a:t>
             </a:fld>
             <a:endParaRPr kumimoji="1" lang="ja-JP"/>
           </a:p>
@@ -3671,7 +3734,7 @@
           <a:p>
             <a:fld id="{F97B6024-7D26-401C-8716-7AFB5B25E502}" type="datetime2">
               <a:rPr lang="ja-JP" altLang="en-US" smtClean="0"/>
-              <a:t>2017年1月11日(水)</a:t>
+              <a:t>2017年7月3日(月)</a:t>
             </a:fld>
             <a:endParaRPr kumimoji="1" lang="ja-JP"/>
           </a:p>
@@ -3857,7 +3920,7 @@
           <a:p>
             <a:fld id="{1B7F3CC2-AF05-4C21-9B69-4594DDC89621}" type="datetime2">
               <a:rPr lang="ja-JP" altLang="en-US" smtClean="0"/>
-              <a:t>2017年1月11日(水)</a:t>
+              <a:t>2017年7月3日(月)</a:t>
             </a:fld>
             <a:endParaRPr kumimoji="1" lang="ja-JP"/>
           </a:p>
@@ -4119,7 +4182,7 @@
           <a:p>
             <a:fld id="{881127DD-7715-4C8B-8EAB-B838DCC6F5B1}" type="datetime2">
               <a:rPr lang="ja-JP" altLang="en-US" smtClean="0"/>
-              <a:t>2017年1月11日(水)</a:t>
+              <a:t>2017年7月3日(月)</a:t>
             </a:fld>
             <a:endParaRPr kumimoji="1" lang="ja-JP"/>
           </a:p>
@@ -4583,7 +4646,7 @@
           <a:p>
             <a:fld id="{B4086E4F-B866-4DD2-BE6C-CD2596F9F07D}" type="datetime2">
               <a:rPr lang="ja-JP" altLang="en-US" smtClean="0"/>
-              <a:t>2017年1月11日(水)</a:t>
+              <a:t>2017年7月3日(月)</a:t>
             </a:fld>
             <a:endParaRPr kumimoji="1" lang="ja-JP"/>
           </a:p>
@@ -5086,7 +5149,7 @@
           <a:p>
             <a:fld id="{F1CBB45F-F92C-4B19-88CE-FAE95638D3DA}" type="datetime2">
               <a:rPr lang="ja-JP" altLang="en-US" smtClean="0"/>
-              <a:t>2017年1月11日(水)</a:t>
+              <a:t>2017年7月3日(月)</a:t>
             </a:fld>
             <a:endParaRPr kumimoji="1" lang="ja-JP"/>
           </a:p>
@@ -5182,7 +5245,7 @@
           <a:p>
             <a:fld id="{AC3BEF3F-6060-4D5F-BD07-8DCD52769B53}" type="datetime2">
               <a:rPr lang="ja-JP" altLang="en-US" smtClean="0"/>
-              <a:t>2017年1月11日(水)</a:t>
+              <a:t>2017年7月3日(月)</a:t>
             </a:fld>
             <a:endParaRPr kumimoji="1" lang="ja-JP"/>
           </a:p>
@@ -5296,7 +5359,7 @@
           <a:p>
             <a:fld id="{8AFA3A87-A860-4529-9C5F-AD2A11F55D8E}" type="datetime2">
               <a:rPr lang="ja-JP" altLang="en-US" smtClean="0"/>
-              <a:t>2017年1月11日(水)</a:t>
+              <a:t>2017年7月3日(月)</a:t>
             </a:fld>
             <a:endParaRPr kumimoji="1" lang="ja-JP"/>
           </a:p>
@@ -5597,7 +5660,7 @@
           <a:p>
             <a:fld id="{63ED7C5A-500B-420B-A797-CAA96632EBF6}" type="datetime2">
               <a:rPr lang="ja-JP" altLang="en-US" smtClean="0"/>
-              <a:t>2017年1月11日(水)</a:t>
+              <a:t>2017年7月3日(月)</a:t>
             </a:fld>
             <a:endParaRPr kumimoji="1" lang="ja-JP"/>
           </a:p>
@@ -5799,7 +5862,7 @@
           <a:p>
             <a:fld id="{8A367512-A212-4F81-BEFF-6FFB1854B911}" type="datetime2">
               <a:rPr lang="ja-JP" altLang="en-US" smtClean="0"/>
-              <a:t>2017年1月11日(水)</a:t>
+              <a:t>2017年7月3日(月)</a:t>
             </a:fld>
             <a:endParaRPr kumimoji="1" lang="ja-JP">
               <a:solidFill>
@@ -6927,7 +6990,7 @@
           <a:p>
             <a:fld id="{7F632726-B4C3-4149-AAC7-14FFCF642318}" type="datetime2">
               <a:rPr lang="ja-JP" altLang="en-US" smtClean="0"/>
-              <a:t>2017年1月11日(水)</a:t>
+              <a:t>2017年7月3日(月)</a:t>
             </a:fld>
             <a:endParaRPr kumimoji="1" lang="ja-JP" sz="1000">
               <a:solidFill>
@@ -13990,7 +14053,7 @@
           <a:lstStyle/>
           <a:p>
             <a:r>
-              <a:rPr kumimoji="1" lang="en-US" altLang="ja-JP" dirty="0" smtClean="0"/>
+              <a:rPr kumimoji="1" lang="en-US" altLang="ja-JP" dirty="0"/>
               <a:t>[1] </a:t>
             </a:r>
             <a:r>
@@ -14035,21 +14098,17 @@
             </a:r>
             <a:r>
               <a:rPr lang="en-US" altLang="ja-JP" dirty="0"/>
-              <a:t>. IEEE, 2011</a:t>
-            </a:r>
-            <a:r>
-              <a:rPr lang="en-US" altLang="ja-JP" dirty="0" smtClean="0"/>
-              <a:t>.</a:t>
-            </a:r>
-            <a:endParaRPr kumimoji="1" lang="en-US" altLang="ja-JP" dirty="0" smtClean="0"/>
-          </a:p>
-          <a:p>
-            <a:r>
-              <a:rPr lang="en-US" altLang="ja-JP" dirty="0" smtClean="0"/>
+              <a:t>. IEEE, 2011.</a:t>
+            </a:r>
+            <a:endParaRPr kumimoji="1" lang="en-US" altLang="ja-JP" dirty="0"/>
+          </a:p>
+          <a:p>
+            <a:r>
+              <a:rPr lang="en-US" altLang="ja-JP" dirty="0"/>
               <a:t>[2]</a:t>
             </a:r>
             <a:r>
-              <a:rPr kumimoji="1" lang="en-US" altLang="ja-JP" dirty="0" smtClean="0"/>
+              <a:rPr kumimoji="1" lang="en-US" altLang="ja-JP" dirty="0"/>
               <a:t> </a:t>
             </a:r>
             <a:r>
@@ -14078,17 +14137,13 @@
             </a:r>
             <a:r>
               <a:rPr lang="en-US" altLang="ja-JP" dirty="0"/>
-              <a:t> 1 (2010</a:t>
-            </a:r>
-            <a:r>
-              <a:rPr lang="en-US" altLang="ja-JP" dirty="0" smtClean="0"/>
-              <a:t>).</a:t>
-            </a:r>
-            <a:endParaRPr kumimoji="1" lang="en-US" altLang="ja-JP" dirty="0" smtClean="0"/>
-          </a:p>
-          <a:p>
-            <a:r>
-              <a:rPr lang="en-US" altLang="ja-JP" dirty="0" smtClean="0"/>
+              <a:t> 1 (2010).</a:t>
+            </a:r>
+            <a:endParaRPr kumimoji="1" lang="en-US" altLang="ja-JP" dirty="0"/>
+          </a:p>
+          <a:p>
+            <a:r>
+              <a:rPr lang="en-US" altLang="ja-JP" dirty="0"/>
               <a:t>[3]</a:t>
             </a:r>
             <a:r>
@@ -14133,16 +14188,12 @@
             </a:r>
             <a:r>
               <a:rPr lang="en-US" altLang="ja-JP" dirty="0"/>
-              <a:t>2009-NL (2009): 190</a:t>
-            </a:r>
-            <a:r>
-              <a:rPr lang="en-US" altLang="ja-JP" dirty="0" smtClean="0"/>
-              <a:t>.</a:t>
-            </a:r>
-          </a:p>
-          <a:p>
-            <a:r>
-              <a:rPr kumimoji="1" lang="en-US" altLang="ja-JP" dirty="0" smtClean="0"/>
+              <a:t>2009-NL (2009): 190.</a:t>
+            </a:r>
+          </a:p>
+          <a:p>
+            <a:r>
+              <a:rPr kumimoji="1" lang="en-US" altLang="ja-JP" dirty="0"/>
               <a:t>[4]</a:t>
             </a:r>
             <a:r>
@@ -14211,11 +14262,7 @@
             </a:r>
             <a:r>
               <a:rPr lang="en-US" altLang="ja-JP" dirty="0"/>
-              <a:t>30.3 (2015): 404</a:t>
-            </a:r>
-            <a:r>
-              <a:rPr lang="en-US" altLang="ja-JP" dirty="0" smtClean="0"/>
-              <a:t>.</a:t>
+              <a:t>30.3 (2015): 404.</a:t>
             </a:r>
           </a:p>
           <a:p>
@@ -14245,17 +14292,12 @@
             </a:r>
             <a:r>
               <a:rPr lang="en-US" altLang="ja-JP" dirty="0"/>
-              <a:t>. IEEE, 2012</a:t>
-            </a:r>
-            <a:r>
-              <a:rPr lang="en-US" altLang="ja-JP" dirty="0" smtClean="0"/>
-              <a:t>.</a:t>
-            </a:r>
-            <a:endParaRPr lang="en-US" altLang="ja-JP" dirty="0"/>
-          </a:p>
-          <a:p>
-            <a:r>
-              <a:rPr kumimoji="1" lang="en-US" altLang="ja-JP" dirty="0" smtClean="0"/>
+              <a:t>. IEEE, 2012.</a:t>
+            </a:r>
+          </a:p>
+          <a:p>
+            <a:r>
+              <a:rPr kumimoji="1" lang="en-US" altLang="ja-JP" dirty="0"/>
               <a:t>[6] </a:t>
             </a:r>
             <a:r>
@@ -14268,24 +14310,20 @@
             </a:r>
             <a:r>
               <a:rPr lang="en-US" altLang="ja-JP" dirty="0"/>
-              <a:t>. ACM, 2008</a:t>
-            </a:r>
-            <a:r>
-              <a:rPr lang="en-US" altLang="ja-JP" dirty="0" smtClean="0"/>
-              <a:t>.</a:t>
-            </a:r>
-            <a:endParaRPr kumimoji="1" lang="en-US" altLang="ja-JP" dirty="0" smtClean="0"/>
-          </a:p>
-          <a:p>
-            <a:r>
-              <a:rPr kumimoji="1" lang="en-US" altLang="ja-JP" dirty="0" smtClean="0"/>
+              <a:t>. ACM, 2008.</a:t>
+            </a:r>
+            <a:endParaRPr kumimoji="1" lang="en-US" altLang="ja-JP" dirty="0"/>
+          </a:p>
+          <a:p>
+            <a:r>
+              <a:rPr kumimoji="1" lang="en-US" altLang="ja-JP" dirty="0"/>
               <a:t>[7</a:t>
             </a:r>
             <a:r>
               <a:rPr lang="en-US" altLang="ja-JP" dirty="0"/>
               <a:t>] Skeletal Joint Smoothing White Paper , https://msdn.microsoft.com/ja-jp/library/jj131429.aspx</a:t>
             </a:r>
-            <a:endParaRPr kumimoji="1" lang="en-US" altLang="ja-JP" dirty="0" smtClean="0"/>
+            <a:endParaRPr kumimoji="1" lang="en-US" altLang="ja-JP" dirty="0"/>
           </a:p>
           <a:p>
             <a:endParaRPr kumimoji="1" lang="ja-JP" altLang="en-US" dirty="0"/>
@@ -18410,15 +18448,7 @@
           <a:p>
             <a:r>
               <a:rPr lang="en-US" altLang="ja-JP" dirty="0"/>
-              <a:t>But, it has to be considered which </a:t>
-            </a:r>
-            <a:r>
-              <a:rPr lang="en-US" altLang="ja-JP" dirty="0" smtClean="0"/>
-              <a:t>(i.e. </a:t>
-            </a:r>
-            <a:r>
-              <a:rPr lang="en-US" altLang="ja-JP" dirty="0"/>
-              <a:t>when) states are need for learn.</a:t>
+              <a:t>But, it has to be considered which (i.e. when) states are need for learn.</a:t>
             </a:r>
           </a:p>
         </p:txBody>
